--- a/DokuLayerAssignment/ZwischenPräsentation.pptx
+++ b/DokuLayerAssignment/ZwischenPräsentation.pptx
@@ -7,13 +7,19 @@
   </p:sldMasterIdLst>
   <p:sldIdLst>
     <p:sldId id="256" r:id="rId3"/>
-    <p:sldId id="257" r:id="rId4"/>
-    <p:sldId id="262" r:id="rId5"/>
-    <p:sldId id="263" r:id="rId6"/>
-    <p:sldId id="264" r:id="rId7"/>
-    <p:sldId id="265" r:id="rId8"/>
-    <p:sldId id="267" r:id="rId9"/>
-    <p:sldId id="266" r:id="rId10"/>
+    <p:sldId id="269" r:id="rId4"/>
+    <p:sldId id="271" r:id="rId5"/>
+    <p:sldId id="257" r:id="rId6"/>
+    <p:sldId id="270" r:id="rId7"/>
+    <p:sldId id="262" r:id="rId8"/>
+    <p:sldId id="263" r:id="rId9"/>
+    <p:sldId id="264" r:id="rId10"/>
+    <p:sldId id="265" r:id="rId11"/>
+    <p:sldId id="274" r:id="rId12"/>
+    <p:sldId id="267" r:id="rId13"/>
+    <p:sldId id="275" r:id="rId14"/>
+    <p:sldId id="266" r:id="rId15"/>
+    <p:sldId id="273" r:id="rId16"/>
   </p:sldIdLst>
   <p:sldSz cx="12192000" cy="6858000"/>
   <p:notesSz cx="6858000" cy="9144000"/>
@@ -6139,7 +6145,7757 @@
 </p:sld>
 </file>
 
+<file path=ppt/slides/slide10.xml><?xml version="1.0" encoding="utf-8"?>
+<p:sld xmlns:a="http://schemas.openxmlformats.org/drawingml/2006/main" xmlns:r="http://schemas.openxmlformats.org/officeDocument/2006/relationships" xmlns:p="http://schemas.openxmlformats.org/presentationml/2006/main">
+  <p:cSld>
+    <p:spTree>
+      <p:nvGrpSpPr>
+        <p:cNvPr id="1" name=""/>
+        <p:cNvGrpSpPr/>
+        <p:nvPr/>
+      </p:nvGrpSpPr>
+      <p:grpSpPr>
+        <a:xfrm>
+          <a:off x="0" y="0"/>
+          <a:ext cx="0" cy="0"/>
+          <a:chOff x="0" y="0"/>
+          <a:chExt cx="0" cy="0"/>
+        </a:xfrm>
+      </p:grpSpPr>
+      <p:grpSp>
+        <p:nvGrpSpPr>
+          <p:cNvPr id="48" name="Gruppieren 47">
+            <a:extLst>
+              <a:ext uri="{FF2B5EF4-FFF2-40B4-BE49-F238E27FC236}">
+                <a16:creationId xmlns:a16="http://schemas.microsoft.com/office/drawing/2014/main" id="{6356DDCD-D861-4F26-9389-7475C73C60B6}"/>
+              </a:ext>
+            </a:extLst>
+          </p:cNvPr>
+          <p:cNvGrpSpPr>
+            <a:grpSpLocks noChangeAspect="1"/>
+          </p:cNvGrpSpPr>
+          <p:nvPr/>
+        </p:nvGrpSpPr>
+        <p:grpSpPr>
+          <a:xfrm>
+            <a:off x="217785" y="197006"/>
+            <a:ext cx="1898691" cy="489676"/>
+            <a:chOff x="971999" y="3600000"/>
+            <a:chExt cx="9264709" cy="1904917"/>
+          </a:xfrm>
+        </p:grpSpPr>
+        <p:grpSp>
+          <p:nvGrpSpPr>
+            <p:cNvPr id="49" name="Gruppieren 48">
+              <a:extLst>
+                <a:ext uri="{FF2B5EF4-FFF2-40B4-BE49-F238E27FC236}">
+                  <a16:creationId xmlns:a16="http://schemas.microsoft.com/office/drawing/2014/main" id="{9B720246-400B-4D36-92E4-23FB1622A331}"/>
+                </a:ext>
+              </a:extLst>
+            </p:cNvPr>
+            <p:cNvGrpSpPr/>
+            <p:nvPr/>
+          </p:nvGrpSpPr>
+          <p:grpSpPr>
+            <a:xfrm>
+              <a:off x="971999" y="3600000"/>
+              <a:ext cx="3442748" cy="1219238"/>
+              <a:chOff x="1065285" y="3182901"/>
+              <a:chExt cx="3442749" cy="1219236"/>
+            </a:xfrm>
+          </p:grpSpPr>
+          <p:sp>
+            <p:nvSpPr>
+              <p:cNvPr id="56" name="Rechteck: eine Ecke abgeschnitten 55">
+                <a:extLst>
+                  <a:ext uri="{FF2B5EF4-FFF2-40B4-BE49-F238E27FC236}">
+                    <a16:creationId xmlns:a16="http://schemas.microsoft.com/office/drawing/2014/main" id="{DA4AA6FE-4976-4C0A-812E-E392E5BB0447}"/>
+                  </a:ext>
+                </a:extLst>
+              </p:cNvPr>
+              <p:cNvSpPr/>
+              <p:nvPr/>
+            </p:nvSpPr>
+            <p:spPr>
+              <a:xfrm flipV="1">
+                <a:off x="1065285" y="3182901"/>
+                <a:ext cx="3442749" cy="1219236"/>
+              </a:xfrm>
+              <a:prstGeom prst="snip1Rect">
+                <a:avLst>
+                  <a:gd name="adj" fmla="val 50000"/>
+                </a:avLst>
+              </a:prstGeom>
+              <a:solidFill>
+                <a:srgbClr val="251658"/>
+              </a:solidFill>
+              <a:ln w="28575">
+                <a:solidFill>
+                  <a:srgbClr val="8C81AF"/>
+                </a:solidFill>
+              </a:ln>
+              <a:effectLst>
+                <a:glow>
+                  <a:schemeClr val="accent4">
+                    <a:lumMod val="20000"/>
+                    <a:lumOff val="80000"/>
+                  </a:schemeClr>
+                </a:glow>
+              </a:effectLst>
+            </p:spPr>
+            <p:style>
+              <a:lnRef idx="2">
+                <a:schemeClr val="accent1">
+                  <a:shade val="50000"/>
+                </a:schemeClr>
+              </a:lnRef>
+              <a:fillRef idx="1">
+                <a:schemeClr val="accent1"/>
+              </a:fillRef>
+              <a:effectRef idx="0">
+                <a:schemeClr val="accent1"/>
+              </a:effectRef>
+              <a:fontRef idx="minor">
+                <a:schemeClr val="lt1"/>
+              </a:fontRef>
+            </p:style>
+            <p:txBody>
+              <a:bodyPr rtlCol="0" anchor="ctr"/>
+              <a:lstStyle/>
+              <a:p>
+                <a:pPr algn="ctr"/>
+                <a:endParaRPr lang="de-DE" dirty="0"/>
+              </a:p>
+            </p:txBody>
+          </p:sp>
+          <p:sp>
+            <p:nvSpPr>
+              <p:cNvPr id="57" name="Rechteck 56">
+                <a:extLst>
+                  <a:ext uri="{FF2B5EF4-FFF2-40B4-BE49-F238E27FC236}">
+                    <a16:creationId xmlns:a16="http://schemas.microsoft.com/office/drawing/2014/main" id="{0493D65A-6A20-4F4F-877C-AB97A7EDD51F}"/>
+                  </a:ext>
+                </a:extLst>
+              </p:cNvPr>
+              <p:cNvSpPr/>
+              <p:nvPr/>
+            </p:nvSpPr>
+            <p:spPr>
+              <a:xfrm>
+                <a:off x="1602562" y="3457072"/>
+                <a:ext cx="2368195" cy="648861"/>
+              </a:xfrm>
+              <a:prstGeom prst="rect">
+                <a:avLst/>
+              </a:prstGeom>
+              <a:noFill/>
+              <a:ln>
+                <a:noFill/>
+              </a:ln>
+            </p:spPr>
+            <p:style>
+              <a:lnRef idx="2">
+                <a:schemeClr val="accent1">
+                  <a:shade val="50000"/>
+                </a:schemeClr>
+              </a:lnRef>
+              <a:fillRef idx="1">
+                <a:schemeClr val="accent1"/>
+              </a:fillRef>
+              <a:effectRef idx="0">
+                <a:schemeClr val="accent1"/>
+              </a:effectRef>
+              <a:fontRef idx="minor">
+                <a:schemeClr val="lt1"/>
+              </a:fontRef>
+            </p:style>
+            <p:txBody>
+              <a:bodyPr rtlCol="0" anchor="ctr"/>
+              <a:lstStyle/>
+              <a:p>
+                <a:pPr algn="ctr"/>
+                <a:endParaRPr lang="de-DE" dirty="0">
+                  <a:solidFill>
+                    <a:srgbClr val="8C81AF"/>
+                  </a:solidFill>
+                </a:endParaRPr>
+              </a:p>
+            </p:txBody>
+          </p:sp>
+        </p:grpSp>
+        <p:grpSp>
+          <p:nvGrpSpPr>
+            <p:cNvPr id="50" name="Gruppieren 49">
+              <a:extLst>
+                <a:ext uri="{FF2B5EF4-FFF2-40B4-BE49-F238E27FC236}">
+                  <a16:creationId xmlns:a16="http://schemas.microsoft.com/office/drawing/2014/main" id="{82E29463-0AC5-4A85-B16F-A8EF48838661}"/>
+                </a:ext>
+              </a:extLst>
+            </p:cNvPr>
+            <p:cNvGrpSpPr/>
+            <p:nvPr/>
+          </p:nvGrpSpPr>
+          <p:grpSpPr>
+            <a:xfrm>
+              <a:off x="6793960" y="3600000"/>
+              <a:ext cx="3442748" cy="1219238"/>
+              <a:chOff x="6899605" y="3171884"/>
+              <a:chExt cx="3442747" cy="1219236"/>
+            </a:xfrm>
+          </p:grpSpPr>
+          <p:sp>
+            <p:nvSpPr>
+              <p:cNvPr id="54" name="Rechteck: eine Ecke abgeschnitten 53">
+                <a:extLst>
+                  <a:ext uri="{FF2B5EF4-FFF2-40B4-BE49-F238E27FC236}">
+                    <a16:creationId xmlns:a16="http://schemas.microsoft.com/office/drawing/2014/main" id="{F552EA60-1D8A-4890-8452-7495AD6E5EA3}"/>
+                  </a:ext>
+                </a:extLst>
+              </p:cNvPr>
+              <p:cNvSpPr/>
+              <p:nvPr/>
+            </p:nvSpPr>
+            <p:spPr>
+              <a:xfrm flipH="1" flipV="1">
+                <a:off x="6899605" y="3171884"/>
+                <a:ext cx="3442747" cy="1219236"/>
+              </a:xfrm>
+              <a:prstGeom prst="snip1Rect">
+                <a:avLst>
+                  <a:gd name="adj" fmla="val 50000"/>
+                </a:avLst>
+              </a:prstGeom>
+              <a:solidFill>
+                <a:schemeClr val="bg1">
+                  <a:lumMod val="85000"/>
+                </a:schemeClr>
+              </a:solidFill>
+              <a:ln w="28575">
+                <a:solidFill>
+                  <a:schemeClr val="bg1">
+                    <a:lumMod val="75000"/>
+                  </a:schemeClr>
+                </a:solidFill>
+              </a:ln>
+            </p:spPr>
+            <p:style>
+              <a:lnRef idx="2">
+                <a:schemeClr val="accent1">
+                  <a:shade val="50000"/>
+                </a:schemeClr>
+              </a:lnRef>
+              <a:fillRef idx="1">
+                <a:schemeClr val="accent1"/>
+              </a:fillRef>
+              <a:effectRef idx="0">
+                <a:schemeClr val="accent1"/>
+              </a:effectRef>
+              <a:fontRef idx="minor">
+                <a:schemeClr val="lt1"/>
+              </a:fontRef>
+            </p:style>
+            <p:txBody>
+              <a:bodyPr rtlCol="0" anchor="ctr"/>
+              <a:lstStyle/>
+              <a:p>
+                <a:pPr algn="ctr"/>
+                <a:endParaRPr lang="de-DE" dirty="0"/>
+              </a:p>
+            </p:txBody>
+          </p:sp>
+          <p:sp>
+            <p:nvSpPr>
+              <p:cNvPr id="55" name="Rechteck 54">
+                <a:extLst>
+                  <a:ext uri="{FF2B5EF4-FFF2-40B4-BE49-F238E27FC236}">
+                    <a16:creationId xmlns:a16="http://schemas.microsoft.com/office/drawing/2014/main" id="{3CCACEE2-363F-4809-AFCB-3F429EABFB41}"/>
+                  </a:ext>
+                </a:extLst>
+              </p:cNvPr>
+              <p:cNvSpPr/>
+              <p:nvPr/>
+            </p:nvSpPr>
+            <p:spPr>
+              <a:xfrm>
+                <a:off x="7363294" y="3457072"/>
+                <a:ext cx="2549606" cy="648861"/>
+              </a:xfrm>
+              <a:prstGeom prst="rect">
+                <a:avLst/>
+              </a:prstGeom>
+              <a:noFill/>
+              <a:ln>
+                <a:noFill/>
+              </a:ln>
+            </p:spPr>
+            <p:style>
+              <a:lnRef idx="2">
+                <a:schemeClr val="accent1">
+                  <a:shade val="50000"/>
+                </a:schemeClr>
+              </a:lnRef>
+              <a:fillRef idx="1">
+                <a:schemeClr val="accent1"/>
+              </a:fillRef>
+              <a:effectRef idx="0">
+                <a:schemeClr val="accent1"/>
+              </a:effectRef>
+              <a:fontRef idx="minor">
+                <a:schemeClr val="lt1"/>
+              </a:fontRef>
+            </p:style>
+            <p:txBody>
+              <a:bodyPr rtlCol="0" anchor="ctr"/>
+              <a:lstStyle/>
+              <a:p>
+                <a:pPr algn="ctr"/>
+                <a:endParaRPr lang="de-DE" dirty="0">
+                  <a:solidFill>
+                    <a:srgbClr val="84BC95"/>
+                  </a:solidFill>
+                </a:endParaRPr>
+              </a:p>
+            </p:txBody>
+          </p:sp>
+        </p:grpSp>
+        <p:grpSp>
+          <p:nvGrpSpPr>
+            <p:cNvPr id="51" name="Gruppieren 50">
+              <a:extLst>
+                <a:ext uri="{FF2B5EF4-FFF2-40B4-BE49-F238E27FC236}">
+                  <a16:creationId xmlns:a16="http://schemas.microsoft.com/office/drawing/2014/main" id="{BCADC156-717F-41AB-A3E7-FC3D1A6704DA}"/>
+                </a:ext>
+              </a:extLst>
+            </p:cNvPr>
+            <p:cNvGrpSpPr/>
+            <p:nvPr/>
+          </p:nvGrpSpPr>
+          <p:grpSpPr>
+            <a:xfrm>
+              <a:off x="3888491" y="4285679"/>
+              <a:ext cx="3442748" cy="1219238"/>
+              <a:chOff x="3991005" y="4281517"/>
+              <a:chExt cx="3442747" cy="1219237"/>
+            </a:xfrm>
+          </p:grpSpPr>
+          <p:sp>
+            <p:nvSpPr>
+              <p:cNvPr id="52" name="Rechteck: obere Ecken abgeschnitten 51">
+                <a:extLst>
+                  <a:ext uri="{FF2B5EF4-FFF2-40B4-BE49-F238E27FC236}">
+                    <a16:creationId xmlns:a16="http://schemas.microsoft.com/office/drawing/2014/main" id="{E58A45D2-47C7-4B80-9EA2-5A1E13EA9CC2}"/>
+                  </a:ext>
+                </a:extLst>
+              </p:cNvPr>
+              <p:cNvSpPr/>
+              <p:nvPr/>
+            </p:nvSpPr>
+            <p:spPr>
+              <a:xfrm>
+                <a:off x="3991005" y="4281517"/>
+                <a:ext cx="3442747" cy="1219237"/>
+              </a:xfrm>
+              <a:prstGeom prst="snip2SameRect">
+                <a:avLst>
+                  <a:gd name="adj1" fmla="val 50000"/>
+                  <a:gd name="adj2" fmla="val 0"/>
+                </a:avLst>
+              </a:prstGeom>
+              <a:solidFill>
+                <a:schemeClr val="bg1">
+                  <a:lumMod val="85000"/>
+                </a:schemeClr>
+              </a:solidFill>
+              <a:ln w="28575">
+                <a:solidFill>
+                  <a:schemeClr val="bg1">
+                    <a:lumMod val="75000"/>
+                  </a:schemeClr>
+                </a:solidFill>
+              </a:ln>
+            </p:spPr>
+            <p:style>
+              <a:lnRef idx="2">
+                <a:schemeClr val="accent1">
+                  <a:shade val="50000"/>
+                </a:schemeClr>
+              </a:lnRef>
+              <a:fillRef idx="1">
+                <a:schemeClr val="accent1"/>
+              </a:fillRef>
+              <a:effectRef idx="0">
+                <a:schemeClr val="accent1"/>
+              </a:effectRef>
+              <a:fontRef idx="minor">
+                <a:schemeClr val="lt1"/>
+              </a:fontRef>
+            </p:style>
+            <p:txBody>
+              <a:bodyPr rtlCol="0" anchor="ctr"/>
+              <a:lstStyle/>
+              <a:p>
+                <a:pPr algn="ctr"/>
+                <a:endParaRPr lang="de-DE"/>
+              </a:p>
+            </p:txBody>
+          </p:sp>
+          <p:sp>
+            <p:nvSpPr>
+              <p:cNvPr id="53" name="Rechteck 52">
+                <a:extLst>
+                  <a:ext uri="{FF2B5EF4-FFF2-40B4-BE49-F238E27FC236}">
+                    <a16:creationId xmlns:a16="http://schemas.microsoft.com/office/drawing/2014/main" id="{CE7D4A98-3688-4FE9-86BF-6F7120238103}"/>
+                  </a:ext>
+                </a:extLst>
+              </p:cNvPr>
+              <p:cNvSpPr/>
+              <p:nvPr/>
+            </p:nvSpPr>
+            <p:spPr>
+              <a:xfrm>
+                <a:off x="4528281" y="4566705"/>
+                <a:ext cx="2368195" cy="648861"/>
+              </a:xfrm>
+              <a:prstGeom prst="rect">
+                <a:avLst/>
+              </a:prstGeom>
+              <a:noFill/>
+              <a:ln>
+                <a:noFill/>
+              </a:ln>
+            </p:spPr>
+            <p:style>
+              <a:lnRef idx="2">
+                <a:schemeClr val="accent1">
+                  <a:shade val="50000"/>
+                </a:schemeClr>
+              </a:lnRef>
+              <a:fillRef idx="1">
+                <a:schemeClr val="accent1"/>
+              </a:fillRef>
+              <a:effectRef idx="0">
+                <a:schemeClr val="accent1"/>
+              </a:effectRef>
+              <a:fontRef idx="minor">
+                <a:schemeClr val="lt1"/>
+              </a:fontRef>
+            </p:style>
+            <p:txBody>
+              <a:bodyPr rtlCol="0" anchor="ctr"/>
+              <a:lstStyle/>
+              <a:p>
+                <a:pPr algn="ctr"/>
+                <a:endParaRPr lang="de-DE" sz="2800" dirty="0">
+                  <a:solidFill>
+                    <a:srgbClr val="EFA8B4"/>
+                  </a:solidFill>
+                </a:endParaRPr>
+              </a:p>
+            </p:txBody>
+          </p:sp>
+        </p:grpSp>
+      </p:grpSp>
+      <p:cxnSp>
+        <p:nvCxnSpPr>
+          <p:cNvPr id="3" name="Gerader Verbinder 2">
+            <a:extLst>
+              <a:ext uri="{FF2B5EF4-FFF2-40B4-BE49-F238E27FC236}">
+                <a16:creationId xmlns:a16="http://schemas.microsoft.com/office/drawing/2014/main" id="{D052A1FA-63E6-4AF5-B62D-9DC8E5571484}"/>
+              </a:ext>
+            </a:extLst>
+          </p:cNvPr>
+          <p:cNvCxnSpPr>
+            <a:cxnSpLocks/>
+          </p:cNvCxnSpPr>
+          <p:nvPr/>
+        </p:nvCxnSpPr>
+        <p:spPr>
+          <a:xfrm>
+            <a:off x="327893" y="510422"/>
+            <a:ext cx="298831" cy="465623"/>
+          </a:xfrm>
+          <a:prstGeom prst="line">
+            <a:avLst/>
+          </a:prstGeom>
+          <a:ln w="28575">
+            <a:solidFill>
+              <a:srgbClr val="8C81AF"/>
+            </a:solidFill>
+          </a:ln>
+        </p:spPr>
+        <p:style>
+          <a:lnRef idx="1">
+            <a:schemeClr val="accent1"/>
+          </a:lnRef>
+          <a:fillRef idx="0">
+            <a:schemeClr val="accent1"/>
+          </a:fillRef>
+          <a:effectRef idx="0">
+            <a:schemeClr val="accent1"/>
+          </a:effectRef>
+          <a:fontRef idx="minor">
+            <a:schemeClr val="tx1"/>
+          </a:fontRef>
+        </p:style>
+      </p:cxnSp>
+      <p:cxnSp>
+        <p:nvCxnSpPr>
+          <p:cNvPr id="5" name="Gerader Verbinder 4">
+            <a:extLst>
+              <a:ext uri="{FF2B5EF4-FFF2-40B4-BE49-F238E27FC236}">
+                <a16:creationId xmlns:a16="http://schemas.microsoft.com/office/drawing/2014/main" id="{38A1C1B5-7851-4EB9-842D-BFEC638838C8}"/>
+              </a:ext>
+            </a:extLst>
+          </p:cNvPr>
+          <p:cNvCxnSpPr/>
+          <p:nvPr/>
+        </p:nvCxnSpPr>
+        <p:spPr>
+          <a:xfrm>
+            <a:off x="616449" y="976045"/>
+            <a:ext cx="1828800" cy="0"/>
+          </a:xfrm>
+          <a:prstGeom prst="line">
+            <a:avLst/>
+          </a:prstGeom>
+          <a:ln w="28575">
+            <a:solidFill>
+              <a:srgbClr val="8C81AF"/>
+            </a:solidFill>
+          </a:ln>
+        </p:spPr>
+        <p:style>
+          <a:lnRef idx="1">
+            <a:schemeClr val="accent1"/>
+          </a:lnRef>
+          <a:fillRef idx="0">
+            <a:schemeClr val="accent1"/>
+          </a:fillRef>
+          <a:effectRef idx="0">
+            <a:schemeClr val="accent1"/>
+          </a:effectRef>
+          <a:fontRef idx="minor">
+            <a:schemeClr val="tx1"/>
+          </a:fontRef>
+        </p:style>
+      </p:cxnSp>
+      <p:sp>
+        <p:nvSpPr>
+          <p:cNvPr id="6" name="Textfeld 5">
+            <a:extLst>
+              <a:ext uri="{FF2B5EF4-FFF2-40B4-BE49-F238E27FC236}">
+                <a16:creationId xmlns:a16="http://schemas.microsoft.com/office/drawing/2014/main" id="{30B7825C-4563-44E0-81F7-B2CB5164BBAA}"/>
+              </a:ext>
+            </a:extLst>
+          </p:cNvPr>
+          <p:cNvSpPr txBox="1"/>
+          <p:nvPr/>
+        </p:nvSpPr>
+        <p:spPr>
+          <a:xfrm>
+            <a:off x="1133920" y="646623"/>
+            <a:ext cx="858633" cy="369332"/>
+          </a:xfrm>
+          <a:prstGeom prst="rect">
+            <a:avLst/>
+          </a:prstGeom>
+          <a:noFill/>
+        </p:spPr>
+        <p:txBody>
+          <a:bodyPr wrap="none" rtlCol="0">
+            <a:spAutoFit/>
+          </a:bodyPr>
+          <a:lstStyle/>
+          <a:p>
+            <a:r>
+              <a:rPr lang="de-DE" dirty="0" err="1">
+                <a:solidFill>
+                  <a:srgbClr val="251658"/>
+                </a:solidFill>
+              </a:rPr>
+              <a:t>Parsing</a:t>
+            </a:r>
+            <a:endParaRPr lang="de-DE" dirty="0">
+              <a:solidFill>
+                <a:srgbClr val="251658"/>
+              </a:solidFill>
+            </a:endParaRPr>
+          </a:p>
+        </p:txBody>
+      </p:sp>
+      <p:sp>
+        <p:nvSpPr>
+          <p:cNvPr id="15" name="Textfeld 14">
+            <a:extLst>
+              <a:ext uri="{FF2B5EF4-FFF2-40B4-BE49-F238E27FC236}">
+                <a16:creationId xmlns:a16="http://schemas.microsoft.com/office/drawing/2014/main" id="{1531AECE-E06B-41D4-B44F-C50F5CBFBAE9}"/>
+              </a:ext>
+            </a:extLst>
+          </p:cNvPr>
+          <p:cNvSpPr txBox="1"/>
+          <p:nvPr/>
+        </p:nvSpPr>
+        <p:spPr>
+          <a:xfrm>
+            <a:off x="5004820" y="2138257"/>
+            <a:ext cx="2977097" cy="3539430"/>
+          </a:xfrm>
+          <a:prstGeom prst="rect">
+            <a:avLst/>
+          </a:prstGeom>
+          <a:noFill/>
+        </p:spPr>
+        <p:txBody>
+          <a:bodyPr wrap="none" rtlCol="0">
+            <a:spAutoFit/>
+          </a:bodyPr>
+          <a:lstStyle/>
+          <a:p>
+            <a:r>
+              <a:rPr lang="pt-BR" sz="2800" dirty="0">
+                <a:solidFill>
+                  <a:schemeClr val="bg1">
+                    <a:lumMod val="85000"/>
+                  </a:schemeClr>
+                </a:solidFill>
+                <a:latin typeface="Courier New" panose="02070309020205020404" pitchFamily="49" charset="0"/>
+                <a:cs typeface="Courier New" panose="02070309020205020404" pitchFamily="49" charset="0"/>
+              </a:rPr>
+              <a:t>1</a:t>
+            </a:r>
+            <a:r>
+              <a:rPr lang="pt-BR" sz="2800" dirty="0">
+                <a:latin typeface="Courier New" panose="02070309020205020404" pitchFamily="49" charset="0"/>
+                <a:cs typeface="Courier New" panose="02070309020205020404" pitchFamily="49" charset="0"/>
+              </a:rPr>
+              <a:t>  node n1</a:t>
+            </a:r>
+          </a:p>
+          <a:p>
+            <a:r>
+              <a:rPr lang="pt-BR" sz="2800" dirty="0">
+                <a:solidFill>
+                  <a:schemeClr val="bg1">
+                    <a:lumMod val="85000"/>
+                  </a:schemeClr>
+                </a:solidFill>
+                <a:latin typeface="Courier New" panose="02070309020205020404" pitchFamily="49" charset="0"/>
+                <a:cs typeface="Courier New" panose="02070309020205020404" pitchFamily="49" charset="0"/>
+              </a:rPr>
+              <a:t>2</a:t>
+            </a:r>
+            <a:r>
+              <a:rPr lang="pt-BR" sz="2800" dirty="0">
+                <a:latin typeface="Courier New" panose="02070309020205020404" pitchFamily="49" charset="0"/>
+                <a:cs typeface="Courier New" panose="02070309020205020404" pitchFamily="49" charset="0"/>
+              </a:rPr>
+              <a:t>  node n2</a:t>
+            </a:r>
+          </a:p>
+          <a:p>
+            <a:r>
+              <a:rPr lang="pt-BR" sz="2800" dirty="0">
+                <a:solidFill>
+                  <a:schemeClr val="bg1">
+                    <a:lumMod val="85000"/>
+                  </a:schemeClr>
+                </a:solidFill>
+                <a:latin typeface="Courier New" panose="02070309020205020404" pitchFamily="49" charset="0"/>
+                <a:cs typeface="Courier New" panose="02070309020205020404" pitchFamily="49" charset="0"/>
+              </a:rPr>
+              <a:t>3</a:t>
+            </a:r>
+            <a:r>
+              <a:rPr lang="pt-BR" sz="2800" dirty="0">
+                <a:latin typeface="Courier New" panose="02070309020205020404" pitchFamily="49" charset="0"/>
+                <a:cs typeface="Courier New" panose="02070309020205020404" pitchFamily="49" charset="0"/>
+              </a:rPr>
+              <a:t>  node n3</a:t>
+            </a:r>
+          </a:p>
+          <a:p>
+            <a:r>
+              <a:rPr lang="pt-BR" sz="2800" dirty="0">
+                <a:solidFill>
+                  <a:schemeClr val="bg1">
+                    <a:lumMod val="85000"/>
+                  </a:schemeClr>
+                </a:solidFill>
+                <a:latin typeface="Courier New" panose="02070309020205020404" pitchFamily="49" charset="0"/>
+                <a:cs typeface="Courier New" panose="02070309020205020404" pitchFamily="49" charset="0"/>
+              </a:rPr>
+              <a:t>4</a:t>
+            </a:r>
+            <a:r>
+              <a:rPr lang="pt-BR" sz="2800" dirty="0">
+                <a:latin typeface="Courier New" panose="02070309020205020404" pitchFamily="49" charset="0"/>
+                <a:cs typeface="Courier New" panose="02070309020205020404" pitchFamily="49" charset="0"/>
+              </a:rPr>
+              <a:t>  node n4</a:t>
+            </a:r>
+          </a:p>
+          <a:p>
+            <a:r>
+              <a:rPr lang="pt-BR" sz="2800" dirty="0">
+                <a:solidFill>
+                  <a:schemeClr val="bg1">
+                    <a:lumMod val="85000"/>
+                  </a:schemeClr>
+                </a:solidFill>
+                <a:latin typeface="Courier New" panose="02070309020205020404" pitchFamily="49" charset="0"/>
+                <a:cs typeface="Courier New" panose="02070309020205020404" pitchFamily="49" charset="0"/>
+              </a:rPr>
+              <a:t>5</a:t>
+            </a:r>
+            <a:r>
+              <a:rPr lang="pt-BR" sz="2800" dirty="0">
+                <a:latin typeface="Courier New" panose="02070309020205020404" pitchFamily="49" charset="0"/>
+                <a:cs typeface="Courier New" panose="02070309020205020404" pitchFamily="49" charset="0"/>
+              </a:rPr>
+              <a:t>  edge n1 n3</a:t>
+            </a:r>
+          </a:p>
+          <a:p>
+            <a:r>
+              <a:rPr lang="pt-BR" sz="2800" dirty="0">
+                <a:solidFill>
+                  <a:schemeClr val="bg1">
+                    <a:lumMod val="85000"/>
+                  </a:schemeClr>
+                </a:solidFill>
+                <a:latin typeface="Courier New" panose="02070309020205020404" pitchFamily="49" charset="0"/>
+                <a:cs typeface="Courier New" panose="02070309020205020404" pitchFamily="49" charset="0"/>
+              </a:rPr>
+              <a:t>6</a:t>
+            </a:r>
+            <a:r>
+              <a:rPr lang="pt-BR" sz="2800" dirty="0">
+                <a:latin typeface="Courier New" panose="02070309020205020404" pitchFamily="49" charset="0"/>
+                <a:cs typeface="Courier New" panose="02070309020205020404" pitchFamily="49" charset="0"/>
+              </a:rPr>
+              <a:t>  edge n2 n3</a:t>
+            </a:r>
+          </a:p>
+          <a:p>
+            <a:r>
+              <a:rPr lang="pt-BR" sz="2800" dirty="0">
+                <a:solidFill>
+                  <a:schemeClr val="bg1">
+                    <a:lumMod val="85000"/>
+                  </a:schemeClr>
+                </a:solidFill>
+                <a:latin typeface="Courier New" panose="02070309020205020404" pitchFamily="49" charset="0"/>
+                <a:cs typeface="Courier New" panose="02070309020205020404" pitchFamily="49" charset="0"/>
+              </a:rPr>
+              <a:t>7</a:t>
+            </a:r>
+            <a:r>
+              <a:rPr lang="pt-BR" sz="2800" dirty="0">
+                <a:latin typeface="Courier New" panose="02070309020205020404" pitchFamily="49" charset="0"/>
+                <a:cs typeface="Courier New" panose="02070309020205020404" pitchFamily="49" charset="0"/>
+              </a:rPr>
+              <a:t>  edge n3 n4</a:t>
+            </a:r>
+          </a:p>
+          <a:p>
+            <a:r>
+              <a:rPr lang="pt-BR" sz="2800" dirty="0">
+                <a:solidFill>
+                  <a:schemeClr val="bg1">
+                    <a:lumMod val="85000"/>
+                  </a:schemeClr>
+                </a:solidFill>
+                <a:latin typeface="Courier New" panose="02070309020205020404" pitchFamily="49" charset="0"/>
+                <a:cs typeface="Courier New" panose="02070309020205020404" pitchFamily="49" charset="0"/>
+              </a:rPr>
+              <a:t>8 </a:t>
+            </a:r>
+            <a:r>
+              <a:rPr lang="pt-BR" sz="2800" dirty="0">
+                <a:latin typeface="Courier New" panose="02070309020205020404" pitchFamily="49" charset="0"/>
+                <a:cs typeface="Courier New" panose="02070309020205020404" pitchFamily="49" charset="0"/>
+              </a:rPr>
+              <a:t> edge n2 n4</a:t>
+            </a:r>
+            <a:endParaRPr lang="de-DE" sz="2800" dirty="0">
+              <a:latin typeface="Courier New" panose="02070309020205020404" pitchFamily="49" charset="0"/>
+              <a:cs typeface="Courier New" panose="02070309020205020404" pitchFamily="49" charset="0"/>
+            </a:endParaRPr>
+          </a:p>
+        </p:txBody>
+      </p:sp>
+      <p:sp>
+        <p:nvSpPr>
+          <p:cNvPr id="16" name="Pfeil: nach rechts 15">
+            <a:extLst>
+              <a:ext uri="{FF2B5EF4-FFF2-40B4-BE49-F238E27FC236}">
+                <a16:creationId xmlns:a16="http://schemas.microsoft.com/office/drawing/2014/main" id="{F101D861-8B61-4F93-AEA4-40D7158A01F4}"/>
+              </a:ext>
+            </a:extLst>
+          </p:cNvPr>
+          <p:cNvSpPr/>
+          <p:nvPr/>
+        </p:nvSpPr>
+        <p:spPr>
+          <a:xfrm>
+            <a:off x="8370333" y="3652785"/>
+            <a:ext cx="776521" cy="567244"/>
+          </a:xfrm>
+          <a:prstGeom prst="rightArrow">
+            <a:avLst/>
+          </a:prstGeom>
+          <a:solidFill>
+            <a:srgbClr val="251658"/>
+          </a:solidFill>
+          <a:ln w="28575">
+            <a:solidFill>
+              <a:srgbClr val="8C81AF"/>
+            </a:solidFill>
+          </a:ln>
+          <a:effectLst>
+            <a:glow>
+              <a:schemeClr val="accent4">
+                <a:lumMod val="20000"/>
+                <a:lumOff val="80000"/>
+              </a:schemeClr>
+            </a:glow>
+          </a:effectLst>
+        </p:spPr>
+        <p:style>
+          <a:lnRef idx="2">
+            <a:schemeClr val="accent1">
+              <a:shade val="50000"/>
+            </a:schemeClr>
+          </a:lnRef>
+          <a:fillRef idx="1">
+            <a:schemeClr val="accent1"/>
+          </a:fillRef>
+          <a:effectRef idx="0">
+            <a:schemeClr val="accent1"/>
+          </a:effectRef>
+          <a:fontRef idx="minor">
+            <a:schemeClr val="lt1"/>
+          </a:fontRef>
+        </p:style>
+        <p:txBody>
+          <a:bodyPr rot="0" spcFirstLastPara="0" vertOverflow="overflow" horzOverflow="overflow" vert="horz" wrap="square" lIns="91440" tIns="45720" rIns="91440" bIns="45720" numCol="1" spcCol="0" rtlCol="0" fromWordArt="0" anchor="ctr" anchorCtr="0" forceAA="0" compatLnSpc="1">
+            <a:prstTxWarp prst="textNoShape">
+              <a:avLst/>
+            </a:prstTxWarp>
+            <a:noAutofit/>
+          </a:bodyPr>
+          <a:lstStyle/>
+          <a:p>
+            <a:pPr algn="ctr"/>
+            <a:endParaRPr lang="de-DE"/>
+          </a:p>
+        </p:txBody>
+      </p:sp>
+      <p:sp>
+        <p:nvSpPr>
+          <p:cNvPr id="59" name="Textfeld 58">
+            <a:extLst>
+              <a:ext uri="{FF2B5EF4-FFF2-40B4-BE49-F238E27FC236}">
+                <a16:creationId xmlns:a16="http://schemas.microsoft.com/office/drawing/2014/main" id="{E46AE3FE-CAD7-4B09-9771-4DC91C597F78}"/>
+              </a:ext>
+            </a:extLst>
+          </p:cNvPr>
+          <p:cNvSpPr txBox="1"/>
+          <p:nvPr/>
+        </p:nvSpPr>
+        <p:spPr>
+          <a:xfrm>
+            <a:off x="9535270" y="3646362"/>
+            <a:ext cx="1828800" cy="523220"/>
+          </a:xfrm>
+          <a:prstGeom prst="rect">
+            <a:avLst/>
+          </a:prstGeom>
+          <a:noFill/>
+        </p:spPr>
+        <p:txBody>
+          <a:bodyPr wrap="square" rtlCol="0">
+            <a:spAutoFit/>
+          </a:bodyPr>
+          <a:lstStyle/>
+          <a:p>
+            <a:r>
+              <a:rPr lang="de-DE" sz="2800" dirty="0" err="1"/>
+              <a:t>ElkGraph</a:t>
+            </a:r>
+            <a:endParaRPr lang="de-DE" sz="2800" dirty="0"/>
+          </a:p>
+        </p:txBody>
+      </p:sp>
+      <p:sp>
+        <p:nvSpPr>
+          <p:cNvPr id="22" name="Rechteck 21">
+            <a:extLst>
+              <a:ext uri="{FF2B5EF4-FFF2-40B4-BE49-F238E27FC236}">
+                <a16:creationId xmlns:a16="http://schemas.microsoft.com/office/drawing/2014/main" id="{CCE57149-B8B7-45B9-8F82-01F233BF54C3}"/>
+              </a:ext>
+            </a:extLst>
+          </p:cNvPr>
+          <p:cNvSpPr/>
+          <p:nvPr/>
+        </p:nvSpPr>
+        <p:spPr>
+          <a:xfrm>
+            <a:off x="485820" y="1462026"/>
+            <a:ext cx="3173981" cy="5113397"/>
+          </a:xfrm>
+          <a:prstGeom prst="rect">
+            <a:avLst/>
+          </a:prstGeom>
+          <a:solidFill>
+            <a:srgbClr val="251658">
+              <a:alpha val="34000"/>
+            </a:srgbClr>
+          </a:solidFill>
+          <a:ln>
+            <a:noFill/>
+          </a:ln>
+        </p:spPr>
+        <p:style>
+          <a:lnRef idx="2">
+            <a:schemeClr val="accent1">
+              <a:shade val="50000"/>
+            </a:schemeClr>
+          </a:lnRef>
+          <a:fillRef idx="1">
+            <a:schemeClr val="accent1"/>
+          </a:fillRef>
+          <a:effectRef idx="0">
+            <a:schemeClr val="accent1"/>
+          </a:effectRef>
+          <a:fontRef idx="minor">
+            <a:schemeClr val="lt1"/>
+          </a:fontRef>
+        </p:style>
+        <p:txBody>
+          <a:bodyPr rtlCol="0" anchor="t"/>
+          <a:lstStyle/>
+          <a:p>
+            <a:endParaRPr lang="de-DE" sz="2000" b="1" dirty="0">
+              <a:solidFill>
+                <a:schemeClr val="tx1"/>
+              </a:solidFill>
+            </a:endParaRPr>
+          </a:p>
+          <a:p>
+            <a:pPr marL="342900" indent="-255588">
+              <a:buFont typeface="Arial" panose="020B0604020202020204" pitchFamily="34" charset="0"/>
+              <a:buChar char="•"/>
+            </a:pPr>
+            <a:endParaRPr lang="de-DE" sz="2000" b="1" dirty="0">
+              <a:solidFill>
+                <a:schemeClr val="tx1"/>
+              </a:solidFill>
+            </a:endParaRPr>
+          </a:p>
+          <a:p>
+            <a:pPr marL="342900" indent="-255588">
+              <a:buFont typeface="Arial" panose="020B0604020202020204" pitchFamily="34" charset="0"/>
+              <a:buChar char="•"/>
+            </a:pPr>
+            <a:endParaRPr lang="de-DE" sz="2000" b="1" dirty="0">
+              <a:solidFill>
+                <a:schemeClr val="tx1"/>
+              </a:solidFill>
+            </a:endParaRPr>
+          </a:p>
+          <a:p>
+            <a:pPr marL="342900" indent="-255588">
+              <a:buFont typeface="Arial" panose="020B0604020202020204" pitchFamily="34" charset="0"/>
+              <a:buChar char="•"/>
+            </a:pPr>
+            <a:endParaRPr lang="de-DE" sz="2000" b="1" dirty="0">
+              <a:solidFill>
+                <a:schemeClr val="tx1"/>
+              </a:solidFill>
+            </a:endParaRPr>
+          </a:p>
+          <a:p>
+            <a:pPr marL="342900" indent="-255588">
+              <a:buFont typeface="Arial" panose="020B0604020202020204" pitchFamily="34" charset="0"/>
+              <a:buChar char="•"/>
+            </a:pPr>
+            <a:endParaRPr lang="de-DE" sz="2000" b="1" dirty="0">
+              <a:solidFill>
+                <a:schemeClr val="tx1"/>
+              </a:solidFill>
+            </a:endParaRPr>
+          </a:p>
+          <a:p>
+            <a:pPr marL="430212" indent="-342900">
+              <a:buFont typeface="Wingdings" panose="05000000000000000000" pitchFamily="2" charset="2"/>
+              <a:buChar char="ü"/>
+            </a:pPr>
+            <a:r>
+              <a:rPr lang="de-DE" sz="2000" b="1" dirty="0">
+                <a:solidFill>
+                  <a:schemeClr val="tx1"/>
+                </a:solidFill>
+              </a:rPr>
+              <a:t>Textformat für Graphen</a:t>
+            </a:r>
+          </a:p>
+          <a:p>
+            <a:pPr marL="342900" indent="-255588">
+              <a:buFont typeface="Arial" panose="020B0604020202020204" pitchFamily="34" charset="0"/>
+              <a:buChar char="•"/>
+            </a:pPr>
+            <a:endParaRPr lang="de-DE" sz="2000" b="1" dirty="0">
+              <a:solidFill>
+                <a:schemeClr val="tx1"/>
+              </a:solidFill>
+            </a:endParaRPr>
+          </a:p>
+          <a:p>
+            <a:pPr marL="430212" indent="-342900">
+              <a:buFont typeface="Wingdings" panose="05000000000000000000" pitchFamily="2" charset="2"/>
+              <a:buChar char="ü"/>
+            </a:pPr>
+            <a:r>
+              <a:rPr lang="de-DE" sz="2000" b="1" dirty="0">
+                <a:solidFill>
+                  <a:schemeClr val="tx1"/>
+                </a:solidFill>
+              </a:rPr>
+              <a:t>Textformat in </a:t>
+            </a:r>
+            <a:r>
+              <a:rPr lang="de-DE" sz="2000" b="1" dirty="0" err="1">
+                <a:solidFill>
+                  <a:schemeClr val="tx1"/>
+                </a:solidFill>
+              </a:rPr>
+              <a:t>ElkGraph</a:t>
+            </a:r>
+            <a:r>
+              <a:rPr lang="de-DE" sz="2000" b="1" dirty="0">
+                <a:solidFill>
+                  <a:schemeClr val="tx1"/>
+                </a:solidFill>
+              </a:rPr>
+              <a:t> übersetzen</a:t>
+            </a:r>
+          </a:p>
+          <a:p>
+            <a:pPr marL="342900" indent="-255588">
+              <a:buFont typeface="Arial" panose="020B0604020202020204" pitchFamily="34" charset="0"/>
+              <a:buChar char="•"/>
+            </a:pPr>
+            <a:endParaRPr lang="de-DE" sz="2000" b="1" dirty="0">
+              <a:solidFill>
+                <a:schemeClr val="tx1"/>
+              </a:solidFill>
+            </a:endParaRPr>
+          </a:p>
+          <a:p>
+            <a:pPr marL="342900" indent="-255588">
+              <a:buFont typeface="Arial" panose="020B0604020202020204" pitchFamily="34" charset="0"/>
+              <a:buChar char="•"/>
+            </a:pPr>
+            <a:r>
+              <a:rPr lang="de-DE" sz="2000" b="1" dirty="0">
+                <a:solidFill>
+                  <a:schemeClr val="tx1"/>
+                </a:solidFill>
+              </a:rPr>
+              <a:t>Error Handling</a:t>
+            </a:r>
+          </a:p>
+          <a:p>
+            <a:pPr marL="342900" indent="-255588">
+              <a:buFont typeface="Arial" panose="020B0604020202020204" pitchFamily="34" charset="0"/>
+              <a:buChar char="•"/>
+            </a:pPr>
+            <a:endParaRPr lang="de-DE" sz="2000" b="1" dirty="0">
+              <a:solidFill>
+                <a:schemeClr val="tx1"/>
+              </a:solidFill>
+            </a:endParaRPr>
+          </a:p>
+          <a:p>
+            <a:pPr marL="342900" indent="-255588">
+              <a:buFont typeface="Arial" panose="020B0604020202020204" pitchFamily="34" charset="0"/>
+              <a:buChar char="•"/>
+            </a:pPr>
+            <a:r>
+              <a:rPr lang="de-DE" sz="2000" b="1" dirty="0">
+                <a:solidFill>
+                  <a:schemeClr val="tx1"/>
+                </a:solidFill>
+              </a:rPr>
+              <a:t>Cycle </a:t>
+            </a:r>
+            <a:r>
+              <a:rPr lang="de-DE" sz="2000" b="1" dirty="0" err="1">
+                <a:solidFill>
+                  <a:schemeClr val="tx1"/>
+                </a:solidFill>
+              </a:rPr>
+              <a:t>breaking</a:t>
+            </a:r>
+            <a:endParaRPr lang="de-DE" sz="2000" b="1" dirty="0">
+              <a:solidFill>
+                <a:schemeClr val="tx1"/>
+              </a:solidFill>
+            </a:endParaRPr>
+          </a:p>
+          <a:p>
+            <a:pPr marL="342900" indent="-342900">
+              <a:buFont typeface="Arial" panose="020B0604020202020204" pitchFamily="34" charset="0"/>
+              <a:buChar char="•"/>
+            </a:pPr>
+            <a:endParaRPr lang="de-DE" sz="2400" dirty="0">
+              <a:solidFill>
+                <a:schemeClr val="tx1"/>
+              </a:solidFill>
+            </a:endParaRPr>
+          </a:p>
+        </p:txBody>
+      </p:sp>
+      <p:grpSp>
+        <p:nvGrpSpPr>
+          <p:cNvPr id="23" name="Gruppieren 22">
+            <a:extLst>
+              <a:ext uri="{FF2B5EF4-FFF2-40B4-BE49-F238E27FC236}">
+                <a16:creationId xmlns:a16="http://schemas.microsoft.com/office/drawing/2014/main" id="{2F7A1C4A-DE9B-49ED-8143-685A8E5381AD}"/>
+              </a:ext>
+            </a:extLst>
+          </p:cNvPr>
+          <p:cNvGrpSpPr/>
+          <p:nvPr/>
+        </p:nvGrpSpPr>
+        <p:grpSpPr>
+          <a:xfrm>
+            <a:off x="619412" y="1564976"/>
+            <a:ext cx="2906794" cy="1092972"/>
+            <a:chOff x="1065285" y="3182901"/>
+            <a:chExt cx="3442749" cy="1219236"/>
+          </a:xfrm>
+          <a:solidFill>
+            <a:srgbClr val="251658"/>
+          </a:solidFill>
+        </p:grpSpPr>
+        <p:sp>
+          <p:nvSpPr>
+            <p:cNvPr id="24" name="Rechteck: eine Ecke abgeschnitten 23">
+              <a:extLst>
+                <a:ext uri="{FF2B5EF4-FFF2-40B4-BE49-F238E27FC236}">
+                  <a16:creationId xmlns:a16="http://schemas.microsoft.com/office/drawing/2014/main" id="{455ACF8F-D07A-446E-A5AB-AE444AFAFAEE}"/>
+                </a:ext>
+              </a:extLst>
+            </p:cNvPr>
+            <p:cNvSpPr/>
+            <p:nvPr/>
+          </p:nvSpPr>
+          <p:spPr>
+            <a:xfrm flipV="1">
+              <a:off x="1065285" y="3182901"/>
+              <a:ext cx="3442749" cy="1219236"/>
+            </a:xfrm>
+            <a:prstGeom prst="snip1Rect">
+              <a:avLst>
+                <a:gd name="adj" fmla="val 50000"/>
+              </a:avLst>
+            </a:prstGeom>
+            <a:grpFill/>
+            <a:ln w="28575">
+              <a:solidFill>
+                <a:srgbClr val="8C81AF"/>
+              </a:solidFill>
+            </a:ln>
+            <a:effectLst>
+              <a:glow>
+                <a:schemeClr val="accent4">
+                  <a:lumMod val="20000"/>
+                  <a:lumOff val="80000"/>
+                </a:schemeClr>
+              </a:glow>
+            </a:effectLst>
+          </p:spPr>
+          <p:style>
+            <a:lnRef idx="2">
+              <a:schemeClr val="accent1">
+                <a:shade val="50000"/>
+              </a:schemeClr>
+            </a:lnRef>
+            <a:fillRef idx="1">
+              <a:schemeClr val="accent1"/>
+            </a:fillRef>
+            <a:effectRef idx="0">
+              <a:schemeClr val="accent1"/>
+            </a:effectRef>
+            <a:fontRef idx="minor">
+              <a:schemeClr val="lt1"/>
+            </a:fontRef>
+          </p:style>
+          <p:txBody>
+            <a:bodyPr rtlCol="0" anchor="ctr"/>
+            <a:lstStyle/>
+            <a:p>
+              <a:pPr algn="ctr"/>
+              <a:endParaRPr lang="de-DE" dirty="0"/>
+            </a:p>
+          </p:txBody>
+        </p:sp>
+        <p:sp>
+          <p:nvSpPr>
+            <p:cNvPr id="25" name="Rechteck 24">
+              <a:extLst>
+                <a:ext uri="{FF2B5EF4-FFF2-40B4-BE49-F238E27FC236}">
+                  <a16:creationId xmlns:a16="http://schemas.microsoft.com/office/drawing/2014/main" id="{A17035A0-46A6-48BD-B53E-2E69A88D839B}"/>
+                </a:ext>
+              </a:extLst>
+            </p:cNvPr>
+            <p:cNvSpPr/>
+            <p:nvPr/>
+          </p:nvSpPr>
+          <p:spPr>
+            <a:xfrm>
+              <a:off x="1602562" y="3457072"/>
+              <a:ext cx="2368195" cy="648861"/>
+            </a:xfrm>
+            <a:prstGeom prst="rect">
+              <a:avLst/>
+            </a:prstGeom>
+            <a:grpFill/>
+            <a:ln>
+              <a:noFill/>
+            </a:ln>
+          </p:spPr>
+          <p:style>
+            <a:lnRef idx="2">
+              <a:schemeClr val="accent1">
+                <a:shade val="50000"/>
+              </a:schemeClr>
+            </a:lnRef>
+            <a:fillRef idx="1">
+              <a:schemeClr val="accent1"/>
+            </a:fillRef>
+            <a:effectRef idx="0">
+              <a:schemeClr val="accent1"/>
+            </a:effectRef>
+            <a:fontRef idx="minor">
+              <a:schemeClr val="lt1"/>
+            </a:fontRef>
+          </p:style>
+          <p:txBody>
+            <a:bodyPr rtlCol="0" anchor="ctr"/>
+            <a:lstStyle/>
+            <a:p>
+              <a:pPr algn="ctr"/>
+              <a:r>
+                <a:rPr lang="de-DE" sz="2800" dirty="0" err="1">
+                  <a:solidFill>
+                    <a:srgbClr val="8C81AF"/>
+                  </a:solidFill>
+                </a:rPr>
+                <a:t>Parsing</a:t>
+              </a:r>
+              <a:endParaRPr lang="de-DE" dirty="0">
+                <a:solidFill>
+                  <a:srgbClr val="8C81AF"/>
+                </a:solidFill>
+              </a:endParaRPr>
+            </a:p>
+          </p:txBody>
+        </p:sp>
+      </p:grpSp>
+    </p:spTree>
+    <p:extLst>
+      <p:ext uri="{BB962C8B-B14F-4D97-AF65-F5344CB8AC3E}">
+        <p14:creationId xmlns:p14="http://schemas.microsoft.com/office/powerpoint/2010/main" val="275270233"/>
+      </p:ext>
+    </p:extLst>
+  </p:cSld>
+  <p:clrMapOvr>
+    <a:masterClrMapping/>
+  </p:clrMapOvr>
+</p:sld>
+</file>
+
+<file path=ppt/slides/slide11.xml><?xml version="1.0" encoding="utf-8"?>
+<p:sld xmlns:a="http://schemas.openxmlformats.org/drawingml/2006/main" xmlns:r="http://schemas.openxmlformats.org/officeDocument/2006/relationships" xmlns:p="http://schemas.openxmlformats.org/presentationml/2006/main">
+  <p:cSld>
+    <p:spTree>
+      <p:nvGrpSpPr>
+        <p:cNvPr id="1" name=""/>
+        <p:cNvGrpSpPr/>
+        <p:nvPr/>
+      </p:nvGrpSpPr>
+      <p:grpSpPr>
+        <a:xfrm>
+          <a:off x="0" y="0"/>
+          <a:ext cx="0" cy="0"/>
+          <a:chOff x="0" y="0"/>
+          <a:chExt cx="0" cy="0"/>
+        </a:xfrm>
+      </p:grpSpPr>
+      <p:grpSp>
+        <p:nvGrpSpPr>
+          <p:cNvPr id="12" name="Gruppieren 11">
+            <a:extLst>
+              <a:ext uri="{FF2B5EF4-FFF2-40B4-BE49-F238E27FC236}">
+                <a16:creationId xmlns:a16="http://schemas.microsoft.com/office/drawing/2014/main" id="{1150C0B7-662C-455F-AE20-80D96C5D73DF}"/>
+              </a:ext>
+            </a:extLst>
+          </p:cNvPr>
+          <p:cNvGrpSpPr>
+            <a:grpSpLocks noChangeAspect="1"/>
+          </p:cNvGrpSpPr>
+          <p:nvPr/>
+        </p:nvGrpSpPr>
+        <p:grpSpPr>
+          <a:xfrm>
+            <a:off x="217785" y="197006"/>
+            <a:ext cx="1898691" cy="489676"/>
+            <a:chOff x="972000" y="3600000"/>
+            <a:chExt cx="9264707" cy="1904917"/>
+          </a:xfrm>
+        </p:grpSpPr>
+        <p:grpSp>
+          <p:nvGrpSpPr>
+            <p:cNvPr id="13" name="Gruppieren 12">
+              <a:extLst>
+                <a:ext uri="{FF2B5EF4-FFF2-40B4-BE49-F238E27FC236}">
+                  <a16:creationId xmlns:a16="http://schemas.microsoft.com/office/drawing/2014/main" id="{FBE30E77-90A2-4AE6-B1D4-601DE9836D1A}"/>
+                </a:ext>
+              </a:extLst>
+            </p:cNvPr>
+            <p:cNvGrpSpPr/>
+            <p:nvPr/>
+          </p:nvGrpSpPr>
+          <p:grpSpPr>
+            <a:xfrm>
+              <a:off x="972000" y="3600000"/>
+              <a:ext cx="3442749" cy="1219236"/>
+              <a:chOff x="1065285" y="3182901"/>
+              <a:chExt cx="3442749" cy="1219236"/>
+            </a:xfrm>
+          </p:grpSpPr>
+          <p:sp>
+            <p:nvSpPr>
+              <p:cNvPr id="20" name="Rechteck: eine Ecke abgeschnitten 19">
+                <a:extLst>
+                  <a:ext uri="{FF2B5EF4-FFF2-40B4-BE49-F238E27FC236}">
+                    <a16:creationId xmlns:a16="http://schemas.microsoft.com/office/drawing/2014/main" id="{F85BE369-A563-40ED-95A6-5BC47B28AD55}"/>
+                  </a:ext>
+                </a:extLst>
+              </p:cNvPr>
+              <p:cNvSpPr/>
+              <p:nvPr/>
+            </p:nvSpPr>
+            <p:spPr>
+              <a:xfrm flipV="1">
+                <a:off x="1065285" y="3182901"/>
+                <a:ext cx="3442749" cy="1219236"/>
+              </a:xfrm>
+              <a:prstGeom prst="snip1Rect">
+                <a:avLst>
+                  <a:gd name="adj" fmla="val 50000"/>
+                </a:avLst>
+              </a:prstGeom>
+              <a:solidFill>
+                <a:schemeClr val="bg1">
+                  <a:lumMod val="85000"/>
+                </a:schemeClr>
+              </a:solidFill>
+              <a:ln w="28575">
+                <a:solidFill>
+                  <a:schemeClr val="bg1">
+                    <a:lumMod val="75000"/>
+                  </a:schemeClr>
+                </a:solidFill>
+              </a:ln>
+              <a:effectLst>
+                <a:glow>
+                  <a:schemeClr val="accent4">
+                    <a:lumMod val="20000"/>
+                    <a:lumOff val="80000"/>
+                  </a:schemeClr>
+                </a:glow>
+              </a:effectLst>
+            </p:spPr>
+            <p:style>
+              <a:lnRef idx="2">
+                <a:schemeClr val="accent1">
+                  <a:shade val="50000"/>
+                </a:schemeClr>
+              </a:lnRef>
+              <a:fillRef idx="1">
+                <a:schemeClr val="accent1"/>
+              </a:fillRef>
+              <a:effectRef idx="0">
+                <a:schemeClr val="accent1"/>
+              </a:effectRef>
+              <a:fontRef idx="minor">
+                <a:schemeClr val="lt1"/>
+              </a:fontRef>
+            </p:style>
+            <p:txBody>
+              <a:bodyPr rtlCol="0" anchor="ctr"/>
+              <a:lstStyle/>
+              <a:p>
+                <a:pPr algn="ctr"/>
+                <a:endParaRPr lang="de-DE" dirty="0"/>
+              </a:p>
+            </p:txBody>
+          </p:sp>
+          <p:sp>
+            <p:nvSpPr>
+              <p:cNvPr id="21" name="Rechteck 20">
+                <a:extLst>
+                  <a:ext uri="{FF2B5EF4-FFF2-40B4-BE49-F238E27FC236}">
+                    <a16:creationId xmlns:a16="http://schemas.microsoft.com/office/drawing/2014/main" id="{408D295B-E6B4-4483-8D32-AD81D08807A3}"/>
+                  </a:ext>
+                </a:extLst>
+              </p:cNvPr>
+              <p:cNvSpPr/>
+              <p:nvPr/>
+            </p:nvSpPr>
+            <p:spPr>
+              <a:xfrm>
+                <a:off x="1602562" y="3457072"/>
+                <a:ext cx="2368195" cy="648861"/>
+              </a:xfrm>
+              <a:prstGeom prst="rect">
+                <a:avLst/>
+              </a:prstGeom>
+              <a:noFill/>
+              <a:ln>
+                <a:noFill/>
+              </a:ln>
+            </p:spPr>
+            <p:style>
+              <a:lnRef idx="2">
+                <a:schemeClr val="accent1">
+                  <a:shade val="50000"/>
+                </a:schemeClr>
+              </a:lnRef>
+              <a:fillRef idx="1">
+                <a:schemeClr val="accent1"/>
+              </a:fillRef>
+              <a:effectRef idx="0">
+                <a:schemeClr val="accent1"/>
+              </a:effectRef>
+              <a:fontRef idx="minor">
+                <a:schemeClr val="lt1"/>
+              </a:fontRef>
+            </p:style>
+            <p:txBody>
+              <a:bodyPr rtlCol="0" anchor="ctr"/>
+              <a:lstStyle/>
+              <a:p>
+                <a:pPr algn="ctr"/>
+                <a:endParaRPr lang="de-DE" dirty="0">
+                  <a:solidFill>
+                    <a:srgbClr val="8C81AF"/>
+                  </a:solidFill>
+                </a:endParaRPr>
+              </a:p>
+            </p:txBody>
+          </p:sp>
+        </p:grpSp>
+        <p:grpSp>
+          <p:nvGrpSpPr>
+            <p:cNvPr id="14" name="Gruppieren 13">
+              <a:extLst>
+                <a:ext uri="{FF2B5EF4-FFF2-40B4-BE49-F238E27FC236}">
+                  <a16:creationId xmlns:a16="http://schemas.microsoft.com/office/drawing/2014/main" id="{AE0F1AE7-AC60-4E86-BC9F-3161E50A6077}"/>
+                </a:ext>
+              </a:extLst>
+            </p:cNvPr>
+            <p:cNvGrpSpPr/>
+            <p:nvPr/>
+          </p:nvGrpSpPr>
+          <p:grpSpPr>
+            <a:xfrm>
+              <a:off x="6793960" y="3600000"/>
+              <a:ext cx="3442747" cy="1219236"/>
+              <a:chOff x="6899605" y="3171884"/>
+              <a:chExt cx="3442747" cy="1219236"/>
+            </a:xfrm>
+          </p:grpSpPr>
+          <p:sp>
+            <p:nvSpPr>
+              <p:cNvPr id="18" name="Rechteck: eine Ecke abgeschnitten 17">
+                <a:extLst>
+                  <a:ext uri="{FF2B5EF4-FFF2-40B4-BE49-F238E27FC236}">
+                    <a16:creationId xmlns:a16="http://schemas.microsoft.com/office/drawing/2014/main" id="{4942FE80-3399-4373-8D04-8AEB4994C87B}"/>
+                  </a:ext>
+                </a:extLst>
+              </p:cNvPr>
+              <p:cNvSpPr/>
+              <p:nvPr/>
+            </p:nvSpPr>
+            <p:spPr>
+              <a:xfrm flipH="1" flipV="1">
+                <a:off x="6899605" y="3171884"/>
+                <a:ext cx="3442747" cy="1219236"/>
+              </a:xfrm>
+              <a:prstGeom prst="snip1Rect">
+                <a:avLst>
+                  <a:gd name="adj" fmla="val 50000"/>
+                </a:avLst>
+              </a:prstGeom>
+              <a:solidFill>
+                <a:schemeClr val="bg1">
+                  <a:lumMod val="85000"/>
+                </a:schemeClr>
+              </a:solidFill>
+              <a:ln w="28575">
+                <a:solidFill>
+                  <a:schemeClr val="bg1">
+                    <a:lumMod val="75000"/>
+                  </a:schemeClr>
+                </a:solidFill>
+              </a:ln>
+            </p:spPr>
+            <p:style>
+              <a:lnRef idx="2">
+                <a:schemeClr val="accent1">
+                  <a:shade val="50000"/>
+                </a:schemeClr>
+              </a:lnRef>
+              <a:fillRef idx="1">
+                <a:schemeClr val="accent1"/>
+              </a:fillRef>
+              <a:effectRef idx="0">
+                <a:schemeClr val="accent1"/>
+              </a:effectRef>
+              <a:fontRef idx="minor">
+                <a:schemeClr val="lt1"/>
+              </a:fontRef>
+            </p:style>
+            <p:txBody>
+              <a:bodyPr rtlCol="0" anchor="ctr"/>
+              <a:lstStyle/>
+              <a:p>
+                <a:pPr algn="ctr"/>
+                <a:endParaRPr lang="de-DE" dirty="0"/>
+              </a:p>
+            </p:txBody>
+          </p:sp>
+          <p:sp>
+            <p:nvSpPr>
+              <p:cNvPr id="19" name="Rechteck 18">
+                <a:extLst>
+                  <a:ext uri="{FF2B5EF4-FFF2-40B4-BE49-F238E27FC236}">
+                    <a16:creationId xmlns:a16="http://schemas.microsoft.com/office/drawing/2014/main" id="{30F33098-98CC-46DC-85A4-BA0206A07DC5}"/>
+                  </a:ext>
+                </a:extLst>
+              </p:cNvPr>
+              <p:cNvSpPr/>
+              <p:nvPr/>
+            </p:nvSpPr>
+            <p:spPr>
+              <a:xfrm>
+                <a:off x="7363294" y="3457072"/>
+                <a:ext cx="2549606" cy="648861"/>
+              </a:xfrm>
+              <a:prstGeom prst="rect">
+                <a:avLst/>
+              </a:prstGeom>
+              <a:noFill/>
+              <a:ln>
+                <a:noFill/>
+              </a:ln>
+            </p:spPr>
+            <p:style>
+              <a:lnRef idx="2">
+                <a:schemeClr val="accent1">
+                  <a:shade val="50000"/>
+                </a:schemeClr>
+              </a:lnRef>
+              <a:fillRef idx="1">
+                <a:schemeClr val="accent1"/>
+              </a:fillRef>
+              <a:effectRef idx="0">
+                <a:schemeClr val="accent1"/>
+              </a:effectRef>
+              <a:fontRef idx="minor">
+                <a:schemeClr val="lt1"/>
+              </a:fontRef>
+            </p:style>
+            <p:txBody>
+              <a:bodyPr rtlCol="0" anchor="ctr"/>
+              <a:lstStyle/>
+              <a:p>
+                <a:pPr algn="ctr"/>
+                <a:endParaRPr lang="de-DE" dirty="0">
+                  <a:solidFill>
+                    <a:srgbClr val="84BC95"/>
+                  </a:solidFill>
+                </a:endParaRPr>
+              </a:p>
+            </p:txBody>
+          </p:sp>
+        </p:grpSp>
+        <p:grpSp>
+          <p:nvGrpSpPr>
+            <p:cNvPr id="15" name="Gruppieren 14">
+              <a:extLst>
+                <a:ext uri="{FF2B5EF4-FFF2-40B4-BE49-F238E27FC236}">
+                  <a16:creationId xmlns:a16="http://schemas.microsoft.com/office/drawing/2014/main" id="{FF07A25D-890E-43F0-8BCD-653F2E06FB65}"/>
+                </a:ext>
+              </a:extLst>
+            </p:cNvPr>
+            <p:cNvGrpSpPr/>
+            <p:nvPr/>
+          </p:nvGrpSpPr>
+          <p:grpSpPr>
+            <a:xfrm>
+              <a:off x="3888489" y="4285680"/>
+              <a:ext cx="3442747" cy="1219237"/>
+              <a:chOff x="3991005" y="4281517"/>
+              <a:chExt cx="3442747" cy="1219237"/>
+            </a:xfrm>
+          </p:grpSpPr>
+          <p:sp>
+            <p:nvSpPr>
+              <p:cNvPr id="16" name="Rechteck: obere Ecken abgeschnitten 15">
+                <a:extLst>
+                  <a:ext uri="{FF2B5EF4-FFF2-40B4-BE49-F238E27FC236}">
+                    <a16:creationId xmlns:a16="http://schemas.microsoft.com/office/drawing/2014/main" id="{6F8F6B13-06CE-4686-A0D7-601A4CBF589F}"/>
+                  </a:ext>
+                </a:extLst>
+              </p:cNvPr>
+              <p:cNvSpPr/>
+              <p:nvPr/>
+            </p:nvSpPr>
+            <p:spPr>
+              <a:xfrm>
+                <a:off x="3991005" y="4281517"/>
+                <a:ext cx="3442747" cy="1219237"/>
+              </a:xfrm>
+              <a:prstGeom prst="snip2SameRect">
+                <a:avLst>
+                  <a:gd name="adj1" fmla="val 50000"/>
+                  <a:gd name="adj2" fmla="val 0"/>
+                </a:avLst>
+              </a:prstGeom>
+              <a:solidFill>
+                <a:srgbClr val="781224"/>
+              </a:solidFill>
+              <a:ln w="28575">
+                <a:solidFill>
+                  <a:srgbClr val="EFA8B4"/>
+                </a:solidFill>
+              </a:ln>
+            </p:spPr>
+            <p:style>
+              <a:lnRef idx="2">
+                <a:schemeClr val="accent1">
+                  <a:shade val="50000"/>
+                </a:schemeClr>
+              </a:lnRef>
+              <a:fillRef idx="1">
+                <a:schemeClr val="accent1"/>
+              </a:fillRef>
+              <a:effectRef idx="0">
+                <a:schemeClr val="accent1"/>
+              </a:effectRef>
+              <a:fontRef idx="minor">
+                <a:schemeClr val="lt1"/>
+              </a:fontRef>
+            </p:style>
+            <p:txBody>
+              <a:bodyPr rtlCol="0" anchor="ctr"/>
+              <a:lstStyle/>
+              <a:p>
+                <a:pPr algn="ctr"/>
+                <a:endParaRPr lang="de-DE"/>
+              </a:p>
+            </p:txBody>
+          </p:sp>
+          <p:sp>
+            <p:nvSpPr>
+              <p:cNvPr id="17" name="Rechteck 16">
+                <a:extLst>
+                  <a:ext uri="{FF2B5EF4-FFF2-40B4-BE49-F238E27FC236}">
+                    <a16:creationId xmlns:a16="http://schemas.microsoft.com/office/drawing/2014/main" id="{9F0A0C77-D2AE-4BEE-AE97-C8BB3998D823}"/>
+                  </a:ext>
+                </a:extLst>
+              </p:cNvPr>
+              <p:cNvSpPr/>
+              <p:nvPr/>
+            </p:nvSpPr>
+            <p:spPr>
+              <a:xfrm>
+                <a:off x="4528281" y="4566705"/>
+                <a:ext cx="2368195" cy="648861"/>
+              </a:xfrm>
+              <a:prstGeom prst="rect">
+                <a:avLst/>
+              </a:prstGeom>
+              <a:noFill/>
+              <a:ln>
+                <a:noFill/>
+              </a:ln>
+            </p:spPr>
+            <p:style>
+              <a:lnRef idx="2">
+                <a:schemeClr val="accent1">
+                  <a:shade val="50000"/>
+                </a:schemeClr>
+              </a:lnRef>
+              <a:fillRef idx="1">
+                <a:schemeClr val="accent1"/>
+              </a:fillRef>
+              <a:effectRef idx="0">
+                <a:schemeClr val="accent1"/>
+              </a:effectRef>
+              <a:fontRef idx="minor">
+                <a:schemeClr val="lt1"/>
+              </a:fontRef>
+            </p:style>
+            <p:txBody>
+              <a:bodyPr rtlCol="0" anchor="ctr"/>
+              <a:lstStyle/>
+              <a:p>
+                <a:pPr algn="ctr"/>
+                <a:endParaRPr lang="de-DE" sz="2800" dirty="0">
+                  <a:solidFill>
+                    <a:srgbClr val="EFA8B4"/>
+                  </a:solidFill>
+                </a:endParaRPr>
+              </a:p>
+            </p:txBody>
+          </p:sp>
+        </p:grpSp>
+      </p:grpSp>
+      <p:cxnSp>
+        <p:nvCxnSpPr>
+          <p:cNvPr id="22" name="Gerader Verbinder 21">
+            <a:extLst>
+              <a:ext uri="{FF2B5EF4-FFF2-40B4-BE49-F238E27FC236}">
+                <a16:creationId xmlns:a16="http://schemas.microsoft.com/office/drawing/2014/main" id="{6C3B4B7D-8E2A-44D7-93C4-1241AB679B47}"/>
+              </a:ext>
+            </a:extLst>
+          </p:cNvPr>
+          <p:cNvCxnSpPr>
+            <a:cxnSpLocks/>
+            <a:stCxn id="16" idx="2"/>
+          </p:cNvCxnSpPr>
+          <p:nvPr/>
+        </p:nvCxnSpPr>
+        <p:spPr>
+          <a:xfrm flipH="1">
+            <a:off x="626725" y="529974"/>
+            <a:ext cx="188760" cy="446071"/>
+          </a:xfrm>
+          <a:prstGeom prst="line">
+            <a:avLst/>
+          </a:prstGeom>
+          <a:ln w="28575">
+            <a:solidFill>
+              <a:srgbClr val="EFA8B4"/>
+            </a:solidFill>
+          </a:ln>
+        </p:spPr>
+        <p:style>
+          <a:lnRef idx="1">
+            <a:schemeClr val="accent1"/>
+          </a:lnRef>
+          <a:fillRef idx="0">
+            <a:schemeClr val="accent1"/>
+          </a:fillRef>
+          <a:effectRef idx="0">
+            <a:schemeClr val="accent1"/>
+          </a:effectRef>
+          <a:fontRef idx="minor">
+            <a:schemeClr val="tx1"/>
+          </a:fontRef>
+        </p:style>
+      </p:cxnSp>
+      <p:cxnSp>
+        <p:nvCxnSpPr>
+          <p:cNvPr id="23" name="Gerader Verbinder 22">
+            <a:extLst>
+              <a:ext uri="{FF2B5EF4-FFF2-40B4-BE49-F238E27FC236}">
+                <a16:creationId xmlns:a16="http://schemas.microsoft.com/office/drawing/2014/main" id="{676E21BB-72D2-4BDB-B5B1-43D6EE503AF3}"/>
+              </a:ext>
+            </a:extLst>
+          </p:cNvPr>
+          <p:cNvCxnSpPr/>
+          <p:nvPr/>
+        </p:nvCxnSpPr>
+        <p:spPr>
+          <a:xfrm>
+            <a:off x="616449" y="976045"/>
+            <a:ext cx="1828800" cy="0"/>
+          </a:xfrm>
+          <a:prstGeom prst="line">
+            <a:avLst/>
+          </a:prstGeom>
+          <a:ln w="28575">
+            <a:solidFill>
+              <a:srgbClr val="EFA8B4"/>
+            </a:solidFill>
+          </a:ln>
+        </p:spPr>
+        <p:style>
+          <a:lnRef idx="1">
+            <a:schemeClr val="accent1"/>
+          </a:lnRef>
+          <a:fillRef idx="0">
+            <a:schemeClr val="accent1"/>
+          </a:fillRef>
+          <a:effectRef idx="0">
+            <a:schemeClr val="accent1"/>
+          </a:effectRef>
+          <a:fontRef idx="minor">
+            <a:schemeClr val="tx1"/>
+          </a:fontRef>
+        </p:style>
+      </p:cxnSp>
+      <p:sp>
+        <p:nvSpPr>
+          <p:cNvPr id="26" name="Textfeld 25">
+            <a:extLst>
+              <a:ext uri="{FF2B5EF4-FFF2-40B4-BE49-F238E27FC236}">
+                <a16:creationId xmlns:a16="http://schemas.microsoft.com/office/drawing/2014/main" id="{4D067D55-D48F-4817-B87E-75B98E8085DE}"/>
+              </a:ext>
+            </a:extLst>
+          </p:cNvPr>
+          <p:cNvSpPr txBox="1"/>
+          <p:nvPr/>
+        </p:nvSpPr>
+        <p:spPr>
+          <a:xfrm>
+            <a:off x="752552" y="646623"/>
+            <a:ext cx="1704441" cy="369332"/>
+          </a:xfrm>
+          <a:prstGeom prst="rect">
+            <a:avLst/>
+          </a:prstGeom>
+          <a:noFill/>
+        </p:spPr>
+        <p:txBody>
+          <a:bodyPr wrap="none" rtlCol="0">
+            <a:spAutoFit/>
+          </a:bodyPr>
+          <a:lstStyle/>
+          <a:p>
+            <a:r>
+              <a:rPr lang="de-DE" dirty="0" err="1">
+                <a:solidFill>
+                  <a:srgbClr val="781224"/>
+                </a:solidFill>
+              </a:rPr>
+              <a:t>Assigning</a:t>
+            </a:r>
+            <a:r>
+              <a:rPr lang="de-DE" dirty="0">
+                <a:solidFill>
+                  <a:srgbClr val="781224"/>
+                </a:solidFill>
+              </a:rPr>
+              <a:t> </a:t>
+            </a:r>
+            <a:r>
+              <a:rPr lang="de-DE" dirty="0" err="1">
+                <a:solidFill>
+                  <a:srgbClr val="781224"/>
+                </a:solidFill>
+              </a:rPr>
+              <a:t>Layers</a:t>
+            </a:r>
+            <a:endParaRPr lang="de-DE" dirty="0">
+              <a:solidFill>
+                <a:srgbClr val="781224"/>
+              </a:solidFill>
+            </a:endParaRPr>
+          </a:p>
+        </p:txBody>
+      </p:sp>
+      <p:sp>
+        <p:nvSpPr>
+          <p:cNvPr id="8" name="Pfeil: nach rechts 7">
+            <a:extLst>
+              <a:ext uri="{FF2B5EF4-FFF2-40B4-BE49-F238E27FC236}">
+                <a16:creationId xmlns:a16="http://schemas.microsoft.com/office/drawing/2014/main" id="{882CBB86-0F40-4D22-8CB9-3ED81AB8740C}"/>
+              </a:ext>
+            </a:extLst>
+          </p:cNvPr>
+          <p:cNvSpPr/>
+          <p:nvPr/>
+        </p:nvSpPr>
+        <p:spPr>
+          <a:xfrm>
+            <a:off x="1168259" y="3237099"/>
+            <a:ext cx="2653273" cy="1219236"/>
+          </a:xfrm>
+          <a:prstGeom prst="rightArrow">
+            <a:avLst/>
+          </a:prstGeom>
+          <a:solidFill>
+            <a:srgbClr val="251658">
+              <a:alpha val="20000"/>
+            </a:srgbClr>
+          </a:solidFill>
+          <a:ln w="28575">
+            <a:solidFill>
+              <a:srgbClr val="8C81AF"/>
+            </a:solidFill>
+          </a:ln>
+          <a:effectLst>
+            <a:glow>
+              <a:schemeClr val="accent4">
+                <a:lumMod val="20000"/>
+                <a:lumOff val="80000"/>
+              </a:schemeClr>
+            </a:glow>
+          </a:effectLst>
+        </p:spPr>
+        <p:style>
+          <a:lnRef idx="2">
+            <a:schemeClr val="accent1">
+              <a:shade val="50000"/>
+            </a:schemeClr>
+          </a:lnRef>
+          <a:fillRef idx="1">
+            <a:schemeClr val="accent1"/>
+          </a:fillRef>
+          <a:effectRef idx="0">
+            <a:schemeClr val="accent1"/>
+          </a:effectRef>
+          <a:fontRef idx="minor">
+            <a:schemeClr val="lt1"/>
+          </a:fontRef>
+        </p:style>
+        <p:txBody>
+          <a:bodyPr rot="0" spcFirstLastPara="0" vertOverflow="overflow" horzOverflow="overflow" vert="horz" wrap="square" lIns="91440" tIns="45720" rIns="91440" bIns="45720" numCol="1" spcCol="0" rtlCol="0" fromWordArt="0" anchor="ctr" anchorCtr="0" forceAA="0" compatLnSpc="1">
+            <a:prstTxWarp prst="textNoShape">
+              <a:avLst/>
+            </a:prstTxWarp>
+            <a:noAutofit/>
+          </a:bodyPr>
+          <a:lstStyle/>
+          <a:p>
+            <a:pPr algn="ctr"/>
+            <a:r>
+              <a:rPr lang="de-DE" sz="2000" dirty="0" err="1">
+                <a:solidFill>
+                  <a:schemeClr val="tx1"/>
+                </a:solidFill>
+              </a:rPr>
+              <a:t>Zykelfreier</a:t>
+            </a:r>
+            <a:r>
+              <a:rPr lang="de-DE" sz="2000" dirty="0">
+                <a:solidFill>
+                  <a:schemeClr val="tx1"/>
+                </a:solidFill>
+              </a:rPr>
+              <a:t> </a:t>
+            </a:r>
+            <a:r>
+              <a:rPr lang="de-DE" sz="2000" dirty="0" err="1">
+                <a:solidFill>
+                  <a:schemeClr val="tx1"/>
+                </a:solidFill>
+              </a:rPr>
+              <a:t>ElkGraph</a:t>
+            </a:r>
+            <a:endParaRPr lang="de-DE" sz="2000" dirty="0">
+              <a:solidFill>
+                <a:schemeClr val="tx1"/>
+              </a:solidFill>
+            </a:endParaRPr>
+          </a:p>
+        </p:txBody>
+      </p:sp>
+      <p:sp>
+        <p:nvSpPr>
+          <p:cNvPr id="47" name="Pfeil: nach rechts 46">
+            <a:extLst>
+              <a:ext uri="{FF2B5EF4-FFF2-40B4-BE49-F238E27FC236}">
+                <a16:creationId xmlns:a16="http://schemas.microsoft.com/office/drawing/2014/main" id="{613E715B-2B5A-4937-8971-F143C8BB781F}"/>
+              </a:ext>
+            </a:extLst>
+          </p:cNvPr>
+          <p:cNvSpPr/>
+          <p:nvPr/>
+        </p:nvSpPr>
+        <p:spPr>
+          <a:xfrm>
+            <a:off x="8370467" y="3237099"/>
+            <a:ext cx="2653273" cy="1219236"/>
+          </a:xfrm>
+          <a:prstGeom prst="rightArrow">
+            <a:avLst/>
+          </a:prstGeom>
+          <a:solidFill>
+            <a:srgbClr val="0E5E26">
+              <a:alpha val="20000"/>
+            </a:srgbClr>
+          </a:solidFill>
+          <a:ln w="28575">
+            <a:solidFill>
+              <a:srgbClr val="84BC95"/>
+            </a:solidFill>
+          </a:ln>
+        </p:spPr>
+        <p:style>
+          <a:lnRef idx="2">
+            <a:schemeClr val="accent1">
+              <a:shade val="50000"/>
+            </a:schemeClr>
+          </a:lnRef>
+          <a:fillRef idx="1">
+            <a:schemeClr val="accent1"/>
+          </a:fillRef>
+          <a:effectRef idx="0">
+            <a:schemeClr val="accent1"/>
+          </a:effectRef>
+          <a:fontRef idx="minor">
+            <a:schemeClr val="lt1"/>
+          </a:fontRef>
+        </p:style>
+        <p:txBody>
+          <a:bodyPr rot="0" spcFirstLastPara="0" vertOverflow="overflow" horzOverflow="overflow" vert="horz" wrap="square" lIns="91440" tIns="45720" rIns="91440" bIns="45720" numCol="1" spcCol="0" rtlCol="0" fromWordArt="0" anchor="ctr" anchorCtr="0" forceAA="0" compatLnSpc="1">
+            <a:prstTxWarp prst="textNoShape">
+              <a:avLst/>
+            </a:prstTxWarp>
+            <a:noAutofit/>
+          </a:bodyPr>
+          <a:lstStyle/>
+          <a:p>
+            <a:pPr algn="ctr"/>
+            <a:r>
+              <a:rPr lang="de-DE" sz="2000" dirty="0">
+                <a:solidFill>
+                  <a:schemeClr val="tx1"/>
+                </a:solidFill>
+              </a:rPr>
+              <a:t>Array </a:t>
+            </a:r>
+            <a:r>
+              <a:rPr lang="de-DE" sz="2000" dirty="0" err="1">
+                <a:solidFill>
+                  <a:schemeClr val="tx1"/>
+                </a:solidFill>
+              </a:rPr>
+              <a:t>of</a:t>
+            </a:r>
+            <a:r>
+              <a:rPr lang="de-DE" sz="2000" dirty="0">
+                <a:solidFill>
+                  <a:schemeClr val="tx1"/>
+                </a:solidFill>
+              </a:rPr>
+              <a:t> </a:t>
+            </a:r>
+            <a:r>
+              <a:rPr lang="de-DE" sz="2000" dirty="0" err="1">
+                <a:solidFill>
+                  <a:schemeClr val="tx1"/>
+                </a:solidFill>
+              </a:rPr>
+              <a:t>MyGraph</a:t>
+            </a:r>
+            <a:endParaRPr lang="de-DE" sz="2000" dirty="0">
+              <a:solidFill>
+                <a:schemeClr val="tx1"/>
+              </a:solidFill>
+            </a:endParaRPr>
+          </a:p>
+        </p:txBody>
+      </p:sp>
+      <p:sp>
+        <p:nvSpPr>
+          <p:cNvPr id="83" name="Rechteck 82">
+            <a:extLst>
+              <a:ext uri="{FF2B5EF4-FFF2-40B4-BE49-F238E27FC236}">
+                <a16:creationId xmlns:a16="http://schemas.microsoft.com/office/drawing/2014/main" id="{54850671-A68F-430D-9013-5B4915E20BDC}"/>
+              </a:ext>
+            </a:extLst>
+          </p:cNvPr>
+          <p:cNvSpPr/>
+          <p:nvPr/>
+        </p:nvSpPr>
+        <p:spPr>
+          <a:xfrm>
+            <a:off x="4509009" y="1462024"/>
+            <a:ext cx="3173981" cy="5113397"/>
+          </a:xfrm>
+          <a:prstGeom prst="rect">
+            <a:avLst/>
+          </a:prstGeom>
+          <a:solidFill>
+            <a:srgbClr val="781224">
+              <a:alpha val="34000"/>
+            </a:srgbClr>
+          </a:solidFill>
+          <a:ln>
+            <a:noFill/>
+          </a:ln>
+        </p:spPr>
+        <p:style>
+          <a:lnRef idx="2">
+            <a:schemeClr val="accent1">
+              <a:shade val="50000"/>
+            </a:schemeClr>
+          </a:lnRef>
+          <a:fillRef idx="1">
+            <a:schemeClr val="accent1"/>
+          </a:fillRef>
+          <a:effectRef idx="0">
+            <a:schemeClr val="accent1"/>
+          </a:effectRef>
+          <a:fontRef idx="minor">
+            <a:schemeClr val="lt1"/>
+          </a:fontRef>
+        </p:style>
+        <p:txBody>
+          <a:bodyPr rtlCol="0" anchor="t"/>
+          <a:lstStyle/>
+          <a:p>
+            <a:endParaRPr lang="de-DE" sz="2000" dirty="0">
+              <a:solidFill>
+                <a:schemeClr val="tx1"/>
+              </a:solidFill>
+            </a:endParaRPr>
+          </a:p>
+          <a:p>
+            <a:pPr marL="342900" indent="-255588">
+              <a:buFont typeface="Arial" panose="020B0604020202020204" pitchFamily="34" charset="0"/>
+              <a:buChar char="•"/>
+            </a:pPr>
+            <a:endParaRPr lang="de-DE" sz="2000" b="1" dirty="0">
+              <a:solidFill>
+                <a:schemeClr val="tx1"/>
+              </a:solidFill>
+            </a:endParaRPr>
+          </a:p>
+          <a:p>
+            <a:pPr marL="342900" indent="-255588">
+              <a:buFont typeface="Arial" panose="020B0604020202020204" pitchFamily="34" charset="0"/>
+              <a:buChar char="•"/>
+            </a:pPr>
+            <a:endParaRPr lang="de-DE" sz="2000" b="1" dirty="0">
+              <a:solidFill>
+                <a:schemeClr val="tx1"/>
+              </a:solidFill>
+            </a:endParaRPr>
+          </a:p>
+          <a:p>
+            <a:pPr marL="342900" indent="-255588">
+              <a:buFont typeface="Arial" panose="020B0604020202020204" pitchFamily="34" charset="0"/>
+              <a:buChar char="•"/>
+            </a:pPr>
+            <a:endParaRPr lang="de-DE" sz="2000" b="1" dirty="0">
+              <a:solidFill>
+                <a:schemeClr val="tx1"/>
+              </a:solidFill>
+            </a:endParaRPr>
+          </a:p>
+          <a:p>
+            <a:pPr marL="342900" indent="-255588">
+              <a:buFont typeface="Arial" panose="020B0604020202020204" pitchFamily="34" charset="0"/>
+              <a:buChar char="•"/>
+            </a:pPr>
+            <a:endParaRPr lang="de-DE" sz="2000" b="1" dirty="0">
+              <a:solidFill>
+                <a:schemeClr val="tx1"/>
+              </a:solidFill>
+            </a:endParaRPr>
+          </a:p>
+          <a:p>
+            <a:pPr marL="342900" indent="-255588">
+              <a:buFont typeface="Arial" panose="020B0604020202020204" pitchFamily="34" charset="0"/>
+              <a:buChar char="•"/>
+            </a:pPr>
+            <a:r>
+              <a:rPr lang="de-DE" sz="2000" b="1" dirty="0" err="1">
+                <a:solidFill>
+                  <a:schemeClr val="tx1"/>
+                </a:solidFill>
+              </a:rPr>
+              <a:t>Implementing</a:t>
+            </a:r>
+            <a:r>
+              <a:rPr lang="de-DE" sz="2000" b="1" dirty="0">
+                <a:solidFill>
+                  <a:schemeClr val="tx1"/>
+                </a:solidFill>
+              </a:rPr>
+              <a:t> </a:t>
+            </a:r>
+            <a:r>
+              <a:rPr lang="de-DE" sz="2000" b="1" dirty="0" err="1">
+                <a:solidFill>
+                  <a:schemeClr val="tx1"/>
+                </a:solidFill>
+              </a:rPr>
+              <a:t>the</a:t>
+            </a:r>
+            <a:r>
+              <a:rPr lang="de-DE" sz="2000" b="1" dirty="0">
+                <a:solidFill>
+                  <a:schemeClr val="tx1"/>
+                </a:solidFill>
+              </a:rPr>
+              <a:t> Layer </a:t>
+            </a:r>
+            <a:r>
+              <a:rPr lang="de-DE" sz="2000" b="1" dirty="0" err="1">
+                <a:solidFill>
+                  <a:schemeClr val="tx1"/>
+                </a:solidFill>
+              </a:rPr>
+              <a:t>Assignment</a:t>
+            </a:r>
+            <a:r>
+              <a:rPr lang="de-DE" sz="2000" b="1" dirty="0">
+                <a:solidFill>
+                  <a:schemeClr val="tx1"/>
+                </a:solidFill>
+              </a:rPr>
+              <a:t> </a:t>
+            </a:r>
+            <a:r>
+              <a:rPr lang="de-DE" sz="2000" b="1" dirty="0" err="1">
+                <a:solidFill>
+                  <a:schemeClr val="tx1"/>
+                </a:solidFill>
+              </a:rPr>
+              <a:t>Algorithm</a:t>
+            </a:r>
+            <a:endParaRPr lang="de-DE" sz="2000" b="1" dirty="0">
+              <a:solidFill>
+                <a:schemeClr val="tx1"/>
+              </a:solidFill>
+            </a:endParaRPr>
+          </a:p>
+          <a:p>
+            <a:pPr marL="342900" indent="-255588">
+              <a:buFont typeface="Arial" panose="020B0604020202020204" pitchFamily="34" charset="0"/>
+              <a:buChar char="•"/>
+            </a:pPr>
+            <a:endParaRPr lang="de-DE" sz="2000" b="1" dirty="0">
+              <a:solidFill>
+                <a:schemeClr val="tx1"/>
+              </a:solidFill>
+            </a:endParaRPr>
+          </a:p>
+          <a:p>
+            <a:pPr marL="342900" indent="-255588">
+              <a:buFont typeface="Arial" panose="020B0604020202020204" pitchFamily="34" charset="0"/>
+              <a:buChar char="•"/>
+            </a:pPr>
+            <a:r>
+              <a:rPr lang="de-DE" sz="2000" b="1" dirty="0" err="1">
+                <a:solidFill>
+                  <a:schemeClr val="tx1"/>
+                </a:solidFill>
+              </a:rPr>
+              <a:t>Translate</a:t>
+            </a:r>
+            <a:r>
+              <a:rPr lang="de-DE" sz="2000" b="1" dirty="0">
+                <a:solidFill>
+                  <a:schemeClr val="tx1"/>
+                </a:solidFill>
+              </a:rPr>
+              <a:t> </a:t>
+            </a:r>
+            <a:r>
+              <a:rPr lang="de-DE" sz="2000" b="1" dirty="0" err="1">
+                <a:solidFill>
+                  <a:schemeClr val="tx1"/>
+                </a:solidFill>
+              </a:rPr>
+              <a:t>ElkGraph</a:t>
+            </a:r>
+            <a:r>
+              <a:rPr lang="de-DE" sz="2000" b="1" dirty="0">
+                <a:solidFill>
+                  <a:schemeClr val="tx1"/>
+                </a:solidFill>
+              </a:rPr>
+              <a:t> </a:t>
+            </a:r>
+            <a:r>
+              <a:rPr lang="de-DE" sz="2000" b="1" dirty="0" err="1">
+                <a:solidFill>
+                  <a:schemeClr val="tx1"/>
+                </a:solidFill>
+              </a:rPr>
+              <a:t>to</a:t>
+            </a:r>
+            <a:r>
+              <a:rPr lang="de-DE" sz="2000" b="1" dirty="0">
+                <a:solidFill>
+                  <a:schemeClr val="tx1"/>
+                </a:solidFill>
+              </a:rPr>
+              <a:t> </a:t>
+            </a:r>
+            <a:r>
+              <a:rPr lang="de-DE" sz="2000" b="1" dirty="0" err="1">
+                <a:solidFill>
+                  <a:schemeClr val="tx1"/>
+                </a:solidFill>
+              </a:rPr>
+              <a:t>MyGraph</a:t>
+            </a:r>
+            <a:endParaRPr lang="de-DE" sz="2000" b="1" dirty="0">
+              <a:solidFill>
+                <a:schemeClr val="tx1"/>
+              </a:solidFill>
+            </a:endParaRPr>
+          </a:p>
+          <a:p>
+            <a:pPr marL="342900" indent="-255588">
+              <a:buFont typeface="Arial" panose="020B0604020202020204" pitchFamily="34" charset="0"/>
+              <a:buChar char="•"/>
+            </a:pPr>
+            <a:endParaRPr lang="de-DE" sz="2000" b="1" dirty="0">
+              <a:solidFill>
+                <a:schemeClr val="tx1"/>
+              </a:solidFill>
+            </a:endParaRPr>
+          </a:p>
+          <a:p>
+            <a:pPr marL="342900" indent="-255588">
+              <a:buFont typeface="Arial" panose="020B0604020202020204" pitchFamily="34" charset="0"/>
+              <a:buChar char="•"/>
+            </a:pPr>
+            <a:r>
+              <a:rPr lang="de-DE" sz="2000" b="1" dirty="0">
+                <a:solidFill>
+                  <a:schemeClr val="tx1"/>
+                </a:solidFill>
+              </a:rPr>
+              <a:t>Output: Array </a:t>
+            </a:r>
+            <a:r>
+              <a:rPr lang="de-DE" sz="2000" b="1" dirty="0" err="1">
+                <a:solidFill>
+                  <a:schemeClr val="tx1"/>
+                </a:solidFill>
+              </a:rPr>
+              <a:t>of</a:t>
+            </a:r>
+            <a:r>
+              <a:rPr lang="de-DE" sz="2000" b="1" dirty="0">
+                <a:solidFill>
+                  <a:schemeClr val="tx1"/>
+                </a:solidFill>
+              </a:rPr>
+              <a:t> </a:t>
+            </a:r>
+            <a:r>
+              <a:rPr lang="de-DE" sz="2000" b="1" dirty="0" err="1">
+                <a:solidFill>
+                  <a:schemeClr val="tx1"/>
+                </a:solidFill>
+              </a:rPr>
+              <a:t>MyGraph</a:t>
+            </a:r>
+            <a:endParaRPr lang="de-DE" sz="2000" b="1" dirty="0">
+              <a:solidFill>
+                <a:schemeClr val="tx1"/>
+              </a:solidFill>
+            </a:endParaRPr>
+          </a:p>
+          <a:p>
+            <a:pPr marL="342900" indent="-255588">
+              <a:buFont typeface="Arial" panose="020B0604020202020204" pitchFamily="34" charset="0"/>
+              <a:buChar char="•"/>
+            </a:pPr>
+            <a:endParaRPr lang="de-DE" sz="2000" b="1" dirty="0">
+              <a:solidFill>
+                <a:schemeClr val="tx1"/>
+              </a:solidFill>
+            </a:endParaRPr>
+          </a:p>
+          <a:p>
+            <a:pPr marL="342900" indent="-255588">
+              <a:buFont typeface="Arial" panose="020B0604020202020204" pitchFamily="34" charset="0"/>
+              <a:buChar char="•"/>
+            </a:pPr>
+            <a:r>
+              <a:rPr lang="de-DE" sz="2000" b="1" dirty="0" err="1">
+                <a:solidFill>
+                  <a:schemeClr val="tx1"/>
+                </a:solidFill>
+              </a:rPr>
+              <a:t>Testing</a:t>
+            </a:r>
+            <a:endParaRPr lang="de-DE" sz="2000" b="1" dirty="0">
+              <a:solidFill>
+                <a:schemeClr val="tx1"/>
+              </a:solidFill>
+            </a:endParaRPr>
+          </a:p>
+          <a:p>
+            <a:pPr marL="342900" indent="-342900">
+              <a:buFont typeface="Arial" panose="020B0604020202020204" pitchFamily="34" charset="0"/>
+              <a:buChar char="•"/>
+            </a:pPr>
+            <a:endParaRPr lang="de-DE" sz="2400" dirty="0">
+              <a:solidFill>
+                <a:schemeClr val="tx1"/>
+              </a:solidFill>
+            </a:endParaRPr>
+          </a:p>
+        </p:txBody>
+      </p:sp>
+      <p:grpSp>
+        <p:nvGrpSpPr>
+          <p:cNvPr id="84" name="Gruppieren 83">
+            <a:extLst>
+              <a:ext uri="{FF2B5EF4-FFF2-40B4-BE49-F238E27FC236}">
+                <a16:creationId xmlns:a16="http://schemas.microsoft.com/office/drawing/2014/main" id="{1AC3D877-3129-46B9-800E-31419CE2F787}"/>
+              </a:ext>
+            </a:extLst>
+          </p:cNvPr>
+          <p:cNvGrpSpPr/>
+          <p:nvPr/>
+        </p:nvGrpSpPr>
+        <p:grpSpPr>
+          <a:xfrm>
+            <a:off x="4642603" y="1564976"/>
+            <a:ext cx="2906795" cy="1092972"/>
+            <a:chOff x="3991005" y="4281517"/>
+            <a:chExt cx="3442747" cy="1219237"/>
+          </a:xfrm>
+        </p:grpSpPr>
+        <p:sp>
+          <p:nvSpPr>
+            <p:cNvPr id="85" name="Rechteck: obere Ecken abgeschnitten 84">
+              <a:extLst>
+                <a:ext uri="{FF2B5EF4-FFF2-40B4-BE49-F238E27FC236}">
+                  <a16:creationId xmlns:a16="http://schemas.microsoft.com/office/drawing/2014/main" id="{58056677-0ABC-4C5A-871F-4F130AF0E486}"/>
+                </a:ext>
+              </a:extLst>
+            </p:cNvPr>
+            <p:cNvSpPr/>
+            <p:nvPr/>
+          </p:nvSpPr>
+          <p:spPr>
+            <a:xfrm>
+              <a:off x="3991005" y="4281517"/>
+              <a:ext cx="3442747" cy="1219237"/>
+            </a:xfrm>
+            <a:prstGeom prst="snip2SameRect">
+              <a:avLst>
+                <a:gd name="adj1" fmla="val 50000"/>
+                <a:gd name="adj2" fmla="val 0"/>
+              </a:avLst>
+            </a:prstGeom>
+            <a:solidFill>
+              <a:srgbClr val="781224"/>
+            </a:solidFill>
+            <a:ln w="28575">
+              <a:solidFill>
+                <a:srgbClr val="EFA8B4"/>
+              </a:solidFill>
+            </a:ln>
+          </p:spPr>
+          <p:style>
+            <a:lnRef idx="2">
+              <a:schemeClr val="accent1">
+                <a:shade val="50000"/>
+              </a:schemeClr>
+            </a:lnRef>
+            <a:fillRef idx="1">
+              <a:schemeClr val="accent1"/>
+            </a:fillRef>
+            <a:effectRef idx="0">
+              <a:schemeClr val="accent1"/>
+            </a:effectRef>
+            <a:fontRef idx="minor">
+              <a:schemeClr val="lt1"/>
+            </a:fontRef>
+          </p:style>
+          <p:txBody>
+            <a:bodyPr rtlCol="0" anchor="ctr"/>
+            <a:lstStyle/>
+            <a:p>
+              <a:pPr algn="ctr"/>
+              <a:endParaRPr lang="de-DE"/>
+            </a:p>
+          </p:txBody>
+        </p:sp>
+        <p:sp>
+          <p:nvSpPr>
+            <p:cNvPr id="86" name="Rechteck 85">
+              <a:extLst>
+                <a:ext uri="{FF2B5EF4-FFF2-40B4-BE49-F238E27FC236}">
+                  <a16:creationId xmlns:a16="http://schemas.microsoft.com/office/drawing/2014/main" id="{D23E1B73-42BC-49F5-A803-822E3114E1C4}"/>
+                </a:ext>
+              </a:extLst>
+            </p:cNvPr>
+            <p:cNvSpPr/>
+            <p:nvPr/>
+          </p:nvSpPr>
+          <p:spPr>
+            <a:xfrm>
+              <a:off x="4528281" y="4566705"/>
+              <a:ext cx="2368195" cy="648861"/>
+            </a:xfrm>
+            <a:prstGeom prst="rect">
+              <a:avLst/>
+            </a:prstGeom>
+            <a:noFill/>
+            <a:ln>
+              <a:noFill/>
+            </a:ln>
+          </p:spPr>
+          <p:style>
+            <a:lnRef idx="2">
+              <a:schemeClr val="accent1">
+                <a:shade val="50000"/>
+              </a:schemeClr>
+            </a:lnRef>
+            <a:fillRef idx="1">
+              <a:schemeClr val="accent1"/>
+            </a:fillRef>
+            <a:effectRef idx="0">
+              <a:schemeClr val="accent1"/>
+            </a:effectRef>
+            <a:fontRef idx="minor">
+              <a:schemeClr val="lt1"/>
+            </a:fontRef>
+          </p:style>
+          <p:txBody>
+            <a:bodyPr rtlCol="0" anchor="ctr"/>
+            <a:lstStyle/>
+            <a:p>
+              <a:pPr algn="ctr"/>
+              <a:r>
+                <a:rPr lang="de-DE" sz="2400" dirty="0" err="1">
+                  <a:solidFill>
+                    <a:srgbClr val="EFA8B4"/>
+                  </a:solidFill>
+                </a:rPr>
+                <a:t>Applying</a:t>
+              </a:r>
+              <a:r>
+                <a:rPr lang="de-DE" sz="2400" dirty="0">
+                  <a:solidFill>
+                    <a:srgbClr val="EFA8B4"/>
+                  </a:solidFill>
+                </a:rPr>
+                <a:t> </a:t>
+              </a:r>
+              <a:r>
+                <a:rPr lang="de-DE" sz="2400" dirty="0" err="1">
+                  <a:solidFill>
+                    <a:srgbClr val="EFA8B4"/>
+                  </a:solidFill>
+                </a:rPr>
+                <a:t>the</a:t>
+              </a:r>
+              <a:r>
+                <a:rPr lang="de-DE" sz="2400" dirty="0">
+                  <a:solidFill>
+                    <a:srgbClr val="EFA8B4"/>
+                  </a:solidFill>
+                </a:rPr>
+                <a:t> </a:t>
+              </a:r>
+              <a:r>
+                <a:rPr lang="de-DE" sz="2400" dirty="0" err="1">
+                  <a:solidFill>
+                    <a:srgbClr val="EFA8B4"/>
+                  </a:solidFill>
+                </a:rPr>
+                <a:t>Algorithm</a:t>
+              </a:r>
+              <a:endParaRPr lang="de-DE" sz="2400" dirty="0">
+                <a:solidFill>
+                  <a:srgbClr val="EFA8B4"/>
+                </a:solidFill>
+              </a:endParaRPr>
+            </a:p>
+          </p:txBody>
+        </p:sp>
+      </p:grpSp>
+    </p:spTree>
+    <p:extLst>
+      <p:ext uri="{BB962C8B-B14F-4D97-AF65-F5344CB8AC3E}">
+        <p14:creationId xmlns:p14="http://schemas.microsoft.com/office/powerpoint/2010/main" val="1915824048"/>
+      </p:ext>
+    </p:extLst>
+  </p:cSld>
+  <p:clrMapOvr>
+    <a:masterClrMapping/>
+  </p:clrMapOvr>
+</p:sld>
+</file>
+
+<file path=ppt/slides/slide12.xml><?xml version="1.0" encoding="utf-8"?>
+<p:sld xmlns:a="http://schemas.openxmlformats.org/drawingml/2006/main" xmlns:r="http://schemas.openxmlformats.org/officeDocument/2006/relationships" xmlns:p="http://schemas.openxmlformats.org/presentationml/2006/main">
+  <p:cSld>
+    <p:spTree>
+      <p:nvGrpSpPr>
+        <p:cNvPr id="1" name=""/>
+        <p:cNvGrpSpPr/>
+        <p:nvPr/>
+      </p:nvGrpSpPr>
+      <p:grpSpPr>
+        <a:xfrm>
+          <a:off x="0" y="0"/>
+          <a:ext cx="0" cy="0"/>
+          <a:chOff x="0" y="0"/>
+          <a:chExt cx="0" cy="0"/>
+        </a:xfrm>
+      </p:grpSpPr>
+      <p:grpSp>
+        <p:nvGrpSpPr>
+          <p:cNvPr id="12" name="Gruppieren 11">
+            <a:extLst>
+              <a:ext uri="{FF2B5EF4-FFF2-40B4-BE49-F238E27FC236}">
+                <a16:creationId xmlns:a16="http://schemas.microsoft.com/office/drawing/2014/main" id="{1150C0B7-662C-455F-AE20-80D96C5D73DF}"/>
+              </a:ext>
+            </a:extLst>
+          </p:cNvPr>
+          <p:cNvGrpSpPr>
+            <a:grpSpLocks noChangeAspect="1"/>
+          </p:cNvGrpSpPr>
+          <p:nvPr/>
+        </p:nvGrpSpPr>
+        <p:grpSpPr>
+          <a:xfrm>
+            <a:off x="217785" y="197006"/>
+            <a:ext cx="1898691" cy="489676"/>
+            <a:chOff x="972000" y="3600000"/>
+            <a:chExt cx="9264707" cy="1904917"/>
+          </a:xfrm>
+        </p:grpSpPr>
+        <p:grpSp>
+          <p:nvGrpSpPr>
+            <p:cNvPr id="13" name="Gruppieren 12">
+              <a:extLst>
+                <a:ext uri="{FF2B5EF4-FFF2-40B4-BE49-F238E27FC236}">
+                  <a16:creationId xmlns:a16="http://schemas.microsoft.com/office/drawing/2014/main" id="{FBE30E77-90A2-4AE6-B1D4-601DE9836D1A}"/>
+                </a:ext>
+              </a:extLst>
+            </p:cNvPr>
+            <p:cNvGrpSpPr/>
+            <p:nvPr/>
+          </p:nvGrpSpPr>
+          <p:grpSpPr>
+            <a:xfrm>
+              <a:off x="972000" y="3600000"/>
+              <a:ext cx="3442749" cy="1219236"/>
+              <a:chOff x="1065285" y="3182901"/>
+              <a:chExt cx="3442749" cy="1219236"/>
+            </a:xfrm>
+          </p:grpSpPr>
+          <p:sp>
+            <p:nvSpPr>
+              <p:cNvPr id="20" name="Rechteck: eine Ecke abgeschnitten 19">
+                <a:extLst>
+                  <a:ext uri="{FF2B5EF4-FFF2-40B4-BE49-F238E27FC236}">
+                    <a16:creationId xmlns:a16="http://schemas.microsoft.com/office/drawing/2014/main" id="{F85BE369-A563-40ED-95A6-5BC47B28AD55}"/>
+                  </a:ext>
+                </a:extLst>
+              </p:cNvPr>
+              <p:cNvSpPr/>
+              <p:nvPr/>
+            </p:nvSpPr>
+            <p:spPr>
+              <a:xfrm flipV="1">
+                <a:off x="1065285" y="3182901"/>
+                <a:ext cx="3442749" cy="1219236"/>
+              </a:xfrm>
+              <a:prstGeom prst="snip1Rect">
+                <a:avLst>
+                  <a:gd name="adj" fmla="val 50000"/>
+                </a:avLst>
+              </a:prstGeom>
+              <a:solidFill>
+                <a:schemeClr val="bg1">
+                  <a:lumMod val="85000"/>
+                </a:schemeClr>
+              </a:solidFill>
+              <a:ln w="28575">
+                <a:solidFill>
+                  <a:schemeClr val="bg1">
+                    <a:lumMod val="75000"/>
+                  </a:schemeClr>
+                </a:solidFill>
+              </a:ln>
+              <a:effectLst>
+                <a:glow>
+                  <a:schemeClr val="accent4">
+                    <a:lumMod val="20000"/>
+                    <a:lumOff val="80000"/>
+                  </a:schemeClr>
+                </a:glow>
+              </a:effectLst>
+            </p:spPr>
+            <p:style>
+              <a:lnRef idx="2">
+                <a:schemeClr val="accent1">
+                  <a:shade val="50000"/>
+                </a:schemeClr>
+              </a:lnRef>
+              <a:fillRef idx="1">
+                <a:schemeClr val="accent1"/>
+              </a:fillRef>
+              <a:effectRef idx="0">
+                <a:schemeClr val="accent1"/>
+              </a:effectRef>
+              <a:fontRef idx="minor">
+                <a:schemeClr val="lt1"/>
+              </a:fontRef>
+            </p:style>
+            <p:txBody>
+              <a:bodyPr rtlCol="0" anchor="ctr"/>
+              <a:lstStyle/>
+              <a:p>
+                <a:pPr algn="ctr"/>
+                <a:endParaRPr lang="de-DE" dirty="0"/>
+              </a:p>
+            </p:txBody>
+          </p:sp>
+          <p:sp>
+            <p:nvSpPr>
+              <p:cNvPr id="21" name="Rechteck 20">
+                <a:extLst>
+                  <a:ext uri="{FF2B5EF4-FFF2-40B4-BE49-F238E27FC236}">
+                    <a16:creationId xmlns:a16="http://schemas.microsoft.com/office/drawing/2014/main" id="{408D295B-E6B4-4483-8D32-AD81D08807A3}"/>
+                  </a:ext>
+                </a:extLst>
+              </p:cNvPr>
+              <p:cNvSpPr/>
+              <p:nvPr/>
+            </p:nvSpPr>
+            <p:spPr>
+              <a:xfrm>
+                <a:off x="1602562" y="3457072"/>
+                <a:ext cx="2368195" cy="648861"/>
+              </a:xfrm>
+              <a:prstGeom prst="rect">
+                <a:avLst/>
+              </a:prstGeom>
+              <a:noFill/>
+              <a:ln>
+                <a:noFill/>
+              </a:ln>
+            </p:spPr>
+            <p:style>
+              <a:lnRef idx="2">
+                <a:schemeClr val="accent1">
+                  <a:shade val="50000"/>
+                </a:schemeClr>
+              </a:lnRef>
+              <a:fillRef idx="1">
+                <a:schemeClr val="accent1"/>
+              </a:fillRef>
+              <a:effectRef idx="0">
+                <a:schemeClr val="accent1"/>
+              </a:effectRef>
+              <a:fontRef idx="minor">
+                <a:schemeClr val="lt1"/>
+              </a:fontRef>
+            </p:style>
+            <p:txBody>
+              <a:bodyPr rtlCol="0" anchor="ctr"/>
+              <a:lstStyle/>
+              <a:p>
+                <a:pPr algn="ctr"/>
+                <a:endParaRPr lang="de-DE" dirty="0">
+                  <a:solidFill>
+                    <a:srgbClr val="8C81AF"/>
+                  </a:solidFill>
+                </a:endParaRPr>
+              </a:p>
+            </p:txBody>
+          </p:sp>
+        </p:grpSp>
+        <p:grpSp>
+          <p:nvGrpSpPr>
+            <p:cNvPr id="14" name="Gruppieren 13">
+              <a:extLst>
+                <a:ext uri="{FF2B5EF4-FFF2-40B4-BE49-F238E27FC236}">
+                  <a16:creationId xmlns:a16="http://schemas.microsoft.com/office/drawing/2014/main" id="{AE0F1AE7-AC60-4E86-BC9F-3161E50A6077}"/>
+                </a:ext>
+              </a:extLst>
+            </p:cNvPr>
+            <p:cNvGrpSpPr/>
+            <p:nvPr/>
+          </p:nvGrpSpPr>
+          <p:grpSpPr>
+            <a:xfrm>
+              <a:off x="6793960" y="3600000"/>
+              <a:ext cx="3442747" cy="1219236"/>
+              <a:chOff x="6899605" y="3171884"/>
+              <a:chExt cx="3442747" cy="1219236"/>
+            </a:xfrm>
+          </p:grpSpPr>
+          <p:sp>
+            <p:nvSpPr>
+              <p:cNvPr id="18" name="Rechteck: eine Ecke abgeschnitten 17">
+                <a:extLst>
+                  <a:ext uri="{FF2B5EF4-FFF2-40B4-BE49-F238E27FC236}">
+                    <a16:creationId xmlns:a16="http://schemas.microsoft.com/office/drawing/2014/main" id="{4942FE80-3399-4373-8D04-8AEB4994C87B}"/>
+                  </a:ext>
+                </a:extLst>
+              </p:cNvPr>
+              <p:cNvSpPr/>
+              <p:nvPr/>
+            </p:nvSpPr>
+            <p:spPr>
+              <a:xfrm flipH="1" flipV="1">
+                <a:off x="6899605" y="3171884"/>
+                <a:ext cx="3442747" cy="1219236"/>
+              </a:xfrm>
+              <a:prstGeom prst="snip1Rect">
+                <a:avLst>
+                  <a:gd name="adj" fmla="val 50000"/>
+                </a:avLst>
+              </a:prstGeom>
+              <a:solidFill>
+                <a:schemeClr val="bg1">
+                  <a:lumMod val="85000"/>
+                </a:schemeClr>
+              </a:solidFill>
+              <a:ln w="28575">
+                <a:solidFill>
+                  <a:schemeClr val="bg1">
+                    <a:lumMod val="75000"/>
+                  </a:schemeClr>
+                </a:solidFill>
+              </a:ln>
+            </p:spPr>
+            <p:style>
+              <a:lnRef idx="2">
+                <a:schemeClr val="accent1">
+                  <a:shade val="50000"/>
+                </a:schemeClr>
+              </a:lnRef>
+              <a:fillRef idx="1">
+                <a:schemeClr val="accent1"/>
+              </a:fillRef>
+              <a:effectRef idx="0">
+                <a:schemeClr val="accent1"/>
+              </a:effectRef>
+              <a:fontRef idx="minor">
+                <a:schemeClr val="lt1"/>
+              </a:fontRef>
+            </p:style>
+            <p:txBody>
+              <a:bodyPr rtlCol="0" anchor="ctr"/>
+              <a:lstStyle/>
+              <a:p>
+                <a:pPr algn="ctr"/>
+                <a:endParaRPr lang="de-DE" dirty="0"/>
+              </a:p>
+            </p:txBody>
+          </p:sp>
+          <p:sp>
+            <p:nvSpPr>
+              <p:cNvPr id="19" name="Rechteck 18">
+                <a:extLst>
+                  <a:ext uri="{FF2B5EF4-FFF2-40B4-BE49-F238E27FC236}">
+                    <a16:creationId xmlns:a16="http://schemas.microsoft.com/office/drawing/2014/main" id="{30F33098-98CC-46DC-85A4-BA0206A07DC5}"/>
+                  </a:ext>
+                </a:extLst>
+              </p:cNvPr>
+              <p:cNvSpPr/>
+              <p:nvPr/>
+            </p:nvSpPr>
+            <p:spPr>
+              <a:xfrm>
+                <a:off x="7363294" y="3457072"/>
+                <a:ext cx="2549606" cy="648861"/>
+              </a:xfrm>
+              <a:prstGeom prst="rect">
+                <a:avLst/>
+              </a:prstGeom>
+              <a:noFill/>
+              <a:ln>
+                <a:noFill/>
+              </a:ln>
+            </p:spPr>
+            <p:style>
+              <a:lnRef idx="2">
+                <a:schemeClr val="accent1">
+                  <a:shade val="50000"/>
+                </a:schemeClr>
+              </a:lnRef>
+              <a:fillRef idx="1">
+                <a:schemeClr val="accent1"/>
+              </a:fillRef>
+              <a:effectRef idx="0">
+                <a:schemeClr val="accent1"/>
+              </a:effectRef>
+              <a:fontRef idx="minor">
+                <a:schemeClr val="lt1"/>
+              </a:fontRef>
+            </p:style>
+            <p:txBody>
+              <a:bodyPr rtlCol="0" anchor="ctr"/>
+              <a:lstStyle/>
+              <a:p>
+                <a:pPr algn="ctr"/>
+                <a:endParaRPr lang="de-DE" dirty="0">
+                  <a:solidFill>
+                    <a:srgbClr val="84BC95"/>
+                  </a:solidFill>
+                </a:endParaRPr>
+              </a:p>
+            </p:txBody>
+          </p:sp>
+        </p:grpSp>
+        <p:grpSp>
+          <p:nvGrpSpPr>
+            <p:cNvPr id="15" name="Gruppieren 14">
+              <a:extLst>
+                <a:ext uri="{FF2B5EF4-FFF2-40B4-BE49-F238E27FC236}">
+                  <a16:creationId xmlns:a16="http://schemas.microsoft.com/office/drawing/2014/main" id="{FF07A25D-890E-43F0-8BCD-653F2E06FB65}"/>
+                </a:ext>
+              </a:extLst>
+            </p:cNvPr>
+            <p:cNvGrpSpPr/>
+            <p:nvPr/>
+          </p:nvGrpSpPr>
+          <p:grpSpPr>
+            <a:xfrm>
+              <a:off x="3888489" y="4285680"/>
+              <a:ext cx="3442747" cy="1219237"/>
+              <a:chOff x="3991005" y="4281517"/>
+              <a:chExt cx="3442747" cy="1219237"/>
+            </a:xfrm>
+          </p:grpSpPr>
+          <p:sp>
+            <p:nvSpPr>
+              <p:cNvPr id="16" name="Rechteck: obere Ecken abgeschnitten 15">
+                <a:extLst>
+                  <a:ext uri="{FF2B5EF4-FFF2-40B4-BE49-F238E27FC236}">
+                    <a16:creationId xmlns:a16="http://schemas.microsoft.com/office/drawing/2014/main" id="{6F8F6B13-06CE-4686-A0D7-601A4CBF589F}"/>
+                  </a:ext>
+                </a:extLst>
+              </p:cNvPr>
+              <p:cNvSpPr/>
+              <p:nvPr/>
+            </p:nvSpPr>
+            <p:spPr>
+              <a:xfrm>
+                <a:off x="3991005" y="4281517"/>
+                <a:ext cx="3442747" cy="1219237"/>
+              </a:xfrm>
+              <a:prstGeom prst="snip2SameRect">
+                <a:avLst>
+                  <a:gd name="adj1" fmla="val 50000"/>
+                  <a:gd name="adj2" fmla="val 0"/>
+                </a:avLst>
+              </a:prstGeom>
+              <a:solidFill>
+                <a:srgbClr val="781224"/>
+              </a:solidFill>
+              <a:ln w="28575">
+                <a:solidFill>
+                  <a:srgbClr val="EFA8B4"/>
+                </a:solidFill>
+              </a:ln>
+            </p:spPr>
+            <p:style>
+              <a:lnRef idx="2">
+                <a:schemeClr val="accent1">
+                  <a:shade val="50000"/>
+                </a:schemeClr>
+              </a:lnRef>
+              <a:fillRef idx="1">
+                <a:schemeClr val="accent1"/>
+              </a:fillRef>
+              <a:effectRef idx="0">
+                <a:schemeClr val="accent1"/>
+              </a:effectRef>
+              <a:fontRef idx="minor">
+                <a:schemeClr val="lt1"/>
+              </a:fontRef>
+            </p:style>
+            <p:txBody>
+              <a:bodyPr rtlCol="0" anchor="ctr"/>
+              <a:lstStyle/>
+              <a:p>
+                <a:pPr algn="ctr"/>
+                <a:endParaRPr lang="de-DE"/>
+              </a:p>
+            </p:txBody>
+          </p:sp>
+          <p:sp>
+            <p:nvSpPr>
+              <p:cNvPr id="17" name="Rechteck 16">
+                <a:extLst>
+                  <a:ext uri="{FF2B5EF4-FFF2-40B4-BE49-F238E27FC236}">
+                    <a16:creationId xmlns:a16="http://schemas.microsoft.com/office/drawing/2014/main" id="{9F0A0C77-D2AE-4BEE-AE97-C8BB3998D823}"/>
+                  </a:ext>
+                </a:extLst>
+              </p:cNvPr>
+              <p:cNvSpPr/>
+              <p:nvPr/>
+            </p:nvSpPr>
+            <p:spPr>
+              <a:xfrm>
+                <a:off x="4528281" y="4566705"/>
+                <a:ext cx="2368195" cy="648861"/>
+              </a:xfrm>
+              <a:prstGeom prst="rect">
+                <a:avLst/>
+              </a:prstGeom>
+              <a:noFill/>
+              <a:ln>
+                <a:noFill/>
+              </a:ln>
+            </p:spPr>
+            <p:style>
+              <a:lnRef idx="2">
+                <a:schemeClr val="accent1">
+                  <a:shade val="50000"/>
+                </a:schemeClr>
+              </a:lnRef>
+              <a:fillRef idx="1">
+                <a:schemeClr val="accent1"/>
+              </a:fillRef>
+              <a:effectRef idx="0">
+                <a:schemeClr val="accent1"/>
+              </a:effectRef>
+              <a:fontRef idx="minor">
+                <a:schemeClr val="lt1"/>
+              </a:fontRef>
+            </p:style>
+            <p:txBody>
+              <a:bodyPr rtlCol="0" anchor="ctr"/>
+              <a:lstStyle/>
+              <a:p>
+                <a:pPr algn="ctr"/>
+                <a:endParaRPr lang="de-DE" sz="2800" dirty="0">
+                  <a:solidFill>
+                    <a:srgbClr val="EFA8B4"/>
+                  </a:solidFill>
+                </a:endParaRPr>
+              </a:p>
+            </p:txBody>
+          </p:sp>
+        </p:grpSp>
+      </p:grpSp>
+      <p:cxnSp>
+        <p:nvCxnSpPr>
+          <p:cNvPr id="22" name="Gerader Verbinder 21">
+            <a:extLst>
+              <a:ext uri="{FF2B5EF4-FFF2-40B4-BE49-F238E27FC236}">
+                <a16:creationId xmlns:a16="http://schemas.microsoft.com/office/drawing/2014/main" id="{6C3B4B7D-8E2A-44D7-93C4-1241AB679B47}"/>
+              </a:ext>
+            </a:extLst>
+          </p:cNvPr>
+          <p:cNvCxnSpPr>
+            <a:cxnSpLocks/>
+            <a:stCxn id="16" idx="2"/>
+          </p:cNvCxnSpPr>
+          <p:nvPr/>
+        </p:nvCxnSpPr>
+        <p:spPr>
+          <a:xfrm flipH="1">
+            <a:off x="626725" y="529974"/>
+            <a:ext cx="188760" cy="446071"/>
+          </a:xfrm>
+          <a:prstGeom prst="line">
+            <a:avLst/>
+          </a:prstGeom>
+          <a:ln w="28575">
+            <a:solidFill>
+              <a:srgbClr val="EFA8B4"/>
+            </a:solidFill>
+          </a:ln>
+        </p:spPr>
+        <p:style>
+          <a:lnRef idx="1">
+            <a:schemeClr val="accent1"/>
+          </a:lnRef>
+          <a:fillRef idx="0">
+            <a:schemeClr val="accent1"/>
+          </a:fillRef>
+          <a:effectRef idx="0">
+            <a:schemeClr val="accent1"/>
+          </a:effectRef>
+          <a:fontRef idx="minor">
+            <a:schemeClr val="tx1"/>
+          </a:fontRef>
+        </p:style>
+      </p:cxnSp>
+      <p:cxnSp>
+        <p:nvCxnSpPr>
+          <p:cNvPr id="23" name="Gerader Verbinder 22">
+            <a:extLst>
+              <a:ext uri="{FF2B5EF4-FFF2-40B4-BE49-F238E27FC236}">
+                <a16:creationId xmlns:a16="http://schemas.microsoft.com/office/drawing/2014/main" id="{676E21BB-72D2-4BDB-B5B1-43D6EE503AF3}"/>
+              </a:ext>
+            </a:extLst>
+          </p:cNvPr>
+          <p:cNvCxnSpPr/>
+          <p:nvPr/>
+        </p:nvCxnSpPr>
+        <p:spPr>
+          <a:xfrm>
+            <a:off x="616449" y="976045"/>
+            <a:ext cx="1828800" cy="0"/>
+          </a:xfrm>
+          <a:prstGeom prst="line">
+            <a:avLst/>
+          </a:prstGeom>
+          <a:ln w="28575">
+            <a:solidFill>
+              <a:srgbClr val="EFA8B4"/>
+            </a:solidFill>
+          </a:ln>
+        </p:spPr>
+        <p:style>
+          <a:lnRef idx="1">
+            <a:schemeClr val="accent1"/>
+          </a:lnRef>
+          <a:fillRef idx="0">
+            <a:schemeClr val="accent1"/>
+          </a:fillRef>
+          <a:effectRef idx="0">
+            <a:schemeClr val="accent1"/>
+          </a:effectRef>
+          <a:fontRef idx="minor">
+            <a:schemeClr val="tx1"/>
+          </a:fontRef>
+        </p:style>
+      </p:cxnSp>
+      <p:sp>
+        <p:nvSpPr>
+          <p:cNvPr id="26" name="Textfeld 25">
+            <a:extLst>
+              <a:ext uri="{FF2B5EF4-FFF2-40B4-BE49-F238E27FC236}">
+                <a16:creationId xmlns:a16="http://schemas.microsoft.com/office/drawing/2014/main" id="{4D067D55-D48F-4817-B87E-75B98E8085DE}"/>
+              </a:ext>
+            </a:extLst>
+          </p:cNvPr>
+          <p:cNvSpPr txBox="1"/>
+          <p:nvPr/>
+        </p:nvSpPr>
+        <p:spPr>
+          <a:xfrm>
+            <a:off x="752552" y="646623"/>
+            <a:ext cx="1704441" cy="369332"/>
+          </a:xfrm>
+          <a:prstGeom prst="rect">
+            <a:avLst/>
+          </a:prstGeom>
+          <a:noFill/>
+        </p:spPr>
+        <p:txBody>
+          <a:bodyPr wrap="none" rtlCol="0">
+            <a:spAutoFit/>
+          </a:bodyPr>
+          <a:lstStyle/>
+          <a:p>
+            <a:r>
+              <a:rPr lang="de-DE" dirty="0" err="1">
+                <a:solidFill>
+                  <a:srgbClr val="781224"/>
+                </a:solidFill>
+              </a:rPr>
+              <a:t>Assigning</a:t>
+            </a:r>
+            <a:r>
+              <a:rPr lang="de-DE" dirty="0">
+                <a:solidFill>
+                  <a:srgbClr val="781224"/>
+                </a:solidFill>
+              </a:rPr>
+              <a:t> </a:t>
+            </a:r>
+            <a:r>
+              <a:rPr lang="de-DE" dirty="0" err="1">
+                <a:solidFill>
+                  <a:srgbClr val="781224"/>
+                </a:solidFill>
+              </a:rPr>
+              <a:t>Layers</a:t>
+            </a:r>
+            <a:endParaRPr lang="de-DE" dirty="0">
+              <a:solidFill>
+                <a:srgbClr val="781224"/>
+              </a:solidFill>
+            </a:endParaRPr>
+          </a:p>
+        </p:txBody>
+      </p:sp>
+      <p:sp>
+        <p:nvSpPr>
+          <p:cNvPr id="8" name="Pfeil: nach rechts 7">
+            <a:extLst>
+              <a:ext uri="{FF2B5EF4-FFF2-40B4-BE49-F238E27FC236}">
+                <a16:creationId xmlns:a16="http://schemas.microsoft.com/office/drawing/2014/main" id="{882CBB86-0F40-4D22-8CB9-3ED81AB8740C}"/>
+              </a:ext>
+            </a:extLst>
+          </p:cNvPr>
+          <p:cNvSpPr/>
+          <p:nvPr/>
+        </p:nvSpPr>
+        <p:spPr>
+          <a:xfrm>
+            <a:off x="1168259" y="3237099"/>
+            <a:ext cx="2653273" cy="1219236"/>
+          </a:xfrm>
+          <a:prstGeom prst="rightArrow">
+            <a:avLst/>
+          </a:prstGeom>
+          <a:solidFill>
+            <a:srgbClr val="251658">
+              <a:alpha val="20000"/>
+            </a:srgbClr>
+          </a:solidFill>
+          <a:ln w="28575">
+            <a:solidFill>
+              <a:srgbClr val="8C81AF"/>
+            </a:solidFill>
+          </a:ln>
+          <a:effectLst>
+            <a:glow>
+              <a:schemeClr val="accent4">
+                <a:lumMod val="20000"/>
+                <a:lumOff val="80000"/>
+              </a:schemeClr>
+            </a:glow>
+          </a:effectLst>
+        </p:spPr>
+        <p:style>
+          <a:lnRef idx="2">
+            <a:schemeClr val="accent1">
+              <a:shade val="50000"/>
+            </a:schemeClr>
+          </a:lnRef>
+          <a:fillRef idx="1">
+            <a:schemeClr val="accent1"/>
+          </a:fillRef>
+          <a:effectRef idx="0">
+            <a:schemeClr val="accent1"/>
+          </a:effectRef>
+          <a:fontRef idx="minor">
+            <a:schemeClr val="lt1"/>
+          </a:fontRef>
+        </p:style>
+        <p:txBody>
+          <a:bodyPr rot="0" spcFirstLastPara="0" vertOverflow="overflow" horzOverflow="overflow" vert="horz" wrap="square" lIns="91440" tIns="45720" rIns="91440" bIns="45720" numCol="1" spcCol="0" rtlCol="0" fromWordArt="0" anchor="ctr" anchorCtr="0" forceAA="0" compatLnSpc="1">
+            <a:prstTxWarp prst="textNoShape">
+              <a:avLst/>
+            </a:prstTxWarp>
+            <a:noAutofit/>
+          </a:bodyPr>
+          <a:lstStyle/>
+          <a:p>
+            <a:pPr algn="ctr"/>
+            <a:r>
+              <a:rPr lang="de-DE" sz="2000" dirty="0" err="1">
+                <a:solidFill>
+                  <a:schemeClr val="tx1"/>
+                </a:solidFill>
+              </a:rPr>
+              <a:t>Zykelfreier</a:t>
+            </a:r>
+            <a:r>
+              <a:rPr lang="de-DE" sz="2000" dirty="0">
+                <a:solidFill>
+                  <a:schemeClr val="tx1"/>
+                </a:solidFill>
+              </a:rPr>
+              <a:t> </a:t>
+            </a:r>
+            <a:r>
+              <a:rPr lang="de-DE" sz="2000" dirty="0" err="1">
+                <a:solidFill>
+                  <a:schemeClr val="tx1"/>
+                </a:solidFill>
+              </a:rPr>
+              <a:t>ElkGraph</a:t>
+            </a:r>
+            <a:endParaRPr lang="de-DE" sz="2000" dirty="0">
+              <a:solidFill>
+                <a:schemeClr val="tx1"/>
+              </a:solidFill>
+            </a:endParaRPr>
+          </a:p>
+        </p:txBody>
+      </p:sp>
+      <p:sp>
+        <p:nvSpPr>
+          <p:cNvPr id="47" name="Pfeil: nach rechts 46">
+            <a:extLst>
+              <a:ext uri="{FF2B5EF4-FFF2-40B4-BE49-F238E27FC236}">
+                <a16:creationId xmlns:a16="http://schemas.microsoft.com/office/drawing/2014/main" id="{613E715B-2B5A-4937-8971-F143C8BB781F}"/>
+              </a:ext>
+            </a:extLst>
+          </p:cNvPr>
+          <p:cNvSpPr/>
+          <p:nvPr/>
+        </p:nvSpPr>
+        <p:spPr>
+          <a:xfrm>
+            <a:off x="8370467" y="3237099"/>
+            <a:ext cx="2653273" cy="1219236"/>
+          </a:xfrm>
+          <a:prstGeom prst="rightArrow">
+            <a:avLst/>
+          </a:prstGeom>
+          <a:solidFill>
+            <a:srgbClr val="0E5E26">
+              <a:alpha val="20000"/>
+            </a:srgbClr>
+          </a:solidFill>
+          <a:ln w="28575">
+            <a:solidFill>
+              <a:srgbClr val="84BC95"/>
+            </a:solidFill>
+          </a:ln>
+        </p:spPr>
+        <p:style>
+          <a:lnRef idx="2">
+            <a:schemeClr val="accent1">
+              <a:shade val="50000"/>
+            </a:schemeClr>
+          </a:lnRef>
+          <a:fillRef idx="1">
+            <a:schemeClr val="accent1"/>
+          </a:fillRef>
+          <a:effectRef idx="0">
+            <a:schemeClr val="accent1"/>
+          </a:effectRef>
+          <a:fontRef idx="minor">
+            <a:schemeClr val="lt1"/>
+          </a:fontRef>
+        </p:style>
+        <p:txBody>
+          <a:bodyPr rot="0" spcFirstLastPara="0" vertOverflow="overflow" horzOverflow="overflow" vert="horz" wrap="square" lIns="91440" tIns="45720" rIns="91440" bIns="45720" numCol="1" spcCol="0" rtlCol="0" fromWordArt="0" anchor="ctr" anchorCtr="0" forceAA="0" compatLnSpc="1">
+            <a:prstTxWarp prst="textNoShape">
+              <a:avLst/>
+            </a:prstTxWarp>
+            <a:noAutofit/>
+          </a:bodyPr>
+          <a:lstStyle/>
+          <a:p>
+            <a:pPr algn="ctr"/>
+            <a:r>
+              <a:rPr lang="de-DE" sz="2000" dirty="0">
+                <a:solidFill>
+                  <a:schemeClr val="tx1"/>
+                </a:solidFill>
+              </a:rPr>
+              <a:t>Array </a:t>
+            </a:r>
+            <a:r>
+              <a:rPr lang="de-DE" sz="2000" dirty="0" err="1">
+                <a:solidFill>
+                  <a:schemeClr val="tx1"/>
+                </a:solidFill>
+              </a:rPr>
+              <a:t>of</a:t>
+            </a:r>
+            <a:r>
+              <a:rPr lang="de-DE" sz="2000" dirty="0">
+                <a:solidFill>
+                  <a:schemeClr val="tx1"/>
+                </a:solidFill>
+              </a:rPr>
+              <a:t> </a:t>
+            </a:r>
+            <a:r>
+              <a:rPr lang="de-DE" sz="2000" dirty="0" err="1">
+                <a:solidFill>
+                  <a:schemeClr val="tx1"/>
+                </a:solidFill>
+              </a:rPr>
+              <a:t>MyGraph</a:t>
+            </a:r>
+            <a:endParaRPr lang="de-DE" sz="2000" dirty="0">
+              <a:solidFill>
+                <a:schemeClr val="tx1"/>
+              </a:solidFill>
+            </a:endParaRPr>
+          </a:p>
+        </p:txBody>
+      </p:sp>
+      <p:sp>
+        <p:nvSpPr>
+          <p:cNvPr id="83" name="Rechteck 82">
+            <a:extLst>
+              <a:ext uri="{FF2B5EF4-FFF2-40B4-BE49-F238E27FC236}">
+                <a16:creationId xmlns:a16="http://schemas.microsoft.com/office/drawing/2014/main" id="{54850671-A68F-430D-9013-5B4915E20BDC}"/>
+              </a:ext>
+            </a:extLst>
+          </p:cNvPr>
+          <p:cNvSpPr/>
+          <p:nvPr/>
+        </p:nvSpPr>
+        <p:spPr>
+          <a:xfrm>
+            <a:off x="4509009" y="1462024"/>
+            <a:ext cx="3173981" cy="5113397"/>
+          </a:xfrm>
+          <a:prstGeom prst="rect">
+            <a:avLst/>
+          </a:prstGeom>
+          <a:solidFill>
+            <a:srgbClr val="781224">
+              <a:alpha val="34000"/>
+            </a:srgbClr>
+          </a:solidFill>
+          <a:ln>
+            <a:noFill/>
+          </a:ln>
+        </p:spPr>
+        <p:style>
+          <a:lnRef idx="2">
+            <a:schemeClr val="accent1">
+              <a:shade val="50000"/>
+            </a:schemeClr>
+          </a:lnRef>
+          <a:fillRef idx="1">
+            <a:schemeClr val="accent1"/>
+          </a:fillRef>
+          <a:effectRef idx="0">
+            <a:schemeClr val="accent1"/>
+          </a:effectRef>
+          <a:fontRef idx="minor">
+            <a:schemeClr val="lt1"/>
+          </a:fontRef>
+        </p:style>
+        <p:txBody>
+          <a:bodyPr rtlCol="0" anchor="t"/>
+          <a:lstStyle/>
+          <a:p>
+            <a:endParaRPr lang="de-DE" sz="2000" dirty="0">
+              <a:solidFill>
+                <a:schemeClr val="tx1"/>
+              </a:solidFill>
+            </a:endParaRPr>
+          </a:p>
+          <a:p>
+            <a:pPr marL="342900" indent="-255588">
+              <a:buFont typeface="Arial" panose="020B0604020202020204" pitchFamily="34" charset="0"/>
+              <a:buChar char="•"/>
+            </a:pPr>
+            <a:endParaRPr lang="de-DE" sz="2000" b="1" dirty="0">
+              <a:solidFill>
+                <a:schemeClr val="tx1"/>
+              </a:solidFill>
+            </a:endParaRPr>
+          </a:p>
+          <a:p>
+            <a:pPr marL="342900" indent="-255588">
+              <a:buFont typeface="Arial" panose="020B0604020202020204" pitchFamily="34" charset="0"/>
+              <a:buChar char="•"/>
+            </a:pPr>
+            <a:endParaRPr lang="de-DE" sz="2000" b="1" dirty="0">
+              <a:solidFill>
+                <a:schemeClr val="tx1"/>
+              </a:solidFill>
+            </a:endParaRPr>
+          </a:p>
+          <a:p>
+            <a:pPr marL="342900" indent="-255588">
+              <a:buFont typeface="Arial" panose="020B0604020202020204" pitchFamily="34" charset="0"/>
+              <a:buChar char="•"/>
+            </a:pPr>
+            <a:endParaRPr lang="de-DE" sz="2000" b="1" dirty="0">
+              <a:solidFill>
+                <a:schemeClr val="tx1"/>
+              </a:solidFill>
+            </a:endParaRPr>
+          </a:p>
+          <a:p>
+            <a:pPr marL="342900" indent="-255588">
+              <a:buFont typeface="Arial" panose="020B0604020202020204" pitchFamily="34" charset="0"/>
+              <a:buChar char="•"/>
+            </a:pPr>
+            <a:endParaRPr lang="de-DE" sz="2000" b="1" dirty="0">
+              <a:solidFill>
+                <a:schemeClr val="tx1"/>
+              </a:solidFill>
+            </a:endParaRPr>
+          </a:p>
+          <a:p>
+            <a:pPr marL="430212" indent="-342900">
+              <a:buFont typeface="Wingdings" panose="05000000000000000000" pitchFamily="2" charset="2"/>
+              <a:buChar char="ü"/>
+            </a:pPr>
+            <a:r>
+              <a:rPr lang="de-DE" sz="2000" b="1" dirty="0" err="1">
+                <a:solidFill>
+                  <a:schemeClr val="tx1"/>
+                </a:solidFill>
+              </a:rPr>
+              <a:t>Implementing</a:t>
+            </a:r>
+            <a:r>
+              <a:rPr lang="de-DE" sz="2000" b="1" dirty="0">
+                <a:solidFill>
+                  <a:schemeClr val="tx1"/>
+                </a:solidFill>
+              </a:rPr>
+              <a:t> </a:t>
+            </a:r>
+            <a:r>
+              <a:rPr lang="de-DE" sz="2000" b="1" dirty="0" err="1">
+                <a:solidFill>
+                  <a:schemeClr val="tx1"/>
+                </a:solidFill>
+              </a:rPr>
+              <a:t>the</a:t>
+            </a:r>
+            <a:r>
+              <a:rPr lang="de-DE" sz="2000" b="1" dirty="0">
+                <a:solidFill>
+                  <a:schemeClr val="tx1"/>
+                </a:solidFill>
+              </a:rPr>
+              <a:t> Layer </a:t>
+            </a:r>
+            <a:r>
+              <a:rPr lang="de-DE" sz="2000" b="1" dirty="0" err="1">
+                <a:solidFill>
+                  <a:schemeClr val="tx1"/>
+                </a:solidFill>
+              </a:rPr>
+              <a:t>Assignment</a:t>
+            </a:r>
+            <a:r>
+              <a:rPr lang="de-DE" sz="2000" b="1" dirty="0">
+                <a:solidFill>
+                  <a:schemeClr val="tx1"/>
+                </a:solidFill>
+              </a:rPr>
+              <a:t> </a:t>
+            </a:r>
+            <a:r>
+              <a:rPr lang="de-DE" sz="2000" b="1" dirty="0" err="1">
+                <a:solidFill>
+                  <a:schemeClr val="tx1"/>
+                </a:solidFill>
+              </a:rPr>
+              <a:t>Algorithm</a:t>
+            </a:r>
+            <a:endParaRPr lang="de-DE" sz="2000" b="1" dirty="0">
+              <a:solidFill>
+                <a:schemeClr val="tx1"/>
+              </a:solidFill>
+            </a:endParaRPr>
+          </a:p>
+          <a:p>
+            <a:pPr marL="342900" indent="-255588">
+              <a:buFont typeface="Arial" panose="020B0604020202020204" pitchFamily="34" charset="0"/>
+              <a:buChar char="•"/>
+            </a:pPr>
+            <a:endParaRPr lang="de-DE" sz="2000" b="1" dirty="0">
+              <a:solidFill>
+                <a:schemeClr val="tx1"/>
+              </a:solidFill>
+            </a:endParaRPr>
+          </a:p>
+          <a:p>
+            <a:pPr marL="430212" indent="-342900">
+              <a:buFont typeface="Wingdings" panose="05000000000000000000" pitchFamily="2" charset="2"/>
+              <a:buChar char="ü"/>
+            </a:pPr>
+            <a:r>
+              <a:rPr lang="de-DE" sz="2000" b="1" dirty="0" err="1">
+                <a:solidFill>
+                  <a:schemeClr val="tx1"/>
+                </a:solidFill>
+              </a:rPr>
+              <a:t>Translate</a:t>
+            </a:r>
+            <a:r>
+              <a:rPr lang="de-DE" sz="2000" b="1" dirty="0">
+                <a:solidFill>
+                  <a:schemeClr val="tx1"/>
+                </a:solidFill>
+              </a:rPr>
+              <a:t> </a:t>
+            </a:r>
+            <a:r>
+              <a:rPr lang="de-DE" sz="2000" b="1" dirty="0" err="1">
+                <a:solidFill>
+                  <a:schemeClr val="tx1"/>
+                </a:solidFill>
+              </a:rPr>
+              <a:t>ElkGraph</a:t>
+            </a:r>
+            <a:r>
+              <a:rPr lang="de-DE" sz="2000" b="1" dirty="0">
+                <a:solidFill>
+                  <a:schemeClr val="tx1"/>
+                </a:solidFill>
+              </a:rPr>
+              <a:t> </a:t>
+            </a:r>
+            <a:r>
+              <a:rPr lang="de-DE" sz="2000" b="1" dirty="0" err="1">
+                <a:solidFill>
+                  <a:schemeClr val="tx1"/>
+                </a:solidFill>
+              </a:rPr>
+              <a:t>to</a:t>
+            </a:r>
+            <a:r>
+              <a:rPr lang="de-DE" sz="2000" b="1" dirty="0">
+                <a:solidFill>
+                  <a:schemeClr val="tx1"/>
+                </a:solidFill>
+              </a:rPr>
+              <a:t> </a:t>
+            </a:r>
+            <a:r>
+              <a:rPr lang="de-DE" sz="2000" b="1" dirty="0" err="1">
+                <a:solidFill>
+                  <a:schemeClr val="tx1"/>
+                </a:solidFill>
+              </a:rPr>
+              <a:t>MyGraph</a:t>
+            </a:r>
+            <a:endParaRPr lang="de-DE" sz="2000" b="1" dirty="0">
+              <a:solidFill>
+                <a:schemeClr val="tx1"/>
+              </a:solidFill>
+            </a:endParaRPr>
+          </a:p>
+          <a:p>
+            <a:pPr marL="342900" indent="-255588">
+              <a:buFont typeface="Arial" panose="020B0604020202020204" pitchFamily="34" charset="0"/>
+              <a:buChar char="•"/>
+            </a:pPr>
+            <a:endParaRPr lang="de-DE" sz="2000" b="1" dirty="0">
+              <a:solidFill>
+                <a:schemeClr val="tx1"/>
+              </a:solidFill>
+            </a:endParaRPr>
+          </a:p>
+          <a:p>
+            <a:pPr marL="430212" indent="-342900">
+              <a:buFont typeface="Wingdings" panose="05000000000000000000" pitchFamily="2" charset="2"/>
+              <a:buChar char="ü"/>
+            </a:pPr>
+            <a:r>
+              <a:rPr lang="de-DE" sz="2000" b="1" dirty="0">
+                <a:solidFill>
+                  <a:schemeClr val="tx1"/>
+                </a:solidFill>
+              </a:rPr>
+              <a:t>Output: Array </a:t>
+            </a:r>
+            <a:r>
+              <a:rPr lang="de-DE" sz="2000" b="1" dirty="0" err="1">
+                <a:solidFill>
+                  <a:schemeClr val="tx1"/>
+                </a:solidFill>
+              </a:rPr>
+              <a:t>of</a:t>
+            </a:r>
+            <a:r>
+              <a:rPr lang="de-DE" sz="2000" b="1" dirty="0">
+                <a:solidFill>
+                  <a:schemeClr val="tx1"/>
+                </a:solidFill>
+              </a:rPr>
+              <a:t> </a:t>
+            </a:r>
+            <a:r>
+              <a:rPr lang="de-DE" sz="2000" b="1" dirty="0" err="1">
+                <a:solidFill>
+                  <a:schemeClr val="tx1"/>
+                </a:solidFill>
+              </a:rPr>
+              <a:t>MyGraph</a:t>
+            </a:r>
+            <a:endParaRPr lang="de-DE" sz="2000" b="1" dirty="0">
+              <a:solidFill>
+                <a:schemeClr val="tx1"/>
+              </a:solidFill>
+            </a:endParaRPr>
+          </a:p>
+          <a:p>
+            <a:pPr marL="342900" indent="-255588">
+              <a:buFont typeface="Arial" panose="020B0604020202020204" pitchFamily="34" charset="0"/>
+              <a:buChar char="•"/>
+            </a:pPr>
+            <a:endParaRPr lang="de-DE" sz="2000" b="1" dirty="0">
+              <a:solidFill>
+                <a:schemeClr val="tx1"/>
+              </a:solidFill>
+            </a:endParaRPr>
+          </a:p>
+          <a:p>
+            <a:pPr marL="342900" indent="-255588">
+              <a:buFont typeface="Arial" panose="020B0604020202020204" pitchFamily="34" charset="0"/>
+              <a:buChar char="•"/>
+            </a:pPr>
+            <a:r>
+              <a:rPr lang="de-DE" sz="2000" b="1" dirty="0" err="1">
+                <a:solidFill>
+                  <a:schemeClr val="tx1"/>
+                </a:solidFill>
+              </a:rPr>
+              <a:t>Testing</a:t>
+            </a:r>
+            <a:endParaRPr lang="de-DE" sz="2000" b="1" dirty="0">
+              <a:solidFill>
+                <a:schemeClr val="tx1"/>
+              </a:solidFill>
+            </a:endParaRPr>
+          </a:p>
+          <a:p>
+            <a:pPr marL="342900" indent="-342900">
+              <a:buFont typeface="Arial" panose="020B0604020202020204" pitchFamily="34" charset="0"/>
+              <a:buChar char="•"/>
+            </a:pPr>
+            <a:endParaRPr lang="de-DE" sz="2400" dirty="0">
+              <a:solidFill>
+                <a:schemeClr val="tx1"/>
+              </a:solidFill>
+            </a:endParaRPr>
+          </a:p>
+        </p:txBody>
+      </p:sp>
+      <p:grpSp>
+        <p:nvGrpSpPr>
+          <p:cNvPr id="84" name="Gruppieren 83">
+            <a:extLst>
+              <a:ext uri="{FF2B5EF4-FFF2-40B4-BE49-F238E27FC236}">
+                <a16:creationId xmlns:a16="http://schemas.microsoft.com/office/drawing/2014/main" id="{1AC3D877-3129-46B9-800E-31419CE2F787}"/>
+              </a:ext>
+            </a:extLst>
+          </p:cNvPr>
+          <p:cNvGrpSpPr/>
+          <p:nvPr/>
+        </p:nvGrpSpPr>
+        <p:grpSpPr>
+          <a:xfrm>
+            <a:off x="4642603" y="1564976"/>
+            <a:ext cx="2906795" cy="1092972"/>
+            <a:chOff x="3991005" y="4281517"/>
+            <a:chExt cx="3442747" cy="1219237"/>
+          </a:xfrm>
+        </p:grpSpPr>
+        <p:sp>
+          <p:nvSpPr>
+            <p:cNvPr id="85" name="Rechteck: obere Ecken abgeschnitten 84">
+              <a:extLst>
+                <a:ext uri="{FF2B5EF4-FFF2-40B4-BE49-F238E27FC236}">
+                  <a16:creationId xmlns:a16="http://schemas.microsoft.com/office/drawing/2014/main" id="{58056677-0ABC-4C5A-871F-4F130AF0E486}"/>
+                </a:ext>
+              </a:extLst>
+            </p:cNvPr>
+            <p:cNvSpPr/>
+            <p:nvPr/>
+          </p:nvSpPr>
+          <p:spPr>
+            <a:xfrm>
+              <a:off x="3991005" y="4281517"/>
+              <a:ext cx="3442747" cy="1219237"/>
+            </a:xfrm>
+            <a:prstGeom prst="snip2SameRect">
+              <a:avLst>
+                <a:gd name="adj1" fmla="val 50000"/>
+                <a:gd name="adj2" fmla="val 0"/>
+              </a:avLst>
+            </a:prstGeom>
+            <a:solidFill>
+              <a:srgbClr val="781224"/>
+            </a:solidFill>
+            <a:ln w="28575">
+              <a:solidFill>
+                <a:srgbClr val="EFA8B4"/>
+              </a:solidFill>
+            </a:ln>
+          </p:spPr>
+          <p:style>
+            <a:lnRef idx="2">
+              <a:schemeClr val="accent1">
+                <a:shade val="50000"/>
+              </a:schemeClr>
+            </a:lnRef>
+            <a:fillRef idx="1">
+              <a:schemeClr val="accent1"/>
+            </a:fillRef>
+            <a:effectRef idx="0">
+              <a:schemeClr val="accent1"/>
+            </a:effectRef>
+            <a:fontRef idx="minor">
+              <a:schemeClr val="lt1"/>
+            </a:fontRef>
+          </p:style>
+          <p:txBody>
+            <a:bodyPr rtlCol="0" anchor="ctr"/>
+            <a:lstStyle/>
+            <a:p>
+              <a:pPr algn="ctr"/>
+              <a:endParaRPr lang="de-DE"/>
+            </a:p>
+          </p:txBody>
+        </p:sp>
+        <p:sp>
+          <p:nvSpPr>
+            <p:cNvPr id="86" name="Rechteck 85">
+              <a:extLst>
+                <a:ext uri="{FF2B5EF4-FFF2-40B4-BE49-F238E27FC236}">
+                  <a16:creationId xmlns:a16="http://schemas.microsoft.com/office/drawing/2014/main" id="{D23E1B73-42BC-49F5-A803-822E3114E1C4}"/>
+                </a:ext>
+              </a:extLst>
+            </p:cNvPr>
+            <p:cNvSpPr/>
+            <p:nvPr/>
+          </p:nvSpPr>
+          <p:spPr>
+            <a:xfrm>
+              <a:off x="4528281" y="4566705"/>
+              <a:ext cx="2368195" cy="648861"/>
+            </a:xfrm>
+            <a:prstGeom prst="rect">
+              <a:avLst/>
+            </a:prstGeom>
+            <a:noFill/>
+            <a:ln>
+              <a:noFill/>
+            </a:ln>
+          </p:spPr>
+          <p:style>
+            <a:lnRef idx="2">
+              <a:schemeClr val="accent1">
+                <a:shade val="50000"/>
+              </a:schemeClr>
+            </a:lnRef>
+            <a:fillRef idx="1">
+              <a:schemeClr val="accent1"/>
+            </a:fillRef>
+            <a:effectRef idx="0">
+              <a:schemeClr val="accent1"/>
+            </a:effectRef>
+            <a:fontRef idx="minor">
+              <a:schemeClr val="lt1"/>
+            </a:fontRef>
+          </p:style>
+          <p:txBody>
+            <a:bodyPr rtlCol="0" anchor="ctr"/>
+            <a:lstStyle/>
+            <a:p>
+              <a:pPr algn="ctr"/>
+              <a:r>
+                <a:rPr lang="de-DE" sz="2400" dirty="0" err="1">
+                  <a:solidFill>
+                    <a:srgbClr val="EFA8B4"/>
+                  </a:solidFill>
+                </a:rPr>
+                <a:t>Applying</a:t>
+              </a:r>
+              <a:r>
+                <a:rPr lang="de-DE" sz="2400" dirty="0">
+                  <a:solidFill>
+                    <a:srgbClr val="EFA8B4"/>
+                  </a:solidFill>
+                </a:rPr>
+                <a:t> </a:t>
+              </a:r>
+              <a:r>
+                <a:rPr lang="de-DE" sz="2400" dirty="0" err="1">
+                  <a:solidFill>
+                    <a:srgbClr val="EFA8B4"/>
+                  </a:solidFill>
+                </a:rPr>
+                <a:t>the</a:t>
+              </a:r>
+              <a:r>
+                <a:rPr lang="de-DE" sz="2400" dirty="0">
+                  <a:solidFill>
+                    <a:srgbClr val="EFA8B4"/>
+                  </a:solidFill>
+                </a:rPr>
+                <a:t> </a:t>
+              </a:r>
+              <a:r>
+                <a:rPr lang="de-DE" sz="2400" dirty="0" err="1">
+                  <a:solidFill>
+                    <a:srgbClr val="EFA8B4"/>
+                  </a:solidFill>
+                </a:rPr>
+                <a:t>Algorithm</a:t>
+              </a:r>
+              <a:endParaRPr lang="de-DE" sz="2400" dirty="0">
+                <a:solidFill>
+                  <a:srgbClr val="EFA8B4"/>
+                </a:solidFill>
+              </a:endParaRPr>
+            </a:p>
+          </p:txBody>
+        </p:sp>
+      </p:grpSp>
+    </p:spTree>
+    <p:extLst>
+      <p:ext uri="{BB962C8B-B14F-4D97-AF65-F5344CB8AC3E}">
+        <p14:creationId xmlns:p14="http://schemas.microsoft.com/office/powerpoint/2010/main" val="965151679"/>
+      </p:ext>
+    </p:extLst>
+  </p:cSld>
+  <p:clrMapOvr>
+    <a:masterClrMapping/>
+  </p:clrMapOvr>
+</p:sld>
+</file>
+
+<file path=ppt/slides/slide13.xml><?xml version="1.0" encoding="utf-8"?>
+<p:sld xmlns:a="http://schemas.openxmlformats.org/drawingml/2006/main" xmlns:r="http://schemas.openxmlformats.org/officeDocument/2006/relationships" xmlns:p="http://schemas.openxmlformats.org/presentationml/2006/main">
+  <p:cSld>
+    <p:spTree>
+      <p:nvGrpSpPr>
+        <p:cNvPr id="1" name=""/>
+        <p:cNvGrpSpPr/>
+        <p:nvPr/>
+      </p:nvGrpSpPr>
+      <p:grpSpPr>
+        <a:xfrm>
+          <a:off x="0" y="0"/>
+          <a:ext cx="0" cy="0"/>
+          <a:chOff x="0" y="0"/>
+          <a:chExt cx="0" cy="0"/>
+        </a:xfrm>
+      </p:grpSpPr>
+      <p:grpSp>
+        <p:nvGrpSpPr>
+          <p:cNvPr id="22" name="Gruppieren 21">
+            <a:extLst>
+              <a:ext uri="{FF2B5EF4-FFF2-40B4-BE49-F238E27FC236}">
+                <a16:creationId xmlns:a16="http://schemas.microsoft.com/office/drawing/2014/main" id="{40CE0BBD-44C5-47C4-A744-EFE3C600CD6E}"/>
+              </a:ext>
+            </a:extLst>
+          </p:cNvPr>
+          <p:cNvGrpSpPr>
+            <a:grpSpLocks noChangeAspect="1"/>
+          </p:cNvGrpSpPr>
+          <p:nvPr/>
+        </p:nvGrpSpPr>
+        <p:grpSpPr>
+          <a:xfrm>
+            <a:off x="217785" y="197006"/>
+            <a:ext cx="1898691" cy="489676"/>
+            <a:chOff x="972000" y="3600000"/>
+            <a:chExt cx="9264707" cy="1904917"/>
+          </a:xfrm>
+        </p:grpSpPr>
+        <p:grpSp>
+          <p:nvGrpSpPr>
+            <p:cNvPr id="23" name="Gruppieren 22">
+              <a:extLst>
+                <a:ext uri="{FF2B5EF4-FFF2-40B4-BE49-F238E27FC236}">
+                  <a16:creationId xmlns:a16="http://schemas.microsoft.com/office/drawing/2014/main" id="{D04F0537-5D4E-4C7B-942A-CEBDC65AAC3B}"/>
+                </a:ext>
+              </a:extLst>
+            </p:cNvPr>
+            <p:cNvGrpSpPr/>
+            <p:nvPr/>
+          </p:nvGrpSpPr>
+          <p:grpSpPr>
+            <a:xfrm>
+              <a:off x="972000" y="3600000"/>
+              <a:ext cx="3442749" cy="1219236"/>
+              <a:chOff x="1065285" y="3182901"/>
+              <a:chExt cx="3442749" cy="1219236"/>
+            </a:xfrm>
+          </p:grpSpPr>
+          <p:sp>
+            <p:nvSpPr>
+              <p:cNvPr id="30" name="Rechteck: eine Ecke abgeschnitten 29">
+                <a:extLst>
+                  <a:ext uri="{FF2B5EF4-FFF2-40B4-BE49-F238E27FC236}">
+                    <a16:creationId xmlns:a16="http://schemas.microsoft.com/office/drawing/2014/main" id="{3B8E4723-7F96-446D-95C1-1A617709DF03}"/>
+                  </a:ext>
+                </a:extLst>
+              </p:cNvPr>
+              <p:cNvSpPr/>
+              <p:nvPr/>
+            </p:nvSpPr>
+            <p:spPr>
+              <a:xfrm flipV="1">
+                <a:off x="1065285" y="3182901"/>
+                <a:ext cx="3442749" cy="1219236"/>
+              </a:xfrm>
+              <a:prstGeom prst="snip1Rect">
+                <a:avLst>
+                  <a:gd name="adj" fmla="val 50000"/>
+                </a:avLst>
+              </a:prstGeom>
+              <a:solidFill>
+                <a:schemeClr val="bg1">
+                  <a:lumMod val="85000"/>
+                </a:schemeClr>
+              </a:solidFill>
+              <a:ln w="28575">
+                <a:solidFill>
+                  <a:schemeClr val="bg1">
+                    <a:lumMod val="75000"/>
+                  </a:schemeClr>
+                </a:solidFill>
+              </a:ln>
+              <a:effectLst>
+                <a:glow>
+                  <a:schemeClr val="accent4">
+                    <a:lumMod val="20000"/>
+                    <a:lumOff val="80000"/>
+                  </a:schemeClr>
+                </a:glow>
+              </a:effectLst>
+            </p:spPr>
+            <p:style>
+              <a:lnRef idx="2">
+                <a:schemeClr val="accent1">
+                  <a:shade val="50000"/>
+                </a:schemeClr>
+              </a:lnRef>
+              <a:fillRef idx="1">
+                <a:schemeClr val="accent1"/>
+              </a:fillRef>
+              <a:effectRef idx="0">
+                <a:schemeClr val="accent1"/>
+              </a:effectRef>
+              <a:fontRef idx="minor">
+                <a:schemeClr val="lt1"/>
+              </a:fontRef>
+            </p:style>
+            <p:txBody>
+              <a:bodyPr rtlCol="0" anchor="ctr"/>
+              <a:lstStyle/>
+              <a:p>
+                <a:pPr algn="ctr"/>
+                <a:endParaRPr lang="de-DE" dirty="0"/>
+              </a:p>
+            </p:txBody>
+          </p:sp>
+          <p:sp>
+            <p:nvSpPr>
+              <p:cNvPr id="31" name="Rechteck 30">
+                <a:extLst>
+                  <a:ext uri="{FF2B5EF4-FFF2-40B4-BE49-F238E27FC236}">
+                    <a16:creationId xmlns:a16="http://schemas.microsoft.com/office/drawing/2014/main" id="{98EB074F-2E8B-41B7-8A6A-1A97866AB12A}"/>
+                  </a:ext>
+                </a:extLst>
+              </p:cNvPr>
+              <p:cNvSpPr/>
+              <p:nvPr/>
+            </p:nvSpPr>
+            <p:spPr>
+              <a:xfrm>
+                <a:off x="1602562" y="3457072"/>
+                <a:ext cx="2368195" cy="648861"/>
+              </a:xfrm>
+              <a:prstGeom prst="rect">
+                <a:avLst/>
+              </a:prstGeom>
+              <a:noFill/>
+              <a:ln>
+                <a:noFill/>
+              </a:ln>
+            </p:spPr>
+            <p:style>
+              <a:lnRef idx="2">
+                <a:schemeClr val="accent1">
+                  <a:shade val="50000"/>
+                </a:schemeClr>
+              </a:lnRef>
+              <a:fillRef idx="1">
+                <a:schemeClr val="accent1"/>
+              </a:fillRef>
+              <a:effectRef idx="0">
+                <a:schemeClr val="accent1"/>
+              </a:effectRef>
+              <a:fontRef idx="minor">
+                <a:schemeClr val="lt1"/>
+              </a:fontRef>
+            </p:style>
+            <p:txBody>
+              <a:bodyPr rtlCol="0" anchor="ctr"/>
+              <a:lstStyle/>
+              <a:p>
+                <a:pPr algn="ctr"/>
+                <a:endParaRPr lang="de-DE" dirty="0">
+                  <a:solidFill>
+                    <a:srgbClr val="8C81AF"/>
+                  </a:solidFill>
+                </a:endParaRPr>
+              </a:p>
+            </p:txBody>
+          </p:sp>
+        </p:grpSp>
+        <p:grpSp>
+          <p:nvGrpSpPr>
+            <p:cNvPr id="24" name="Gruppieren 23">
+              <a:extLst>
+                <a:ext uri="{FF2B5EF4-FFF2-40B4-BE49-F238E27FC236}">
+                  <a16:creationId xmlns:a16="http://schemas.microsoft.com/office/drawing/2014/main" id="{B8E6D886-A02B-4159-BE79-C9773FAD6C3A}"/>
+                </a:ext>
+              </a:extLst>
+            </p:cNvPr>
+            <p:cNvGrpSpPr/>
+            <p:nvPr/>
+          </p:nvGrpSpPr>
+          <p:grpSpPr>
+            <a:xfrm>
+              <a:off x="6793960" y="3600000"/>
+              <a:ext cx="3442747" cy="1219236"/>
+              <a:chOff x="6899605" y="3171884"/>
+              <a:chExt cx="3442747" cy="1219236"/>
+            </a:xfrm>
+          </p:grpSpPr>
+          <p:sp>
+            <p:nvSpPr>
+              <p:cNvPr id="28" name="Rechteck: eine Ecke abgeschnitten 27">
+                <a:extLst>
+                  <a:ext uri="{FF2B5EF4-FFF2-40B4-BE49-F238E27FC236}">
+                    <a16:creationId xmlns:a16="http://schemas.microsoft.com/office/drawing/2014/main" id="{17C74BBF-BDE6-45CF-9F75-8997B793E3F8}"/>
+                  </a:ext>
+                </a:extLst>
+              </p:cNvPr>
+              <p:cNvSpPr/>
+              <p:nvPr/>
+            </p:nvSpPr>
+            <p:spPr>
+              <a:xfrm flipH="1" flipV="1">
+                <a:off x="6899605" y="3171884"/>
+                <a:ext cx="3442747" cy="1219236"/>
+              </a:xfrm>
+              <a:prstGeom prst="snip1Rect">
+                <a:avLst>
+                  <a:gd name="adj" fmla="val 50000"/>
+                </a:avLst>
+              </a:prstGeom>
+              <a:solidFill>
+                <a:srgbClr val="0E5E26"/>
+              </a:solidFill>
+              <a:ln w="28575">
+                <a:solidFill>
+                  <a:srgbClr val="84BC95"/>
+                </a:solidFill>
+              </a:ln>
+            </p:spPr>
+            <p:style>
+              <a:lnRef idx="2">
+                <a:schemeClr val="accent1">
+                  <a:shade val="50000"/>
+                </a:schemeClr>
+              </a:lnRef>
+              <a:fillRef idx="1">
+                <a:schemeClr val="accent1"/>
+              </a:fillRef>
+              <a:effectRef idx="0">
+                <a:schemeClr val="accent1"/>
+              </a:effectRef>
+              <a:fontRef idx="minor">
+                <a:schemeClr val="lt1"/>
+              </a:fontRef>
+            </p:style>
+            <p:txBody>
+              <a:bodyPr rtlCol="0" anchor="ctr"/>
+              <a:lstStyle/>
+              <a:p>
+                <a:pPr algn="ctr"/>
+                <a:endParaRPr lang="de-DE" dirty="0"/>
+              </a:p>
+            </p:txBody>
+          </p:sp>
+          <p:sp>
+            <p:nvSpPr>
+              <p:cNvPr id="29" name="Rechteck 28">
+                <a:extLst>
+                  <a:ext uri="{FF2B5EF4-FFF2-40B4-BE49-F238E27FC236}">
+                    <a16:creationId xmlns:a16="http://schemas.microsoft.com/office/drawing/2014/main" id="{0E1C997B-7D31-4845-977D-EC930CB89CF1}"/>
+                  </a:ext>
+                </a:extLst>
+              </p:cNvPr>
+              <p:cNvSpPr/>
+              <p:nvPr/>
+            </p:nvSpPr>
+            <p:spPr>
+              <a:xfrm>
+                <a:off x="7363294" y="3457072"/>
+                <a:ext cx="2549606" cy="648861"/>
+              </a:xfrm>
+              <a:prstGeom prst="rect">
+                <a:avLst/>
+              </a:prstGeom>
+              <a:noFill/>
+              <a:ln>
+                <a:noFill/>
+              </a:ln>
+            </p:spPr>
+            <p:style>
+              <a:lnRef idx="2">
+                <a:schemeClr val="accent1">
+                  <a:shade val="50000"/>
+                </a:schemeClr>
+              </a:lnRef>
+              <a:fillRef idx="1">
+                <a:schemeClr val="accent1"/>
+              </a:fillRef>
+              <a:effectRef idx="0">
+                <a:schemeClr val="accent1"/>
+              </a:effectRef>
+              <a:fontRef idx="minor">
+                <a:schemeClr val="lt1"/>
+              </a:fontRef>
+            </p:style>
+            <p:txBody>
+              <a:bodyPr rtlCol="0" anchor="ctr"/>
+              <a:lstStyle/>
+              <a:p>
+                <a:pPr algn="ctr"/>
+                <a:endParaRPr lang="de-DE" dirty="0">
+                  <a:solidFill>
+                    <a:srgbClr val="84BC95"/>
+                  </a:solidFill>
+                </a:endParaRPr>
+              </a:p>
+            </p:txBody>
+          </p:sp>
+        </p:grpSp>
+        <p:grpSp>
+          <p:nvGrpSpPr>
+            <p:cNvPr id="25" name="Gruppieren 24">
+              <a:extLst>
+                <a:ext uri="{FF2B5EF4-FFF2-40B4-BE49-F238E27FC236}">
+                  <a16:creationId xmlns:a16="http://schemas.microsoft.com/office/drawing/2014/main" id="{0822AD09-129A-4E73-AA14-D70281F9AAB1}"/>
+                </a:ext>
+              </a:extLst>
+            </p:cNvPr>
+            <p:cNvGrpSpPr/>
+            <p:nvPr/>
+          </p:nvGrpSpPr>
+          <p:grpSpPr>
+            <a:xfrm>
+              <a:off x="3888489" y="4285680"/>
+              <a:ext cx="3442747" cy="1219237"/>
+              <a:chOff x="3991005" y="4281517"/>
+              <a:chExt cx="3442747" cy="1219237"/>
+            </a:xfrm>
+          </p:grpSpPr>
+          <p:sp>
+            <p:nvSpPr>
+              <p:cNvPr id="26" name="Rechteck: obere Ecken abgeschnitten 25">
+                <a:extLst>
+                  <a:ext uri="{FF2B5EF4-FFF2-40B4-BE49-F238E27FC236}">
+                    <a16:creationId xmlns:a16="http://schemas.microsoft.com/office/drawing/2014/main" id="{EC7E390C-1595-4F99-B7A9-4E1F7AD5B07D}"/>
+                  </a:ext>
+                </a:extLst>
+              </p:cNvPr>
+              <p:cNvSpPr/>
+              <p:nvPr/>
+            </p:nvSpPr>
+            <p:spPr>
+              <a:xfrm>
+                <a:off x="3991005" y="4281517"/>
+                <a:ext cx="3442747" cy="1219237"/>
+              </a:xfrm>
+              <a:prstGeom prst="snip2SameRect">
+                <a:avLst>
+                  <a:gd name="adj1" fmla="val 50000"/>
+                  <a:gd name="adj2" fmla="val 0"/>
+                </a:avLst>
+              </a:prstGeom>
+              <a:solidFill>
+                <a:schemeClr val="bg1">
+                  <a:lumMod val="85000"/>
+                </a:schemeClr>
+              </a:solidFill>
+              <a:ln w="28575">
+                <a:solidFill>
+                  <a:schemeClr val="bg1">
+                    <a:lumMod val="75000"/>
+                  </a:schemeClr>
+                </a:solidFill>
+              </a:ln>
+            </p:spPr>
+            <p:style>
+              <a:lnRef idx="2">
+                <a:schemeClr val="accent1">
+                  <a:shade val="50000"/>
+                </a:schemeClr>
+              </a:lnRef>
+              <a:fillRef idx="1">
+                <a:schemeClr val="accent1"/>
+              </a:fillRef>
+              <a:effectRef idx="0">
+                <a:schemeClr val="accent1"/>
+              </a:effectRef>
+              <a:fontRef idx="minor">
+                <a:schemeClr val="lt1"/>
+              </a:fontRef>
+            </p:style>
+            <p:txBody>
+              <a:bodyPr rtlCol="0" anchor="ctr"/>
+              <a:lstStyle/>
+              <a:p>
+                <a:pPr algn="ctr"/>
+                <a:endParaRPr lang="de-DE"/>
+              </a:p>
+            </p:txBody>
+          </p:sp>
+          <p:sp>
+            <p:nvSpPr>
+              <p:cNvPr id="27" name="Rechteck 26">
+                <a:extLst>
+                  <a:ext uri="{FF2B5EF4-FFF2-40B4-BE49-F238E27FC236}">
+                    <a16:creationId xmlns:a16="http://schemas.microsoft.com/office/drawing/2014/main" id="{229E413F-198B-41A6-9523-1FDC3438D3E0}"/>
+                  </a:ext>
+                </a:extLst>
+              </p:cNvPr>
+              <p:cNvSpPr/>
+              <p:nvPr/>
+            </p:nvSpPr>
+            <p:spPr>
+              <a:xfrm>
+                <a:off x="4528281" y="4566705"/>
+                <a:ext cx="2368195" cy="648861"/>
+              </a:xfrm>
+              <a:prstGeom prst="rect">
+                <a:avLst/>
+              </a:prstGeom>
+              <a:noFill/>
+              <a:ln>
+                <a:noFill/>
+              </a:ln>
+            </p:spPr>
+            <p:style>
+              <a:lnRef idx="2">
+                <a:schemeClr val="accent1">
+                  <a:shade val="50000"/>
+                </a:schemeClr>
+              </a:lnRef>
+              <a:fillRef idx="1">
+                <a:schemeClr val="accent1"/>
+              </a:fillRef>
+              <a:effectRef idx="0">
+                <a:schemeClr val="accent1"/>
+              </a:effectRef>
+              <a:fontRef idx="minor">
+                <a:schemeClr val="lt1"/>
+              </a:fontRef>
+            </p:style>
+            <p:txBody>
+              <a:bodyPr rtlCol="0" anchor="ctr"/>
+              <a:lstStyle/>
+              <a:p>
+                <a:pPr algn="ctr"/>
+                <a:endParaRPr lang="de-DE" sz="2800" dirty="0">
+                  <a:solidFill>
+                    <a:srgbClr val="EFA8B4"/>
+                  </a:solidFill>
+                </a:endParaRPr>
+              </a:p>
+            </p:txBody>
+          </p:sp>
+        </p:grpSp>
+      </p:grpSp>
+      <p:cxnSp>
+        <p:nvCxnSpPr>
+          <p:cNvPr id="32" name="Gerader Verbinder 31">
+            <a:extLst>
+              <a:ext uri="{FF2B5EF4-FFF2-40B4-BE49-F238E27FC236}">
+                <a16:creationId xmlns:a16="http://schemas.microsoft.com/office/drawing/2014/main" id="{9068FB1B-E590-45CD-B9CC-830475B860AD}"/>
+              </a:ext>
+            </a:extLst>
+          </p:cNvPr>
+          <p:cNvCxnSpPr>
+            <a:cxnSpLocks/>
+          </p:cNvCxnSpPr>
+          <p:nvPr/>
+        </p:nvCxnSpPr>
+        <p:spPr>
+          <a:xfrm>
+            <a:off x="2112142" y="514756"/>
+            <a:ext cx="328773" cy="465623"/>
+          </a:xfrm>
+          <a:prstGeom prst="line">
+            <a:avLst/>
+          </a:prstGeom>
+          <a:ln w="28575">
+            <a:solidFill>
+              <a:srgbClr val="84BC95"/>
+            </a:solidFill>
+          </a:ln>
+        </p:spPr>
+        <p:style>
+          <a:lnRef idx="1">
+            <a:schemeClr val="accent1"/>
+          </a:lnRef>
+          <a:fillRef idx="0">
+            <a:schemeClr val="accent1"/>
+          </a:fillRef>
+          <a:effectRef idx="0">
+            <a:schemeClr val="accent1"/>
+          </a:effectRef>
+          <a:fontRef idx="minor">
+            <a:schemeClr val="tx1"/>
+          </a:fontRef>
+        </p:style>
+      </p:cxnSp>
+      <p:cxnSp>
+        <p:nvCxnSpPr>
+          <p:cNvPr id="33" name="Gerader Verbinder 32">
+            <a:extLst>
+              <a:ext uri="{FF2B5EF4-FFF2-40B4-BE49-F238E27FC236}">
+                <a16:creationId xmlns:a16="http://schemas.microsoft.com/office/drawing/2014/main" id="{7CBAD0E0-4DBC-4044-AADD-3D01CCA5A512}"/>
+              </a:ext>
+            </a:extLst>
+          </p:cNvPr>
+          <p:cNvCxnSpPr/>
+          <p:nvPr/>
+        </p:nvCxnSpPr>
+        <p:spPr>
+          <a:xfrm>
+            <a:off x="616449" y="976045"/>
+            <a:ext cx="1828800" cy="0"/>
+          </a:xfrm>
+          <a:prstGeom prst="line">
+            <a:avLst/>
+          </a:prstGeom>
+          <a:ln w="28575">
+            <a:solidFill>
+              <a:srgbClr val="84BC95"/>
+            </a:solidFill>
+          </a:ln>
+        </p:spPr>
+        <p:style>
+          <a:lnRef idx="1">
+            <a:schemeClr val="accent1"/>
+          </a:lnRef>
+          <a:fillRef idx="0">
+            <a:schemeClr val="accent1"/>
+          </a:fillRef>
+          <a:effectRef idx="0">
+            <a:schemeClr val="accent1"/>
+          </a:effectRef>
+          <a:fontRef idx="minor">
+            <a:schemeClr val="tx1"/>
+          </a:fontRef>
+        </p:style>
+      </p:cxnSp>
+      <p:sp>
+        <p:nvSpPr>
+          <p:cNvPr id="42" name="Textfeld 41">
+            <a:extLst>
+              <a:ext uri="{FF2B5EF4-FFF2-40B4-BE49-F238E27FC236}">
+                <a16:creationId xmlns:a16="http://schemas.microsoft.com/office/drawing/2014/main" id="{F8CC02C5-88CF-4847-8AA6-68A4CE0A46EA}"/>
+              </a:ext>
+            </a:extLst>
+          </p:cNvPr>
+          <p:cNvSpPr txBox="1"/>
+          <p:nvPr/>
+        </p:nvSpPr>
+        <p:spPr>
+          <a:xfrm>
+            <a:off x="769888" y="646623"/>
+            <a:ext cx="1172116" cy="369332"/>
+          </a:xfrm>
+          <a:prstGeom prst="rect">
+            <a:avLst/>
+          </a:prstGeom>
+          <a:noFill/>
+        </p:spPr>
+        <p:txBody>
+          <a:bodyPr wrap="none" rtlCol="0">
+            <a:spAutoFit/>
+          </a:bodyPr>
+          <a:lstStyle/>
+          <a:p>
+            <a:r>
+              <a:rPr lang="de-DE" dirty="0" err="1">
+                <a:solidFill>
+                  <a:srgbClr val="0E5E26"/>
+                </a:solidFill>
+              </a:rPr>
+              <a:t>Visualizing</a:t>
+            </a:r>
+            <a:endParaRPr lang="de-DE" dirty="0">
+              <a:solidFill>
+                <a:srgbClr val="0E5E26"/>
+              </a:solidFill>
+            </a:endParaRPr>
+          </a:p>
+        </p:txBody>
+      </p:sp>
+      <p:sp>
+        <p:nvSpPr>
+          <p:cNvPr id="60" name="Rechteck 59">
+            <a:extLst>
+              <a:ext uri="{FF2B5EF4-FFF2-40B4-BE49-F238E27FC236}">
+                <a16:creationId xmlns:a16="http://schemas.microsoft.com/office/drawing/2014/main" id="{115F7BF7-5BF8-423B-A880-EECAE93006F1}"/>
+              </a:ext>
+            </a:extLst>
+          </p:cNvPr>
+          <p:cNvSpPr/>
+          <p:nvPr/>
+        </p:nvSpPr>
+        <p:spPr>
+          <a:xfrm>
+            <a:off x="8532201" y="1462025"/>
+            <a:ext cx="3173981" cy="5113397"/>
+          </a:xfrm>
+          <a:prstGeom prst="rect">
+            <a:avLst/>
+          </a:prstGeom>
+          <a:solidFill>
+            <a:srgbClr val="0E5E26">
+              <a:alpha val="34000"/>
+            </a:srgbClr>
+          </a:solidFill>
+          <a:ln>
+            <a:noFill/>
+          </a:ln>
+        </p:spPr>
+        <p:style>
+          <a:lnRef idx="2">
+            <a:schemeClr val="accent1">
+              <a:shade val="50000"/>
+            </a:schemeClr>
+          </a:lnRef>
+          <a:fillRef idx="1">
+            <a:schemeClr val="accent1"/>
+          </a:fillRef>
+          <a:effectRef idx="0">
+            <a:schemeClr val="accent1"/>
+          </a:effectRef>
+          <a:fontRef idx="minor">
+            <a:schemeClr val="lt1"/>
+          </a:fontRef>
+        </p:style>
+        <p:txBody>
+          <a:bodyPr rtlCol="0" anchor="t"/>
+          <a:lstStyle/>
+          <a:p>
+            <a:pPr marL="342900" indent="-342900">
+              <a:buFont typeface="Arial" panose="020B0604020202020204" pitchFamily="34" charset="0"/>
+              <a:buChar char="•"/>
+            </a:pPr>
+            <a:endParaRPr lang="de-DE" sz="2000" b="1" dirty="0">
+              <a:solidFill>
+                <a:schemeClr val="tx1"/>
+              </a:solidFill>
+            </a:endParaRPr>
+          </a:p>
+          <a:p>
+            <a:pPr marL="342900" indent="-342900">
+              <a:buFont typeface="Arial" panose="020B0604020202020204" pitchFamily="34" charset="0"/>
+              <a:buChar char="•"/>
+            </a:pPr>
+            <a:endParaRPr lang="de-DE" sz="2000" b="1" dirty="0">
+              <a:solidFill>
+                <a:schemeClr val="tx1"/>
+              </a:solidFill>
+            </a:endParaRPr>
+          </a:p>
+          <a:p>
+            <a:pPr marL="342900" indent="-342900">
+              <a:buFont typeface="Arial" panose="020B0604020202020204" pitchFamily="34" charset="0"/>
+              <a:buChar char="•"/>
+            </a:pPr>
+            <a:endParaRPr lang="de-DE" sz="2000" b="1" dirty="0">
+              <a:solidFill>
+                <a:schemeClr val="tx1"/>
+              </a:solidFill>
+            </a:endParaRPr>
+          </a:p>
+          <a:p>
+            <a:pPr marL="342900" indent="-255588">
+              <a:buFont typeface="Arial" panose="020B0604020202020204" pitchFamily="34" charset="0"/>
+              <a:buChar char="•"/>
+            </a:pPr>
+            <a:endParaRPr lang="de-DE" sz="2000" b="1" dirty="0">
+              <a:solidFill>
+                <a:schemeClr val="tx1"/>
+              </a:solidFill>
+            </a:endParaRPr>
+          </a:p>
+          <a:p>
+            <a:pPr marL="342900" indent="-255588">
+              <a:buFont typeface="Arial" panose="020B0604020202020204" pitchFamily="34" charset="0"/>
+              <a:buChar char="•"/>
+            </a:pPr>
+            <a:endParaRPr lang="de-DE" sz="2000" b="1" dirty="0">
+              <a:solidFill>
+                <a:schemeClr val="tx1"/>
+              </a:solidFill>
+            </a:endParaRPr>
+          </a:p>
+          <a:p>
+            <a:pPr marL="342900" indent="-255588">
+              <a:buFont typeface="Arial" panose="020B0604020202020204" pitchFamily="34" charset="0"/>
+              <a:buChar char="•"/>
+            </a:pPr>
+            <a:r>
+              <a:rPr lang="de-DE" sz="2000" b="1" dirty="0">
+                <a:solidFill>
+                  <a:schemeClr val="tx1"/>
+                </a:solidFill>
+              </a:rPr>
+              <a:t>Textformat für Graphen</a:t>
+            </a:r>
+          </a:p>
+          <a:p>
+            <a:pPr marL="342900" indent="-255588">
+              <a:buFont typeface="Arial" panose="020B0604020202020204" pitchFamily="34" charset="0"/>
+              <a:buChar char="•"/>
+            </a:pPr>
+            <a:endParaRPr lang="de-DE" sz="2000" b="1" dirty="0">
+              <a:solidFill>
+                <a:schemeClr val="tx1"/>
+              </a:solidFill>
+            </a:endParaRPr>
+          </a:p>
+          <a:p>
+            <a:pPr marL="342900" indent="-255588">
+              <a:buFont typeface="Arial" panose="020B0604020202020204" pitchFamily="34" charset="0"/>
+              <a:buChar char="•"/>
+            </a:pPr>
+            <a:r>
+              <a:rPr lang="de-DE" sz="2000" b="1" dirty="0">
+                <a:solidFill>
+                  <a:schemeClr val="tx1"/>
+                </a:solidFill>
+              </a:rPr>
+              <a:t>Textformat in </a:t>
+            </a:r>
+            <a:r>
+              <a:rPr lang="de-DE" sz="2000" b="1" dirty="0" err="1">
+                <a:solidFill>
+                  <a:schemeClr val="tx1"/>
+                </a:solidFill>
+              </a:rPr>
+              <a:t>ElkGraph</a:t>
+            </a:r>
+            <a:r>
+              <a:rPr lang="de-DE" sz="2000" b="1" dirty="0">
+                <a:solidFill>
+                  <a:schemeClr val="tx1"/>
+                </a:solidFill>
+              </a:rPr>
+              <a:t> übersetzen</a:t>
+            </a:r>
+          </a:p>
+          <a:p>
+            <a:pPr marL="342900" indent="-255588">
+              <a:buFont typeface="Arial" panose="020B0604020202020204" pitchFamily="34" charset="0"/>
+              <a:buChar char="•"/>
+            </a:pPr>
+            <a:endParaRPr lang="de-DE" sz="2000" b="1" dirty="0">
+              <a:solidFill>
+                <a:schemeClr val="tx1"/>
+              </a:solidFill>
+            </a:endParaRPr>
+          </a:p>
+          <a:p>
+            <a:pPr marL="342900" indent="-255588">
+              <a:buFont typeface="Arial" panose="020B0604020202020204" pitchFamily="34" charset="0"/>
+              <a:buChar char="•"/>
+            </a:pPr>
+            <a:r>
+              <a:rPr lang="de-DE" sz="2000" b="1" dirty="0">
+                <a:solidFill>
+                  <a:schemeClr val="tx1"/>
+                </a:solidFill>
+              </a:rPr>
+              <a:t>Error Handling</a:t>
+            </a:r>
+          </a:p>
+          <a:p>
+            <a:pPr marL="342900" indent="-255588">
+              <a:buFont typeface="Arial" panose="020B0604020202020204" pitchFamily="34" charset="0"/>
+              <a:buChar char="•"/>
+            </a:pPr>
+            <a:endParaRPr lang="de-DE" sz="2000" b="1" dirty="0">
+              <a:solidFill>
+                <a:schemeClr val="tx1"/>
+              </a:solidFill>
+            </a:endParaRPr>
+          </a:p>
+          <a:p>
+            <a:pPr marL="342900" indent="-255588">
+              <a:buFont typeface="Arial" panose="020B0604020202020204" pitchFamily="34" charset="0"/>
+              <a:buChar char="•"/>
+            </a:pPr>
+            <a:r>
+              <a:rPr lang="de-DE" sz="2000" b="1" dirty="0">
+                <a:solidFill>
+                  <a:schemeClr val="tx1"/>
+                </a:solidFill>
+              </a:rPr>
+              <a:t>Cycle </a:t>
+            </a:r>
+            <a:r>
+              <a:rPr lang="de-DE" sz="2000" b="1" dirty="0" err="1">
+                <a:solidFill>
+                  <a:schemeClr val="tx1"/>
+                </a:solidFill>
+              </a:rPr>
+              <a:t>breaking</a:t>
+            </a:r>
+            <a:endParaRPr lang="de-DE" sz="2000" b="1" dirty="0">
+              <a:solidFill>
+                <a:schemeClr val="tx1"/>
+              </a:solidFill>
+            </a:endParaRPr>
+          </a:p>
+          <a:p>
+            <a:pPr marL="342900" indent="-342900">
+              <a:buFont typeface="Arial" panose="020B0604020202020204" pitchFamily="34" charset="0"/>
+              <a:buChar char="•"/>
+            </a:pPr>
+            <a:endParaRPr lang="de-DE" sz="2400" dirty="0">
+              <a:solidFill>
+                <a:schemeClr val="tx1"/>
+              </a:solidFill>
+            </a:endParaRPr>
+          </a:p>
+        </p:txBody>
+      </p:sp>
+      <p:grpSp>
+        <p:nvGrpSpPr>
+          <p:cNvPr id="61" name="Gruppieren 60">
+            <a:extLst>
+              <a:ext uri="{FF2B5EF4-FFF2-40B4-BE49-F238E27FC236}">
+                <a16:creationId xmlns:a16="http://schemas.microsoft.com/office/drawing/2014/main" id="{65BF5004-7CCF-4413-9B49-C12570AE1C67}"/>
+              </a:ext>
+            </a:extLst>
+          </p:cNvPr>
+          <p:cNvGrpSpPr/>
+          <p:nvPr/>
+        </p:nvGrpSpPr>
+        <p:grpSpPr>
+          <a:xfrm>
+            <a:off x="8668340" y="1565917"/>
+            <a:ext cx="2901702" cy="1092971"/>
+            <a:chOff x="6899605" y="3171884"/>
+            <a:chExt cx="3442747" cy="1219236"/>
+          </a:xfrm>
+        </p:grpSpPr>
+        <p:sp>
+          <p:nvSpPr>
+            <p:cNvPr id="62" name="Rechteck: eine Ecke abgeschnitten 61">
+              <a:extLst>
+                <a:ext uri="{FF2B5EF4-FFF2-40B4-BE49-F238E27FC236}">
+                  <a16:creationId xmlns:a16="http://schemas.microsoft.com/office/drawing/2014/main" id="{06778747-D2C2-4397-971A-7ACF80D97123}"/>
+                </a:ext>
+              </a:extLst>
+            </p:cNvPr>
+            <p:cNvSpPr/>
+            <p:nvPr/>
+          </p:nvSpPr>
+          <p:spPr>
+            <a:xfrm flipH="1" flipV="1">
+              <a:off x="6899605" y="3171884"/>
+              <a:ext cx="3442747" cy="1219236"/>
+            </a:xfrm>
+            <a:prstGeom prst="snip1Rect">
+              <a:avLst>
+                <a:gd name="adj" fmla="val 50000"/>
+              </a:avLst>
+            </a:prstGeom>
+            <a:solidFill>
+              <a:srgbClr val="0E5E26"/>
+            </a:solidFill>
+            <a:ln w="28575">
+              <a:solidFill>
+                <a:srgbClr val="84BC95"/>
+              </a:solidFill>
+            </a:ln>
+          </p:spPr>
+          <p:style>
+            <a:lnRef idx="2">
+              <a:schemeClr val="accent1">
+                <a:shade val="50000"/>
+              </a:schemeClr>
+            </a:lnRef>
+            <a:fillRef idx="1">
+              <a:schemeClr val="accent1"/>
+            </a:fillRef>
+            <a:effectRef idx="0">
+              <a:schemeClr val="accent1"/>
+            </a:effectRef>
+            <a:fontRef idx="minor">
+              <a:schemeClr val="lt1"/>
+            </a:fontRef>
+          </p:style>
+          <p:txBody>
+            <a:bodyPr rtlCol="0" anchor="ctr"/>
+            <a:lstStyle/>
+            <a:p>
+              <a:pPr algn="ctr"/>
+              <a:endParaRPr lang="de-DE" dirty="0"/>
+            </a:p>
+          </p:txBody>
+        </p:sp>
+        <p:sp>
+          <p:nvSpPr>
+            <p:cNvPr id="63" name="Rechteck 62">
+              <a:extLst>
+                <a:ext uri="{FF2B5EF4-FFF2-40B4-BE49-F238E27FC236}">
+                  <a16:creationId xmlns:a16="http://schemas.microsoft.com/office/drawing/2014/main" id="{A3A095B4-1133-4E27-8A86-73398330AEB5}"/>
+                </a:ext>
+              </a:extLst>
+            </p:cNvPr>
+            <p:cNvSpPr/>
+            <p:nvPr/>
+          </p:nvSpPr>
+          <p:spPr>
+            <a:xfrm>
+              <a:off x="7363294" y="3457072"/>
+              <a:ext cx="2549606" cy="648861"/>
+            </a:xfrm>
+            <a:prstGeom prst="rect">
+              <a:avLst/>
+            </a:prstGeom>
+            <a:noFill/>
+            <a:ln>
+              <a:noFill/>
+            </a:ln>
+          </p:spPr>
+          <p:style>
+            <a:lnRef idx="2">
+              <a:schemeClr val="accent1">
+                <a:shade val="50000"/>
+              </a:schemeClr>
+            </a:lnRef>
+            <a:fillRef idx="1">
+              <a:schemeClr val="accent1"/>
+            </a:fillRef>
+            <a:effectRef idx="0">
+              <a:schemeClr val="accent1"/>
+            </a:effectRef>
+            <a:fontRef idx="minor">
+              <a:schemeClr val="lt1"/>
+            </a:fontRef>
+          </p:style>
+          <p:txBody>
+            <a:bodyPr rtlCol="0" anchor="ctr"/>
+            <a:lstStyle/>
+            <a:p>
+              <a:pPr algn="ctr"/>
+              <a:r>
+                <a:rPr lang="de-DE" sz="2800" dirty="0" err="1">
+                  <a:solidFill>
+                    <a:srgbClr val="84BC95"/>
+                  </a:solidFill>
+                </a:rPr>
+                <a:t>Visualization</a:t>
+              </a:r>
+              <a:endParaRPr lang="de-DE" dirty="0">
+                <a:solidFill>
+                  <a:srgbClr val="84BC95"/>
+                </a:solidFill>
+              </a:endParaRPr>
+            </a:p>
+          </p:txBody>
+        </p:sp>
+      </p:grpSp>
+    </p:spTree>
+    <p:extLst>
+      <p:ext uri="{BB962C8B-B14F-4D97-AF65-F5344CB8AC3E}">
+        <p14:creationId xmlns:p14="http://schemas.microsoft.com/office/powerpoint/2010/main" val="998430481"/>
+      </p:ext>
+    </p:extLst>
+  </p:cSld>
+  <p:clrMapOvr>
+    <a:masterClrMapping/>
+  </p:clrMapOvr>
+</p:sld>
+</file>
+
+<file path=ppt/slides/slide14.xml><?xml version="1.0" encoding="utf-8"?>
+<p:sld xmlns:a="http://schemas.openxmlformats.org/drawingml/2006/main" xmlns:r="http://schemas.openxmlformats.org/officeDocument/2006/relationships" xmlns:p="http://schemas.openxmlformats.org/presentationml/2006/main">
+  <p:cSld>
+    <p:spTree>
+      <p:nvGrpSpPr>
+        <p:cNvPr id="1" name=""/>
+        <p:cNvGrpSpPr/>
+        <p:nvPr/>
+      </p:nvGrpSpPr>
+      <p:grpSpPr>
+        <a:xfrm>
+          <a:off x="0" y="0"/>
+          <a:ext cx="0" cy="0"/>
+          <a:chOff x="0" y="0"/>
+          <a:chExt cx="0" cy="0"/>
+        </a:xfrm>
+      </p:grpSpPr>
+      <p:sp>
+        <p:nvSpPr>
+          <p:cNvPr id="28" name="Rechteck 27">
+            <a:extLst>
+              <a:ext uri="{FF2B5EF4-FFF2-40B4-BE49-F238E27FC236}">
+                <a16:creationId xmlns:a16="http://schemas.microsoft.com/office/drawing/2014/main" id="{EAA7929A-46AC-4116-A1DD-C4B52BB86258}"/>
+              </a:ext>
+            </a:extLst>
+          </p:cNvPr>
+          <p:cNvSpPr/>
+          <p:nvPr/>
+        </p:nvSpPr>
+        <p:spPr>
+          <a:xfrm>
+            <a:off x="8532201" y="1462025"/>
+            <a:ext cx="3173981" cy="5113397"/>
+          </a:xfrm>
+          <a:prstGeom prst="rect">
+            <a:avLst/>
+          </a:prstGeom>
+          <a:solidFill>
+            <a:srgbClr val="0E5E26">
+              <a:alpha val="34000"/>
+            </a:srgbClr>
+          </a:solidFill>
+          <a:ln>
+            <a:noFill/>
+          </a:ln>
+        </p:spPr>
+        <p:style>
+          <a:lnRef idx="2">
+            <a:schemeClr val="accent1">
+              <a:shade val="50000"/>
+            </a:schemeClr>
+          </a:lnRef>
+          <a:fillRef idx="1">
+            <a:schemeClr val="accent1"/>
+          </a:fillRef>
+          <a:effectRef idx="0">
+            <a:schemeClr val="accent1"/>
+          </a:effectRef>
+          <a:fontRef idx="minor">
+            <a:schemeClr val="lt1"/>
+          </a:fontRef>
+        </p:style>
+        <p:txBody>
+          <a:bodyPr rtlCol="0" anchor="t"/>
+          <a:lstStyle/>
+          <a:p>
+            <a:pPr marL="342900" indent="-342900">
+              <a:buFont typeface="Arial" panose="020B0604020202020204" pitchFamily="34" charset="0"/>
+              <a:buChar char="•"/>
+            </a:pPr>
+            <a:endParaRPr lang="de-DE" sz="2000" b="1" dirty="0">
+              <a:solidFill>
+                <a:schemeClr val="tx1"/>
+              </a:solidFill>
+            </a:endParaRPr>
+          </a:p>
+          <a:p>
+            <a:pPr marL="342900" indent="-342900">
+              <a:buFont typeface="Arial" panose="020B0604020202020204" pitchFamily="34" charset="0"/>
+              <a:buChar char="•"/>
+            </a:pPr>
+            <a:endParaRPr lang="de-DE" sz="2000" b="1" dirty="0">
+              <a:solidFill>
+                <a:schemeClr val="tx1"/>
+              </a:solidFill>
+            </a:endParaRPr>
+          </a:p>
+          <a:p>
+            <a:pPr marL="342900" indent="-342900">
+              <a:buFont typeface="Arial" panose="020B0604020202020204" pitchFamily="34" charset="0"/>
+              <a:buChar char="•"/>
+            </a:pPr>
+            <a:endParaRPr lang="de-DE" sz="2000" b="1" dirty="0">
+              <a:solidFill>
+                <a:schemeClr val="tx1"/>
+              </a:solidFill>
+            </a:endParaRPr>
+          </a:p>
+          <a:p>
+            <a:pPr marL="342900" indent="-255588">
+              <a:buFont typeface="Arial" panose="020B0604020202020204" pitchFamily="34" charset="0"/>
+              <a:buChar char="•"/>
+            </a:pPr>
+            <a:endParaRPr lang="de-DE" sz="2000" b="1" dirty="0">
+              <a:solidFill>
+                <a:schemeClr val="tx1"/>
+              </a:solidFill>
+            </a:endParaRPr>
+          </a:p>
+          <a:p>
+            <a:pPr marL="342900" indent="-255588">
+              <a:buFont typeface="Arial" panose="020B0604020202020204" pitchFamily="34" charset="0"/>
+              <a:buChar char="•"/>
+            </a:pPr>
+            <a:endParaRPr lang="de-DE" sz="2000" b="1" dirty="0">
+              <a:solidFill>
+                <a:schemeClr val="tx1"/>
+              </a:solidFill>
+            </a:endParaRPr>
+          </a:p>
+          <a:p>
+            <a:pPr marL="342900" indent="-255588">
+              <a:buFont typeface="Arial" panose="020B0604020202020204" pitchFamily="34" charset="0"/>
+              <a:buChar char="•"/>
+            </a:pPr>
+            <a:r>
+              <a:rPr lang="de-DE" sz="2000" b="1" dirty="0">
+                <a:solidFill>
+                  <a:schemeClr val="tx1"/>
+                </a:solidFill>
+              </a:rPr>
+              <a:t>Textformat für Graphen</a:t>
+            </a:r>
+          </a:p>
+          <a:p>
+            <a:pPr marL="342900" indent="-255588">
+              <a:buFont typeface="Arial" panose="020B0604020202020204" pitchFamily="34" charset="0"/>
+              <a:buChar char="•"/>
+            </a:pPr>
+            <a:endParaRPr lang="de-DE" sz="2000" b="1" dirty="0">
+              <a:solidFill>
+                <a:schemeClr val="tx1"/>
+              </a:solidFill>
+            </a:endParaRPr>
+          </a:p>
+          <a:p>
+            <a:pPr marL="342900" indent="-255588">
+              <a:buFont typeface="Arial" panose="020B0604020202020204" pitchFamily="34" charset="0"/>
+              <a:buChar char="•"/>
+            </a:pPr>
+            <a:r>
+              <a:rPr lang="de-DE" sz="2000" b="1" dirty="0">
+                <a:solidFill>
+                  <a:schemeClr val="tx1"/>
+                </a:solidFill>
+              </a:rPr>
+              <a:t>Textformat in </a:t>
+            </a:r>
+            <a:r>
+              <a:rPr lang="de-DE" sz="2000" b="1" dirty="0" err="1">
+                <a:solidFill>
+                  <a:schemeClr val="tx1"/>
+                </a:solidFill>
+              </a:rPr>
+              <a:t>ElkGraph</a:t>
+            </a:r>
+            <a:r>
+              <a:rPr lang="de-DE" sz="2000" b="1" dirty="0">
+                <a:solidFill>
+                  <a:schemeClr val="tx1"/>
+                </a:solidFill>
+              </a:rPr>
+              <a:t> übersetzen</a:t>
+            </a:r>
+          </a:p>
+          <a:p>
+            <a:pPr marL="342900" indent="-255588">
+              <a:buFont typeface="Arial" panose="020B0604020202020204" pitchFamily="34" charset="0"/>
+              <a:buChar char="•"/>
+            </a:pPr>
+            <a:endParaRPr lang="de-DE" sz="2000" b="1" dirty="0">
+              <a:solidFill>
+                <a:schemeClr val="tx1"/>
+              </a:solidFill>
+            </a:endParaRPr>
+          </a:p>
+          <a:p>
+            <a:pPr marL="342900" indent="-255588">
+              <a:buFont typeface="Arial" panose="020B0604020202020204" pitchFamily="34" charset="0"/>
+              <a:buChar char="•"/>
+            </a:pPr>
+            <a:r>
+              <a:rPr lang="de-DE" sz="2000" b="1" dirty="0">
+                <a:solidFill>
+                  <a:schemeClr val="tx1"/>
+                </a:solidFill>
+              </a:rPr>
+              <a:t>Error Handling</a:t>
+            </a:r>
+          </a:p>
+          <a:p>
+            <a:pPr marL="342900" indent="-255588">
+              <a:buFont typeface="Arial" panose="020B0604020202020204" pitchFamily="34" charset="0"/>
+              <a:buChar char="•"/>
+            </a:pPr>
+            <a:endParaRPr lang="de-DE" sz="2000" b="1" dirty="0">
+              <a:solidFill>
+                <a:schemeClr val="tx1"/>
+              </a:solidFill>
+            </a:endParaRPr>
+          </a:p>
+          <a:p>
+            <a:pPr marL="342900" indent="-255588">
+              <a:buFont typeface="Arial" panose="020B0604020202020204" pitchFamily="34" charset="0"/>
+              <a:buChar char="•"/>
+            </a:pPr>
+            <a:r>
+              <a:rPr lang="de-DE" sz="2000" b="1" dirty="0">
+                <a:solidFill>
+                  <a:schemeClr val="tx1"/>
+                </a:solidFill>
+              </a:rPr>
+              <a:t>Cycle </a:t>
+            </a:r>
+            <a:r>
+              <a:rPr lang="de-DE" sz="2000" b="1" dirty="0" err="1">
+                <a:solidFill>
+                  <a:schemeClr val="tx1"/>
+                </a:solidFill>
+              </a:rPr>
+              <a:t>breaking</a:t>
+            </a:r>
+            <a:endParaRPr lang="de-DE" sz="2000" b="1" dirty="0">
+              <a:solidFill>
+                <a:schemeClr val="tx1"/>
+              </a:solidFill>
+            </a:endParaRPr>
+          </a:p>
+          <a:p>
+            <a:pPr marL="342900" indent="-342900">
+              <a:buFont typeface="Arial" panose="020B0604020202020204" pitchFamily="34" charset="0"/>
+              <a:buChar char="•"/>
+            </a:pPr>
+            <a:endParaRPr lang="de-DE" sz="2400" dirty="0">
+              <a:solidFill>
+                <a:schemeClr val="tx1"/>
+              </a:solidFill>
+            </a:endParaRPr>
+          </a:p>
+        </p:txBody>
+      </p:sp>
+      <p:grpSp>
+        <p:nvGrpSpPr>
+          <p:cNvPr id="29" name="Gruppieren 28">
+            <a:extLst>
+              <a:ext uri="{FF2B5EF4-FFF2-40B4-BE49-F238E27FC236}">
+                <a16:creationId xmlns:a16="http://schemas.microsoft.com/office/drawing/2014/main" id="{11F0EB92-4843-416B-9E12-27A3BFEFAFD9}"/>
+              </a:ext>
+            </a:extLst>
+          </p:cNvPr>
+          <p:cNvGrpSpPr/>
+          <p:nvPr/>
+        </p:nvGrpSpPr>
+        <p:grpSpPr>
+          <a:xfrm>
+            <a:off x="8668340" y="1565917"/>
+            <a:ext cx="2901702" cy="1092971"/>
+            <a:chOff x="6899605" y="3171884"/>
+            <a:chExt cx="3442747" cy="1219236"/>
+          </a:xfrm>
+        </p:grpSpPr>
+        <p:sp>
+          <p:nvSpPr>
+            <p:cNvPr id="30" name="Rechteck: eine Ecke abgeschnitten 29">
+              <a:extLst>
+                <a:ext uri="{FF2B5EF4-FFF2-40B4-BE49-F238E27FC236}">
+                  <a16:creationId xmlns:a16="http://schemas.microsoft.com/office/drawing/2014/main" id="{1C3F0926-B0B4-4065-A505-03862C3C1D70}"/>
+                </a:ext>
+              </a:extLst>
+            </p:cNvPr>
+            <p:cNvSpPr/>
+            <p:nvPr/>
+          </p:nvSpPr>
+          <p:spPr>
+            <a:xfrm flipH="1" flipV="1">
+              <a:off x="6899605" y="3171884"/>
+              <a:ext cx="3442747" cy="1219236"/>
+            </a:xfrm>
+            <a:prstGeom prst="snip1Rect">
+              <a:avLst>
+                <a:gd name="adj" fmla="val 50000"/>
+              </a:avLst>
+            </a:prstGeom>
+            <a:solidFill>
+              <a:srgbClr val="0E5E26"/>
+            </a:solidFill>
+            <a:ln w="28575">
+              <a:solidFill>
+                <a:srgbClr val="84BC95"/>
+              </a:solidFill>
+            </a:ln>
+          </p:spPr>
+          <p:style>
+            <a:lnRef idx="2">
+              <a:schemeClr val="accent1">
+                <a:shade val="50000"/>
+              </a:schemeClr>
+            </a:lnRef>
+            <a:fillRef idx="1">
+              <a:schemeClr val="accent1"/>
+            </a:fillRef>
+            <a:effectRef idx="0">
+              <a:schemeClr val="accent1"/>
+            </a:effectRef>
+            <a:fontRef idx="minor">
+              <a:schemeClr val="lt1"/>
+            </a:fontRef>
+          </p:style>
+          <p:txBody>
+            <a:bodyPr rtlCol="0" anchor="ctr"/>
+            <a:lstStyle/>
+            <a:p>
+              <a:pPr algn="ctr"/>
+              <a:endParaRPr lang="de-DE" dirty="0"/>
+            </a:p>
+          </p:txBody>
+        </p:sp>
+        <p:sp>
+          <p:nvSpPr>
+            <p:cNvPr id="31" name="Rechteck 30">
+              <a:extLst>
+                <a:ext uri="{FF2B5EF4-FFF2-40B4-BE49-F238E27FC236}">
+                  <a16:creationId xmlns:a16="http://schemas.microsoft.com/office/drawing/2014/main" id="{0D9D2DE3-24DF-4C56-A208-255CC7875A1F}"/>
+                </a:ext>
+              </a:extLst>
+            </p:cNvPr>
+            <p:cNvSpPr/>
+            <p:nvPr/>
+          </p:nvSpPr>
+          <p:spPr>
+            <a:xfrm>
+              <a:off x="7363294" y="3457072"/>
+              <a:ext cx="2549606" cy="648861"/>
+            </a:xfrm>
+            <a:prstGeom prst="rect">
+              <a:avLst/>
+            </a:prstGeom>
+            <a:noFill/>
+            <a:ln>
+              <a:noFill/>
+            </a:ln>
+          </p:spPr>
+          <p:style>
+            <a:lnRef idx="2">
+              <a:schemeClr val="accent1">
+                <a:shade val="50000"/>
+              </a:schemeClr>
+            </a:lnRef>
+            <a:fillRef idx="1">
+              <a:schemeClr val="accent1"/>
+            </a:fillRef>
+            <a:effectRef idx="0">
+              <a:schemeClr val="accent1"/>
+            </a:effectRef>
+            <a:fontRef idx="minor">
+              <a:schemeClr val="lt1"/>
+            </a:fontRef>
+          </p:style>
+          <p:txBody>
+            <a:bodyPr rtlCol="0" anchor="ctr"/>
+            <a:lstStyle/>
+            <a:p>
+              <a:pPr algn="ctr"/>
+              <a:r>
+                <a:rPr lang="de-DE" sz="2800" dirty="0" err="1">
+                  <a:solidFill>
+                    <a:srgbClr val="84BC95"/>
+                  </a:solidFill>
+                </a:rPr>
+                <a:t>Visualization</a:t>
+              </a:r>
+              <a:endParaRPr lang="de-DE" dirty="0">
+                <a:solidFill>
+                  <a:srgbClr val="84BC95"/>
+                </a:solidFill>
+              </a:endParaRPr>
+            </a:p>
+          </p:txBody>
+        </p:sp>
+      </p:grpSp>
+      <p:grpSp>
+        <p:nvGrpSpPr>
+          <p:cNvPr id="32" name="Gruppieren 31">
+            <a:extLst>
+              <a:ext uri="{FF2B5EF4-FFF2-40B4-BE49-F238E27FC236}">
+                <a16:creationId xmlns:a16="http://schemas.microsoft.com/office/drawing/2014/main" id="{AFB1CE80-11CE-41FD-9DBD-11ED5FB00689}"/>
+              </a:ext>
+            </a:extLst>
+          </p:cNvPr>
+          <p:cNvGrpSpPr>
+            <a:grpSpLocks noChangeAspect="1"/>
+          </p:cNvGrpSpPr>
+          <p:nvPr/>
+        </p:nvGrpSpPr>
+        <p:grpSpPr>
+          <a:xfrm>
+            <a:off x="217785" y="197006"/>
+            <a:ext cx="1898691" cy="489676"/>
+            <a:chOff x="972000" y="3600000"/>
+            <a:chExt cx="9264707" cy="1904917"/>
+          </a:xfrm>
+        </p:grpSpPr>
+        <p:grpSp>
+          <p:nvGrpSpPr>
+            <p:cNvPr id="33" name="Gruppieren 32">
+              <a:extLst>
+                <a:ext uri="{FF2B5EF4-FFF2-40B4-BE49-F238E27FC236}">
+                  <a16:creationId xmlns:a16="http://schemas.microsoft.com/office/drawing/2014/main" id="{6DA8E5A8-EB32-4DD3-A83D-F6EB6AD325DD}"/>
+                </a:ext>
+              </a:extLst>
+            </p:cNvPr>
+            <p:cNvGrpSpPr/>
+            <p:nvPr/>
+          </p:nvGrpSpPr>
+          <p:grpSpPr>
+            <a:xfrm>
+              <a:off x="972000" y="3600000"/>
+              <a:ext cx="3442749" cy="1219236"/>
+              <a:chOff x="1065285" y="3182901"/>
+              <a:chExt cx="3442749" cy="1219236"/>
+            </a:xfrm>
+          </p:grpSpPr>
+          <p:sp>
+            <p:nvSpPr>
+              <p:cNvPr id="40" name="Rechteck: eine Ecke abgeschnitten 39">
+                <a:extLst>
+                  <a:ext uri="{FF2B5EF4-FFF2-40B4-BE49-F238E27FC236}">
+                    <a16:creationId xmlns:a16="http://schemas.microsoft.com/office/drawing/2014/main" id="{3963C637-F091-4B30-9D01-FDD38FF4D695}"/>
+                  </a:ext>
+                </a:extLst>
+              </p:cNvPr>
+              <p:cNvSpPr/>
+              <p:nvPr/>
+            </p:nvSpPr>
+            <p:spPr>
+              <a:xfrm flipV="1">
+                <a:off x="1065285" y="3182901"/>
+                <a:ext cx="3442749" cy="1219236"/>
+              </a:xfrm>
+              <a:prstGeom prst="snip1Rect">
+                <a:avLst>
+                  <a:gd name="adj" fmla="val 50000"/>
+                </a:avLst>
+              </a:prstGeom>
+              <a:solidFill>
+                <a:srgbClr val="251658"/>
+              </a:solidFill>
+              <a:ln w="28575">
+                <a:solidFill>
+                  <a:srgbClr val="8C81AF"/>
+                </a:solidFill>
+              </a:ln>
+              <a:effectLst>
+                <a:glow>
+                  <a:schemeClr val="accent4">
+                    <a:lumMod val="20000"/>
+                    <a:lumOff val="80000"/>
+                  </a:schemeClr>
+                </a:glow>
+              </a:effectLst>
+            </p:spPr>
+            <p:style>
+              <a:lnRef idx="2">
+                <a:schemeClr val="accent1">
+                  <a:shade val="50000"/>
+                </a:schemeClr>
+              </a:lnRef>
+              <a:fillRef idx="1">
+                <a:schemeClr val="accent1"/>
+              </a:fillRef>
+              <a:effectRef idx="0">
+                <a:schemeClr val="accent1"/>
+              </a:effectRef>
+              <a:fontRef idx="minor">
+                <a:schemeClr val="lt1"/>
+              </a:fontRef>
+            </p:style>
+            <p:txBody>
+              <a:bodyPr rtlCol="0" anchor="ctr"/>
+              <a:lstStyle/>
+              <a:p>
+                <a:pPr algn="ctr"/>
+                <a:endParaRPr lang="de-DE" dirty="0"/>
+              </a:p>
+            </p:txBody>
+          </p:sp>
+          <p:sp>
+            <p:nvSpPr>
+              <p:cNvPr id="41" name="Rechteck 40">
+                <a:extLst>
+                  <a:ext uri="{FF2B5EF4-FFF2-40B4-BE49-F238E27FC236}">
+                    <a16:creationId xmlns:a16="http://schemas.microsoft.com/office/drawing/2014/main" id="{9BF417E3-B65E-4607-AB36-28EFE82D93E5}"/>
+                  </a:ext>
+                </a:extLst>
+              </p:cNvPr>
+              <p:cNvSpPr/>
+              <p:nvPr/>
+            </p:nvSpPr>
+            <p:spPr>
+              <a:xfrm>
+                <a:off x="1602562" y="3457072"/>
+                <a:ext cx="2368195" cy="648861"/>
+              </a:xfrm>
+              <a:prstGeom prst="rect">
+                <a:avLst/>
+              </a:prstGeom>
+              <a:noFill/>
+              <a:ln>
+                <a:noFill/>
+              </a:ln>
+            </p:spPr>
+            <p:style>
+              <a:lnRef idx="2">
+                <a:schemeClr val="accent1">
+                  <a:shade val="50000"/>
+                </a:schemeClr>
+              </a:lnRef>
+              <a:fillRef idx="1">
+                <a:schemeClr val="accent1"/>
+              </a:fillRef>
+              <a:effectRef idx="0">
+                <a:schemeClr val="accent1"/>
+              </a:effectRef>
+              <a:fontRef idx="minor">
+                <a:schemeClr val="lt1"/>
+              </a:fontRef>
+            </p:style>
+            <p:txBody>
+              <a:bodyPr rtlCol="0" anchor="ctr"/>
+              <a:lstStyle/>
+              <a:p>
+                <a:pPr algn="ctr"/>
+                <a:endParaRPr lang="de-DE" dirty="0">
+                  <a:solidFill>
+                    <a:srgbClr val="8C81AF"/>
+                  </a:solidFill>
+                </a:endParaRPr>
+              </a:p>
+            </p:txBody>
+          </p:sp>
+        </p:grpSp>
+        <p:grpSp>
+          <p:nvGrpSpPr>
+            <p:cNvPr id="34" name="Gruppieren 33">
+              <a:extLst>
+                <a:ext uri="{FF2B5EF4-FFF2-40B4-BE49-F238E27FC236}">
+                  <a16:creationId xmlns:a16="http://schemas.microsoft.com/office/drawing/2014/main" id="{DE9F5EE9-7893-4AEB-B702-6305968A45D0}"/>
+                </a:ext>
+              </a:extLst>
+            </p:cNvPr>
+            <p:cNvGrpSpPr/>
+            <p:nvPr/>
+          </p:nvGrpSpPr>
+          <p:grpSpPr>
+            <a:xfrm>
+              <a:off x="6793960" y="3600000"/>
+              <a:ext cx="3442747" cy="1219236"/>
+              <a:chOff x="6899605" y="3171884"/>
+              <a:chExt cx="3442747" cy="1219236"/>
+            </a:xfrm>
+          </p:grpSpPr>
+          <p:sp>
+            <p:nvSpPr>
+              <p:cNvPr id="38" name="Rechteck: eine Ecke abgeschnitten 37">
+                <a:extLst>
+                  <a:ext uri="{FF2B5EF4-FFF2-40B4-BE49-F238E27FC236}">
+                    <a16:creationId xmlns:a16="http://schemas.microsoft.com/office/drawing/2014/main" id="{DE0A95FE-DBA4-47A1-BC80-FC3EA76BDA83}"/>
+                  </a:ext>
+                </a:extLst>
+              </p:cNvPr>
+              <p:cNvSpPr/>
+              <p:nvPr/>
+            </p:nvSpPr>
+            <p:spPr>
+              <a:xfrm flipH="1" flipV="1">
+                <a:off x="6899605" y="3171884"/>
+                <a:ext cx="3442747" cy="1219236"/>
+              </a:xfrm>
+              <a:prstGeom prst="snip1Rect">
+                <a:avLst>
+                  <a:gd name="adj" fmla="val 50000"/>
+                </a:avLst>
+              </a:prstGeom>
+              <a:solidFill>
+                <a:srgbClr val="0E5E26"/>
+              </a:solidFill>
+              <a:ln w="28575">
+                <a:solidFill>
+                  <a:srgbClr val="84BC95"/>
+                </a:solidFill>
+              </a:ln>
+            </p:spPr>
+            <p:style>
+              <a:lnRef idx="2">
+                <a:schemeClr val="accent1">
+                  <a:shade val="50000"/>
+                </a:schemeClr>
+              </a:lnRef>
+              <a:fillRef idx="1">
+                <a:schemeClr val="accent1"/>
+              </a:fillRef>
+              <a:effectRef idx="0">
+                <a:schemeClr val="accent1"/>
+              </a:effectRef>
+              <a:fontRef idx="minor">
+                <a:schemeClr val="lt1"/>
+              </a:fontRef>
+            </p:style>
+            <p:txBody>
+              <a:bodyPr rtlCol="0" anchor="ctr"/>
+              <a:lstStyle/>
+              <a:p>
+                <a:pPr algn="ctr"/>
+                <a:endParaRPr lang="de-DE" dirty="0"/>
+              </a:p>
+            </p:txBody>
+          </p:sp>
+          <p:sp>
+            <p:nvSpPr>
+              <p:cNvPr id="39" name="Rechteck 38">
+                <a:extLst>
+                  <a:ext uri="{FF2B5EF4-FFF2-40B4-BE49-F238E27FC236}">
+                    <a16:creationId xmlns:a16="http://schemas.microsoft.com/office/drawing/2014/main" id="{BD1FF8F7-8E00-48B1-A00D-FD55FF9EB494}"/>
+                  </a:ext>
+                </a:extLst>
+              </p:cNvPr>
+              <p:cNvSpPr/>
+              <p:nvPr/>
+            </p:nvSpPr>
+            <p:spPr>
+              <a:xfrm>
+                <a:off x="7363294" y="3457072"/>
+                <a:ext cx="2549606" cy="648861"/>
+              </a:xfrm>
+              <a:prstGeom prst="rect">
+                <a:avLst/>
+              </a:prstGeom>
+              <a:noFill/>
+              <a:ln>
+                <a:noFill/>
+              </a:ln>
+            </p:spPr>
+            <p:style>
+              <a:lnRef idx="2">
+                <a:schemeClr val="accent1">
+                  <a:shade val="50000"/>
+                </a:schemeClr>
+              </a:lnRef>
+              <a:fillRef idx="1">
+                <a:schemeClr val="accent1"/>
+              </a:fillRef>
+              <a:effectRef idx="0">
+                <a:schemeClr val="accent1"/>
+              </a:effectRef>
+              <a:fontRef idx="minor">
+                <a:schemeClr val="lt1"/>
+              </a:fontRef>
+            </p:style>
+            <p:txBody>
+              <a:bodyPr rtlCol="0" anchor="ctr"/>
+              <a:lstStyle/>
+              <a:p>
+                <a:pPr algn="ctr"/>
+                <a:endParaRPr lang="de-DE" dirty="0">
+                  <a:solidFill>
+                    <a:srgbClr val="84BC95"/>
+                  </a:solidFill>
+                </a:endParaRPr>
+              </a:p>
+            </p:txBody>
+          </p:sp>
+        </p:grpSp>
+        <p:grpSp>
+          <p:nvGrpSpPr>
+            <p:cNvPr id="35" name="Gruppieren 34">
+              <a:extLst>
+                <a:ext uri="{FF2B5EF4-FFF2-40B4-BE49-F238E27FC236}">
+                  <a16:creationId xmlns:a16="http://schemas.microsoft.com/office/drawing/2014/main" id="{FA8303A1-7930-4BBD-A8B4-00F51D177EAF}"/>
+                </a:ext>
+              </a:extLst>
+            </p:cNvPr>
+            <p:cNvGrpSpPr/>
+            <p:nvPr/>
+          </p:nvGrpSpPr>
+          <p:grpSpPr>
+            <a:xfrm>
+              <a:off x="3888489" y="4285680"/>
+              <a:ext cx="3442747" cy="1219237"/>
+              <a:chOff x="3991005" y="4281517"/>
+              <a:chExt cx="3442747" cy="1219237"/>
+            </a:xfrm>
+          </p:grpSpPr>
+          <p:sp>
+            <p:nvSpPr>
+              <p:cNvPr id="36" name="Rechteck: obere Ecken abgeschnitten 35">
+                <a:extLst>
+                  <a:ext uri="{FF2B5EF4-FFF2-40B4-BE49-F238E27FC236}">
+                    <a16:creationId xmlns:a16="http://schemas.microsoft.com/office/drawing/2014/main" id="{C85F567E-C6D2-468F-97F5-005E42F1C7DA}"/>
+                  </a:ext>
+                </a:extLst>
+              </p:cNvPr>
+              <p:cNvSpPr/>
+              <p:nvPr/>
+            </p:nvSpPr>
+            <p:spPr>
+              <a:xfrm>
+                <a:off x="3991005" y="4281517"/>
+                <a:ext cx="3442747" cy="1219237"/>
+              </a:xfrm>
+              <a:prstGeom prst="snip2SameRect">
+                <a:avLst>
+                  <a:gd name="adj1" fmla="val 50000"/>
+                  <a:gd name="adj2" fmla="val 0"/>
+                </a:avLst>
+              </a:prstGeom>
+              <a:solidFill>
+                <a:srgbClr val="781224"/>
+              </a:solidFill>
+              <a:ln w="28575">
+                <a:solidFill>
+                  <a:srgbClr val="EFA8B4"/>
+                </a:solidFill>
+              </a:ln>
+            </p:spPr>
+            <p:style>
+              <a:lnRef idx="2">
+                <a:schemeClr val="accent1">
+                  <a:shade val="50000"/>
+                </a:schemeClr>
+              </a:lnRef>
+              <a:fillRef idx="1">
+                <a:schemeClr val="accent1"/>
+              </a:fillRef>
+              <a:effectRef idx="0">
+                <a:schemeClr val="accent1"/>
+              </a:effectRef>
+              <a:fontRef idx="minor">
+                <a:schemeClr val="lt1"/>
+              </a:fontRef>
+            </p:style>
+            <p:txBody>
+              <a:bodyPr rtlCol="0" anchor="ctr"/>
+              <a:lstStyle/>
+              <a:p>
+                <a:pPr algn="ctr"/>
+                <a:endParaRPr lang="de-DE"/>
+              </a:p>
+            </p:txBody>
+          </p:sp>
+          <p:sp>
+            <p:nvSpPr>
+              <p:cNvPr id="37" name="Rechteck 36">
+                <a:extLst>
+                  <a:ext uri="{FF2B5EF4-FFF2-40B4-BE49-F238E27FC236}">
+                    <a16:creationId xmlns:a16="http://schemas.microsoft.com/office/drawing/2014/main" id="{A4CCFCC6-8DD8-4B26-BE7E-CB7EB6B319E0}"/>
+                  </a:ext>
+                </a:extLst>
+              </p:cNvPr>
+              <p:cNvSpPr/>
+              <p:nvPr/>
+            </p:nvSpPr>
+            <p:spPr>
+              <a:xfrm>
+                <a:off x="4528281" y="4566705"/>
+                <a:ext cx="2368195" cy="648861"/>
+              </a:xfrm>
+              <a:prstGeom prst="rect">
+                <a:avLst/>
+              </a:prstGeom>
+              <a:noFill/>
+              <a:ln>
+                <a:noFill/>
+              </a:ln>
+            </p:spPr>
+            <p:style>
+              <a:lnRef idx="2">
+                <a:schemeClr val="accent1">
+                  <a:shade val="50000"/>
+                </a:schemeClr>
+              </a:lnRef>
+              <a:fillRef idx="1">
+                <a:schemeClr val="accent1"/>
+              </a:fillRef>
+              <a:effectRef idx="0">
+                <a:schemeClr val="accent1"/>
+              </a:effectRef>
+              <a:fontRef idx="minor">
+                <a:schemeClr val="lt1"/>
+              </a:fontRef>
+            </p:style>
+            <p:txBody>
+              <a:bodyPr rtlCol="0" anchor="ctr"/>
+              <a:lstStyle/>
+              <a:p>
+                <a:pPr algn="ctr"/>
+                <a:endParaRPr lang="de-DE" sz="2800" dirty="0">
+                  <a:solidFill>
+                    <a:srgbClr val="EFA8B4"/>
+                  </a:solidFill>
+                </a:endParaRPr>
+              </a:p>
+            </p:txBody>
+          </p:sp>
+        </p:grpSp>
+      </p:grpSp>
+      <p:sp>
+        <p:nvSpPr>
+          <p:cNvPr id="54" name="Rechteck 53">
+            <a:extLst>
+              <a:ext uri="{FF2B5EF4-FFF2-40B4-BE49-F238E27FC236}">
+                <a16:creationId xmlns:a16="http://schemas.microsoft.com/office/drawing/2014/main" id="{0F6498BA-9453-4AD6-9247-C3CFCA56FB59}"/>
+              </a:ext>
+            </a:extLst>
+          </p:cNvPr>
+          <p:cNvSpPr/>
+          <p:nvPr/>
+        </p:nvSpPr>
+        <p:spPr>
+          <a:xfrm>
+            <a:off x="485820" y="1462026"/>
+            <a:ext cx="3173981" cy="5113397"/>
+          </a:xfrm>
+          <a:prstGeom prst="rect">
+            <a:avLst/>
+          </a:prstGeom>
+          <a:solidFill>
+            <a:srgbClr val="251658">
+              <a:alpha val="34000"/>
+            </a:srgbClr>
+          </a:solidFill>
+          <a:ln>
+            <a:noFill/>
+          </a:ln>
+        </p:spPr>
+        <p:style>
+          <a:lnRef idx="2">
+            <a:schemeClr val="accent1">
+              <a:shade val="50000"/>
+            </a:schemeClr>
+          </a:lnRef>
+          <a:fillRef idx="1">
+            <a:schemeClr val="accent1"/>
+          </a:fillRef>
+          <a:effectRef idx="0">
+            <a:schemeClr val="accent1"/>
+          </a:effectRef>
+          <a:fontRef idx="minor">
+            <a:schemeClr val="lt1"/>
+          </a:fontRef>
+        </p:style>
+        <p:txBody>
+          <a:bodyPr rtlCol="0" anchor="t"/>
+          <a:lstStyle/>
+          <a:p>
+            <a:endParaRPr lang="de-DE" sz="2000" b="1" dirty="0">
+              <a:solidFill>
+                <a:schemeClr val="tx1"/>
+              </a:solidFill>
+            </a:endParaRPr>
+          </a:p>
+          <a:p>
+            <a:pPr marL="342900" indent="-255588">
+              <a:buFont typeface="Arial" panose="020B0604020202020204" pitchFamily="34" charset="0"/>
+              <a:buChar char="•"/>
+            </a:pPr>
+            <a:endParaRPr lang="de-DE" sz="2000" b="1" dirty="0">
+              <a:solidFill>
+                <a:schemeClr val="tx1"/>
+              </a:solidFill>
+            </a:endParaRPr>
+          </a:p>
+          <a:p>
+            <a:pPr marL="342900" indent="-255588">
+              <a:buFont typeface="Arial" panose="020B0604020202020204" pitchFamily="34" charset="0"/>
+              <a:buChar char="•"/>
+            </a:pPr>
+            <a:endParaRPr lang="de-DE" sz="2000" b="1" dirty="0">
+              <a:solidFill>
+                <a:schemeClr val="tx1"/>
+              </a:solidFill>
+            </a:endParaRPr>
+          </a:p>
+          <a:p>
+            <a:pPr marL="342900" indent="-255588">
+              <a:buFont typeface="Arial" panose="020B0604020202020204" pitchFamily="34" charset="0"/>
+              <a:buChar char="•"/>
+            </a:pPr>
+            <a:endParaRPr lang="de-DE" sz="2000" b="1" dirty="0">
+              <a:solidFill>
+                <a:schemeClr val="tx1"/>
+              </a:solidFill>
+            </a:endParaRPr>
+          </a:p>
+          <a:p>
+            <a:pPr marL="342900" indent="-255588">
+              <a:buFont typeface="Arial" panose="020B0604020202020204" pitchFamily="34" charset="0"/>
+              <a:buChar char="•"/>
+            </a:pPr>
+            <a:endParaRPr lang="de-DE" sz="2000" b="1" dirty="0">
+              <a:solidFill>
+                <a:schemeClr val="tx1"/>
+              </a:solidFill>
+            </a:endParaRPr>
+          </a:p>
+          <a:p>
+            <a:pPr marL="342900" indent="-255588">
+              <a:buFont typeface="Arial" panose="020B0604020202020204" pitchFamily="34" charset="0"/>
+              <a:buChar char="•"/>
+            </a:pPr>
+            <a:r>
+              <a:rPr lang="de-DE" sz="2000" b="1" dirty="0">
+                <a:solidFill>
+                  <a:schemeClr val="tx1"/>
+                </a:solidFill>
+              </a:rPr>
+              <a:t>Textformat für Graphen</a:t>
+            </a:r>
+          </a:p>
+          <a:p>
+            <a:pPr marL="342900" indent="-255588">
+              <a:buFont typeface="Arial" panose="020B0604020202020204" pitchFamily="34" charset="0"/>
+              <a:buChar char="•"/>
+            </a:pPr>
+            <a:endParaRPr lang="de-DE" sz="2000" b="1" dirty="0">
+              <a:solidFill>
+                <a:schemeClr val="tx1"/>
+              </a:solidFill>
+            </a:endParaRPr>
+          </a:p>
+          <a:p>
+            <a:pPr marL="342900" indent="-255588">
+              <a:buFont typeface="Arial" panose="020B0604020202020204" pitchFamily="34" charset="0"/>
+              <a:buChar char="•"/>
+            </a:pPr>
+            <a:r>
+              <a:rPr lang="de-DE" sz="2000" b="1" dirty="0">
+                <a:solidFill>
+                  <a:schemeClr val="tx1"/>
+                </a:solidFill>
+              </a:rPr>
+              <a:t>Textformat in </a:t>
+            </a:r>
+            <a:r>
+              <a:rPr lang="de-DE" sz="2000" b="1" dirty="0" err="1">
+                <a:solidFill>
+                  <a:schemeClr val="tx1"/>
+                </a:solidFill>
+              </a:rPr>
+              <a:t>ElkGraph</a:t>
+            </a:r>
+            <a:r>
+              <a:rPr lang="de-DE" sz="2000" b="1" dirty="0">
+                <a:solidFill>
+                  <a:schemeClr val="tx1"/>
+                </a:solidFill>
+              </a:rPr>
+              <a:t> übersetzen</a:t>
+            </a:r>
+          </a:p>
+          <a:p>
+            <a:pPr marL="342900" indent="-255588">
+              <a:buFont typeface="Arial" panose="020B0604020202020204" pitchFamily="34" charset="0"/>
+              <a:buChar char="•"/>
+            </a:pPr>
+            <a:endParaRPr lang="de-DE" sz="2000" b="1" dirty="0">
+              <a:solidFill>
+                <a:schemeClr val="tx1"/>
+              </a:solidFill>
+            </a:endParaRPr>
+          </a:p>
+          <a:p>
+            <a:pPr marL="342900" indent="-255588">
+              <a:buFont typeface="Arial" panose="020B0604020202020204" pitchFamily="34" charset="0"/>
+              <a:buChar char="•"/>
+            </a:pPr>
+            <a:r>
+              <a:rPr lang="de-DE" sz="2000" b="1" dirty="0">
+                <a:solidFill>
+                  <a:schemeClr val="tx1"/>
+                </a:solidFill>
+              </a:rPr>
+              <a:t>Error Handling</a:t>
+            </a:r>
+          </a:p>
+          <a:p>
+            <a:pPr marL="342900" indent="-255588">
+              <a:buFont typeface="Arial" panose="020B0604020202020204" pitchFamily="34" charset="0"/>
+              <a:buChar char="•"/>
+            </a:pPr>
+            <a:endParaRPr lang="de-DE" sz="2000" b="1" dirty="0">
+              <a:solidFill>
+                <a:schemeClr val="tx1"/>
+              </a:solidFill>
+            </a:endParaRPr>
+          </a:p>
+          <a:p>
+            <a:pPr marL="342900" indent="-255588">
+              <a:buFont typeface="Arial" panose="020B0604020202020204" pitchFamily="34" charset="0"/>
+              <a:buChar char="•"/>
+            </a:pPr>
+            <a:r>
+              <a:rPr lang="de-DE" sz="2000" b="1" dirty="0">
+                <a:solidFill>
+                  <a:schemeClr val="tx1"/>
+                </a:solidFill>
+              </a:rPr>
+              <a:t>Cycle </a:t>
+            </a:r>
+            <a:r>
+              <a:rPr lang="de-DE" sz="2000" b="1" dirty="0" err="1">
+                <a:solidFill>
+                  <a:schemeClr val="tx1"/>
+                </a:solidFill>
+              </a:rPr>
+              <a:t>breaking</a:t>
+            </a:r>
+            <a:endParaRPr lang="de-DE" sz="2000" b="1" dirty="0">
+              <a:solidFill>
+                <a:schemeClr val="tx1"/>
+              </a:solidFill>
+            </a:endParaRPr>
+          </a:p>
+          <a:p>
+            <a:pPr marL="342900" indent="-342900">
+              <a:buFont typeface="Arial" panose="020B0604020202020204" pitchFamily="34" charset="0"/>
+              <a:buChar char="•"/>
+            </a:pPr>
+            <a:endParaRPr lang="de-DE" sz="2400" dirty="0">
+              <a:solidFill>
+                <a:schemeClr val="tx1"/>
+              </a:solidFill>
+            </a:endParaRPr>
+          </a:p>
+        </p:txBody>
+      </p:sp>
+      <p:grpSp>
+        <p:nvGrpSpPr>
+          <p:cNvPr id="55" name="Gruppieren 54">
+            <a:extLst>
+              <a:ext uri="{FF2B5EF4-FFF2-40B4-BE49-F238E27FC236}">
+                <a16:creationId xmlns:a16="http://schemas.microsoft.com/office/drawing/2014/main" id="{1F5558E5-99D9-4BA3-8958-F1B940AA7DC9}"/>
+              </a:ext>
+            </a:extLst>
+          </p:cNvPr>
+          <p:cNvGrpSpPr/>
+          <p:nvPr/>
+        </p:nvGrpSpPr>
+        <p:grpSpPr>
+          <a:xfrm>
+            <a:off x="619412" y="1564976"/>
+            <a:ext cx="2906794" cy="1092972"/>
+            <a:chOff x="1065285" y="3182901"/>
+            <a:chExt cx="3442749" cy="1219236"/>
+          </a:xfrm>
+          <a:solidFill>
+            <a:srgbClr val="251658"/>
+          </a:solidFill>
+        </p:grpSpPr>
+        <p:sp>
+          <p:nvSpPr>
+            <p:cNvPr id="56" name="Rechteck: eine Ecke abgeschnitten 55">
+              <a:extLst>
+                <a:ext uri="{FF2B5EF4-FFF2-40B4-BE49-F238E27FC236}">
+                  <a16:creationId xmlns:a16="http://schemas.microsoft.com/office/drawing/2014/main" id="{78E09DB5-62E7-4620-A343-D56B7252F8D7}"/>
+                </a:ext>
+              </a:extLst>
+            </p:cNvPr>
+            <p:cNvSpPr/>
+            <p:nvPr/>
+          </p:nvSpPr>
+          <p:spPr>
+            <a:xfrm flipV="1">
+              <a:off x="1065285" y="3182901"/>
+              <a:ext cx="3442749" cy="1219236"/>
+            </a:xfrm>
+            <a:prstGeom prst="snip1Rect">
+              <a:avLst>
+                <a:gd name="adj" fmla="val 50000"/>
+              </a:avLst>
+            </a:prstGeom>
+            <a:grpFill/>
+            <a:ln w="28575">
+              <a:solidFill>
+                <a:srgbClr val="8C81AF"/>
+              </a:solidFill>
+            </a:ln>
+            <a:effectLst>
+              <a:glow>
+                <a:schemeClr val="accent4">
+                  <a:lumMod val="20000"/>
+                  <a:lumOff val="80000"/>
+                </a:schemeClr>
+              </a:glow>
+            </a:effectLst>
+          </p:spPr>
+          <p:style>
+            <a:lnRef idx="2">
+              <a:schemeClr val="accent1">
+                <a:shade val="50000"/>
+              </a:schemeClr>
+            </a:lnRef>
+            <a:fillRef idx="1">
+              <a:schemeClr val="accent1"/>
+            </a:fillRef>
+            <a:effectRef idx="0">
+              <a:schemeClr val="accent1"/>
+            </a:effectRef>
+            <a:fontRef idx="minor">
+              <a:schemeClr val="lt1"/>
+            </a:fontRef>
+          </p:style>
+          <p:txBody>
+            <a:bodyPr rtlCol="0" anchor="ctr"/>
+            <a:lstStyle/>
+            <a:p>
+              <a:pPr algn="ctr"/>
+              <a:endParaRPr lang="de-DE" dirty="0"/>
+            </a:p>
+          </p:txBody>
+        </p:sp>
+        <p:sp>
+          <p:nvSpPr>
+            <p:cNvPr id="57" name="Rechteck 56">
+              <a:extLst>
+                <a:ext uri="{FF2B5EF4-FFF2-40B4-BE49-F238E27FC236}">
+                  <a16:creationId xmlns:a16="http://schemas.microsoft.com/office/drawing/2014/main" id="{9A4492BF-BB72-43A5-B7B8-A1FFCEF6AE5E}"/>
+                </a:ext>
+              </a:extLst>
+            </p:cNvPr>
+            <p:cNvSpPr/>
+            <p:nvPr/>
+          </p:nvSpPr>
+          <p:spPr>
+            <a:xfrm>
+              <a:off x="1602562" y="3457072"/>
+              <a:ext cx="2368195" cy="648861"/>
+            </a:xfrm>
+            <a:prstGeom prst="rect">
+              <a:avLst/>
+            </a:prstGeom>
+            <a:grpFill/>
+            <a:ln>
+              <a:noFill/>
+            </a:ln>
+          </p:spPr>
+          <p:style>
+            <a:lnRef idx="2">
+              <a:schemeClr val="accent1">
+                <a:shade val="50000"/>
+              </a:schemeClr>
+            </a:lnRef>
+            <a:fillRef idx="1">
+              <a:schemeClr val="accent1"/>
+            </a:fillRef>
+            <a:effectRef idx="0">
+              <a:schemeClr val="accent1"/>
+            </a:effectRef>
+            <a:fontRef idx="minor">
+              <a:schemeClr val="lt1"/>
+            </a:fontRef>
+          </p:style>
+          <p:txBody>
+            <a:bodyPr rtlCol="0" anchor="ctr"/>
+            <a:lstStyle/>
+            <a:p>
+              <a:pPr algn="ctr"/>
+              <a:r>
+                <a:rPr lang="de-DE" sz="2800" dirty="0" err="1">
+                  <a:solidFill>
+                    <a:srgbClr val="8C81AF"/>
+                  </a:solidFill>
+                </a:rPr>
+                <a:t>Parsing</a:t>
+              </a:r>
+              <a:endParaRPr lang="de-DE" dirty="0">
+                <a:solidFill>
+                  <a:srgbClr val="8C81AF"/>
+                </a:solidFill>
+              </a:endParaRPr>
+            </a:p>
+          </p:txBody>
+        </p:sp>
+      </p:grpSp>
+      <p:sp>
+        <p:nvSpPr>
+          <p:cNvPr id="58" name="Rechteck 57">
+            <a:extLst>
+              <a:ext uri="{FF2B5EF4-FFF2-40B4-BE49-F238E27FC236}">
+                <a16:creationId xmlns:a16="http://schemas.microsoft.com/office/drawing/2014/main" id="{BDE48D73-84B0-4B39-AF11-A17359F30399}"/>
+              </a:ext>
+            </a:extLst>
+          </p:cNvPr>
+          <p:cNvSpPr/>
+          <p:nvPr/>
+        </p:nvSpPr>
+        <p:spPr>
+          <a:xfrm>
+            <a:off x="4509009" y="1462024"/>
+            <a:ext cx="3173981" cy="5113397"/>
+          </a:xfrm>
+          <a:prstGeom prst="rect">
+            <a:avLst/>
+          </a:prstGeom>
+          <a:solidFill>
+            <a:srgbClr val="781224">
+              <a:alpha val="34000"/>
+            </a:srgbClr>
+          </a:solidFill>
+          <a:ln>
+            <a:noFill/>
+          </a:ln>
+        </p:spPr>
+        <p:style>
+          <a:lnRef idx="2">
+            <a:schemeClr val="accent1">
+              <a:shade val="50000"/>
+            </a:schemeClr>
+          </a:lnRef>
+          <a:fillRef idx="1">
+            <a:schemeClr val="accent1"/>
+          </a:fillRef>
+          <a:effectRef idx="0">
+            <a:schemeClr val="accent1"/>
+          </a:effectRef>
+          <a:fontRef idx="minor">
+            <a:schemeClr val="lt1"/>
+          </a:fontRef>
+        </p:style>
+        <p:txBody>
+          <a:bodyPr rtlCol="0" anchor="t"/>
+          <a:lstStyle/>
+          <a:p>
+            <a:endParaRPr lang="de-DE" sz="2000" dirty="0">
+              <a:solidFill>
+                <a:schemeClr val="tx1"/>
+              </a:solidFill>
+            </a:endParaRPr>
+          </a:p>
+          <a:p>
+            <a:pPr marL="342900" indent="-255588">
+              <a:buFont typeface="Arial" panose="020B0604020202020204" pitchFamily="34" charset="0"/>
+              <a:buChar char="•"/>
+            </a:pPr>
+            <a:endParaRPr lang="de-DE" sz="2000" b="1" dirty="0">
+              <a:solidFill>
+                <a:schemeClr val="tx1"/>
+              </a:solidFill>
+            </a:endParaRPr>
+          </a:p>
+          <a:p>
+            <a:pPr marL="342900" indent="-255588">
+              <a:buFont typeface="Arial" panose="020B0604020202020204" pitchFamily="34" charset="0"/>
+              <a:buChar char="•"/>
+            </a:pPr>
+            <a:endParaRPr lang="de-DE" sz="2000" b="1" dirty="0">
+              <a:solidFill>
+                <a:schemeClr val="tx1"/>
+              </a:solidFill>
+            </a:endParaRPr>
+          </a:p>
+          <a:p>
+            <a:pPr marL="342900" indent="-255588">
+              <a:buFont typeface="Arial" panose="020B0604020202020204" pitchFamily="34" charset="0"/>
+              <a:buChar char="•"/>
+            </a:pPr>
+            <a:endParaRPr lang="de-DE" sz="2000" b="1" dirty="0">
+              <a:solidFill>
+                <a:schemeClr val="tx1"/>
+              </a:solidFill>
+            </a:endParaRPr>
+          </a:p>
+          <a:p>
+            <a:pPr marL="342900" indent="-255588">
+              <a:buFont typeface="Arial" panose="020B0604020202020204" pitchFamily="34" charset="0"/>
+              <a:buChar char="•"/>
+            </a:pPr>
+            <a:endParaRPr lang="de-DE" sz="2000" b="1" dirty="0">
+              <a:solidFill>
+                <a:schemeClr val="tx1"/>
+              </a:solidFill>
+            </a:endParaRPr>
+          </a:p>
+          <a:p>
+            <a:pPr marL="342900" indent="-255588">
+              <a:buFont typeface="Arial" panose="020B0604020202020204" pitchFamily="34" charset="0"/>
+              <a:buChar char="•"/>
+            </a:pPr>
+            <a:r>
+              <a:rPr lang="de-DE" sz="2000" b="1" dirty="0" err="1">
+                <a:solidFill>
+                  <a:schemeClr val="tx1"/>
+                </a:solidFill>
+              </a:rPr>
+              <a:t>Implementing</a:t>
+            </a:r>
+            <a:r>
+              <a:rPr lang="de-DE" sz="2000" b="1" dirty="0">
+                <a:solidFill>
+                  <a:schemeClr val="tx1"/>
+                </a:solidFill>
+              </a:rPr>
+              <a:t> </a:t>
+            </a:r>
+            <a:r>
+              <a:rPr lang="de-DE" sz="2000" b="1" dirty="0" err="1">
+                <a:solidFill>
+                  <a:schemeClr val="tx1"/>
+                </a:solidFill>
+              </a:rPr>
+              <a:t>the</a:t>
+            </a:r>
+            <a:r>
+              <a:rPr lang="de-DE" sz="2000" b="1" dirty="0">
+                <a:solidFill>
+                  <a:schemeClr val="tx1"/>
+                </a:solidFill>
+              </a:rPr>
+              <a:t> Layer </a:t>
+            </a:r>
+            <a:r>
+              <a:rPr lang="de-DE" sz="2000" b="1" dirty="0" err="1">
+                <a:solidFill>
+                  <a:schemeClr val="tx1"/>
+                </a:solidFill>
+              </a:rPr>
+              <a:t>Assignment</a:t>
+            </a:r>
+            <a:r>
+              <a:rPr lang="de-DE" sz="2000" b="1" dirty="0">
+                <a:solidFill>
+                  <a:schemeClr val="tx1"/>
+                </a:solidFill>
+              </a:rPr>
+              <a:t> </a:t>
+            </a:r>
+            <a:r>
+              <a:rPr lang="de-DE" sz="2000" b="1" dirty="0" err="1">
+                <a:solidFill>
+                  <a:schemeClr val="tx1"/>
+                </a:solidFill>
+              </a:rPr>
+              <a:t>Algorithm</a:t>
+            </a:r>
+            <a:endParaRPr lang="de-DE" sz="2000" b="1" dirty="0">
+              <a:solidFill>
+                <a:schemeClr val="tx1"/>
+              </a:solidFill>
+            </a:endParaRPr>
+          </a:p>
+          <a:p>
+            <a:pPr marL="342900" indent="-255588">
+              <a:buFont typeface="Arial" panose="020B0604020202020204" pitchFamily="34" charset="0"/>
+              <a:buChar char="•"/>
+            </a:pPr>
+            <a:endParaRPr lang="de-DE" sz="2000" b="1" dirty="0">
+              <a:solidFill>
+                <a:schemeClr val="tx1"/>
+              </a:solidFill>
+            </a:endParaRPr>
+          </a:p>
+          <a:p>
+            <a:pPr marL="342900" indent="-255588">
+              <a:buFont typeface="Arial" panose="020B0604020202020204" pitchFamily="34" charset="0"/>
+              <a:buChar char="•"/>
+            </a:pPr>
+            <a:r>
+              <a:rPr lang="de-DE" sz="2000" b="1" dirty="0" err="1">
+                <a:solidFill>
+                  <a:schemeClr val="tx1"/>
+                </a:solidFill>
+              </a:rPr>
+              <a:t>Translate</a:t>
+            </a:r>
+            <a:r>
+              <a:rPr lang="de-DE" sz="2000" b="1" dirty="0">
+                <a:solidFill>
+                  <a:schemeClr val="tx1"/>
+                </a:solidFill>
+              </a:rPr>
+              <a:t> </a:t>
+            </a:r>
+            <a:r>
+              <a:rPr lang="de-DE" sz="2000" b="1" dirty="0" err="1">
+                <a:solidFill>
+                  <a:schemeClr val="tx1"/>
+                </a:solidFill>
+              </a:rPr>
+              <a:t>ElkGraph</a:t>
+            </a:r>
+            <a:r>
+              <a:rPr lang="de-DE" sz="2000" b="1" dirty="0">
+                <a:solidFill>
+                  <a:schemeClr val="tx1"/>
+                </a:solidFill>
+              </a:rPr>
+              <a:t> </a:t>
+            </a:r>
+            <a:r>
+              <a:rPr lang="de-DE" sz="2000" b="1" dirty="0" err="1">
+                <a:solidFill>
+                  <a:schemeClr val="tx1"/>
+                </a:solidFill>
+              </a:rPr>
+              <a:t>to</a:t>
+            </a:r>
+            <a:r>
+              <a:rPr lang="de-DE" sz="2000" b="1" dirty="0">
+                <a:solidFill>
+                  <a:schemeClr val="tx1"/>
+                </a:solidFill>
+              </a:rPr>
+              <a:t> </a:t>
+            </a:r>
+            <a:r>
+              <a:rPr lang="de-DE" sz="2000" b="1" dirty="0" err="1">
+                <a:solidFill>
+                  <a:schemeClr val="tx1"/>
+                </a:solidFill>
+              </a:rPr>
+              <a:t>MyGraph</a:t>
+            </a:r>
+            <a:endParaRPr lang="de-DE" sz="2000" b="1" dirty="0">
+              <a:solidFill>
+                <a:schemeClr val="tx1"/>
+              </a:solidFill>
+            </a:endParaRPr>
+          </a:p>
+          <a:p>
+            <a:pPr marL="342900" indent="-255588">
+              <a:buFont typeface="Arial" panose="020B0604020202020204" pitchFamily="34" charset="0"/>
+              <a:buChar char="•"/>
+            </a:pPr>
+            <a:endParaRPr lang="de-DE" sz="2000" b="1" dirty="0">
+              <a:solidFill>
+                <a:schemeClr val="tx1"/>
+              </a:solidFill>
+            </a:endParaRPr>
+          </a:p>
+          <a:p>
+            <a:pPr marL="342900" indent="-255588">
+              <a:buFont typeface="Arial" panose="020B0604020202020204" pitchFamily="34" charset="0"/>
+              <a:buChar char="•"/>
+            </a:pPr>
+            <a:r>
+              <a:rPr lang="de-DE" sz="2000" b="1" dirty="0">
+                <a:solidFill>
+                  <a:schemeClr val="tx1"/>
+                </a:solidFill>
+              </a:rPr>
+              <a:t>Output: Array </a:t>
+            </a:r>
+            <a:r>
+              <a:rPr lang="de-DE" sz="2000" b="1" dirty="0" err="1">
+                <a:solidFill>
+                  <a:schemeClr val="tx1"/>
+                </a:solidFill>
+              </a:rPr>
+              <a:t>of</a:t>
+            </a:r>
+            <a:r>
+              <a:rPr lang="de-DE" sz="2000" b="1" dirty="0">
+                <a:solidFill>
+                  <a:schemeClr val="tx1"/>
+                </a:solidFill>
+              </a:rPr>
+              <a:t> </a:t>
+            </a:r>
+            <a:r>
+              <a:rPr lang="de-DE" sz="2000" b="1" dirty="0" err="1">
+                <a:solidFill>
+                  <a:schemeClr val="tx1"/>
+                </a:solidFill>
+              </a:rPr>
+              <a:t>MyGraph</a:t>
+            </a:r>
+            <a:endParaRPr lang="de-DE" sz="2000" b="1" dirty="0">
+              <a:solidFill>
+                <a:schemeClr val="tx1"/>
+              </a:solidFill>
+            </a:endParaRPr>
+          </a:p>
+          <a:p>
+            <a:pPr marL="342900" indent="-255588">
+              <a:buFont typeface="Arial" panose="020B0604020202020204" pitchFamily="34" charset="0"/>
+              <a:buChar char="•"/>
+            </a:pPr>
+            <a:endParaRPr lang="de-DE" sz="2000" b="1" dirty="0">
+              <a:solidFill>
+                <a:schemeClr val="tx1"/>
+              </a:solidFill>
+            </a:endParaRPr>
+          </a:p>
+          <a:p>
+            <a:pPr marL="342900" indent="-255588">
+              <a:buFont typeface="Arial" panose="020B0604020202020204" pitchFamily="34" charset="0"/>
+              <a:buChar char="•"/>
+            </a:pPr>
+            <a:r>
+              <a:rPr lang="de-DE" sz="2000" b="1" dirty="0" err="1">
+                <a:solidFill>
+                  <a:schemeClr val="tx1"/>
+                </a:solidFill>
+              </a:rPr>
+              <a:t>Testing</a:t>
+            </a:r>
+            <a:endParaRPr lang="de-DE" sz="2000" b="1" dirty="0">
+              <a:solidFill>
+                <a:schemeClr val="tx1"/>
+              </a:solidFill>
+            </a:endParaRPr>
+          </a:p>
+          <a:p>
+            <a:pPr marL="342900" indent="-342900">
+              <a:buFont typeface="Arial" panose="020B0604020202020204" pitchFamily="34" charset="0"/>
+              <a:buChar char="•"/>
+            </a:pPr>
+            <a:endParaRPr lang="de-DE" sz="2400" dirty="0">
+              <a:solidFill>
+                <a:schemeClr val="tx1"/>
+              </a:solidFill>
+            </a:endParaRPr>
+          </a:p>
+        </p:txBody>
+      </p:sp>
+      <p:grpSp>
+        <p:nvGrpSpPr>
+          <p:cNvPr id="59" name="Gruppieren 58">
+            <a:extLst>
+              <a:ext uri="{FF2B5EF4-FFF2-40B4-BE49-F238E27FC236}">
+                <a16:creationId xmlns:a16="http://schemas.microsoft.com/office/drawing/2014/main" id="{82007B7C-C611-4EFA-8585-C652F61555A4}"/>
+              </a:ext>
+            </a:extLst>
+          </p:cNvPr>
+          <p:cNvGrpSpPr/>
+          <p:nvPr/>
+        </p:nvGrpSpPr>
+        <p:grpSpPr>
+          <a:xfrm>
+            <a:off x="4642603" y="1564976"/>
+            <a:ext cx="2906795" cy="1092972"/>
+            <a:chOff x="3991005" y="4281517"/>
+            <a:chExt cx="3442747" cy="1219237"/>
+          </a:xfrm>
+        </p:grpSpPr>
+        <p:sp>
+          <p:nvSpPr>
+            <p:cNvPr id="60" name="Rechteck: obere Ecken abgeschnitten 59">
+              <a:extLst>
+                <a:ext uri="{FF2B5EF4-FFF2-40B4-BE49-F238E27FC236}">
+                  <a16:creationId xmlns:a16="http://schemas.microsoft.com/office/drawing/2014/main" id="{2B8A5267-DE07-47D7-BD8F-340EA9FC9E6C}"/>
+                </a:ext>
+              </a:extLst>
+            </p:cNvPr>
+            <p:cNvSpPr/>
+            <p:nvPr/>
+          </p:nvSpPr>
+          <p:spPr>
+            <a:xfrm>
+              <a:off x="3991005" y="4281517"/>
+              <a:ext cx="3442747" cy="1219237"/>
+            </a:xfrm>
+            <a:prstGeom prst="snip2SameRect">
+              <a:avLst>
+                <a:gd name="adj1" fmla="val 50000"/>
+                <a:gd name="adj2" fmla="val 0"/>
+              </a:avLst>
+            </a:prstGeom>
+            <a:solidFill>
+              <a:srgbClr val="781224"/>
+            </a:solidFill>
+            <a:ln w="28575">
+              <a:solidFill>
+                <a:srgbClr val="EFA8B4"/>
+              </a:solidFill>
+            </a:ln>
+          </p:spPr>
+          <p:style>
+            <a:lnRef idx="2">
+              <a:schemeClr val="accent1">
+                <a:shade val="50000"/>
+              </a:schemeClr>
+            </a:lnRef>
+            <a:fillRef idx="1">
+              <a:schemeClr val="accent1"/>
+            </a:fillRef>
+            <a:effectRef idx="0">
+              <a:schemeClr val="accent1"/>
+            </a:effectRef>
+            <a:fontRef idx="minor">
+              <a:schemeClr val="lt1"/>
+            </a:fontRef>
+          </p:style>
+          <p:txBody>
+            <a:bodyPr rtlCol="0" anchor="ctr"/>
+            <a:lstStyle/>
+            <a:p>
+              <a:pPr algn="ctr"/>
+              <a:endParaRPr lang="de-DE"/>
+            </a:p>
+          </p:txBody>
+        </p:sp>
+        <p:sp>
+          <p:nvSpPr>
+            <p:cNvPr id="61" name="Rechteck 60">
+              <a:extLst>
+                <a:ext uri="{FF2B5EF4-FFF2-40B4-BE49-F238E27FC236}">
+                  <a16:creationId xmlns:a16="http://schemas.microsoft.com/office/drawing/2014/main" id="{34F91791-4BC9-4D39-BC1C-846B4436E876}"/>
+                </a:ext>
+              </a:extLst>
+            </p:cNvPr>
+            <p:cNvSpPr/>
+            <p:nvPr/>
+          </p:nvSpPr>
+          <p:spPr>
+            <a:xfrm>
+              <a:off x="4528281" y="4566705"/>
+              <a:ext cx="2368195" cy="648861"/>
+            </a:xfrm>
+            <a:prstGeom prst="rect">
+              <a:avLst/>
+            </a:prstGeom>
+            <a:noFill/>
+            <a:ln>
+              <a:noFill/>
+            </a:ln>
+          </p:spPr>
+          <p:style>
+            <a:lnRef idx="2">
+              <a:schemeClr val="accent1">
+                <a:shade val="50000"/>
+              </a:schemeClr>
+            </a:lnRef>
+            <a:fillRef idx="1">
+              <a:schemeClr val="accent1"/>
+            </a:fillRef>
+            <a:effectRef idx="0">
+              <a:schemeClr val="accent1"/>
+            </a:effectRef>
+            <a:fontRef idx="minor">
+              <a:schemeClr val="lt1"/>
+            </a:fontRef>
+          </p:style>
+          <p:txBody>
+            <a:bodyPr rtlCol="0" anchor="ctr"/>
+            <a:lstStyle/>
+            <a:p>
+              <a:pPr algn="ctr"/>
+              <a:r>
+                <a:rPr lang="de-DE" sz="2400" dirty="0" err="1">
+                  <a:solidFill>
+                    <a:srgbClr val="EFA8B4"/>
+                  </a:solidFill>
+                </a:rPr>
+                <a:t>Applying</a:t>
+              </a:r>
+              <a:r>
+                <a:rPr lang="de-DE" sz="2400" dirty="0">
+                  <a:solidFill>
+                    <a:srgbClr val="EFA8B4"/>
+                  </a:solidFill>
+                </a:rPr>
+                <a:t> </a:t>
+              </a:r>
+              <a:r>
+                <a:rPr lang="de-DE" sz="2400" dirty="0" err="1">
+                  <a:solidFill>
+                    <a:srgbClr val="EFA8B4"/>
+                  </a:solidFill>
+                </a:rPr>
+                <a:t>the</a:t>
+              </a:r>
+              <a:r>
+                <a:rPr lang="de-DE" sz="2400" dirty="0">
+                  <a:solidFill>
+                    <a:srgbClr val="EFA8B4"/>
+                  </a:solidFill>
+                </a:rPr>
+                <a:t> </a:t>
+              </a:r>
+              <a:r>
+                <a:rPr lang="de-DE" sz="2400" dirty="0" err="1">
+                  <a:solidFill>
+                    <a:srgbClr val="EFA8B4"/>
+                  </a:solidFill>
+                </a:rPr>
+                <a:t>Algorithm</a:t>
+              </a:r>
+              <a:endParaRPr lang="de-DE" sz="2400" dirty="0">
+                <a:solidFill>
+                  <a:srgbClr val="EFA8B4"/>
+                </a:solidFill>
+              </a:endParaRPr>
+            </a:p>
+          </p:txBody>
+        </p:sp>
+      </p:grpSp>
+      <p:sp>
+        <p:nvSpPr>
+          <p:cNvPr id="62" name="Textfeld 61">
+            <a:extLst>
+              <a:ext uri="{FF2B5EF4-FFF2-40B4-BE49-F238E27FC236}">
+                <a16:creationId xmlns:a16="http://schemas.microsoft.com/office/drawing/2014/main" id="{6556E4B8-83A5-4E50-AFED-D209436C4CD9}"/>
+              </a:ext>
+            </a:extLst>
+          </p:cNvPr>
+          <p:cNvSpPr txBox="1"/>
+          <p:nvPr/>
+        </p:nvSpPr>
+        <p:spPr>
+          <a:xfrm>
+            <a:off x="3352800" y="350768"/>
+            <a:ext cx="5706358" cy="769441"/>
+          </a:xfrm>
+          <a:prstGeom prst="rect">
+            <a:avLst/>
+          </a:prstGeom>
+          <a:noFill/>
+        </p:spPr>
+        <p:txBody>
+          <a:bodyPr wrap="square" rtlCol="0">
+            <a:spAutoFit/>
+          </a:bodyPr>
+          <a:lstStyle/>
+          <a:p>
+            <a:pPr algn="ctr"/>
+            <a:r>
+              <a:rPr lang="de-DE" sz="4400" dirty="0" err="1"/>
+              <a:t>To</a:t>
+            </a:r>
+            <a:r>
+              <a:rPr lang="de-DE" sz="4400" dirty="0"/>
+              <a:t> Dos:</a:t>
+            </a:r>
+          </a:p>
+        </p:txBody>
+      </p:sp>
+    </p:spTree>
+    <p:extLst>
+      <p:ext uri="{BB962C8B-B14F-4D97-AF65-F5344CB8AC3E}">
+        <p14:creationId xmlns:p14="http://schemas.microsoft.com/office/powerpoint/2010/main" val="2566425296"/>
+      </p:ext>
+    </p:extLst>
+  </p:cSld>
+  <p:clrMapOvr>
+    <a:masterClrMapping/>
+  </p:clrMapOvr>
+</p:sld>
+</file>
+
 <file path=ppt/slides/slide2.xml><?xml version="1.0" encoding="utf-8"?>
+<p:sld xmlns:a="http://schemas.openxmlformats.org/drawingml/2006/main" xmlns:r="http://schemas.openxmlformats.org/officeDocument/2006/relationships" xmlns:p="http://schemas.openxmlformats.org/presentationml/2006/main">
+  <p:cSld>
+    <p:spTree>
+      <p:nvGrpSpPr>
+        <p:cNvPr id="1" name=""/>
+        <p:cNvGrpSpPr/>
+        <p:nvPr/>
+      </p:nvGrpSpPr>
+      <p:grpSpPr>
+        <a:xfrm>
+          <a:off x="0" y="0"/>
+          <a:ext cx="0" cy="0"/>
+          <a:chOff x="0" y="0"/>
+          <a:chExt cx="0" cy="0"/>
+        </a:xfrm>
+      </p:grpSpPr>
+      <p:pic>
+        <p:nvPicPr>
+          <p:cNvPr id="5" name="Grafik 4">
+            <a:extLst>
+              <a:ext uri="{FF2B5EF4-FFF2-40B4-BE49-F238E27FC236}">
+                <a16:creationId xmlns:a16="http://schemas.microsoft.com/office/drawing/2014/main" id="{4DBB700A-6B62-422B-B4F9-4C6C402F0552}"/>
+              </a:ext>
+            </a:extLst>
+          </p:cNvPr>
+          <p:cNvPicPr>
+            <a:picLocks noChangeAspect="1"/>
+          </p:cNvPicPr>
+          <p:nvPr/>
+        </p:nvPicPr>
+        <p:blipFill>
+          <a:blip r:embed="rId2">
+            <a:extLst>
+              <a:ext uri="{28A0092B-C50C-407E-A947-70E740481C1C}">
+                <a14:useLocalDpi xmlns:a14="http://schemas.microsoft.com/office/drawing/2010/main" val="0"/>
+              </a:ext>
+            </a:extLst>
+          </a:blip>
+          <a:stretch>
+            <a:fillRect/>
+          </a:stretch>
+        </p:blipFill>
+        <p:spPr>
+          <a:xfrm>
+            <a:off x="378213" y="2013853"/>
+            <a:ext cx="11525460" cy="4049486"/>
+          </a:xfrm>
+          <a:prstGeom prst="rect">
+            <a:avLst/>
+          </a:prstGeom>
+        </p:spPr>
+      </p:pic>
+      <p:sp>
+        <p:nvSpPr>
+          <p:cNvPr id="6" name="Abgerundetes Rechteck">
+            <a:extLst>
+              <a:ext uri="{FF2B5EF4-FFF2-40B4-BE49-F238E27FC236}">
+                <a16:creationId xmlns:a16="http://schemas.microsoft.com/office/drawing/2014/main" id="{36CCF383-9677-4D38-8F0D-142AF7D578BB}"/>
+              </a:ext>
+            </a:extLst>
+          </p:cNvPr>
+          <p:cNvSpPr/>
+          <p:nvPr/>
+        </p:nvSpPr>
+        <p:spPr>
+          <a:xfrm>
+            <a:off x="10668000" y="318454"/>
+            <a:ext cx="1075668" cy="214601"/>
+          </a:xfrm>
+          <a:prstGeom prst="roundRect">
+            <a:avLst>
+              <a:gd name="adj" fmla="val 23299"/>
+            </a:avLst>
+          </a:prstGeom>
+          <a:solidFill>
+            <a:srgbClr val="9FA1AB"/>
+          </a:solidFill>
+          <a:ln w="12700">
+            <a:miter lim="400000"/>
+          </a:ln>
+        </p:spPr>
+        <p:txBody>
+          <a:bodyPr lIns="50800" tIns="50800" rIns="50800" bIns="50800" anchor="ctr"/>
+          <a:lstStyle/>
+          <a:p>
+            <a:endParaRPr sz="4000">
+              <a:solidFill>
+                <a:srgbClr val="DCDEE0"/>
+              </a:solidFill>
+            </a:endParaRPr>
+          </a:p>
+        </p:txBody>
+      </p:sp>
+      <p:sp>
+        <p:nvSpPr>
+          <p:cNvPr id="7" name="Abgerundetes Rechteck">
+            <a:extLst>
+              <a:ext uri="{FF2B5EF4-FFF2-40B4-BE49-F238E27FC236}">
+                <a16:creationId xmlns:a16="http://schemas.microsoft.com/office/drawing/2014/main" id="{CB596451-7C5E-4E7F-856F-2B91CAD50307}"/>
+              </a:ext>
+            </a:extLst>
+          </p:cNvPr>
+          <p:cNvSpPr/>
+          <p:nvPr/>
+        </p:nvSpPr>
+        <p:spPr>
+          <a:xfrm>
+            <a:off x="10668000" y="585241"/>
+            <a:ext cx="1075668" cy="214600"/>
+          </a:xfrm>
+          <a:prstGeom prst="roundRect">
+            <a:avLst>
+              <a:gd name="adj" fmla="val 23299"/>
+            </a:avLst>
+          </a:prstGeom>
+          <a:solidFill>
+            <a:srgbClr val="505361"/>
+          </a:solidFill>
+          <a:ln w="12700">
+            <a:miter lim="400000"/>
+          </a:ln>
+        </p:spPr>
+        <p:txBody>
+          <a:bodyPr lIns="50800" tIns="50800" rIns="50800" bIns="50800" anchor="ctr"/>
+          <a:lstStyle/>
+          <a:p>
+            <a:endParaRPr sz="4000">
+              <a:solidFill>
+                <a:srgbClr val="DCDEE0"/>
+              </a:solidFill>
+            </a:endParaRPr>
+          </a:p>
+        </p:txBody>
+      </p:sp>
+      <p:sp>
+        <p:nvSpPr>
+          <p:cNvPr id="8" name="Abgerundetes Rechteck">
+            <a:extLst>
+              <a:ext uri="{FF2B5EF4-FFF2-40B4-BE49-F238E27FC236}">
+                <a16:creationId xmlns:a16="http://schemas.microsoft.com/office/drawing/2014/main" id="{B7898448-7DAD-4A7D-A58E-54371C4A8F6F}"/>
+              </a:ext>
+            </a:extLst>
+          </p:cNvPr>
+          <p:cNvSpPr/>
+          <p:nvPr/>
+        </p:nvSpPr>
+        <p:spPr>
+          <a:xfrm>
+            <a:off x="10668000" y="852027"/>
+            <a:ext cx="1075668" cy="214600"/>
+          </a:xfrm>
+          <a:prstGeom prst="roundRect">
+            <a:avLst>
+              <a:gd name="adj" fmla="val 23299"/>
+            </a:avLst>
+          </a:prstGeom>
+          <a:solidFill>
+            <a:srgbClr val="9FA1AB"/>
+          </a:solidFill>
+          <a:ln w="12700">
+            <a:miter lim="400000"/>
+          </a:ln>
+        </p:spPr>
+        <p:txBody>
+          <a:bodyPr lIns="50800" tIns="50800" rIns="50800" bIns="50800" anchor="ctr"/>
+          <a:lstStyle/>
+          <a:p>
+            <a:pPr>
+              <a:defRPr sz="4000">
+                <a:solidFill>
+                  <a:srgbClr val="DCDEE0"/>
+                </a:solidFill>
+              </a:defRPr>
+            </a:pPr>
+            <a:endParaRPr/>
+          </a:p>
+        </p:txBody>
+      </p:sp>
+      <p:sp>
+        <p:nvSpPr>
+          <p:cNvPr id="9" name="Abgerundetes Rechteck">
+            <a:extLst>
+              <a:ext uri="{FF2B5EF4-FFF2-40B4-BE49-F238E27FC236}">
+                <a16:creationId xmlns:a16="http://schemas.microsoft.com/office/drawing/2014/main" id="{8B759912-B34D-42DF-A6D8-0254FBFE513F}"/>
+              </a:ext>
+            </a:extLst>
+          </p:cNvPr>
+          <p:cNvSpPr/>
+          <p:nvPr/>
+        </p:nvSpPr>
+        <p:spPr>
+          <a:xfrm>
+            <a:off x="10668000" y="1118813"/>
+            <a:ext cx="1075668" cy="214600"/>
+          </a:xfrm>
+          <a:prstGeom prst="roundRect">
+            <a:avLst>
+              <a:gd name="adj" fmla="val 23299"/>
+            </a:avLst>
+          </a:prstGeom>
+          <a:solidFill>
+            <a:srgbClr val="9FA1AB"/>
+          </a:solidFill>
+          <a:ln w="12700">
+            <a:miter lim="400000"/>
+          </a:ln>
+        </p:spPr>
+        <p:txBody>
+          <a:bodyPr lIns="50800" tIns="50800" rIns="50800" bIns="50800" anchor="ctr"/>
+          <a:lstStyle/>
+          <a:p>
+            <a:pPr>
+              <a:defRPr sz="4000">
+                <a:solidFill>
+                  <a:srgbClr val="DCDEE0"/>
+                </a:solidFill>
+              </a:defRPr>
+            </a:pPr>
+            <a:endParaRPr/>
+          </a:p>
+        </p:txBody>
+      </p:sp>
+      <p:sp>
+        <p:nvSpPr>
+          <p:cNvPr id="10" name="Abgerundetes Rechteck">
+            <a:extLst>
+              <a:ext uri="{FF2B5EF4-FFF2-40B4-BE49-F238E27FC236}">
+                <a16:creationId xmlns:a16="http://schemas.microsoft.com/office/drawing/2014/main" id="{F845E4E9-E5CE-4718-8A57-6E5660E9D07B}"/>
+              </a:ext>
+            </a:extLst>
+          </p:cNvPr>
+          <p:cNvSpPr/>
+          <p:nvPr/>
+        </p:nvSpPr>
+        <p:spPr>
+          <a:xfrm>
+            <a:off x="10668000" y="1385599"/>
+            <a:ext cx="1075668" cy="214601"/>
+          </a:xfrm>
+          <a:prstGeom prst="roundRect">
+            <a:avLst>
+              <a:gd name="adj" fmla="val 23299"/>
+            </a:avLst>
+          </a:prstGeom>
+          <a:solidFill>
+            <a:srgbClr val="9FA1AB"/>
+          </a:solidFill>
+          <a:ln w="12700">
+            <a:miter lim="400000"/>
+          </a:ln>
+        </p:spPr>
+        <p:txBody>
+          <a:bodyPr lIns="50800" tIns="50800" rIns="50800" bIns="50800" anchor="ctr"/>
+          <a:lstStyle/>
+          <a:p>
+            <a:pPr>
+              <a:defRPr sz="4000">
+                <a:solidFill>
+                  <a:srgbClr val="DCDEE0"/>
+                </a:solidFill>
+              </a:defRPr>
+            </a:pPr>
+            <a:endParaRPr/>
+          </a:p>
+        </p:txBody>
+      </p:sp>
+      <p:sp>
+        <p:nvSpPr>
+          <p:cNvPr id="12" name="Titel 1">
+            <a:extLst>
+              <a:ext uri="{FF2B5EF4-FFF2-40B4-BE49-F238E27FC236}">
+                <a16:creationId xmlns:a16="http://schemas.microsoft.com/office/drawing/2014/main" id="{3602EE40-CE22-467F-A50F-F9B2F6E788F9}"/>
+              </a:ext>
+            </a:extLst>
+          </p:cNvPr>
+          <p:cNvSpPr txBox="1">
+            <a:spLocks/>
+          </p:cNvSpPr>
+          <p:nvPr/>
+        </p:nvSpPr>
+        <p:spPr>
+          <a:xfrm>
+            <a:off x="1524000" y="487489"/>
+            <a:ext cx="9144000" cy="1158276"/>
+          </a:xfrm>
+          <a:prstGeom prst="rect">
+            <a:avLst/>
+          </a:prstGeom>
+        </p:spPr>
+        <p:txBody>
+          <a:bodyPr vert="horz" lIns="91440" tIns="45720" rIns="91440" bIns="45720" rtlCol="0" anchor="ctr">
+            <a:normAutofit/>
+          </a:bodyPr>
+          <a:lstStyle>
+            <a:lvl1pPr algn="l" defTabSz="914400" rtl="0" eaLnBrk="1" latinLnBrk="0" hangingPunct="1">
+              <a:lnSpc>
+                <a:spcPct val="90000"/>
+              </a:lnSpc>
+              <a:spcBef>
+                <a:spcPct val="0"/>
+              </a:spcBef>
+              <a:buNone/>
+              <a:defRPr sz="4400" kern="1200">
+                <a:solidFill>
+                  <a:schemeClr val="tx1"/>
+                </a:solidFill>
+                <a:latin typeface="+mj-lt"/>
+                <a:ea typeface="+mj-ea"/>
+                <a:cs typeface="+mj-cs"/>
+              </a:defRPr>
+            </a:lvl1pPr>
+          </a:lstStyle>
+          <a:p>
+            <a:pPr algn="ctr"/>
+            <a:r>
+              <a:rPr lang="de-DE" dirty="0"/>
+              <a:t>Layer </a:t>
+            </a:r>
+            <a:r>
+              <a:rPr lang="de-DE" dirty="0" err="1"/>
+              <a:t>Assignment</a:t>
+            </a:r>
+            <a:endParaRPr lang="de-DE" dirty="0"/>
+          </a:p>
+          <a:p>
+            <a:pPr algn="ctr"/>
+            <a:r>
+              <a:rPr lang="de-DE" sz="2800" dirty="0" err="1"/>
+              <a:t>Component</a:t>
+            </a:r>
+            <a:r>
+              <a:rPr lang="de-DE" sz="2800" dirty="0"/>
+              <a:t> </a:t>
+            </a:r>
+            <a:r>
+              <a:rPr lang="de-DE" sz="2800" dirty="0" err="1"/>
+              <a:t>Diagram</a:t>
+            </a:r>
+            <a:endParaRPr lang="de-DE" sz="2800" dirty="0"/>
+          </a:p>
+        </p:txBody>
+      </p:sp>
+    </p:spTree>
+    <p:extLst>
+      <p:ext uri="{BB962C8B-B14F-4D97-AF65-F5344CB8AC3E}">
+        <p14:creationId xmlns:p14="http://schemas.microsoft.com/office/powerpoint/2010/main" val="892842283"/>
+      </p:ext>
+    </p:extLst>
+  </p:cSld>
+  <p:clrMapOvr>
+    <a:masterClrMapping/>
+  </p:clrMapOvr>
+</p:sld>
+</file>
+
+<file path=ppt/slides/slide3.xml><?xml version="1.0" encoding="utf-8"?>
+<p:sld xmlns:a="http://schemas.openxmlformats.org/drawingml/2006/main" xmlns:r="http://schemas.openxmlformats.org/officeDocument/2006/relationships" xmlns:p="http://schemas.openxmlformats.org/presentationml/2006/main">
+  <p:cSld>
+    <p:spTree>
+      <p:nvGrpSpPr>
+        <p:cNvPr id="1" name=""/>
+        <p:cNvGrpSpPr/>
+        <p:nvPr/>
+      </p:nvGrpSpPr>
+      <p:grpSpPr>
+        <a:xfrm>
+          <a:off x="0" y="0"/>
+          <a:ext cx="0" cy="0"/>
+          <a:chOff x="0" y="0"/>
+          <a:chExt cx="0" cy="0"/>
+        </a:xfrm>
+      </p:grpSpPr>
+      <p:pic>
+        <p:nvPicPr>
+          <p:cNvPr id="5" name="Grafik 4">
+            <a:extLst>
+              <a:ext uri="{FF2B5EF4-FFF2-40B4-BE49-F238E27FC236}">
+                <a16:creationId xmlns:a16="http://schemas.microsoft.com/office/drawing/2014/main" id="{4DBB700A-6B62-422B-B4F9-4C6C402F0552}"/>
+              </a:ext>
+            </a:extLst>
+          </p:cNvPr>
+          <p:cNvPicPr>
+            <a:picLocks noChangeAspect="1"/>
+          </p:cNvPicPr>
+          <p:nvPr/>
+        </p:nvPicPr>
+        <p:blipFill>
+          <a:blip r:embed="rId2">
+            <a:extLst>
+              <a:ext uri="{28A0092B-C50C-407E-A947-70E740481C1C}">
+                <a14:useLocalDpi xmlns:a14="http://schemas.microsoft.com/office/drawing/2010/main" val="0"/>
+              </a:ext>
+            </a:extLst>
+          </a:blip>
+          <a:stretch>
+            <a:fillRect/>
+          </a:stretch>
+        </p:blipFill>
+        <p:spPr>
+          <a:xfrm>
+            <a:off x="378213" y="2013853"/>
+            <a:ext cx="11525460" cy="4049486"/>
+          </a:xfrm>
+          <a:prstGeom prst="rect">
+            <a:avLst/>
+          </a:prstGeom>
+        </p:spPr>
+      </p:pic>
+      <p:sp>
+        <p:nvSpPr>
+          <p:cNvPr id="6" name="Abgerundetes Rechteck">
+            <a:extLst>
+              <a:ext uri="{FF2B5EF4-FFF2-40B4-BE49-F238E27FC236}">
+                <a16:creationId xmlns:a16="http://schemas.microsoft.com/office/drawing/2014/main" id="{36CCF383-9677-4D38-8F0D-142AF7D578BB}"/>
+              </a:ext>
+            </a:extLst>
+          </p:cNvPr>
+          <p:cNvSpPr/>
+          <p:nvPr/>
+        </p:nvSpPr>
+        <p:spPr>
+          <a:xfrm>
+            <a:off x="10668000" y="318454"/>
+            <a:ext cx="1075668" cy="214601"/>
+          </a:xfrm>
+          <a:prstGeom prst="roundRect">
+            <a:avLst>
+              <a:gd name="adj" fmla="val 23299"/>
+            </a:avLst>
+          </a:prstGeom>
+          <a:solidFill>
+            <a:srgbClr val="9FA1AB"/>
+          </a:solidFill>
+          <a:ln w="12700">
+            <a:miter lim="400000"/>
+          </a:ln>
+        </p:spPr>
+        <p:txBody>
+          <a:bodyPr lIns="50800" tIns="50800" rIns="50800" bIns="50800" anchor="ctr"/>
+          <a:lstStyle/>
+          <a:p>
+            <a:endParaRPr sz="4000">
+              <a:solidFill>
+                <a:srgbClr val="DCDEE0"/>
+              </a:solidFill>
+            </a:endParaRPr>
+          </a:p>
+        </p:txBody>
+      </p:sp>
+      <p:sp>
+        <p:nvSpPr>
+          <p:cNvPr id="7" name="Abgerundetes Rechteck">
+            <a:extLst>
+              <a:ext uri="{FF2B5EF4-FFF2-40B4-BE49-F238E27FC236}">
+                <a16:creationId xmlns:a16="http://schemas.microsoft.com/office/drawing/2014/main" id="{CB596451-7C5E-4E7F-856F-2B91CAD50307}"/>
+              </a:ext>
+            </a:extLst>
+          </p:cNvPr>
+          <p:cNvSpPr/>
+          <p:nvPr/>
+        </p:nvSpPr>
+        <p:spPr>
+          <a:xfrm>
+            <a:off x="10668000" y="585241"/>
+            <a:ext cx="1075668" cy="214600"/>
+          </a:xfrm>
+          <a:prstGeom prst="roundRect">
+            <a:avLst>
+              <a:gd name="adj" fmla="val 23299"/>
+            </a:avLst>
+          </a:prstGeom>
+          <a:solidFill>
+            <a:srgbClr val="505361"/>
+          </a:solidFill>
+          <a:ln w="12700">
+            <a:miter lim="400000"/>
+          </a:ln>
+        </p:spPr>
+        <p:txBody>
+          <a:bodyPr lIns="50800" tIns="50800" rIns="50800" bIns="50800" anchor="ctr"/>
+          <a:lstStyle/>
+          <a:p>
+            <a:endParaRPr sz="4000">
+              <a:solidFill>
+                <a:srgbClr val="DCDEE0"/>
+              </a:solidFill>
+            </a:endParaRPr>
+          </a:p>
+        </p:txBody>
+      </p:sp>
+      <p:sp>
+        <p:nvSpPr>
+          <p:cNvPr id="8" name="Abgerundetes Rechteck">
+            <a:extLst>
+              <a:ext uri="{FF2B5EF4-FFF2-40B4-BE49-F238E27FC236}">
+                <a16:creationId xmlns:a16="http://schemas.microsoft.com/office/drawing/2014/main" id="{B7898448-7DAD-4A7D-A58E-54371C4A8F6F}"/>
+              </a:ext>
+            </a:extLst>
+          </p:cNvPr>
+          <p:cNvSpPr/>
+          <p:nvPr/>
+        </p:nvSpPr>
+        <p:spPr>
+          <a:xfrm>
+            <a:off x="10668000" y="852027"/>
+            <a:ext cx="1075668" cy="214600"/>
+          </a:xfrm>
+          <a:prstGeom prst="roundRect">
+            <a:avLst>
+              <a:gd name="adj" fmla="val 23299"/>
+            </a:avLst>
+          </a:prstGeom>
+          <a:solidFill>
+            <a:srgbClr val="9FA1AB"/>
+          </a:solidFill>
+          <a:ln w="12700">
+            <a:miter lim="400000"/>
+          </a:ln>
+        </p:spPr>
+        <p:txBody>
+          <a:bodyPr lIns="50800" tIns="50800" rIns="50800" bIns="50800" anchor="ctr"/>
+          <a:lstStyle/>
+          <a:p>
+            <a:pPr>
+              <a:defRPr sz="4000">
+                <a:solidFill>
+                  <a:srgbClr val="DCDEE0"/>
+                </a:solidFill>
+              </a:defRPr>
+            </a:pPr>
+            <a:endParaRPr/>
+          </a:p>
+        </p:txBody>
+      </p:sp>
+      <p:sp>
+        <p:nvSpPr>
+          <p:cNvPr id="9" name="Abgerundetes Rechteck">
+            <a:extLst>
+              <a:ext uri="{FF2B5EF4-FFF2-40B4-BE49-F238E27FC236}">
+                <a16:creationId xmlns:a16="http://schemas.microsoft.com/office/drawing/2014/main" id="{8B759912-B34D-42DF-A6D8-0254FBFE513F}"/>
+              </a:ext>
+            </a:extLst>
+          </p:cNvPr>
+          <p:cNvSpPr/>
+          <p:nvPr/>
+        </p:nvSpPr>
+        <p:spPr>
+          <a:xfrm>
+            <a:off x="10668000" y="1118813"/>
+            <a:ext cx="1075668" cy="214600"/>
+          </a:xfrm>
+          <a:prstGeom prst="roundRect">
+            <a:avLst>
+              <a:gd name="adj" fmla="val 23299"/>
+            </a:avLst>
+          </a:prstGeom>
+          <a:solidFill>
+            <a:srgbClr val="9FA1AB"/>
+          </a:solidFill>
+          <a:ln w="12700">
+            <a:miter lim="400000"/>
+          </a:ln>
+        </p:spPr>
+        <p:txBody>
+          <a:bodyPr lIns="50800" tIns="50800" rIns="50800" bIns="50800" anchor="ctr"/>
+          <a:lstStyle/>
+          <a:p>
+            <a:pPr>
+              <a:defRPr sz="4000">
+                <a:solidFill>
+                  <a:srgbClr val="DCDEE0"/>
+                </a:solidFill>
+              </a:defRPr>
+            </a:pPr>
+            <a:endParaRPr/>
+          </a:p>
+        </p:txBody>
+      </p:sp>
+      <p:sp>
+        <p:nvSpPr>
+          <p:cNvPr id="10" name="Abgerundetes Rechteck">
+            <a:extLst>
+              <a:ext uri="{FF2B5EF4-FFF2-40B4-BE49-F238E27FC236}">
+                <a16:creationId xmlns:a16="http://schemas.microsoft.com/office/drawing/2014/main" id="{F845E4E9-E5CE-4718-8A57-6E5660E9D07B}"/>
+              </a:ext>
+            </a:extLst>
+          </p:cNvPr>
+          <p:cNvSpPr/>
+          <p:nvPr/>
+        </p:nvSpPr>
+        <p:spPr>
+          <a:xfrm>
+            <a:off x="10668000" y="1385599"/>
+            <a:ext cx="1075668" cy="214601"/>
+          </a:xfrm>
+          <a:prstGeom prst="roundRect">
+            <a:avLst>
+              <a:gd name="adj" fmla="val 23299"/>
+            </a:avLst>
+          </a:prstGeom>
+          <a:solidFill>
+            <a:srgbClr val="9FA1AB"/>
+          </a:solidFill>
+          <a:ln w="12700">
+            <a:miter lim="400000"/>
+          </a:ln>
+        </p:spPr>
+        <p:txBody>
+          <a:bodyPr lIns="50800" tIns="50800" rIns="50800" bIns="50800" anchor="ctr"/>
+          <a:lstStyle/>
+          <a:p>
+            <a:pPr>
+              <a:defRPr sz="4000">
+                <a:solidFill>
+                  <a:srgbClr val="DCDEE0"/>
+                </a:solidFill>
+              </a:defRPr>
+            </a:pPr>
+            <a:endParaRPr/>
+          </a:p>
+        </p:txBody>
+      </p:sp>
+      <p:sp>
+        <p:nvSpPr>
+          <p:cNvPr id="12" name="Titel 1">
+            <a:extLst>
+              <a:ext uri="{FF2B5EF4-FFF2-40B4-BE49-F238E27FC236}">
+                <a16:creationId xmlns:a16="http://schemas.microsoft.com/office/drawing/2014/main" id="{3602EE40-CE22-467F-A50F-F9B2F6E788F9}"/>
+              </a:ext>
+            </a:extLst>
+          </p:cNvPr>
+          <p:cNvSpPr txBox="1">
+            <a:spLocks/>
+          </p:cNvSpPr>
+          <p:nvPr/>
+        </p:nvSpPr>
+        <p:spPr>
+          <a:xfrm>
+            <a:off x="1524000" y="487489"/>
+            <a:ext cx="9144000" cy="1158276"/>
+          </a:xfrm>
+          <a:prstGeom prst="rect">
+            <a:avLst/>
+          </a:prstGeom>
+        </p:spPr>
+        <p:txBody>
+          <a:bodyPr vert="horz" lIns="91440" tIns="45720" rIns="91440" bIns="45720" rtlCol="0" anchor="ctr">
+            <a:normAutofit/>
+          </a:bodyPr>
+          <a:lstStyle>
+            <a:lvl1pPr algn="l" defTabSz="914400" rtl="0" eaLnBrk="1" latinLnBrk="0" hangingPunct="1">
+              <a:lnSpc>
+                <a:spcPct val="90000"/>
+              </a:lnSpc>
+              <a:spcBef>
+                <a:spcPct val="0"/>
+              </a:spcBef>
+              <a:buNone/>
+              <a:defRPr sz="4400" kern="1200">
+                <a:solidFill>
+                  <a:schemeClr val="tx1"/>
+                </a:solidFill>
+                <a:latin typeface="+mj-lt"/>
+                <a:ea typeface="+mj-ea"/>
+                <a:cs typeface="+mj-cs"/>
+              </a:defRPr>
+            </a:lvl1pPr>
+          </a:lstStyle>
+          <a:p>
+            <a:pPr algn="ctr"/>
+            <a:r>
+              <a:rPr lang="de-DE" dirty="0"/>
+              <a:t>Layer </a:t>
+            </a:r>
+            <a:r>
+              <a:rPr lang="de-DE" dirty="0" err="1"/>
+              <a:t>Assignment</a:t>
+            </a:r>
+            <a:endParaRPr lang="de-DE" dirty="0"/>
+          </a:p>
+          <a:p>
+            <a:pPr algn="ctr"/>
+            <a:r>
+              <a:rPr lang="de-DE" sz="2800" dirty="0" err="1"/>
+              <a:t>Component</a:t>
+            </a:r>
+            <a:r>
+              <a:rPr lang="de-DE" sz="2800" dirty="0"/>
+              <a:t> </a:t>
+            </a:r>
+            <a:r>
+              <a:rPr lang="de-DE" sz="2800" dirty="0" err="1"/>
+              <a:t>Diagram</a:t>
+            </a:r>
+            <a:endParaRPr lang="de-DE" sz="2800" dirty="0"/>
+          </a:p>
+        </p:txBody>
+      </p:sp>
+      <p:sp>
+        <p:nvSpPr>
+          <p:cNvPr id="2" name="Rechteck 1">
+            <a:extLst>
+              <a:ext uri="{FF2B5EF4-FFF2-40B4-BE49-F238E27FC236}">
+                <a16:creationId xmlns:a16="http://schemas.microsoft.com/office/drawing/2014/main" id="{C35B00D6-9F1B-4226-8667-1018FDFF9EEF}"/>
+              </a:ext>
+            </a:extLst>
+          </p:cNvPr>
+          <p:cNvSpPr/>
+          <p:nvPr/>
+        </p:nvSpPr>
+        <p:spPr>
+          <a:xfrm>
+            <a:off x="7155543" y="2592990"/>
+            <a:ext cx="2220686" cy="1026759"/>
+          </a:xfrm>
+          <a:prstGeom prst="rect">
+            <a:avLst/>
+          </a:prstGeom>
+          <a:solidFill>
+            <a:srgbClr val="251658">
+              <a:alpha val="56000"/>
+            </a:srgbClr>
+          </a:solidFill>
+          <a:ln w="38100">
+            <a:solidFill>
+              <a:srgbClr val="251658"/>
+            </a:solidFill>
+          </a:ln>
+        </p:spPr>
+        <p:style>
+          <a:lnRef idx="2">
+            <a:schemeClr val="accent1">
+              <a:shade val="50000"/>
+            </a:schemeClr>
+          </a:lnRef>
+          <a:fillRef idx="1">
+            <a:schemeClr val="accent1"/>
+          </a:fillRef>
+          <a:effectRef idx="0">
+            <a:schemeClr val="accent1"/>
+          </a:effectRef>
+          <a:fontRef idx="minor">
+            <a:schemeClr val="lt1"/>
+          </a:fontRef>
+        </p:style>
+        <p:txBody>
+          <a:bodyPr rtlCol="0" anchor="ctr"/>
+          <a:lstStyle/>
+          <a:p>
+            <a:pPr algn="ctr"/>
+            <a:endParaRPr lang="de-DE"/>
+          </a:p>
+        </p:txBody>
+      </p:sp>
+      <p:sp>
+        <p:nvSpPr>
+          <p:cNvPr id="11" name="Rechteck 10">
+            <a:extLst>
+              <a:ext uri="{FF2B5EF4-FFF2-40B4-BE49-F238E27FC236}">
+                <a16:creationId xmlns:a16="http://schemas.microsoft.com/office/drawing/2014/main" id="{4540EF61-9CAE-43BB-96E7-31E75A8FC1AF}"/>
+              </a:ext>
+            </a:extLst>
+          </p:cNvPr>
+          <p:cNvSpPr/>
+          <p:nvPr/>
+        </p:nvSpPr>
+        <p:spPr>
+          <a:xfrm>
+            <a:off x="9223828" y="3457452"/>
+            <a:ext cx="2365829" cy="1026759"/>
+          </a:xfrm>
+          <a:prstGeom prst="rect">
+            <a:avLst/>
+          </a:prstGeom>
+          <a:solidFill>
+            <a:srgbClr val="781224">
+              <a:alpha val="56000"/>
+            </a:srgbClr>
+          </a:solidFill>
+          <a:ln w="38100">
+            <a:solidFill>
+              <a:srgbClr val="781224"/>
+            </a:solidFill>
+          </a:ln>
+        </p:spPr>
+        <p:style>
+          <a:lnRef idx="2">
+            <a:schemeClr val="accent1">
+              <a:shade val="50000"/>
+            </a:schemeClr>
+          </a:lnRef>
+          <a:fillRef idx="1">
+            <a:schemeClr val="accent1"/>
+          </a:fillRef>
+          <a:effectRef idx="0">
+            <a:schemeClr val="accent1"/>
+          </a:effectRef>
+          <a:fontRef idx="minor">
+            <a:schemeClr val="lt1"/>
+          </a:fontRef>
+        </p:style>
+        <p:txBody>
+          <a:bodyPr rtlCol="0" anchor="ctr"/>
+          <a:lstStyle/>
+          <a:p>
+            <a:pPr algn="ctr"/>
+            <a:endParaRPr lang="de-DE"/>
+          </a:p>
+        </p:txBody>
+      </p:sp>
+      <p:sp>
+        <p:nvSpPr>
+          <p:cNvPr id="13" name="Rechteck 12">
+            <a:extLst>
+              <a:ext uri="{FF2B5EF4-FFF2-40B4-BE49-F238E27FC236}">
+                <a16:creationId xmlns:a16="http://schemas.microsoft.com/office/drawing/2014/main" id="{3AD9772D-64AD-4816-A00D-817ACE318621}"/>
+              </a:ext>
+            </a:extLst>
+          </p:cNvPr>
+          <p:cNvSpPr/>
+          <p:nvPr/>
+        </p:nvSpPr>
+        <p:spPr>
+          <a:xfrm>
+            <a:off x="6995887" y="4297258"/>
+            <a:ext cx="2213428" cy="1026760"/>
+          </a:xfrm>
+          <a:prstGeom prst="rect">
+            <a:avLst/>
+          </a:prstGeom>
+          <a:solidFill>
+            <a:srgbClr val="0E5E26">
+              <a:alpha val="56000"/>
+            </a:srgbClr>
+          </a:solidFill>
+          <a:ln w="38100">
+            <a:solidFill>
+              <a:srgbClr val="0E5E26"/>
+            </a:solidFill>
+          </a:ln>
+        </p:spPr>
+        <p:style>
+          <a:lnRef idx="2">
+            <a:schemeClr val="accent1">
+              <a:shade val="50000"/>
+            </a:schemeClr>
+          </a:lnRef>
+          <a:fillRef idx="1">
+            <a:schemeClr val="accent1"/>
+          </a:fillRef>
+          <a:effectRef idx="0">
+            <a:schemeClr val="accent1"/>
+          </a:effectRef>
+          <a:fontRef idx="minor">
+            <a:schemeClr val="lt1"/>
+          </a:fontRef>
+        </p:style>
+        <p:txBody>
+          <a:bodyPr rtlCol="0" anchor="ctr"/>
+          <a:lstStyle/>
+          <a:p>
+            <a:pPr algn="ctr"/>
+            <a:endParaRPr lang="de-DE"/>
+          </a:p>
+        </p:txBody>
+      </p:sp>
+    </p:spTree>
+    <p:extLst>
+      <p:ext uri="{BB962C8B-B14F-4D97-AF65-F5344CB8AC3E}">
+        <p14:creationId xmlns:p14="http://schemas.microsoft.com/office/powerpoint/2010/main" val="3077203292"/>
+      </p:ext>
+    </p:extLst>
+  </p:cSld>
+  <p:clrMapOvr>
+    <a:masterClrMapping/>
+  </p:clrMapOvr>
+</p:sld>
+</file>
+
+<file path=ppt/slides/slide4.xml><?xml version="1.0" encoding="utf-8"?>
+<p:sld xmlns:a="http://schemas.openxmlformats.org/drawingml/2006/main" xmlns:r="http://schemas.openxmlformats.org/officeDocument/2006/relationships" xmlns:p="http://schemas.openxmlformats.org/presentationml/2006/main">
+  <p:cSld>
+    <p:spTree>
+      <p:nvGrpSpPr>
+        <p:cNvPr id="1" name=""/>
+        <p:cNvGrpSpPr/>
+        <p:nvPr/>
+      </p:nvGrpSpPr>
+      <p:grpSpPr>
+        <a:xfrm>
+          <a:off x="0" y="0"/>
+          <a:ext cx="0" cy="0"/>
+          <a:chOff x="0" y="0"/>
+          <a:chExt cx="0" cy="0"/>
+        </a:xfrm>
+      </p:grpSpPr>
+      <p:sp>
+        <p:nvSpPr>
+          <p:cNvPr id="9" name="Abgerundetes Rechteck">
+            <a:extLst>
+              <a:ext uri="{FF2B5EF4-FFF2-40B4-BE49-F238E27FC236}">
+                <a16:creationId xmlns:a16="http://schemas.microsoft.com/office/drawing/2014/main" id="{8B17BBAF-3379-4898-985D-2D2F84D9F505}"/>
+              </a:ext>
+            </a:extLst>
+          </p:cNvPr>
+          <p:cNvSpPr/>
+          <p:nvPr/>
+        </p:nvSpPr>
+        <p:spPr>
+          <a:xfrm>
+            <a:off x="10668000" y="852027"/>
+            <a:ext cx="1075668" cy="214600"/>
+          </a:xfrm>
+          <a:prstGeom prst="roundRect">
+            <a:avLst>
+              <a:gd name="adj" fmla="val 23299"/>
+            </a:avLst>
+          </a:prstGeom>
+          <a:solidFill>
+            <a:srgbClr val="9FA1AB"/>
+          </a:solidFill>
+          <a:ln w="12700">
+            <a:miter lim="400000"/>
+          </a:ln>
+        </p:spPr>
+        <p:txBody>
+          <a:bodyPr lIns="50800" tIns="50800" rIns="50800" bIns="50800" anchor="ctr"/>
+          <a:lstStyle/>
+          <a:p>
+            <a:pPr>
+              <a:defRPr sz="4000">
+                <a:solidFill>
+                  <a:srgbClr val="DCDEE0"/>
+                </a:solidFill>
+              </a:defRPr>
+            </a:pPr>
+            <a:endParaRPr/>
+          </a:p>
+        </p:txBody>
+      </p:sp>
+      <p:sp>
+        <p:nvSpPr>
+          <p:cNvPr id="10" name="Abgerundetes Rechteck">
+            <a:extLst>
+              <a:ext uri="{FF2B5EF4-FFF2-40B4-BE49-F238E27FC236}">
+                <a16:creationId xmlns:a16="http://schemas.microsoft.com/office/drawing/2014/main" id="{C0394D99-2326-4A1F-AA03-C658AFA296E6}"/>
+              </a:ext>
+            </a:extLst>
+          </p:cNvPr>
+          <p:cNvSpPr/>
+          <p:nvPr/>
+        </p:nvSpPr>
+        <p:spPr>
+          <a:xfrm>
+            <a:off x="10668000" y="1118813"/>
+            <a:ext cx="1075668" cy="214600"/>
+          </a:xfrm>
+          <a:prstGeom prst="roundRect">
+            <a:avLst>
+              <a:gd name="adj" fmla="val 23299"/>
+            </a:avLst>
+          </a:prstGeom>
+          <a:solidFill>
+            <a:srgbClr val="9FA1AB"/>
+          </a:solidFill>
+          <a:ln w="12700">
+            <a:miter lim="400000"/>
+          </a:ln>
+        </p:spPr>
+        <p:txBody>
+          <a:bodyPr lIns="50800" tIns="50800" rIns="50800" bIns="50800" anchor="ctr"/>
+          <a:lstStyle/>
+          <a:p>
+            <a:pPr>
+              <a:defRPr sz="4000">
+                <a:solidFill>
+                  <a:srgbClr val="DCDEE0"/>
+                </a:solidFill>
+              </a:defRPr>
+            </a:pPr>
+            <a:endParaRPr/>
+          </a:p>
+        </p:txBody>
+      </p:sp>
+      <p:sp>
+        <p:nvSpPr>
+          <p:cNvPr id="11" name="Abgerundetes Rechteck">
+            <a:extLst>
+              <a:ext uri="{FF2B5EF4-FFF2-40B4-BE49-F238E27FC236}">
+                <a16:creationId xmlns:a16="http://schemas.microsoft.com/office/drawing/2014/main" id="{EEE6AC7F-6A97-47FB-8503-8F0AF1CB9FC0}"/>
+              </a:ext>
+            </a:extLst>
+          </p:cNvPr>
+          <p:cNvSpPr/>
+          <p:nvPr/>
+        </p:nvSpPr>
+        <p:spPr>
+          <a:xfrm>
+            <a:off x="10668000" y="1385599"/>
+            <a:ext cx="1075668" cy="214601"/>
+          </a:xfrm>
+          <a:prstGeom prst="roundRect">
+            <a:avLst>
+              <a:gd name="adj" fmla="val 23299"/>
+            </a:avLst>
+          </a:prstGeom>
+          <a:solidFill>
+            <a:srgbClr val="9FA1AB"/>
+          </a:solidFill>
+          <a:ln w="12700">
+            <a:miter lim="400000"/>
+          </a:ln>
+        </p:spPr>
+        <p:txBody>
+          <a:bodyPr lIns="50800" tIns="50800" rIns="50800" bIns="50800" anchor="ctr"/>
+          <a:lstStyle/>
+          <a:p>
+            <a:pPr>
+              <a:defRPr sz="4000">
+                <a:solidFill>
+                  <a:srgbClr val="DCDEE0"/>
+                </a:solidFill>
+              </a:defRPr>
+            </a:pPr>
+            <a:endParaRPr/>
+          </a:p>
+        </p:txBody>
+      </p:sp>
+      <p:sp>
+        <p:nvSpPr>
+          <p:cNvPr id="7" name="Abgerundetes Rechteck">
+            <a:extLst>
+              <a:ext uri="{FF2B5EF4-FFF2-40B4-BE49-F238E27FC236}">
+                <a16:creationId xmlns:a16="http://schemas.microsoft.com/office/drawing/2014/main" id="{73697422-D476-45D1-9280-EE2E285D6B24}"/>
+              </a:ext>
+            </a:extLst>
+          </p:cNvPr>
+          <p:cNvSpPr/>
+          <p:nvPr/>
+        </p:nvSpPr>
+        <p:spPr>
+          <a:xfrm>
+            <a:off x="10668000" y="318454"/>
+            <a:ext cx="1075668" cy="214601"/>
+          </a:xfrm>
+          <a:prstGeom prst="roundRect">
+            <a:avLst>
+              <a:gd name="adj" fmla="val 23299"/>
+            </a:avLst>
+          </a:prstGeom>
+          <a:solidFill>
+            <a:srgbClr val="9FA1AB"/>
+          </a:solidFill>
+          <a:ln w="12700">
+            <a:miter lim="400000"/>
+          </a:ln>
+        </p:spPr>
+        <p:txBody>
+          <a:bodyPr lIns="50800" tIns="50800" rIns="50800" bIns="50800" anchor="ctr"/>
+          <a:lstStyle/>
+          <a:p>
+            <a:endParaRPr sz="4000">
+              <a:solidFill>
+                <a:srgbClr val="DCDEE0"/>
+              </a:solidFill>
+            </a:endParaRPr>
+          </a:p>
+        </p:txBody>
+      </p:sp>
+      <p:sp>
+        <p:nvSpPr>
+          <p:cNvPr id="8" name="Abgerundetes Rechteck">
+            <a:extLst>
+              <a:ext uri="{FF2B5EF4-FFF2-40B4-BE49-F238E27FC236}">
+                <a16:creationId xmlns:a16="http://schemas.microsoft.com/office/drawing/2014/main" id="{9611ACC8-E3D6-4C86-AD12-6050C102FD38}"/>
+              </a:ext>
+            </a:extLst>
+          </p:cNvPr>
+          <p:cNvSpPr/>
+          <p:nvPr/>
+        </p:nvSpPr>
+        <p:spPr>
+          <a:xfrm>
+            <a:off x="10668000" y="585241"/>
+            <a:ext cx="1075668" cy="214600"/>
+          </a:xfrm>
+          <a:prstGeom prst="roundRect">
+            <a:avLst>
+              <a:gd name="adj" fmla="val 23299"/>
+            </a:avLst>
+          </a:prstGeom>
+          <a:solidFill>
+            <a:srgbClr val="505361"/>
+          </a:solidFill>
+          <a:ln w="12700">
+            <a:miter lim="400000"/>
+          </a:ln>
+        </p:spPr>
+        <p:txBody>
+          <a:bodyPr lIns="50800" tIns="50800" rIns="50800" bIns="50800" anchor="ctr"/>
+          <a:lstStyle/>
+          <a:p>
+            <a:endParaRPr sz="4000">
+              <a:solidFill>
+                <a:srgbClr val="DCDEE0"/>
+              </a:solidFill>
+            </a:endParaRPr>
+          </a:p>
+        </p:txBody>
+      </p:sp>
+    </p:spTree>
+    <p:extLst>
+      <p:ext uri="{BB962C8B-B14F-4D97-AF65-F5344CB8AC3E}">
+        <p14:creationId xmlns:p14="http://schemas.microsoft.com/office/powerpoint/2010/main" val="157382413"/>
+      </p:ext>
+    </p:extLst>
+  </p:cSld>
+  <p:clrMapOvr>
+    <a:masterClrMapping/>
+  </p:clrMapOvr>
+</p:sld>
+</file>
+
+<file path=ppt/slides/slide5.xml><?xml version="1.0" encoding="utf-8"?>
 <p:sld xmlns:a="http://schemas.openxmlformats.org/drawingml/2006/main" xmlns:r="http://schemas.openxmlformats.org/officeDocument/2006/relationships" xmlns:p="http://schemas.openxmlformats.org/presentationml/2006/main">
   <p:cSld>
     <p:spTree>
@@ -6556,7 +14312,7 @@
     </p:spTree>
     <p:extLst>
       <p:ext uri="{BB962C8B-B14F-4D97-AF65-F5344CB8AC3E}">
-        <p14:creationId xmlns:p14="http://schemas.microsoft.com/office/powerpoint/2010/main" val="157382413"/>
+        <p14:creationId xmlns:p14="http://schemas.microsoft.com/office/powerpoint/2010/main" val="1408372164"/>
       </p:ext>
     </p:extLst>
   </p:cSld>
@@ -6566,7 +14322,7 @@
 </p:sld>
 </file>
 
-<file path=ppt/slides/slide3.xml><?xml version="1.0" encoding="utf-8"?>
+<file path=ppt/slides/slide6.xml><?xml version="1.0" encoding="utf-8"?>
 <p:sld xmlns:a="http://schemas.openxmlformats.org/drawingml/2006/main" xmlns:r="http://schemas.openxmlformats.org/officeDocument/2006/relationships" xmlns:p="http://schemas.openxmlformats.org/presentationml/2006/main">
   <p:cSld>
     <p:spTree>
@@ -7410,7 +15166,7 @@
 </p:sld>
 </file>
 
-<file path=ppt/slides/slide4.xml><?xml version="1.0" encoding="utf-8"?>
+<file path=ppt/slides/slide7.xml><?xml version="1.0" encoding="utf-8"?>
 <p:sld xmlns:a="http://schemas.openxmlformats.org/drawingml/2006/main" xmlns:r="http://schemas.openxmlformats.org/officeDocument/2006/relationships" xmlns:p="http://schemas.openxmlformats.org/presentationml/2006/main">
   <p:cSld>
     <p:spTree>
@@ -8504,7 +16260,7 @@
 </p:sld>
 </file>
 
-<file path=ppt/slides/slide5.xml><?xml version="1.0" encoding="utf-8"?>
+<file path=ppt/slides/slide8.xml><?xml version="1.0" encoding="utf-8"?>
 <p:sld xmlns:a="http://schemas.openxmlformats.org/drawingml/2006/main" xmlns:r="http://schemas.openxmlformats.org/officeDocument/2006/relationships" xmlns:p="http://schemas.openxmlformats.org/presentationml/2006/main">
   <p:cSld>
     <p:spTree>
@@ -9835,7 +17591,7 @@
 </p:sld>
 </file>
 
-<file path=ppt/slides/slide6.xml><?xml version="1.0" encoding="utf-8"?>
+<file path=ppt/slides/slide9.xml><?xml version="1.0" encoding="utf-8"?>
 <p:sld xmlns:a="http://schemas.openxmlformats.org/drawingml/2006/main" xmlns:r="http://schemas.openxmlformats.org/officeDocument/2006/relationships" xmlns:p="http://schemas.openxmlformats.org/presentationml/2006/main">
   <p:cSld>
     <p:spTree>
@@ -10427,7 +18183,7 @@
         </p:nvSpPr>
         <p:spPr>
           <a:xfrm>
-            <a:off x="1133920" y="1659285"/>
+            <a:off x="5004820" y="2138257"/>
             <a:ext cx="2977097" cy="3539430"/>
           </a:xfrm>
           <a:prstGeom prst="rect">
@@ -10584,7 +18340,7 @@
                 <a:latin typeface="Courier New" panose="02070309020205020404" pitchFamily="49" charset="0"/>
                 <a:cs typeface="Courier New" panose="02070309020205020404" pitchFamily="49" charset="0"/>
               </a:rPr>
-              <a:t>  edge n3 n1</a:t>
+              <a:t>  edge n3 n4</a:t>
             </a:r>
           </a:p>
           <a:p>
@@ -10605,7 +18361,7 @@
                 <a:latin typeface="Courier New" panose="02070309020205020404" pitchFamily="49" charset="0"/>
                 <a:cs typeface="Courier New" panose="02070309020205020404" pitchFamily="49" charset="0"/>
               </a:rPr>
-              <a:t> edge n3 n4</a:t>
+              <a:t> edge n2 n4</a:t>
             </a:r>
             <a:endParaRPr lang="de-DE" sz="2800" dirty="0">
               <a:latin typeface="Courier New" panose="02070309020205020404" pitchFamily="49" charset="0"/>
@@ -10628,7 +18384,7 @@
         </p:nvSpPr>
         <p:spPr>
           <a:xfrm>
-            <a:off x="5707739" y="3145378"/>
+            <a:off x="8370333" y="3652785"/>
             <a:ext cx="776521" cy="567244"/>
           </a:xfrm>
           <a:prstGeom prst="rightArrow">
@@ -10695,7 +18451,7 @@
         </p:nvSpPr>
         <p:spPr>
           <a:xfrm>
-            <a:off x="7692568" y="3156151"/>
+            <a:off x="9535270" y="3646362"/>
             <a:ext cx="1828800" cy="523220"/>
           </a:xfrm>
           <a:prstGeom prst="rect">
@@ -10717,1209 +18473,388 @@
           </a:p>
         </p:txBody>
       </p:sp>
-    </p:spTree>
-    <p:extLst>
-      <p:ext uri="{BB962C8B-B14F-4D97-AF65-F5344CB8AC3E}">
-        <p14:creationId xmlns:p14="http://schemas.microsoft.com/office/powerpoint/2010/main" val="3988390877"/>
-      </p:ext>
-    </p:extLst>
-  </p:cSld>
-  <p:clrMapOvr>
-    <a:masterClrMapping/>
-  </p:clrMapOvr>
-</p:sld>
-</file>
-
-<file path=ppt/slides/slide7.xml><?xml version="1.0" encoding="utf-8"?>
-<p:sld xmlns:a="http://schemas.openxmlformats.org/drawingml/2006/main" xmlns:r="http://schemas.openxmlformats.org/officeDocument/2006/relationships" xmlns:p="http://schemas.openxmlformats.org/presentationml/2006/main">
-  <p:cSld>
-    <p:spTree>
-      <p:nvGrpSpPr>
-        <p:cNvPr id="1" name=""/>
-        <p:cNvGrpSpPr/>
-        <p:nvPr/>
-      </p:nvGrpSpPr>
-      <p:grpSpPr>
-        <a:xfrm>
-          <a:off x="0" y="0"/>
-          <a:ext cx="0" cy="0"/>
-          <a:chOff x="0" y="0"/>
-          <a:chExt cx="0" cy="0"/>
-        </a:xfrm>
-      </p:grpSpPr>
-      <p:grpSp>
-        <p:nvGrpSpPr>
-          <p:cNvPr id="12" name="Gruppieren 11">
+      <p:sp>
+        <p:nvSpPr>
+          <p:cNvPr id="79" name="Rechteck 78">
             <a:extLst>
               <a:ext uri="{FF2B5EF4-FFF2-40B4-BE49-F238E27FC236}">
-                <a16:creationId xmlns:a16="http://schemas.microsoft.com/office/drawing/2014/main" id="{1150C0B7-662C-455F-AE20-80D96C5D73DF}"/>
+                <a16:creationId xmlns:a16="http://schemas.microsoft.com/office/drawing/2014/main" id="{26ADADB3-7F06-4EEF-9EDE-1B2443713C11}"/>
               </a:ext>
             </a:extLst>
           </p:cNvPr>
-          <p:cNvGrpSpPr>
-            <a:grpSpLocks noChangeAspect="1"/>
-          </p:cNvGrpSpPr>
+          <p:cNvSpPr/>
           <p:nvPr/>
-        </p:nvGrpSpPr>
-        <p:grpSpPr>
+        </p:nvSpPr>
+        <p:spPr>
           <a:xfrm>
-            <a:off x="217785" y="197006"/>
-            <a:ext cx="1898691" cy="489676"/>
-            <a:chOff x="972000" y="3600000"/>
-            <a:chExt cx="9264707" cy="1904917"/>
+            <a:off x="485820" y="1462026"/>
+            <a:ext cx="3173981" cy="5113397"/>
           </a:xfrm>
-        </p:grpSpPr>
-        <p:grpSp>
-          <p:nvGrpSpPr>
-            <p:cNvPr id="13" name="Gruppieren 12">
-              <a:extLst>
-                <a:ext uri="{FF2B5EF4-FFF2-40B4-BE49-F238E27FC236}">
-                  <a16:creationId xmlns:a16="http://schemas.microsoft.com/office/drawing/2014/main" id="{FBE30E77-90A2-4AE6-B1D4-601DE9836D1A}"/>
-                </a:ext>
-              </a:extLst>
-            </p:cNvPr>
-            <p:cNvGrpSpPr/>
-            <p:nvPr/>
-          </p:nvGrpSpPr>
-          <p:grpSpPr>
-            <a:xfrm>
-              <a:off x="972000" y="3600000"/>
-              <a:ext cx="3442749" cy="1219236"/>
-              <a:chOff x="1065285" y="3182901"/>
-              <a:chExt cx="3442749" cy="1219236"/>
-            </a:xfrm>
-          </p:grpSpPr>
-          <p:sp>
-            <p:nvSpPr>
-              <p:cNvPr id="20" name="Rechteck: eine Ecke abgeschnitten 19">
-                <a:extLst>
-                  <a:ext uri="{FF2B5EF4-FFF2-40B4-BE49-F238E27FC236}">
-                    <a16:creationId xmlns:a16="http://schemas.microsoft.com/office/drawing/2014/main" id="{F85BE369-A563-40ED-95A6-5BC47B28AD55}"/>
-                  </a:ext>
-                </a:extLst>
-              </p:cNvPr>
-              <p:cNvSpPr/>
-              <p:nvPr/>
-            </p:nvSpPr>
-            <p:spPr>
-              <a:xfrm flipV="1">
-                <a:off x="1065285" y="3182901"/>
-                <a:ext cx="3442749" cy="1219236"/>
-              </a:xfrm>
-              <a:prstGeom prst="snip1Rect">
-                <a:avLst>
-                  <a:gd name="adj" fmla="val 50000"/>
-                </a:avLst>
-              </a:prstGeom>
-              <a:solidFill>
-                <a:schemeClr val="bg1">
-                  <a:lumMod val="85000"/>
-                </a:schemeClr>
-              </a:solidFill>
-              <a:ln w="28575">
-                <a:solidFill>
-                  <a:schemeClr val="bg1">
-                    <a:lumMod val="75000"/>
-                  </a:schemeClr>
-                </a:solidFill>
-              </a:ln>
-              <a:effectLst>
-                <a:glow>
-                  <a:schemeClr val="accent4">
-                    <a:lumMod val="20000"/>
-                    <a:lumOff val="80000"/>
-                  </a:schemeClr>
-                </a:glow>
-              </a:effectLst>
-            </p:spPr>
-            <p:style>
-              <a:lnRef idx="2">
-                <a:schemeClr val="accent1">
-                  <a:shade val="50000"/>
-                </a:schemeClr>
-              </a:lnRef>
-              <a:fillRef idx="1">
-                <a:schemeClr val="accent1"/>
-              </a:fillRef>
-              <a:effectRef idx="0">
-                <a:schemeClr val="accent1"/>
-              </a:effectRef>
-              <a:fontRef idx="minor">
-                <a:schemeClr val="lt1"/>
-              </a:fontRef>
-            </p:style>
-            <p:txBody>
-              <a:bodyPr rtlCol="0" anchor="ctr"/>
-              <a:lstStyle/>
-              <a:p>
-                <a:pPr algn="ctr"/>
-                <a:endParaRPr lang="de-DE" dirty="0"/>
-              </a:p>
-            </p:txBody>
-          </p:sp>
-          <p:sp>
-            <p:nvSpPr>
-              <p:cNvPr id="21" name="Rechteck 20">
-                <a:extLst>
-                  <a:ext uri="{FF2B5EF4-FFF2-40B4-BE49-F238E27FC236}">
-                    <a16:creationId xmlns:a16="http://schemas.microsoft.com/office/drawing/2014/main" id="{408D295B-E6B4-4483-8D32-AD81D08807A3}"/>
-                  </a:ext>
-                </a:extLst>
-              </p:cNvPr>
-              <p:cNvSpPr/>
-              <p:nvPr/>
-            </p:nvSpPr>
-            <p:spPr>
-              <a:xfrm>
-                <a:off x="1602562" y="3457072"/>
-                <a:ext cx="2368195" cy="648861"/>
-              </a:xfrm>
-              <a:prstGeom prst="rect">
-                <a:avLst/>
-              </a:prstGeom>
-              <a:noFill/>
-              <a:ln>
-                <a:noFill/>
-              </a:ln>
-            </p:spPr>
-            <p:style>
-              <a:lnRef idx="2">
-                <a:schemeClr val="accent1">
-                  <a:shade val="50000"/>
-                </a:schemeClr>
-              </a:lnRef>
-              <a:fillRef idx="1">
-                <a:schemeClr val="accent1"/>
-              </a:fillRef>
-              <a:effectRef idx="0">
-                <a:schemeClr val="accent1"/>
-              </a:effectRef>
-              <a:fontRef idx="minor">
-                <a:schemeClr val="lt1"/>
-              </a:fontRef>
-            </p:style>
-            <p:txBody>
-              <a:bodyPr rtlCol="0" anchor="ctr"/>
-              <a:lstStyle/>
-              <a:p>
-                <a:pPr algn="ctr"/>
-                <a:endParaRPr lang="de-DE" dirty="0">
-                  <a:solidFill>
-                    <a:srgbClr val="8C81AF"/>
-                  </a:solidFill>
-                </a:endParaRPr>
-              </a:p>
-            </p:txBody>
-          </p:sp>
-        </p:grpSp>
-        <p:grpSp>
-          <p:nvGrpSpPr>
-            <p:cNvPr id="14" name="Gruppieren 13">
-              <a:extLst>
-                <a:ext uri="{FF2B5EF4-FFF2-40B4-BE49-F238E27FC236}">
-                  <a16:creationId xmlns:a16="http://schemas.microsoft.com/office/drawing/2014/main" id="{AE0F1AE7-AC60-4E86-BC9F-3161E50A6077}"/>
-                </a:ext>
-              </a:extLst>
-            </p:cNvPr>
-            <p:cNvGrpSpPr/>
-            <p:nvPr/>
-          </p:nvGrpSpPr>
-          <p:grpSpPr>
-            <a:xfrm>
-              <a:off x="6793960" y="3600000"/>
-              <a:ext cx="3442747" cy="1219236"/>
-              <a:chOff x="6899605" y="3171884"/>
-              <a:chExt cx="3442747" cy="1219236"/>
-            </a:xfrm>
-          </p:grpSpPr>
-          <p:sp>
-            <p:nvSpPr>
-              <p:cNvPr id="18" name="Rechteck: eine Ecke abgeschnitten 17">
-                <a:extLst>
-                  <a:ext uri="{FF2B5EF4-FFF2-40B4-BE49-F238E27FC236}">
-                    <a16:creationId xmlns:a16="http://schemas.microsoft.com/office/drawing/2014/main" id="{4942FE80-3399-4373-8D04-8AEB4994C87B}"/>
-                  </a:ext>
-                </a:extLst>
-              </p:cNvPr>
-              <p:cNvSpPr/>
-              <p:nvPr/>
-            </p:nvSpPr>
-            <p:spPr>
-              <a:xfrm flipH="1" flipV="1">
-                <a:off x="6899605" y="3171884"/>
-                <a:ext cx="3442747" cy="1219236"/>
-              </a:xfrm>
-              <a:prstGeom prst="snip1Rect">
-                <a:avLst>
-                  <a:gd name="adj" fmla="val 50000"/>
-                </a:avLst>
-              </a:prstGeom>
-              <a:solidFill>
-                <a:schemeClr val="bg1">
-                  <a:lumMod val="85000"/>
-                </a:schemeClr>
-              </a:solidFill>
-              <a:ln w="28575">
-                <a:solidFill>
-                  <a:schemeClr val="bg1">
-                    <a:lumMod val="75000"/>
-                  </a:schemeClr>
-                </a:solidFill>
-              </a:ln>
-            </p:spPr>
-            <p:style>
-              <a:lnRef idx="2">
-                <a:schemeClr val="accent1">
-                  <a:shade val="50000"/>
-                </a:schemeClr>
-              </a:lnRef>
-              <a:fillRef idx="1">
-                <a:schemeClr val="accent1"/>
-              </a:fillRef>
-              <a:effectRef idx="0">
-                <a:schemeClr val="accent1"/>
-              </a:effectRef>
-              <a:fontRef idx="minor">
-                <a:schemeClr val="lt1"/>
-              </a:fontRef>
-            </p:style>
-            <p:txBody>
-              <a:bodyPr rtlCol="0" anchor="ctr"/>
-              <a:lstStyle/>
-              <a:p>
-                <a:pPr algn="ctr"/>
-                <a:endParaRPr lang="de-DE" dirty="0"/>
-              </a:p>
-            </p:txBody>
-          </p:sp>
-          <p:sp>
-            <p:nvSpPr>
-              <p:cNvPr id="19" name="Rechteck 18">
-                <a:extLst>
-                  <a:ext uri="{FF2B5EF4-FFF2-40B4-BE49-F238E27FC236}">
-                    <a16:creationId xmlns:a16="http://schemas.microsoft.com/office/drawing/2014/main" id="{30F33098-98CC-46DC-85A4-BA0206A07DC5}"/>
-                  </a:ext>
-                </a:extLst>
-              </p:cNvPr>
-              <p:cNvSpPr/>
-              <p:nvPr/>
-            </p:nvSpPr>
-            <p:spPr>
-              <a:xfrm>
-                <a:off x="7363294" y="3457072"/>
-                <a:ext cx="2549606" cy="648861"/>
-              </a:xfrm>
-              <a:prstGeom prst="rect">
-                <a:avLst/>
-              </a:prstGeom>
-              <a:noFill/>
-              <a:ln>
-                <a:noFill/>
-              </a:ln>
-            </p:spPr>
-            <p:style>
-              <a:lnRef idx="2">
-                <a:schemeClr val="accent1">
-                  <a:shade val="50000"/>
-                </a:schemeClr>
-              </a:lnRef>
-              <a:fillRef idx="1">
-                <a:schemeClr val="accent1"/>
-              </a:fillRef>
-              <a:effectRef idx="0">
-                <a:schemeClr val="accent1"/>
-              </a:effectRef>
-              <a:fontRef idx="minor">
-                <a:schemeClr val="lt1"/>
-              </a:fontRef>
-            </p:style>
-            <p:txBody>
-              <a:bodyPr rtlCol="0" anchor="ctr"/>
-              <a:lstStyle/>
-              <a:p>
-                <a:pPr algn="ctr"/>
-                <a:endParaRPr lang="de-DE" dirty="0">
-                  <a:solidFill>
-                    <a:srgbClr val="84BC95"/>
-                  </a:solidFill>
-                </a:endParaRPr>
-              </a:p>
-            </p:txBody>
-          </p:sp>
-        </p:grpSp>
-        <p:grpSp>
-          <p:nvGrpSpPr>
-            <p:cNvPr id="15" name="Gruppieren 14">
-              <a:extLst>
-                <a:ext uri="{FF2B5EF4-FFF2-40B4-BE49-F238E27FC236}">
-                  <a16:creationId xmlns:a16="http://schemas.microsoft.com/office/drawing/2014/main" id="{FF07A25D-890E-43F0-8BCD-653F2E06FB65}"/>
-                </a:ext>
-              </a:extLst>
-            </p:cNvPr>
-            <p:cNvGrpSpPr/>
-            <p:nvPr/>
-          </p:nvGrpSpPr>
-          <p:grpSpPr>
-            <a:xfrm>
-              <a:off x="3888489" y="4285680"/>
-              <a:ext cx="3442747" cy="1219237"/>
-              <a:chOff x="3991005" y="4281517"/>
-              <a:chExt cx="3442747" cy="1219237"/>
-            </a:xfrm>
-          </p:grpSpPr>
-          <p:sp>
-            <p:nvSpPr>
-              <p:cNvPr id="16" name="Rechteck: obere Ecken abgeschnitten 15">
-                <a:extLst>
-                  <a:ext uri="{FF2B5EF4-FFF2-40B4-BE49-F238E27FC236}">
-                    <a16:creationId xmlns:a16="http://schemas.microsoft.com/office/drawing/2014/main" id="{6F8F6B13-06CE-4686-A0D7-601A4CBF589F}"/>
-                  </a:ext>
-                </a:extLst>
-              </p:cNvPr>
-              <p:cNvSpPr/>
-              <p:nvPr/>
-            </p:nvSpPr>
-            <p:spPr>
-              <a:xfrm>
-                <a:off x="3991005" y="4281517"/>
-                <a:ext cx="3442747" cy="1219237"/>
-              </a:xfrm>
-              <a:prstGeom prst="snip2SameRect">
-                <a:avLst>
-                  <a:gd name="adj1" fmla="val 50000"/>
-                  <a:gd name="adj2" fmla="val 0"/>
-                </a:avLst>
-              </a:prstGeom>
-              <a:solidFill>
-                <a:srgbClr val="781224"/>
-              </a:solidFill>
-              <a:ln w="28575">
-                <a:solidFill>
-                  <a:srgbClr val="EFA8B4"/>
-                </a:solidFill>
-              </a:ln>
-            </p:spPr>
-            <p:style>
-              <a:lnRef idx="2">
-                <a:schemeClr val="accent1">
-                  <a:shade val="50000"/>
-                </a:schemeClr>
-              </a:lnRef>
-              <a:fillRef idx="1">
-                <a:schemeClr val="accent1"/>
-              </a:fillRef>
-              <a:effectRef idx="0">
-                <a:schemeClr val="accent1"/>
-              </a:effectRef>
-              <a:fontRef idx="minor">
-                <a:schemeClr val="lt1"/>
-              </a:fontRef>
-            </p:style>
-            <p:txBody>
-              <a:bodyPr rtlCol="0" anchor="ctr"/>
-              <a:lstStyle/>
-              <a:p>
-                <a:pPr algn="ctr"/>
-                <a:endParaRPr lang="de-DE"/>
-              </a:p>
-            </p:txBody>
-          </p:sp>
-          <p:sp>
-            <p:nvSpPr>
-              <p:cNvPr id="17" name="Rechteck 16">
-                <a:extLst>
-                  <a:ext uri="{FF2B5EF4-FFF2-40B4-BE49-F238E27FC236}">
-                    <a16:creationId xmlns:a16="http://schemas.microsoft.com/office/drawing/2014/main" id="{9F0A0C77-D2AE-4BEE-AE97-C8BB3998D823}"/>
-                  </a:ext>
-                </a:extLst>
-              </p:cNvPr>
-              <p:cNvSpPr/>
-              <p:nvPr/>
-            </p:nvSpPr>
-            <p:spPr>
-              <a:xfrm>
-                <a:off x="4528281" y="4566705"/>
-                <a:ext cx="2368195" cy="648861"/>
-              </a:xfrm>
-              <a:prstGeom prst="rect">
-                <a:avLst/>
-              </a:prstGeom>
-              <a:noFill/>
-              <a:ln>
-                <a:noFill/>
-              </a:ln>
-            </p:spPr>
-            <p:style>
-              <a:lnRef idx="2">
-                <a:schemeClr val="accent1">
-                  <a:shade val="50000"/>
-                </a:schemeClr>
-              </a:lnRef>
-              <a:fillRef idx="1">
-                <a:schemeClr val="accent1"/>
-              </a:fillRef>
-              <a:effectRef idx="0">
-                <a:schemeClr val="accent1"/>
-              </a:effectRef>
-              <a:fontRef idx="minor">
-                <a:schemeClr val="lt1"/>
-              </a:fontRef>
-            </p:style>
-            <p:txBody>
-              <a:bodyPr rtlCol="0" anchor="ctr"/>
-              <a:lstStyle/>
-              <a:p>
-                <a:pPr algn="ctr"/>
-                <a:endParaRPr lang="de-DE" sz="2800" dirty="0">
-                  <a:solidFill>
-                    <a:srgbClr val="EFA8B4"/>
-                  </a:solidFill>
-                </a:endParaRPr>
-              </a:p>
-            </p:txBody>
-          </p:sp>
-        </p:grpSp>
-      </p:grpSp>
-      <p:cxnSp>
-        <p:nvCxnSpPr>
-          <p:cNvPr id="22" name="Gerader Verbinder 21">
-            <a:extLst>
-              <a:ext uri="{FF2B5EF4-FFF2-40B4-BE49-F238E27FC236}">
-                <a16:creationId xmlns:a16="http://schemas.microsoft.com/office/drawing/2014/main" id="{6C3B4B7D-8E2A-44D7-93C4-1241AB679B47}"/>
-              </a:ext>
-            </a:extLst>
-          </p:cNvPr>
-          <p:cNvCxnSpPr>
-            <a:cxnSpLocks/>
-            <a:stCxn id="16" idx="2"/>
-          </p:cNvCxnSpPr>
-          <p:nvPr/>
-        </p:nvCxnSpPr>
-        <p:spPr>
-          <a:xfrm flipH="1">
-            <a:off x="626725" y="529974"/>
-            <a:ext cx="188760" cy="446071"/>
-          </a:xfrm>
-          <a:prstGeom prst="line">
+          <a:prstGeom prst="rect">
             <a:avLst/>
           </a:prstGeom>
-          <a:ln w="28575">
-            <a:solidFill>
-              <a:srgbClr val="EFA8B4"/>
-            </a:solidFill>
+          <a:solidFill>
+            <a:srgbClr val="251658">
+              <a:alpha val="34000"/>
+            </a:srgbClr>
+          </a:solidFill>
+          <a:ln>
+            <a:noFill/>
           </a:ln>
         </p:spPr>
         <p:style>
-          <a:lnRef idx="1">
-            <a:schemeClr val="accent1"/>
+          <a:lnRef idx="2">
+            <a:schemeClr val="accent1">
+              <a:shade val="50000"/>
+            </a:schemeClr>
           </a:lnRef>
-          <a:fillRef idx="0">
+          <a:fillRef idx="1">
             <a:schemeClr val="accent1"/>
           </a:fillRef>
           <a:effectRef idx="0">
             <a:schemeClr val="accent1"/>
           </a:effectRef>
           <a:fontRef idx="minor">
-            <a:schemeClr val="tx1"/>
+            <a:schemeClr val="lt1"/>
           </a:fontRef>
         </p:style>
-      </p:cxnSp>
-      <p:cxnSp>
-        <p:nvCxnSpPr>
-          <p:cNvPr id="23" name="Gerader Verbinder 22">
+        <p:txBody>
+          <a:bodyPr rtlCol="0" anchor="t"/>
+          <a:lstStyle/>
+          <a:p>
+            <a:endParaRPr lang="de-DE" sz="2000" b="1" dirty="0">
+              <a:solidFill>
+                <a:schemeClr val="tx1"/>
+              </a:solidFill>
+            </a:endParaRPr>
+          </a:p>
+          <a:p>
+            <a:pPr marL="342900" indent="-255588">
+              <a:buFont typeface="Arial" panose="020B0604020202020204" pitchFamily="34" charset="0"/>
+              <a:buChar char="•"/>
+            </a:pPr>
+            <a:endParaRPr lang="de-DE" sz="2000" b="1" dirty="0">
+              <a:solidFill>
+                <a:schemeClr val="tx1"/>
+              </a:solidFill>
+            </a:endParaRPr>
+          </a:p>
+          <a:p>
+            <a:pPr marL="342900" indent="-255588">
+              <a:buFont typeface="Arial" panose="020B0604020202020204" pitchFamily="34" charset="0"/>
+              <a:buChar char="•"/>
+            </a:pPr>
+            <a:endParaRPr lang="de-DE" sz="2000" b="1" dirty="0">
+              <a:solidFill>
+                <a:schemeClr val="tx1"/>
+              </a:solidFill>
+            </a:endParaRPr>
+          </a:p>
+          <a:p>
+            <a:pPr marL="342900" indent="-255588">
+              <a:buFont typeface="Arial" panose="020B0604020202020204" pitchFamily="34" charset="0"/>
+              <a:buChar char="•"/>
+            </a:pPr>
+            <a:endParaRPr lang="de-DE" sz="2000" b="1" dirty="0">
+              <a:solidFill>
+                <a:schemeClr val="tx1"/>
+              </a:solidFill>
+            </a:endParaRPr>
+          </a:p>
+          <a:p>
+            <a:pPr marL="342900" indent="-255588">
+              <a:buFont typeface="Arial" panose="020B0604020202020204" pitchFamily="34" charset="0"/>
+              <a:buChar char="•"/>
+            </a:pPr>
+            <a:endParaRPr lang="de-DE" sz="2000" b="1" dirty="0">
+              <a:solidFill>
+                <a:schemeClr val="tx1"/>
+              </a:solidFill>
+            </a:endParaRPr>
+          </a:p>
+          <a:p>
+            <a:pPr marL="342900" indent="-255588">
+              <a:buFont typeface="Arial" panose="020B0604020202020204" pitchFamily="34" charset="0"/>
+              <a:buChar char="•"/>
+            </a:pPr>
+            <a:r>
+              <a:rPr lang="de-DE" sz="2000" b="1" dirty="0">
+                <a:solidFill>
+                  <a:schemeClr val="tx1"/>
+                </a:solidFill>
+              </a:rPr>
+              <a:t>Textformat für Graphen</a:t>
+            </a:r>
+          </a:p>
+          <a:p>
+            <a:pPr marL="342900" indent="-255588">
+              <a:buFont typeface="Arial" panose="020B0604020202020204" pitchFamily="34" charset="0"/>
+              <a:buChar char="•"/>
+            </a:pPr>
+            <a:endParaRPr lang="de-DE" sz="2000" b="1" dirty="0">
+              <a:solidFill>
+                <a:schemeClr val="tx1"/>
+              </a:solidFill>
+            </a:endParaRPr>
+          </a:p>
+          <a:p>
+            <a:pPr marL="342900" indent="-255588">
+              <a:buFont typeface="Arial" panose="020B0604020202020204" pitchFamily="34" charset="0"/>
+              <a:buChar char="•"/>
+            </a:pPr>
+            <a:r>
+              <a:rPr lang="de-DE" sz="2000" b="1" dirty="0">
+                <a:solidFill>
+                  <a:schemeClr val="tx1"/>
+                </a:solidFill>
+              </a:rPr>
+              <a:t>Textformat in </a:t>
+            </a:r>
+            <a:r>
+              <a:rPr lang="de-DE" sz="2000" b="1" dirty="0" err="1">
+                <a:solidFill>
+                  <a:schemeClr val="tx1"/>
+                </a:solidFill>
+              </a:rPr>
+              <a:t>ElkGraph</a:t>
+            </a:r>
+            <a:r>
+              <a:rPr lang="de-DE" sz="2000" b="1" dirty="0">
+                <a:solidFill>
+                  <a:schemeClr val="tx1"/>
+                </a:solidFill>
+              </a:rPr>
+              <a:t> übersetzen</a:t>
+            </a:r>
+          </a:p>
+          <a:p>
+            <a:pPr marL="342900" indent="-255588">
+              <a:buFont typeface="Arial" panose="020B0604020202020204" pitchFamily="34" charset="0"/>
+              <a:buChar char="•"/>
+            </a:pPr>
+            <a:endParaRPr lang="de-DE" sz="2000" b="1" dirty="0">
+              <a:solidFill>
+                <a:schemeClr val="tx1"/>
+              </a:solidFill>
+            </a:endParaRPr>
+          </a:p>
+          <a:p>
+            <a:pPr marL="342900" indent="-255588">
+              <a:buFont typeface="Arial" panose="020B0604020202020204" pitchFamily="34" charset="0"/>
+              <a:buChar char="•"/>
+            </a:pPr>
+            <a:r>
+              <a:rPr lang="de-DE" sz="2000" b="1" dirty="0">
+                <a:solidFill>
+                  <a:schemeClr val="tx1"/>
+                </a:solidFill>
+              </a:rPr>
+              <a:t>Error Handling</a:t>
+            </a:r>
+          </a:p>
+          <a:p>
+            <a:pPr marL="342900" indent="-255588">
+              <a:buFont typeface="Arial" panose="020B0604020202020204" pitchFamily="34" charset="0"/>
+              <a:buChar char="•"/>
+            </a:pPr>
+            <a:endParaRPr lang="de-DE" sz="2000" b="1" dirty="0">
+              <a:solidFill>
+                <a:schemeClr val="tx1"/>
+              </a:solidFill>
+            </a:endParaRPr>
+          </a:p>
+          <a:p>
+            <a:pPr marL="342900" indent="-255588">
+              <a:buFont typeface="Arial" panose="020B0604020202020204" pitchFamily="34" charset="0"/>
+              <a:buChar char="•"/>
+            </a:pPr>
+            <a:r>
+              <a:rPr lang="de-DE" sz="2000" b="1" dirty="0">
+                <a:solidFill>
+                  <a:schemeClr val="tx1"/>
+                </a:solidFill>
+              </a:rPr>
+              <a:t>Cycle </a:t>
+            </a:r>
+            <a:r>
+              <a:rPr lang="de-DE" sz="2000" b="1" dirty="0" err="1">
+                <a:solidFill>
+                  <a:schemeClr val="tx1"/>
+                </a:solidFill>
+              </a:rPr>
+              <a:t>breaking</a:t>
+            </a:r>
+            <a:endParaRPr lang="de-DE" sz="2000" b="1" dirty="0">
+              <a:solidFill>
+                <a:schemeClr val="tx1"/>
+              </a:solidFill>
+            </a:endParaRPr>
+          </a:p>
+          <a:p>
+            <a:pPr marL="342900" indent="-342900">
+              <a:buFont typeface="Arial" panose="020B0604020202020204" pitchFamily="34" charset="0"/>
+              <a:buChar char="•"/>
+            </a:pPr>
+            <a:endParaRPr lang="de-DE" sz="2400" dirty="0">
+              <a:solidFill>
+                <a:schemeClr val="tx1"/>
+              </a:solidFill>
+            </a:endParaRPr>
+          </a:p>
+        </p:txBody>
+      </p:sp>
+      <p:grpSp>
+        <p:nvGrpSpPr>
+          <p:cNvPr id="80" name="Gruppieren 79">
             <a:extLst>
               <a:ext uri="{FF2B5EF4-FFF2-40B4-BE49-F238E27FC236}">
-                <a16:creationId xmlns:a16="http://schemas.microsoft.com/office/drawing/2014/main" id="{676E21BB-72D2-4BDB-B5B1-43D6EE503AF3}"/>
+                <a16:creationId xmlns:a16="http://schemas.microsoft.com/office/drawing/2014/main" id="{58F6F527-C7B7-404C-BFF7-A55E589FC62F}"/>
               </a:ext>
             </a:extLst>
           </p:cNvPr>
-          <p:cNvCxnSpPr/>
-          <p:nvPr/>
-        </p:nvCxnSpPr>
-        <p:spPr>
-          <a:xfrm>
-            <a:off x="616449" y="976045"/>
-            <a:ext cx="1828800" cy="0"/>
-          </a:xfrm>
-          <a:prstGeom prst="line">
-            <a:avLst/>
-          </a:prstGeom>
-          <a:ln w="28575">
-            <a:solidFill>
-              <a:srgbClr val="EFA8B4"/>
-            </a:solidFill>
-          </a:ln>
-        </p:spPr>
-        <p:style>
-          <a:lnRef idx="1">
-            <a:schemeClr val="accent1"/>
-          </a:lnRef>
-          <a:fillRef idx="0">
-            <a:schemeClr val="accent1"/>
-          </a:fillRef>
-          <a:effectRef idx="0">
-            <a:schemeClr val="accent1"/>
-          </a:effectRef>
-          <a:fontRef idx="minor">
-            <a:schemeClr val="tx1"/>
-          </a:fontRef>
-        </p:style>
-      </p:cxnSp>
-      <p:sp>
-        <p:nvSpPr>
-          <p:cNvPr id="26" name="Textfeld 25">
-            <a:extLst>
-              <a:ext uri="{FF2B5EF4-FFF2-40B4-BE49-F238E27FC236}">
-                <a16:creationId xmlns:a16="http://schemas.microsoft.com/office/drawing/2014/main" id="{4D067D55-D48F-4817-B87E-75B98E8085DE}"/>
-              </a:ext>
-            </a:extLst>
-          </p:cNvPr>
-          <p:cNvSpPr txBox="1"/>
-          <p:nvPr/>
-        </p:nvSpPr>
-        <p:spPr>
-          <a:xfrm>
-            <a:off x="752552" y="646623"/>
-            <a:ext cx="1704441" cy="369332"/>
-          </a:xfrm>
-          <a:prstGeom prst="rect">
-            <a:avLst/>
-          </a:prstGeom>
-          <a:noFill/>
-        </p:spPr>
-        <p:txBody>
-          <a:bodyPr wrap="none" rtlCol="0">
-            <a:spAutoFit/>
-          </a:bodyPr>
-          <a:lstStyle/>
-          <a:p>
-            <a:r>
-              <a:rPr lang="de-DE" dirty="0" err="1">
-                <a:solidFill>
-                  <a:srgbClr val="781224"/>
-                </a:solidFill>
-              </a:rPr>
-              <a:t>Assigning</a:t>
-            </a:r>
-            <a:r>
-              <a:rPr lang="de-DE" dirty="0">
-                <a:solidFill>
-                  <a:srgbClr val="781224"/>
-                </a:solidFill>
-              </a:rPr>
-              <a:t> </a:t>
-            </a:r>
-            <a:r>
-              <a:rPr lang="de-DE" dirty="0" err="1">
-                <a:solidFill>
-                  <a:srgbClr val="781224"/>
-                </a:solidFill>
-              </a:rPr>
-              <a:t>Layers</a:t>
-            </a:r>
-            <a:endParaRPr lang="de-DE" dirty="0">
-              <a:solidFill>
-                <a:srgbClr val="781224"/>
-              </a:solidFill>
-            </a:endParaRPr>
-          </a:p>
-        </p:txBody>
-      </p:sp>
-    </p:spTree>
-    <p:extLst>
-      <p:ext uri="{BB962C8B-B14F-4D97-AF65-F5344CB8AC3E}">
-        <p14:creationId xmlns:p14="http://schemas.microsoft.com/office/powerpoint/2010/main" val="1915824048"/>
-      </p:ext>
-    </p:extLst>
-  </p:cSld>
-  <p:clrMapOvr>
-    <a:masterClrMapping/>
-  </p:clrMapOvr>
-</p:sld>
-</file>
-
-<file path=ppt/slides/slide8.xml><?xml version="1.0" encoding="utf-8"?>
-<p:sld xmlns:a="http://schemas.openxmlformats.org/drawingml/2006/main" xmlns:r="http://schemas.openxmlformats.org/officeDocument/2006/relationships" xmlns:p="http://schemas.openxmlformats.org/presentationml/2006/main">
-  <p:cSld>
-    <p:spTree>
-      <p:nvGrpSpPr>
-        <p:cNvPr id="1" name=""/>
-        <p:cNvGrpSpPr/>
-        <p:nvPr/>
-      </p:nvGrpSpPr>
-      <p:grpSpPr>
-        <a:xfrm>
-          <a:off x="0" y="0"/>
-          <a:ext cx="0" cy="0"/>
-          <a:chOff x="0" y="0"/>
-          <a:chExt cx="0" cy="0"/>
-        </a:xfrm>
-      </p:grpSpPr>
-      <p:grpSp>
-        <p:nvGrpSpPr>
-          <p:cNvPr id="22" name="Gruppieren 21">
-            <a:extLst>
-              <a:ext uri="{FF2B5EF4-FFF2-40B4-BE49-F238E27FC236}">
-                <a16:creationId xmlns:a16="http://schemas.microsoft.com/office/drawing/2014/main" id="{40CE0BBD-44C5-47C4-A744-EFE3C600CD6E}"/>
-              </a:ext>
-            </a:extLst>
-          </p:cNvPr>
-          <p:cNvGrpSpPr>
-            <a:grpSpLocks noChangeAspect="1"/>
-          </p:cNvGrpSpPr>
+          <p:cNvGrpSpPr/>
           <p:nvPr/>
         </p:nvGrpSpPr>
         <p:grpSpPr>
           <a:xfrm>
-            <a:off x="217785" y="197006"/>
-            <a:ext cx="1898691" cy="489676"/>
-            <a:chOff x="972000" y="3600000"/>
-            <a:chExt cx="9264707" cy="1904917"/>
+            <a:off x="619412" y="1564976"/>
+            <a:ext cx="2906794" cy="1092972"/>
+            <a:chOff x="1065285" y="3182901"/>
+            <a:chExt cx="3442749" cy="1219236"/>
           </a:xfrm>
+          <a:solidFill>
+            <a:srgbClr val="251658"/>
+          </a:solidFill>
         </p:grpSpPr>
-        <p:grpSp>
-          <p:nvGrpSpPr>
-            <p:cNvPr id="23" name="Gruppieren 22">
+        <p:sp>
+          <p:nvSpPr>
+            <p:cNvPr id="81" name="Rechteck: eine Ecke abgeschnitten 80">
               <a:extLst>
                 <a:ext uri="{FF2B5EF4-FFF2-40B4-BE49-F238E27FC236}">
-                  <a16:creationId xmlns:a16="http://schemas.microsoft.com/office/drawing/2014/main" id="{D04F0537-5D4E-4C7B-942A-CEBDC65AAC3B}"/>
+                  <a16:creationId xmlns:a16="http://schemas.microsoft.com/office/drawing/2014/main" id="{E5DB021B-0E7E-4EA1-B0F1-4C50F96B17F9}"/>
                 </a:ext>
               </a:extLst>
             </p:cNvPr>
-            <p:cNvGrpSpPr/>
+            <p:cNvSpPr/>
             <p:nvPr/>
-          </p:nvGrpSpPr>
-          <p:grpSpPr>
+          </p:nvSpPr>
+          <p:spPr>
+            <a:xfrm flipV="1">
+              <a:off x="1065285" y="3182901"/>
+              <a:ext cx="3442749" cy="1219236"/>
+            </a:xfrm>
+            <a:prstGeom prst="snip1Rect">
+              <a:avLst>
+                <a:gd name="adj" fmla="val 50000"/>
+              </a:avLst>
+            </a:prstGeom>
+            <a:grpFill/>
+            <a:ln w="28575">
+              <a:solidFill>
+                <a:srgbClr val="8C81AF"/>
+              </a:solidFill>
+            </a:ln>
+            <a:effectLst>
+              <a:glow>
+                <a:schemeClr val="accent4">
+                  <a:lumMod val="20000"/>
+                  <a:lumOff val="80000"/>
+                </a:schemeClr>
+              </a:glow>
+            </a:effectLst>
+          </p:spPr>
+          <p:style>
+            <a:lnRef idx="2">
+              <a:schemeClr val="accent1">
+                <a:shade val="50000"/>
+              </a:schemeClr>
+            </a:lnRef>
+            <a:fillRef idx="1">
+              <a:schemeClr val="accent1"/>
+            </a:fillRef>
+            <a:effectRef idx="0">
+              <a:schemeClr val="accent1"/>
+            </a:effectRef>
+            <a:fontRef idx="minor">
+              <a:schemeClr val="lt1"/>
+            </a:fontRef>
+          </p:style>
+          <p:txBody>
+            <a:bodyPr rtlCol="0" anchor="ctr"/>
+            <a:lstStyle/>
+            <a:p>
+              <a:pPr algn="ctr"/>
+              <a:endParaRPr lang="de-DE" dirty="0"/>
+            </a:p>
+          </p:txBody>
+        </p:sp>
+        <p:sp>
+          <p:nvSpPr>
+            <p:cNvPr id="82" name="Rechteck 81">
+              <a:extLst>
+                <a:ext uri="{FF2B5EF4-FFF2-40B4-BE49-F238E27FC236}">
+                  <a16:creationId xmlns:a16="http://schemas.microsoft.com/office/drawing/2014/main" id="{569AAE2E-13C7-4DFE-A5E9-CE8D158B58A3}"/>
+                </a:ext>
+              </a:extLst>
+            </p:cNvPr>
+            <p:cNvSpPr/>
+            <p:nvPr/>
+          </p:nvSpPr>
+          <p:spPr>
             <a:xfrm>
-              <a:off x="972000" y="3600000"/>
-              <a:ext cx="3442749" cy="1219236"/>
-              <a:chOff x="1065285" y="3182901"/>
-              <a:chExt cx="3442749" cy="1219236"/>
+              <a:off x="1602562" y="3457072"/>
+              <a:ext cx="2368195" cy="648861"/>
             </a:xfrm>
-          </p:grpSpPr>
-          <p:sp>
-            <p:nvSpPr>
-              <p:cNvPr id="30" name="Rechteck: eine Ecke abgeschnitten 29">
-                <a:extLst>
-                  <a:ext uri="{FF2B5EF4-FFF2-40B4-BE49-F238E27FC236}">
-                    <a16:creationId xmlns:a16="http://schemas.microsoft.com/office/drawing/2014/main" id="{3B8E4723-7F96-446D-95C1-1A617709DF03}"/>
-                  </a:ext>
-                </a:extLst>
-              </p:cNvPr>
-              <p:cNvSpPr/>
-              <p:nvPr/>
-            </p:nvSpPr>
-            <p:spPr>
-              <a:xfrm flipV="1">
-                <a:off x="1065285" y="3182901"/>
-                <a:ext cx="3442749" cy="1219236"/>
-              </a:xfrm>
-              <a:prstGeom prst="snip1Rect">
-                <a:avLst>
-                  <a:gd name="adj" fmla="val 50000"/>
-                </a:avLst>
-              </a:prstGeom>
-              <a:solidFill>
-                <a:schemeClr val="bg1">
-                  <a:lumMod val="85000"/>
-                </a:schemeClr>
-              </a:solidFill>
-              <a:ln w="28575">
-                <a:solidFill>
-                  <a:schemeClr val="bg1">
-                    <a:lumMod val="75000"/>
-                  </a:schemeClr>
-                </a:solidFill>
-              </a:ln>
-              <a:effectLst>
-                <a:glow>
-                  <a:schemeClr val="accent4">
-                    <a:lumMod val="20000"/>
-                    <a:lumOff val="80000"/>
-                  </a:schemeClr>
-                </a:glow>
-              </a:effectLst>
-            </p:spPr>
-            <p:style>
-              <a:lnRef idx="2">
-                <a:schemeClr val="accent1">
-                  <a:shade val="50000"/>
-                </a:schemeClr>
-              </a:lnRef>
-              <a:fillRef idx="1">
-                <a:schemeClr val="accent1"/>
-              </a:fillRef>
-              <a:effectRef idx="0">
-                <a:schemeClr val="accent1"/>
-              </a:effectRef>
-              <a:fontRef idx="minor">
-                <a:schemeClr val="lt1"/>
-              </a:fontRef>
-            </p:style>
-            <p:txBody>
-              <a:bodyPr rtlCol="0" anchor="ctr"/>
-              <a:lstStyle/>
-              <a:p>
-                <a:pPr algn="ctr"/>
-                <a:endParaRPr lang="de-DE" dirty="0"/>
-              </a:p>
-            </p:txBody>
-          </p:sp>
-          <p:sp>
-            <p:nvSpPr>
-              <p:cNvPr id="31" name="Rechteck 30">
-                <a:extLst>
-                  <a:ext uri="{FF2B5EF4-FFF2-40B4-BE49-F238E27FC236}">
-                    <a16:creationId xmlns:a16="http://schemas.microsoft.com/office/drawing/2014/main" id="{98EB074F-2E8B-41B7-8A6A-1A97866AB12A}"/>
-                  </a:ext>
-                </a:extLst>
-              </p:cNvPr>
-              <p:cNvSpPr/>
-              <p:nvPr/>
-            </p:nvSpPr>
-            <p:spPr>
-              <a:xfrm>
-                <a:off x="1602562" y="3457072"/>
-                <a:ext cx="2368195" cy="648861"/>
-              </a:xfrm>
-              <a:prstGeom prst="rect">
-                <a:avLst/>
-              </a:prstGeom>
+            <a:prstGeom prst="rect">
+              <a:avLst/>
+            </a:prstGeom>
+            <a:grpFill/>
+            <a:ln>
               <a:noFill/>
-              <a:ln>
-                <a:noFill/>
-              </a:ln>
-            </p:spPr>
-            <p:style>
-              <a:lnRef idx="2">
-                <a:schemeClr val="accent1">
-                  <a:shade val="50000"/>
-                </a:schemeClr>
-              </a:lnRef>
-              <a:fillRef idx="1">
-                <a:schemeClr val="accent1"/>
-              </a:fillRef>
-              <a:effectRef idx="0">
-                <a:schemeClr val="accent1"/>
-              </a:effectRef>
-              <a:fontRef idx="minor">
-                <a:schemeClr val="lt1"/>
-              </a:fontRef>
-            </p:style>
-            <p:txBody>
-              <a:bodyPr rtlCol="0" anchor="ctr"/>
-              <a:lstStyle/>
-              <a:p>
-                <a:pPr algn="ctr"/>
-                <a:endParaRPr lang="de-DE" dirty="0">
+            </a:ln>
+          </p:spPr>
+          <p:style>
+            <a:lnRef idx="2">
+              <a:schemeClr val="accent1">
+                <a:shade val="50000"/>
+              </a:schemeClr>
+            </a:lnRef>
+            <a:fillRef idx="1">
+              <a:schemeClr val="accent1"/>
+            </a:fillRef>
+            <a:effectRef idx="0">
+              <a:schemeClr val="accent1"/>
+            </a:effectRef>
+            <a:fontRef idx="minor">
+              <a:schemeClr val="lt1"/>
+            </a:fontRef>
+          </p:style>
+          <p:txBody>
+            <a:bodyPr rtlCol="0" anchor="ctr"/>
+            <a:lstStyle/>
+            <a:p>
+              <a:pPr algn="ctr"/>
+              <a:r>
+                <a:rPr lang="de-DE" sz="2800" dirty="0" err="1">
                   <a:solidFill>
                     <a:srgbClr val="8C81AF"/>
                   </a:solidFill>
-                </a:endParaRPr>
-              </a:p>
-            </p:txBody>
-          </p:sp>
-        </p:grpSp>
-        <p:grpSp>
-          <p:nvGrpSpPr>
-            <p:cNvPr id="24" name="Gruppieren 23">
-              <a:extLst>
-                <a:ext uri="{FF2B5EF4-FFF2-40B4-BE49-F238E27FC236}">
-                  <a16:creationId xmlns:a16="http://schemas.microsoft.com/office/drawing/2014/main" id="{B8E6D886-A02B-4159-BE79-C9773FAD6C3A}"/>
-                </a:ext>
-              </a:extLst>
-            </p:cNvPr>
-            <p:cNvGrpSpPr/>
-            <p:nvPr/>
-          </p:nvGrpSpPr>
-          <p:grpSpPr>
-            <a:xfrm>
-              <a:off x="6793960" y="3600000"/>
-              <a:ext cx="3442747" cy="1219236"/>
-              <a:chOff x="6899605" y="3171884"/>
-              <a:chExt cx="3442747" cy="1219236"/>
-            </a:xfrm>
-          </p:grpSpPr>
-          <p:sp>
-            <p:nvSpPr>
-              <p:cNvPr id="28" name="Rechteck: eine Ecke abgeschnitten 27">
-                <a:extLst>
-                  <a:ext uri="{FF2B5EF4-FFF2-40B4-BE49-F238E27FC236}">
-                    <a16:creationId xmlns:a16="http://schemas.microsoft.com/office/drawing/2014/main" id="{17C74BBF-BDE6-45CF-9F75-8997B793E3F8}"/>
-                  </a:ext>
-                </a:extLst>
-              </p:cNvPr>
-              <p:cNvSpPr/>
-              <p:nvPr/>
-            </p:nvSpPr>
-            <p:spPr>
-              <a:xfrm flipH="1" flipV="1">
-                <a:off x="6899605" y="3171884"/>
-                <a:ext cx="3442747" cy="1219236"/>
-              </a:xfrm>
-              <a:prstGeom prst="snip1Rect">
-                <a:avLst>
-                  <a:gd name="adj" fmla="val 50000"/>
-                </a:avLst>
-              </a:prstGeom>
-              <a:solidFill>
-                <a:srgbClr val="0E5E26"/>
-              </a:solidFill>
-              <a:ln w="28575">
-                <a:solidFill>
-                  <a:srgbClr val="84BC95"/>
-                </a:solidFill>
-              </a:ln>
-            </p:spPr>
-            <p:style>
-              <a:lnRef idx="2">
-                <a:schemeClr val="accent1">
-                  <a:shade val="50000"/>
-                </a:schemeClr>
-              </a:lnRef>
-              <a:fillRef idx="1">
-                <a:schemeClr val="accent1"/>
-              </a:fillRef>
-              <a:effectRef idx="0">
-                <a:schemeClr val="accent1"/>
-              </a:effectRef>
-              <a:fontRef idx="minor">
-                <a:schemeClr val="lt1"/>
-              </a:fontRef>
-            </p:style>
-            <p:txBody>
-              <a:bodyPr rtlCol="0" anchor="ctr"/>
-              <a:lstStyle/>
-              <a:p>
-                <a:pPr algn="ctr"/>
-                <a:endParaRPr lang="de-DE" dirty="0"/>
-              </a:p>
-            </p:txBody>
-          </p:sp>
-          <p:sp>
-            <p:nvSpPr>
-              <p:cNvPr id="29" name="Rechteck 28">
-                <a:extLst>
-                  <a:ext uri="{FF2B5EF4-FFF2-40B4-BE49-F238E27FC236}">
-                    <a16:creationId xmlns:a16="http://schemas.microsoft.com/office/drawing/2014/main" id="{0E1C997B-7D31-4845-977D-EC930CB89CF1}"/>
-                  </a:ext>
-                </a:extLst>
-              </p:cNvPr>
-              <p:cNvSpPr/>
-              <p:nvPr/>
-            </p:nvSpPr>
-            <p:spPr>
-              <a:xfrm>
-                <a:off x="7363294" y="3457072"/>
-                <a:ext cx="2549606" cy="648861"/>
-              </a:xfrm>
-              <a:prstGeom prst="rect">
-                <a:avLst/>
-              </a:prstGeom>
-              <a:noFill/>
-              <a:ln>
-                <a:noFill/>
-              </a:ln>
-            </p:spPr>
-            <p:style>
-              <a:lnRef idx="2">
-                <a:schemeClr val="accent1">
-                  <a:shade val="50000"/>
-                </a:schemeClr>
-              </a:lnRef>
-              <a:fillRef idx="1">
-                <a:schemeClr val="accent1"/>
-              </a:fillRef>
-              <a:effectRef idx="0">
-                <a:schemeClr val="accent1"/>
-              </a:effectRef>
-              <a:fontRef idx="minor">
-                <a:schemeClr val="lt1"/>
-              </a:fontRef>
-            </p:style>
-            <p:txBody>
-              <a:bodyPr rtlCol="0" anchor="ctr"/>
-              <a:lstStyle/>
-              <a:p>
-                <a:pPr algn="ctr"/>
-                <a:endParaRPr lang="de-DE" dirty="0">
-                  <a:solidFill>
-                    <a:srgbClr val="84BC95"/>
-                  </a:solidFill>
-                </a:endParaRPr>
-              </a:p>
-            </p:txBody>
-          </p:sp>
-        </p:grpSp>
-        <p:grpSp>
-          <p:nvGrpSpPr>
-            <p:cNvPr id="25" name="Gruppieren 24">
-              <a:extLst>
-                <a:ext uri="{FF2B5EF4-FFF2-40B4-BE49-F238E27FC236}">
-                  <a16:creationId xmlns:a16="http://schemas.microsoft.com/office/drawing/2014/main" id="{0822AD09-129A-4E73-AA14-D70281F9AAB1}"/>
-                </a:ext>
-              </a:extLst>
-            </p:cNvPr>
-            <p:cNvGrpSpPr/>
-            <p:nvPr/>
-          </p:nvGrpSpPr>
-          <p:grpSpPr>
-            <a:xfrm>
-              <a:off x="3888489" y="4285680"/>
-              <a:ext cx="3442747" cy="1219237"/>
-              <a:chOff x="3991005" y="4281517"/>
-              <a:chExt cx="3442747" cy="1219237"/>
-            </a:xfrm>
-          </p:grpSpPr>
-          <p:sp>
-            <p:nvSpPr>
-              <p:cNvPr id="26" name="Rechteck: obere Ecken abgeschnitten 25">
-                <a:extLst>
-                  <a:ext uri="{FF2B5EF4-FFF2-40B4-BE49-F238E27FC236}">
-                    <a16:creationId xmlns:a16="http://schemas.microsoft.com/office/drawing/2014/main" id="{EC7E390C-1595-4F99-B7A9-4E1F7AD5B07D}"/>
-                  </a:ext>
-                </a:extLst>
-              </p:cNvPr>
-              <p:cNvSpPr/>
-              <p:nvPr/>
-            </p:nvSpPr>
-            <p:spPr>
-              <a:xfrm>
-                <a:off x="3991005" y="4281517"/>
-                <a:ext cx="3442747" cy="1219237"/>
-              </a:xfrm>
-              <a:prstGeom prst="snip2SameRect">
-                <a:avLst>
-                  <a:gd name="adj1" fmla="val 50000"/>
-                  <a:gd name="adj2" fmla="val 0"/>
-                </a:avLst>
-              </a:prstGeom>
-              <a:solidFill>
-                <a:schemeClr val="bg1">
-                  <a:lumMod val="85000"/>
-                </a:schemeClr>
-              </a:solidFill>
-              <a:ln w="28575">
-                <a:solidFill>
-                  <a:schemeClr val="bg1">
-                    <a:lumMod val="75000"/>
-                  </a:schemeClr>
-                </a:solidFill>
-              </a:ln>
-            </p:spPr>
-            <p:style>
-              <a:lnRef idx="2">
-                <a:schemeClr val="accent1">
-                  <a:shade val="50000"/>
-                </a:schemeClr>
-              </a:lnRef>
-              <a:fillRef idx="1">
-                <a:schemeClr val="accent1"/>
-              </a:fillRef>
-              <a:effectRef idx="0">
-                <a:schemeClr val="accent1"/>
-              </a:effectRef>
-              <a:fontRef idx="minor">
-                <a:schemeClr val="lt1"/>
-              </a:fontRef>
-            </p:style>
-            <p:txBody>
-              <a:bodyPr rtlCol="0" anchor="ctr"/>
-              <a:lstStyle/>
-              <a:p>
-                <a:pPr algn="ctr"/>
-                <a:endParaRPr lang="de-DE"/>
-              </a:p>
-            </p:txBody>
-          </p:sp>
-          <p:sp>
-            <p:nvSpPr>
-              <p:cNvPr id="27" name="Rechteck 26">
-                <a:extLst>
-                  <a:ext uri="{FF2B5EF4-FFF2-40B4-BE49-F238E27FC236}">
-                    <a16:creationId xmlns:a16="http://schemas.microsoft.com/office/drawing/2014/main" id="{229E413F-198B-41A6-9523-1FDC3438D3E0}"/>
-                  </a:ext>
-                </a:extLst>
-              </p:cNvPr>
-              <p:cNvSpPr/>
-              <p:nvPr/>
-            </p:nvSpPr>
-            <p:spPr>
-              <a:xfrm>
-                <a:off x="4528281" y="4566705"/>
-                <a:ext cx="2368195" cy="648861"/>
-              </a:xfrm>
-              <a:prstGeom prst="rect">
-                <a:avLst/>
-              </a:prstGeom>
-              <a:noFill/>
-              <a:ln>
-                <a:noFill/>
-              </a:ln>
-            </p:spPr>
-            <p:style>
-              <a:lnRef idx="2">
-                <a:schemeClr val="accent1">
-                  <a:shade val="50000"/>
-                </a:schemeClr>
-              </a:lnRef>
-              <a:fillRef idx="1">
-                <a:schemeClr val="accent1"/>
-              </a:fillRef>
-              <a:effectRef idx="0">
-                <a:schemeClr val="accent1"/>
-              </a:effectRef>
-              <a:fontRef idx="minor">
-                <a:schemeClr val="lt1"/>
-              </a:fontRef>
-            </p:style>
-            <p:txBody>
-              <a:bodyPr rtlCol="0" anchor="ctr"/>
-              <a:lstStyle/>
-              <a:p>
-                <a:pPr algn="ctr"/>
-                <a:endParaRPr lang="de-DE" sz="2800" dirty="0">
-                  <a:solidFill>
-                    <a:srgbClr val="EFA8B4"/>
-                  </a:solidFill>
-                </a:endParaRPr>
-              </a:p>
-            </p:txBody>
-          </p:sp>
-        </p:grpSp>
+                </a:rPr>
+                <a:t>Parsing</a:t>
+              </a:r>
+              <a:endParaRPr lang="de-DE" dirty="0">
+                <a:solidFill>
+                  <a:srgbClr val="8C81AF"/>
+                </a:solidFill>
+              </a:endParaRPr>
+            </a:p>
+          </p:txBody>
+        </p:sp>
       </p:grpSp>
-      <p:cxnSp>
-        <p:nvCxnSpPr>
-          <p:cNvPr id="32" name="Gerader Verbinder 31">
-            <a:extLst>
-              <a:ext uri="{FF2B5EF4-FFF2-40B4-BE49-F238E27FC236}">
-                <a16:creationId xmlns:a16="http://schemas.microsoft.com/office/drawing/2014/main" id="{9068FB1B-E590-45CD-B9CC-830475B860AD}"/>
-              </a:ext>
-            </a:extLst>
-          </p:cNvPr>
-          <p:cNvCxnSpPr>
-            <a:cxnSpLocks/>
-          </p:cNvCxnSpPr>
-          <p:nvPr/>
-        </p:nvCxnSpPr>
-        <p:spPr>
-          <a:xfrm>
-            <a:off x="2112142" y="514756"/>
-            <a:ext cx="328773" cy="465623"/>
-          </a:xfrm>
-          <a:prstGeom prst="line">
-            <a:avLst/>
-          </a:prstGeom>
-          <a:ln w="28575">
-            <a:solidFill>
-              <a:srgbClr val="84BC95"/>
-            </a:solidFill>
-          </a:ln>
-        </p:spPr>
-        <p:style>
-          <a:lnRef idx="1">
-            <a:schemeClr val="accent1"/>
-          </a:lnRef>
-          <a:fillRef idx="0">
-            <a:schemeClr val="accent1"/>
-          </a:fillRef>
-          <a:effectRef idx="0">
-            <a:schemeClr val="accent1"/>
-          </a:effectRef>
-          <a:fontRef idx="minor">
-            <a:schemeClr val="tx1"/>
-          </a:fontRef>
-        </p:style>
-      </p:cxnSp>
-      <p:cxnSp>
-        <p:nvCxnSpPr>
-          <p:cNvPr id="33" name="Gerader Verbinder 32">
-            <a:extLst>
-              <a:ext uri="{FF2B5EF4-FFF2-40B4-BE49-F238E27FC236}">
-                <a16:creationId xmlns:a16="http://schemas.microsoft.com/office/drawing/2014/main" id="{7CBAD0E0-4DBC-4044-AADD-3D01CCA5A512}"/>
-              </a:ext>
-            </a:extLst>
-          </p:cNvPr>
-          <p:cNvCxnSpPr/>
-          <p:nvPr/>
-        </p:nvCxnSpPr>
-        <p:spPr>
-          <a:xfrm>
-            <a:off x="616449" y="976045"/>
-            <a:ext cx="1828800" cy="0"/>
-          </a:xfrm>
-          <a:prstGeom prst="line">
-            <a:avLst/>
-          </a:prstGeom>
-          <a:ln w="28575">
-            <a:solidFill>
-              <a:srgbClr val="84BC95"/>
-            </a:solidFill>
-          </a:ln>
-        </p:spPr>
-        <p:style>
-          <a:lnRef idx="1">
-            <a:schemeClr val="accent1"/>
-          </a:lnRef>
-          <a:fillRef idx="0">
-            <a:schemeClr val="accent1"/>
-          </a:fillRef>
-          <a:effectRef idx="0">
-            <a:schemeClr val="accent1"/>
-          </a:effectRef>
-          <a:fontRef idx="minor">
-            <a:schemeClr val="tx1"/>
-          </a:fontRef>
-        </p:style>
-      </p:cxnSp>
-      <p:sp>
-        <p:nvSpPr>
-          <p:cNvPr id="42" name="Textfeld 41">
-            <a:extLst>
-              <a:ext uri="{FF2B5EF4-FFF2-40B4-BE49-F238E27FC236}">
-                <a16:creationId xmlns:a16="http://schemas.microsoft.com/office/drawing/2014/main" id="{F8CC02C5-88CF-4847-8AA6-68A4CE0A46EA}"/>
-              </a:ext>
-            </a:extLst>
-          </p:cNvPr>
-          <p:cNvSpPr txBox="1"/>
-          <p:nvPr/>
-        </p:nvSpPr>
-        <p:spPr>
-          <a:xfrm>
-            <a:off x="769888" y="646623"/>
-            <a:ext cx="1172116" cy="369332"/>
-          </a:xfrm>
-          <a:prstGeom prst="rect">
-            <a:avLst/>
-          </a:prstGeom>
-          <a:noFill/>
-        </p:spPr>
-        <p:txBody>
-          <a:bodyPr wrap="none" rtlCol="0">
-            <a:spAutoFit/>
-          </a:bodyPr>
-          <a:lstStyle/>
-          <a:p>
-            <a:r>
-              <a:rPr lang="de-DE" dirty="0" err="1">
-                <a:solidFill>
-                  <a:srgbClr val="0E5E26"/>
-                </a:solidFill>
-              </a:rPr>
-              <a:t>Visualizing</a:t>
-            </a:r>
-            <a:endParaRPr lang="de-DE" dirty="0">
-              <a:solidFill>
-                <a:srgbClr val="0E5E26"/>
-              </a:solidFill>
-            </a:endParaRPr>
-          </a:p>
-        </p:txBody>
-      </p:sp>
     </p:spTree>
     <p:extLst>
       <p:ext uri="{BB962C8B-B14F-4D97-AF65-F5344CB8AC3E}">
-        <p14:creationId xmlns:p14="http://schemas.microsoft.com/office/powerpoint/2010/main" val="998430481"/>
+        <p14:creationId xmlns:p14="http://schemas.microsoft.com/office/powerpoint/2010/main" val="3988390877"/>
       </p:ext>
     </p:extLst>
   </p:cSld>

--- a/DokuLayerAssignment/ZwischenPräsentation.pptx
+++ b/DokuLayerAssignment/ZwischenPräsentation.pptx
@@ -14,12 +14,16 @@
     <p:sldId id="262" r:id="rId8"/>
     <p:sldId id="263" r:id="rId9"/>
     <p:sldId id="264" r:id="rId10"/>
-    <p:sldId id="265" r:id="rId11"/>
-    <p:sldId id="274" r:id="rId12"/>
-    <p:sldId id="267" r:id="rId13"/>
-    <p:sldId id="275" r:id="rId14"/>
-    <p:sldId id="266" r:id="rId15"/>
-    <p:sldId id="273" r:id="rId16"/>
+    <p:sldId id="276" r:id="rId11"/>
+    <p:sldId id="277" r:id="rId12"/>
+    <p:sldId id="274" r:id="rId13"/>
+    <p:sldId id="267" r:id="rId14"/>
+    <p:sldId id="278" r:id="rId15"/>
+    <p:sldId id="275" r:id="rId16"/>
+    <p:sldId id="266" r:id="rId17"/>
+    <p:sldId id="279" r:id="rId18"/>
+    <p:sldId id="280" r:id="rId19"/>
+    <p:sldId id="273" r:id="rId20"/>
   </p:sldIdLst>
   <p:sldSz cx="12192000" cy="6858000"/>
   <p:notesSz cx="6858000" cy="9144000"/>
@@ -6755,7 +6759,7 @@
               <a:rPr lang="pt-BR" sz="2800" dirty="0">
                 <a:solidFill>
                   <a:schemeClr val="bg1">
-                    <a:lumMod val="85000"/>
+                    <a:lumMod val="65000"/>
                   </a:schemeClr>
                 </a:solidFill>
                 <a:latin typeface="Courier New" panose="02070309020205020404" pitchFamily="49" charset="0"/>
@@ -6776,7 +6780,7 @@
               <a:rPr lang="pt-BR" sz="2800" dirty="0">
                 <a:solidFill>
                   <a:schemeClr val="bg1">
-                    <a:lumMod val="85000"/>
+                    <a:lumMod val="65000"/>
                   </a:schemeClr>
                 </a:solidFill>
                 <a:latin typeface="Courier New" panose="02070309020205020404" pitchFamily="49" charset="0"/>
@@ -6797,7 +6801,7 @@
               <a:rPr lang="pt-BR" sz="2800" dirty="0">
                 <a:solidFill>
                   <a:schemeClr val="bg1">
-                    <a:lumMod val="85000"/>
+                    <a:lumMod val="65000"/>
                   </a:schemeClr>
                 </a:solidFill>
                 <a:latin typeface="Courier New" panose="02070309020205020404" pitchFamily="49" charset="0"/>
@@ -6818,7 +6822,7 @@
               <a:rPr lang="pt-BR" sz="2800" dirty="0">
                 <a:solidFill>
                   <a:schemeClr val="bg1">
-                    <a:lumMod val="85000"/>
+                    <a:lumMod val="65000"/>
                   </a:schemeClr>
                 </a:solidFill>
                 <a:latin typeface="Courier New" panose="02070309020205020404" pitchFamily="49" charset="0"/>
@@ -6839,20 +6843,20 @@
               <a:rPr lang="pt-BR" sz="2800" dirty="0">
                 <a:solidFill>
                   <a:schemeClr val="bg1">
-                    <a:lumMod val="85000"/>
+                    <a:lumMod val="65000"/>
                   </a:schemeClr>
                 </a:solidFill>
                 <a:latin typeface="Courier New" panose="02070309020205020404" pitchFamily="49" charset="0"/>
                 <a:cs typeface="Courier New" panose="02070309020205020404" pitchFamily="49" charset="0"/>
               </a:rPr>
-              <a:t>5</a:t>
+              <a:t>5  </a:t>
             </a:r>
             <a:r>
               <a:rPr lang="pt-BR" sz="2800" dirty="0">
                 <a:latin typeface="Courier New" panose="02070309020205020404" pitchFamily="49" charset="0"/>
                 <a:cs typeface="Courier New" panose="02070309020205020404" pitchFamily="49" charset="0"/>
               </a:rPr>
-              <a:t>  edge n1 n3</a:t>
+              <a:t>edge n1 n3</a:t>
             </a:r>
           </a:p>
           <a:p>
@@ -6860,20 +6864,20 @@
               <a:rPr lang="pt-BR" sz="2800" dirty="0">
                 <a:solidFill>
                   <a:schemeClr val="bg1">
-                    <a:lumMod val="85000"/>
+                    <a:lumMod val="65000"/>
                   </a:schemeClr>
                 </a:solidFill>
                 <a:latin typeface="Courier New" panose="02070309020205020404" pitchFamily="49" charset="0"/>
                 <a:cs typeface="Courier New" panose="02070309020205020404" pitchFamily="49" charset="0"/>
               </a:rPr>
-              <a:t>6</a:t>
+              <a:t>6 </a:t>
             </a:r>
             <a:r>
               <a:rPr lang="pt-BR" sz="2800" dirty="0">
                 <a:latin typeface="Courier New" panose="02070309020205020404" pitchFamily="49" charset="0"/>
                 <a:cs typeface="Courier New" panose="02070309020205020404" pitchFamily="49" charset="0"/>
               </a:rPr>
-              <a:t>  edge n2 n3</a:t>
+              <a:t> edge n2 n3</a:t>
             </a:r>
           </a:p>
           <a:p>
@@ -6881,7 +6885,7 @@
               <a:rPr lang="pt-BR" sz="2800" dirty="0">
                 <a:solidFill>
                   <a:schemeClr val="bg1">
-                    <a:lumMod val="85000"/>
+                    <a:lumMod val="65000"/>
                   </a:schemeClr>
                 </a:solidFill>
                 <a:latin typeface="Courier New" panose="02070309020205020404" pitchFamily="49" charset="0"/>
@@ -6902,13 +6906,25 @@
               <a:rPr lang="pt-BR" sz="2800" dirty="0">
                 <a:solidFill>
                   <a:schemeClr val="bg1">
-                    <a:lumMod val="85000"/>
+                    <a:lumMod val="65000"/>
                   </a:schemeClr>
                 </a:solidFill>
                 <a:latin typeface="Courier New" panose="02070309020205020404" pitchFamily="49" charset="0"/>
                 <a:cs typeface="Courier New" panose="02070309020205020404" pitchFamily="49" charset="0"/>
               </a:rPr>
-              <a:t>8 </a:t>
+              <a:t>8</a:t>
+            </a:r>
+            <a:r>
+              <a:rPr lang="pt-BR" sz="2800" dirty="0">
+                <a:solidFill>
+                  <a:schemeClr val="bg1">
+                    <a:lumMod val="85000"/>
+                  </a:schemeClr>
+                </a:solidFill>
+                <a:latin typeface="Courier New" panose="02070309020205020404" pitchFamily="49" charset="0"/>
+                <a:cs typeface="Courier New" panose="02070309020205020404" pitchFamily="49" charset="0"/>
+              </a:rPr>
+              <a:t> </a:t>
             </a:r>
             <a:r>
               <a:rPr lang="pt-BR" sz="2800" dirty="0">
@@ -7029,10 +7045,10 @@
       </p:sp>
       <p:sp>
         <p:nvSpPr>
-          <p:cNvPr id="22" name="Rechteck 21">
+          <p:cNvPr id="83" name="Rechteck 82">
             <a:extLst>
               <a:ext uri="{FF2B5EF4-FFF2-40B4-BE49-F238E27FC236}">
-                <a16:creationId xmlns:a16="http://schemas.microsoft.com/office/drawing/2014/main" id="{CCE57149-B8B7-45B9-8F82-01F233BF54C3}"/>
+                <a16:creationId xmlns:a16="http://schemas.microsoft.com/office/drawing/2014/main" id="{4A680EF8-A632-493A-ADFA-4F3A51AE26DF}"/>
               </a:ext>
             </a:extLst>
           </p:cNvPr>
@@ -7127,9 +7143,9 @@
             </a:endParaRPr>
           </a:p>
           <a:p>
-            <a:pPr marL="430212" indent="-342900">
-              <a:buFont typeface="Wingdings" panose="05000000000000000000" pitchFamily="2" charset="2"/>
-              <a:buChar char="ü"/>
+            <a:pPr marL="342900" indent="-255588">
+              <a:buFont typeface="Arial" panose="020B0604020202020204" pitchFamily="34" charset="0"/>
+              <a:buChar char="•"/>
             </a:pPr>
             <a:r>
               <a:rPr lang="de-DE" sz="2000" b="1" dirty="0">
@@ -7137,7 +7153,23 @@
                   <a:schemeClr val="tx1"/>
                 </a:solidFill>
               </a:rPr>
-              <a:t>Textformat für Graphen</a:t>
+              <a:t>Textformat </a:t>
+            </a:r>
+            <a:r>
+              <a:rPr lang="de-DE" sz="2000" b="1" dirty="0" err="1">
+                <a:solidFill>
+                  <a:schemeClr val="tx1"/>
+                </a:solidFill>
+              </a:rPr>
+              <a:t>for</a:t>
+            </a:r>
+            <a:r>
+              <a:rPr lang="de-DE" sz="2000" b="1" dirty="0">
+                <a:solidFill>
+                  <a:schemeClr val="tx1"/>
+                </a:solidFill>
+              </a:rPr>
+              <a:t> Graphs</a:t>
             </a:r>
           </a:p>
           <a:p>
@@ -7152,17 +7184,41 @@
             </a:endParaRPr>
           </a:p>
           <a:p>
-            <a:pPr marL="430212" indent="-342900">
-              <a:buFont typeface="Wingdings" panose="05000000000000000000" pitchFamily="2" charset="2"/>
-              <a:buChar char="ü"/>
+            <a:pPr marL="342900" indent="-255588">
+              <a:buFont typeface="Arial" panose="020B0604020202020204" pitchFamily="34" charset="0"/>
+              <a:buChar char="•"/>
             </a:pPr>
             <a:r>
+              <a:rPr lang="de-DE" sz="2000" b="1" dirty="0" err="1">
+                <a:solidFill>
+                  <a:schemeClr val="tx1"/>
+                </a:solidFill>
+              </a:rPr>
+              <a:t>Translate</a:t>
+            </a:r>
+            <a:r>
               <a:rPr lang="de-DE" sz="2000" b="1" dirty="0">
                 <a:solidFill>
                   <a:schemeClr val="tx1"/>
                 </a:solidFill>
               </a:rPr>
-              <a:t>Textformat in </a:t>
+              <a:t> Textformat </a:t>
+            </a:r>
+            <a:r>
+              <a:rPr lang="de-DE" sz="2000" b="1" dirty="0" err="1">
+                <a:solidFill>
+                  <a:schemeClr val="tx1"/>
+                </a:solidFill>
+              </a:rPr>
+              <a:t>to</a:t>
+            </a:r>
+            <a:r>
+              <a:rPr lang="de-DE" sz="2000" b="1" dirty="0">
+                <a:solidFill>
+                  <a:schemeClr val="tx1"/>
+                </a:solidFill>
+              </a:rPr>
+              <a:t> </a:t>
             </a:r>
             <a:r>
               <a:rPr lang="de-DE" sz="2000" b="1" dirty="0" err="1">
@@ -7172,14 +7228,11 @@
               </a:rPr>
               <a:t>ElkGraph</a:t>
             </a:r>
-            <a:r>
-              <a:rPr lang="de-DE" sz="2000" b="1" dirty="0">
-                <a:solidFill>
-                  <a:schemeClr val="tx1"/>
-                </a:solidFill>
-              </a:rPr>
-              <a:t> übersetzen</a:t>
-            </a:r>
+            <a:endParaRPr lang="de-DE" sz="2000" b="1" dirty="0">
+              <a:solidFill>
+                <a:schemeClr val="tx1"/>
+              </a:solidFill>
+            </a:endParaRPr>
           </a:p>
           <a:p>
             <a:pPr marL="342900" indent="-255588">
@@ -7259,10 +7312,10 @@
       </p:sp>
       <p:grpSp>
         <p:nvGrpSpPr>
-          <p:cNvPr id="23" name="Gruppieren 22">
+          <p:cNvPr id="84" name="Gruppieren 83">
             <a:extLst>
               <a:ext uri="{FF2B5EF4-FFF2-40B4-BE49-F238E27FC236}">
-                <a16:creationId xmlns:a16="http://schemas.microsoft.com/office/drawing/2014/main" id="{2F7A1C4A-DE9B-49ED-8143-685A8E5381AD}"/>
+                <a16:creationId xmlns:a16="http://schemas.microsoft.com/office/drawing/2014/main" id="{D4548D45-D2C4-4E80-A55F-45403D055087}"/>
               </a:ext>
             </a:extLst>
           </p:cNvPr>
@@ -7282,10 +7335,10 @@
         </p:grpSpPr>
         <p:sp>
           <p:nvSpPr>
-            <p:cNvPr id="24" name="Rechteck: eine Ecke abgeschnitten 23">
+            <p:cNvPr id="85" name="Rechteck: eine Ecke abgeschnitten 84">
               <a:extLst>
                 <a:ext uri="{FF2B5EF4-FFF2-40B4-BE49-F238E27FC236}">
-                  <a16:creationId xmlns:a16="http://schemas.microsoft.com/office/drawing/2014/main" id="{455ACF8F-D07A-446E-A5AB-AE444AFAFAEE}"/>
+                  <a16:creationId xmlns:a16="http://schemas.microsoft.com/office/drawing/2014/main" id="{88CDEB6D-09CB-48D5-8319-783C735B7564}"/>
                 </a:ext>
               </a:extLst>
             </p:cNvPr>
@@ -7344,10 +7397,10 @@
         </p:sp>
         <p:sp>
           <p:nvSpPr>
-            <p:cNvPr id="25" name="Rechteck 24">
+            <p:cNvPr id="86" name="Rechteck 85">
               <a:extLst>
                 <a:ext uri="{FF2B5EF4-FFF2-40B4-BE49-F238E27FC236}">
-                  <a16:creationId xmlns:a16="http://schemas.microsoft.com/office/drawing/2014/main" id="{A17035A0-46A6-48BD-B53E-2E69A88D839B}"/>
+                  <a16:creationId xmlns:a16="http://schemas.microsoft.com/office/drawing/2014/main" id="{35B5DA76-5044-42A6-96FB-762938E28433}"/>
                 </a:ext>
               </a:extLst>
             </p:cNvPr>
@@ -7408,6 +7461,1328 @@
     </p:spTree>
     <p:extLst>
       <p:ext uri="{BB962C8B-B14F-4D97-AF65-F5344CB8AC3E}">
+        <p14:creationId xmlns:p14="http://schemas.microsoft.com/office/powerpoint/2010/main" val="1285941298"/>
+      </p:ext>
+    </p:extLst>
+  </p:cSld>
+  <p:clrMapOvr>
+    <a:masterClrMapping/>
+  </p:clrMapOvr>
+</p:sld>
+</file>
+
+<file path=ppt/slides/slide11.xml><?xml version="1.0" encoding="utf-8"?>
+<p:sld xmlns:a="http://schemas.openxmlformats.org/drawingml/2006/main" xmlns:r="http://schemas.openxmlformats.org/officeDocument/2006/relationships" xmlns:p="http://schemas.openxmlformats.org/presentationml/2006/main">
+  <p:cSld>
+    <p:spTree>
+      <p:nvGrpSpPr>
+        <p:cNvPr id="1" name=""/>
+        <p:cNvGrpSpPr/>
+        <p:nvPr/>
+      </p:nvGrpSpPr>
+      <p:grpSpPr>
+        <a:xfrm>
+          <a:off x="0" y="0"/>
+          <a:ext cx="0" cy="0"/>
+          <a:chOff x="0" y="0"/>
+          <a:chExt cx="0" cy="0"/>
+        </a:xfrm>
+      </p:grpSpPr>
+      <p:grpSp>
+        <p:nvGrpSpPr>
+          <p:cNvPr id="48" name="Gruppieren 47">
+            <a:extLst>
+              <a:ext uri="{FF2B5EF4-FFF2-40B4-BE49-F238E27FC236}">
+                <a16:creationId xmlns:a16="http://schemas.microsoft.com/office/drawing/2014/main" id="{6356DDCD-D861-4F26-9389-7475C73C60B6}"/>
+              </a:ext>
+            </a:extLst>
+          </p:cNvPr>
+          <p:cNvGrpSpPr>
+            <a:grpSpLocks noChangeAspect="1"/>
+          </p:cNvGrpSpPr>
+          <p:nvPr/>
+        </p:nvGrpSpPr>
+        <p:grpSpPr>
+          <a:xfrm>
+            <a:off x="217785" y="197006"/>
+            <a:ext cx="1898691" cy="489676"/>
+            <a:chOff x="971999" y="3600000"/>
+            <a:chExt cx="9264709" cy="1904917"/>
+          </a:xfrm>
+        </p:grpSpPr>
+        <p:grpSp>
+          <p:nvGrpSpPr>
+            <p:cNvPr id="49" name="Gruppieren 48">
+              <a:extLst>
+                <a:ext uri="{FF2B5EF4-FFF2-40B4-BE49-F238E27FC236}">
+                  <a16:creationId xmlns:a16="http://schemas.microsoft.com/office/drawing/2014/main" id="{9B720246-400B-4D36-92E4-23FB1622A331}"/>
+                </a:ext>
+              </a:extLst>
+            </p:cNvPr>
+            <p:cNvGrpSpPr/>
+            <p:nvPr/>
+          </p:nvGrpSpPr>
+          <p:grpSpPr>
+            <a:xfrm>
+              <a:off x="971999" y="3600000"/>
+              <a:ext cx="3442748" cy="1219238"/>
+              <a:chOff x="1065285" y="3182901"/>
+              <a:chExt cx="3442749" cy="1219236"/>
+            </a:xfrm>
+          </p:grpSpPr>
+          <p:sp>
+            <p:nvSpPr>
+              <p:cNvPr id="56" name="Rechteck: eine Ecke abgeschnitten 55">
+                <a:extLst>
+                  <a:ext uri="{FF2B5EF4-FFF2-40B4-BE49-F238E27FC236}">
+                    <a16:creationId xmlns:a16="http://schemas.microsoft.com/office/drawing/2014/main" id="{DA4AA6FE-4976-4C0A-812E-E392E5BB0447}"/>
+                  </a:ext>
+                </a:extLst>
+              </p:cNvPr>
+              <p:cNvSpPr/>
+              <p:nvPr/>
+            </p:nvSpPr>
+            <p:spPr>
+              <a:xfrm flipV="1">
+                <a:off x="1065285" y="3182901"/>
+                <a:ext cx="3442749" cy="1219236"/>
+              </a:xfrm>
+              <a:prstGeom prst="snip1Rect">
+                <a:avLst>
+                  <a:gd name="adj" fmla="val 50000"/>
+                </a:avLst>
+              </a:prstGeom>
+              <a:solidFill>
+                <a:srgbClr val="251658"/>
+              </a:solidFill>
+              <a:ln w="28575">
+                <a:solidFill>
+                  <a:srgbClr val="8C81AF"/>
+                </a:solidFill>
+              </a:ln>
+              <a:effectLst>
+                <a:glow>
+                  <a:schemeClr val="accent4">
+                    <a:lumMod val="20000"/>
+                    <a:lumOff val="80000"/>
+                  </a:schemeClr>
+                </a:glow>
+              </a:effectLst>
+            </p:spPr>
+            <p:style>
+              <a:lnRef idx="2">
+                <a:schemeClr val="accent1">
+                  <a:shade val="50000"/>
+                </a:schemeClr>
+              </a:lnRef>
+              <a:fillRef idx="1">
+                <a:schemeClr val="accent1"/>
+              </a:fillRef>
+              <a:effectRef idx="0">
+                <a:schemeClr val="accent1"/>
+              </a:effectRef>
+              <a:fontRef idx="minor">
+                <a:schemeClr val="lt1"/>
+              </a:fontRef>
+            </p:style>
+            <p:txBody>
+              <a:bodyPr rtlCol="0" anchor="ctr"/>
+              <a:lstStyle/>
+              <a:p>
+                <a:pPr algn="ctr"/>
+                <a:endParaRPr lang="de-DE" dirty="0"/>
+              </a:p>
+            </p:txBody>
+          </p:sp>
+          <p:sp>
+            <p:nvSpPr>
+              <p:cNvPr id="57" name="Rechteck 56">
+                <a:extLst>
+                  <a:ext uri="{FF2B5EF4-FFF2-40B4-BE49-F238E27FC236}">
+                    <a16:creationId xmlns:a16="http://schemas.microsoft.com/office/drawing/2014/main" id="{0493D65A-6A20-4F4F-877C-AB97A7EDD51F}"/>
+                  </a:ext>
+                </a:extLst>
+              </p:cNvPr>
+              <p:cNvSpPr/>
+              <p:nvPr/>
+            </p:nvSpPr>
+            <p:spPr>
+              <a:xfrm>
+                <a:off x="1602562" y="3457072"/>
+                <a:ext cx="2368195" cy="648861"/>
+              </a:xfrm>
+              <a:prstGeom prst="rect">
+                <a:avLst/>
+              </a:prstGeom>
+              <a:noFill/>
+              <a:ln>
+                <a:noFill/>
+              </a:ln>
+            </p:spPr>
+            <p:style>
+              <a:lnRef idx="2">
+                <a:schemeClr val="accent1">
+                  <a:shade val="50000"/>
+                </a:schemeClr>
+              </a:lnRef>
+              <a:fillRef idx="1">
+                <a:schemeClr val="accent1"/>
+              </a:fillRef>
+              <a:effectRef idx="0">
+                <a:schemeClr val="accent1"/>
+              </a:effectRef>
+              <a:fontRef idx="minor">
+                <a:schemeClr val="lt1"/>
+              </a:fontRef>
+            </p:style>
+            <p:txBody>
+              <a:bodyPr rtlCol="0" anchor="ctr"/>
+              <a:lstStyle/>
+              <a:p>
+                <a:pPr algn="ctr"/>
+                <a:endParaRPr lang="de-DE" dirty="0">
+                  <a:solidFill>
+                    <a:srgbClr val="8C81AF"/>
+                  </a:solidFill>
+                </a:endParaRPr>
+              </a:p>
+            </p:txBody>
+          </p:sp>
+        </p:grpSp>
+        <p:grpSp>
+          <p:nvGrpSpPr>
+            <p:cNvPr id="50" name="Gruppieren 49">
+              <a:extLst>
+                <a:ext uri="{FF2B5EF4-FFF2-40B4-BE49-F238E27FC236}">
+                  <a16:creationId xmlns:a16="http://schemas.microsoft.com/office/drawing/2014/main" id="{82E29463-0AC5-4A85-B16F-A8EF48838661}"/>
+                </a:ext>
+              </a:extLst>
+            </p:cNvPr>
+            <p:cNvGrpSpPr/>
+            <p:nvPr/>
+          </p:nvGrpSpPr>
+          <p:grpSpPr>
+            <a:xfrm>
+              <a:off x="6793960" y="3600000"/>
+              <a:ext cx="3442748" cy="1219238"/>
+              <a:chOff x="6899605" y="3171884"/>
+              <a:chExt cx="3442747" cy="1219236"/>
+            </a:xfrm>
+          </p:grpSpPr>
+          <p:sp>
+            <p:nvSpPr>
+              <p:cNvPr id="54" name="Rechteck: eine Ecke abgeschnitten 53">
+                <a:extLst>
+                  <a:ext uri="{FF2B5EF4-FFF2-40B4-BE49-F238E27FC236}">
+                    <a16:creationId xmlns:a16="http://schemas.microsoft.com/office/drawing/2014/main" id="{F552EA60-1D8A-4890-8452-7495AD6E5EA3}"/>
+                  </a:ext>
+                </a:extLst>
+              </p:cNvPr>
+              <p:cNvSpPr/>
+              <p:nvPr/>
+            </p:nvSpPr>
+            <p:spPr>
+              <a:xfrm flipH="1" flipV="1">
+                <a:off x="6899605" y="3171884"/>
+                <a:ext cx="3442747" cy="1219236"/>
+              </a:xfrm>
+              <a:prstGeom prst="snip1Rect">
+                <a:avLst>
+                  <a:gd name="adj" fmla="val 50000"/>
+                </a:avLst>
+              </a:prstGeom>
+              <a:solidFill>
+                <a:schemeClr val="bg1">
+                  <a:lumMod val="85000"/>
+                </a:schemeClr>
+              </a:solidFill>
+              <a:ln w="28575">
+                <a:solidFill>
+                  <a:schemeClr val="bg1">
+                    <a:lumMod val="75000"/>
+                  </a:schemeClr>
+                </a:solidFill>
+              </a:ln>
+            </p:spPr>
+            <p:style>
+              <a:lnRef idx="2">
+                <a:schemeClr val="accent1">
+                  <a:shade val="50000"/>
+                </a:schemeClr>
+              </a:lnRef>
+              <a:fillRef idx="1">
+                <a:schemeClr val="accent1"/>
+              </a:fillRef>
+              <a:effectRef idx="0">
+                <a:schemeClr val="accent1"/>
+              </a:effectRef>
+              <a:fontRef idx="minor">
+                <a:schemeClr val="lt1"/>
+              </a:fontRef>
+            </p:style>
+            <p:txBody>
+              <a:bodyPr rtlCol="0" anchor="ctr"/>
+              <a:lstStyle/>
+              <a:p>
+                <a:pPr algn="ctr"/>
+                <a:endParaRPr lang="de-DE" dirty="0"/>
+              </a:p>
+            </p:txBody>
+          </p:sp>
+          <p:sp>
+            <p:nvSpPr>
+              <p:cNvPr id="55" name="Rechteck 54">
+                <a:extLst>
+                  <a:ext uri="{FF2B5EF4-FFF2-40B4-BE49-F238E27FC236}">
+                    <a16:creationId xmlns:a16="http://schemas.microsoft.com/office/drawing/2014/main" id="{3CCACEE2-363F-4809-AFCB-3F429EABFB41}"/>
+                  </a:ext>
+                </a:extLst>
+              </p:cNvPr>
+              <p:cNvSpPr/>
+              <p:nvPr/>
+            </p:nvSpPr>
+            <p:spPr>
+              <a:xfrm>
+                <a:off x="7363294" y="3457072"/>
+                <a:ext cx="2549606" cy="648861"/>
+              </a:xfrm>
+              <a:prstGeom prst="rect">
+                <a:avLst/>
+              </a:prstGeom>
+              <a:noFill/>
+              <a:ln>
+                <a:noFill/>
+              </a:ln>
+            </p:spPr>
+            <p:style>
+              <a:lnRef idx="2">
+                <a:schemeClr val="accent1">
+                  <a:shade val="50000"/>
+                </a:schemeClr>
+              </a:lnRef>
+              <a:fillRef idx="1">
+                <a:schemeClr val="accent1"/>
+              </a:fillRef>
+              <a:effectRef idx="0">
+                <a:schemeClr val="accent1"/>
+              </a:effectRef>
+              <a:fontRef idx="minor">
+                <a:schemeClr val="lt1"/>
+              </a:fontRef>
+            </p:style>
+            <p:txBody>
+              <a:bodyPr rtlCol="0" anchor="ctr"/>
+              <a:lstStyle/>
+              <a:p>
+                <a:pPr algn="ctr"/>
+                <a:endParaRPr lang="de-DE" dirty="0">
+                  <a:solidFill>
+                    <a:srgbClr val="84BC95"/>
+                  </a:solidFill>
+                </a:endParaRPr>
+              </a:p>
+            </p:txBody>
+          </p:sp>
+        </p:grpSp>
+        <p:grpSp>
+          <p:nvGrpSpPr>
+            <p:cNvPr id="51" name="Gruppieren 50">
+              <a:extLst>
+                <a:ext uri="{FF2B5EF4-FFF2-40B4-BE49-F238E27FC236}">
+                  <a16:creationId xmlns:a16="http://schemas.microsoft.com/office/drawing/2014/main" id="{BCADC156-717F-41AB-A3E7-FC3D1A6704DA}"/>
+                </a:ext>
+              </a:extLst>
+            </p:cNvPr>
+            <p:cNvGrpSpPr/>
+            <p:nvPr/>
+          </p:nvGrpSpPr>
+          <p:grpSpPr>
+            <a:xfrm>
+              <a:off x="3888491" y="4285679"/>
+              <a:ext cx="3442748" cy="1219238"/>
+              <a:chOff x="3991005" y="4281517"/>
+              <a:chExt cx="3442747" cy="1219237"/>
+            </a:xfrm>
+          </p:grpSpPr>
+          <p:sp>
+            <p:nvSpPr>
+              <p:cNvPr id="52" name="Rechteck: obere Ecken abgeschnitten 51">
+                <a:extLst>
+                  <a:ext uri="{FF2B5EF4-FFF2-40B4-BE49-F238E27FC236}">
+                    <a16:creationId xmlns:a16="http://schemas.microsoft.com/office/drawing/2014/main" id="{E58A45D2-47C7-4B80-9EA2-5A1E13EA9CC2}"/>
+                  </a:ext>
+                </a:extLst>
+              </p:cNvPr>
+              <p:cNvSpPr/>
+              <p:nvPr/>
+            </p:nvSpPr>
+            <p:spPr>
+              <a:xfrm>
+                <a:off x="3991005" y="4281517"/>
+                <a:ext cx="3442747" cy="1219237"/>
+              </a:xfrm>
+              <a:prstGeom prst="snip2SameRect">
+                <a:avLst>
+                  <a:gd name="adj1" fmla="val 50000"/>
+                  <a:gd name="adj2" fmla="val 0"/>
+                </a:avLst>
+              </a:prstGeom>
+              <a:solidFill>
+                <a:schemeClr val="bg1">
+                  <a:lumMod val="85000"/>
+                </a:schemeClr>
+              </a:solidFill>
+              <a:ln w="28575">
+                <a:solidFill>
+                  <a:schemeClr val="bg1">
+                    <a:lumMod val="75000"/>
+                  </a:schemeClr>
+                </a:solidFill>
+              </a:ln>
+            </p:spPr>
+            <p:style>
+              <a:lnRef idx="2">
+                <a:schemeClr val="accent1">
+                  <a:shade val="50000"/>
+                </a:schemeClr>
+              </a:lnRef>
+              <a:fillRef idx="1">
+                <a:schemeClr val="accent1"/>
+              </a:fillRef>
+              <a:effectRef idx="0">
+                <a:schemeClr val="accent1"/>
+              </a:effectRef>
+              <a:fontRef idx="minor">
+                <a:schemeClr val="lt1"/>
+              </a:fontRef>
+            </p:style>
+            <p:txBody>
+              <a:bodyPr rtlCol="0" anchor="ctr"/>
+              <a:lstStyle/>
+              <a:p>
+                <a:pPr algn="ctr"/>
+                <a:endParaRPr lang="de-DE"/>
+              </a:p>
+            </p:txBody>
+          </p:sp>
+          <p:sp>
+            <p:nvSpPr>
+              <p:cNvPr id="53" name="Rechteck 52">
+                <a:extLst>
+                  <a:ext uri="{FF2B5EF4-FFF2-40B4-BE49-F238E27FC236}">
+                    <a16:creationId xmlns:a16="http://schemas.microsoft.com/office/drawing/2014/main" id="{CE7D4A98-3688-4FE9-86BF-6F7120238103}"/>
+                  </a:ext>
+                </a:extLst>
+              </p:cNvPr>
+              <p:cNvSpPr/>
+              <p:nvPr/>
+            </p:nvSpPr>
+            <p:spPr>
+              <a:xfrm>
+                <a:off x="4528281" y="4566705"/>
+                <a:ext cx="2368195" cy="648861"/>
+              </a:xfrm>
+              <a:prstGeom prst="rect">
+                <a:avLst/>
+              </a:prstGeom>
+              <a:noFill/>
+              <a:ln>
+                <a:noFill/>
+              </a:ln>
+            </p:spPr>
+            <p:style>
+              <a:lnRef idx="2">
+                <a:schemeClr val="accent1">
+                  <a:shade val="50000"/>
+                </a:schemeClr>
+              </a:lnRef>
+              <a:fillRef idx="1">
+                <a:schemeClr val="accent1"/>
+              </a:fillRef>
+              <a:effectRef idx="0">
+                <a:schemeClr val="accent1"/>
+              </a:effectRef>
+              <a:fontRef idx="minor">
+                <a:schemeClr val="lt1"/>
+              </a:fontRef>
+            </p:style>
+            <p:txBody>
+              <a:bodyPr rtlCol="0" anchor="ctr"/>
+              <a:lstStyle/>
+              <a:p>
+                <a:pPr algn="ctr"/>
+                <a:endParaRPr lang="de-DE" sz="2800" dirty="0">
+                  <a:solidFill>
+                    <a:srgbClr val="EFA8B4"/>
+                  </a:solidFill>
+                </a:endParaRPr>
+              </a:p>
+            </p:txBody>
+          </p:sp>
+        </p:grpSp>
+      </p:grpSp>
+      <p:cxnSp>
+        <p:nvCxnSpPr>
+          <p:cNvPr id="3" name="Gerader Verbinder 2">
+            <a:extLst>
+              <a:ext uri="{FF2B5EF4-FFF2-40B4-BE49-F238E27FC236}">
+                <a16:creationId xmlns:a16="http://schemas.microsoft.com/office/drawing/2014/main" id="{D052A1FA-63E6-4AF5-B62D-9DC8E5571484}"/>
+              </a:ext>
+            </a:extLst>
+          </p:cNvPr>
+          <p:cNvCxnSpPr>
+            <a:cxnSpLocks/>
+          </p:cNvCxnSpPr>
+          <p:nvPr/>
+        </p:nvCxnSpPr>
+        <p:spPr>
+          <a:xfrm>
+            <a:off x="327893" y="510422"/>
+            <a:ext cx="298831" cy="465623"/>
+          </a:xfrm>
+          <a:prstGeom prst="line">
+            <a:avLst/>
+          </a:prstGeom>
+          <a:ln w="28575">
+            <a:solidFill>
+              <a:srgbClr val="8C81AF"/>
+            </a:solidFill>
+          </a:ln>
+        </p:spPr>
+        <p:style>
+          <a:lnRef idx="1">
+            <a:schemeClr val="accent1"/>
+          </a:lnRef>
+          <a:fillRef idx="0">
+            <a:schemeClr val="accent1"/>
+          </a:fillRef>
+          <a:effectRef idx="0">
+            <a:schemeClr val="accent1"/>
+          </a:effectRef>
+          <a:fontRef idx="minor">
+            <a:schemeClr val="tx1"/>
+          </a:fontRef>
+        </p:style>
+      </p:cxnSp>
+      <p:cxnSp>
+        <p:nvCxnSpPr>
+          <p:cNvPr id="5" name="Gerader Verbinder 4">
+            <a:extLst>
+              <a:ext uri="{FF2B5EF4-FFF2-40B4-BE49-F238E27FC236}">
+                <a16:creationId xmlns:a16="http://schemas.microsoft.com/office/drawing/2014/main" id="{38A1C1B5-7851-4EB9-842D-BFEC638838C8}"/>
+              </a:ext>
+            </a:extLst>
+          </p:cNvPr>
+          <p:cNvCxnSpPr/>
+          <p:nvPr/>
+        </p:nvCxnSpPr>
+        <p:spPr>
+          <a:xfrm>
+            <a:off x="616449" y="976045"/>
+            <a:ext cx="1828800" cy="0"/>
+          </a:xfrm>
+          <a:prstGeom prst="line">
+            <a:avLst/>
+          </a:prstGeom>
+          <a:ln w="28575">
+            <a:solidFill>
+              <a:srgbClr val="8C81AF"/>
+            </a:solidFill>
+          </a:ln>
+        </p:spPr>
+        <p:style>
+          <a:lnRef idx="1">
+            <a:schemeClr val="accent1"/>
+          </a:lnRef>
+          <a:fillRef idx="0">
+            <a:schemeClr val="accent1"/>
+          </a:fillRef>
+          <a:effectRef idx="0">
+            <a:schemeClr val="accent1"/>
+          </a:effectRef>
+          <a:fontRef idx="minor">
+            <a:schemeClr val="tx1"/>
+          </a:fontRef>
+        </p:style>
+      </p:cxnSp>
+      <p:sp>
+        <p:nvSpPr>
+          <p:cNvPr id="6" name="Textfeld 5">
+            <a:extLst>
+              <a:ext uri="{FF2B5EF4-FFF2-40B4-BE49-F238E27FC236}">
+                <a16:creationId xmlns:a16="http://schemas.microsoft.com/office/drawing/2014/main" id="{30B7825C-4563-44E0-81F7-B2CB5164BBAA}"/>
+              </a:ext>
+            </a:extLst>
+          </p:cNvPr>
+          <p:cNvSpPr txBox="1"/>
+          <p:nvPr/>
+        </p:nvSpPr>
+        <p:spPr>
+          <a:xfrm>
+            <a:off x="1133920" y="646623"/>
+            <a:ext cx="858633" cy="369332"/>
+          </a:xfrm>
+          <a:prstGeom prst="rect">
+            <a:avLst/>
+          </a:prstGeom>
+          <a:noFill/>
+        </p:spPr>
+        <p:txBody>
+          <a:bodyPr wrap="none" rtlCol="0">
+            <a:spAutoFit/>
+          </a:bodyPr>
+          <a:lstStyle/>
+          <a:p>
+            <a:r>
+              <a:rPr lang="de-DE" dirty="0" err="1">
+                <a:solidFill>
+                  <a:srgbClr val="251658"/>
+                </a:solidFill>
+              </a:rPr>
+              <a:t>Parsing</a:t>
+            </a:r>
+            <a:endParaRPr lang="de-DE" dirty="0">
+              <a:solidFill>
+                <a:srgbClr val="251658"/>
+              </a:solidFill>
+            </a:endParaRPr>
+          </a:p>
+        </p:txBody>
+      </p:sp>
+      <p:sp>
+        <p:nvSpPr>
+          <p:cNvPr id="16" name="Pfeil: nach rechts 15">
+            <a:extLst>
+              <a:ext uri="{FF2B5EF4-FFF2-40B4-BE49-F238E27FC236}">
+                <a16:creationId xmlns:a16="http://schemas.microsoft.com/office/drawing/2014/main" id="{F101D861-8B61-4F93-AEA4-40D7158A01F4}"/>
+              </a:ext>
+            </a:extLst>
+          </p:cNvPr>
+          <p:cNvSpPr/>
+          <p:nvPr/>
+        </p:nvSpPr>
+        <p:spPr>
+          <a:xfrm>
+            <a:off x="8370333" y="3652785"/>
+            <a:ext cx="776521" cy="567244"/>
+          </a:xfrm>
+          <a:prstGeom prst="rightArrow">
+            <a:avLst/>
+          </a:prstGeom>
+          <a:solidFill>
+            <a:srgbClr val="251658"/>
+          </a:solidFill>
+          <a:ln w="28575">
+            <a:solidFill>
+              <a:srgbClr val="8C81AF"/>
+            </a:solidFill>
+          </a:ln>
+          <a:effectLst>
+            <a:glow>
+              <a:schemeClr val="accent4">
+                <a:lumMod val="20000"/>
+                <a:lumOff val="80000"/>
+              </a:schemeClr>
+            </a:glow>
+          </a:effectLst>
+        </p:spPr>
+        <p:style>
+          <a:lnRef idx="2">
+            <a:schemeClr val="accent1">
+              <a:shade val="50000"/>
+            </a:schemeClr>
+          </a:lnRef>
+          <a:fillRef idx="1">
+            <a:schemeClr val="accent1"/>
+          </a:fillRef>
+          <a:effectRef idx="0">
+            <a:schemeClr val="accent1"/>
+          </a:effectRef>
+          <a:fontRef idx="minor">
+            <a:schemeClr val="lt1"/>
+          </a:fontRef>
+        </p:style>
+        <p:txBody>
+          <a:bodyPr rot="0" spcFirstLastPara="0" vertOverflow="overflow" horzOverflow="overflow" vert="horz" wrap="square" lIns="91440" tIns="45720" rIns="91440" bIns="45720" numCol="1" spcCol="0" rtlCol="0" fromWordArt="0" anchor="ctr" anchorCtr="0" forceAA="0" compatLnSpc="1">
+            <a:prstTxWarp prst="textNoShape">
+              <a:avLst/>
+            </a:prstTxWarp>
+            <a:noAutofit/>
+          </a:bodyPr>
+          <a:lstStyle/>
+          <a:p>
+            <a:pPr algn="ctr"/>
+            <a:endParaRPr lang="de-DE"/>
+          </a:p>
+        </p:txBody>
+      </p:sp>
+      <p:sp>
+        <p:nvSpPr>
+          <p:cNvPr id="59" name="Textfeld 58">
+            <a:extLst>
+              <a:ext uri="{FF2B5EF4-FFF2-40B4-BE49-F238E27FC236}">
+                <a16:creationId xmlns:a16="http://schemas.microsoft.com/office/drawing/2014/main" id="{E46AE3FE-CAD7-4B09-9771-4DC91C597F78}"/>
+              </a:ext>
+            </a:extLst>
+          </p:cNvPr>
+          <p:cNvSpPr txBox="1"/>
+          <p:nvPr/>
+        </p:nvSpPr>
+        <p:spPr>
+          <a:xfrm>
+            <a:off x="9535270" y="3646362"/>
+            <a:ext cx="1828800" cy="523220"/>
+          </a:xfrm>
+          <a:prstGeom prst="rect">
+            <a:avLst/>
+          </a:prstGeom>
+          <a:noFill/>
+        </p:spPr>
+        <p:txBody>
+          <a:bodyPr wrap="square" rtlCol="0">
+            <a:spAutoFit/>
+          </a:bodyPr>
+          <a:lstStyle/>
+          <a:p>
+            <a:r>
+              <a:rPr lang="de-DE" sz="2800" dirty="0" err="1"/>
+              <a:t>ElkGraph</a:t>
+            </a:r>
+            <a:endParaRPr lang="de-DE" sz="2800" dirty="0"/>
+          </a:p>
+        </p:txBody>
+      </p:sp>
+      <p:sp>
+        <p:nvSpPr>
+          <p:cNvPr id="26" name="Rechteck 25">
+            <a:extLst>
+              <a:ext uri="{FF2B5EF4-FFF2-40B4-BE49-F238E27FC236}">
+                <a16:creationId xmlns:a16="http://schemas.microsoft.com/office/drawing/2014/main" id="{2E0F2361-8E57-44CB-B0CE-3A66EEC0A7A9}"/>
+              </a:ext>
+            </a:extLst>
+          </p:cNvPr>
+          <p:cNvSpPr/>
+          <p:nvPr/>
+        </p:nvSpPr>
+        <p:spPr>
+          <a:xfrm>
+            <a:off x="485820" y="1462026"/>
+            <a:ext cx="3173981" cy="5113397"/>
+          </a:xfrm>
+          <a:prstGeom prst="rect">
+            <a:avLst/>
+          </a:prstGeom>
+          <a:solidFill>
+            <a:srgbClr val="251658">
+              <a:alpha val="34000"/>
+            </a:srgbClr>
+          </a:solidFill>
+          <a:ln>
+            <a:noFill/>
+          </a:ln>
+        </p:spPr>
+        <p:style>
+          <a:lnRef idx="2">
+            <a:schemeClr val="accent1">
+              <a:shade val="50000"/>
+            </a:schemeClr>
+          </a:lnRef>
+          <a:fillRef idx="1">
+            <a:schemeClr val="accent1"/>
+          </a:fillRef>
+          <a:effectRef idx="0">
+            <a:schemeClr val="accent1"/>
+          </a:effectRef>
+          <a:fontRef idx="minor">
+            <a:schemeClr val="lt1"/>
+          </a:fontRef>
+        </p:style>
+        <p:txBody>
+          <a:bodyPr rtlCol="0" anchor="t"/>
+          <a:lstStyle/>
+          <a:p>
+            <a:endParaRPr lang="de-DE" sz="2000" b="1" dirty="0">
+              <a:solidFill>
+                <a:schemeClr val="tx1"/>
+              </a:solidFill>
+            </a:endParaRPr>
+          </a:p>
+          <a:p>
+            <a:pPr marL="342900" indent="-255588">
+              <a:buFont typeface="Arial" panose="020B0604020202020204" pitchFamily="34" charset="0"/>
+              <a:buChar char="•"/>
+            </a:pPr>
+            <a:endParaRPr lang="de-DE" sz="2000" b="1" dirty="0">
+              <a:solidFill>
+                <a:schemeClr val="tx1"/>
+              </a:solidFill>
+            </a:endParaRPr>
+          </a:p>
+          <a:p>
+            <a:pPr marL="342900" indent="-255588">
+              <a:buFont typeface="Arial" panose="020B0604020202020204" pitchFamily="34" charset="0"/>
+              <a:buChar char="•"/>
+            </a:pPr>
+            <a:endParaRPr lang="de-DE" sz="2000" b="1" dirty="0">
+              <a:solidFill>
+                <a:schemeClr val="tx1"/>
+              </a:solidFill>
+            </a:endParaRPr>
+          </a:p>
+          <a:p>
+            <a:pPr marL="342900" indent="-255588">
+              <a:buFont typeface="Arial" panose="020B0604020202020204" pitchFamily="34" charset="0"/>
+              <a:buChar char="•"/>
+            </a:pPr>
+            <a:endParaRPr lang="de-DE" sz="2000" b="1" dirty="0">
+              <a:solidFill>
+                <a:schemeClr val="tx1"/>
+              </a:solidFill>
+            </a:endParaRPr>
+          </a:p>
+          <a:p>
+            <a:pPr marL="342900" indent="-255588">
+              <a:buFont typeface="Arial" panose="020B0604020202020204" pitchFamily="34" charset="0"/>
+              <a:buChar char="•"/>
+            </a:pPr>
+            <a:endParaRPr lang="de-DE" sz="2000" b="1" dirty="0">
+              <a:solidFill>
+                <a:schemeClr val="tx1"/>
+              </a:solidFill>
+            </a:endParaRPr>
+          </a:p>
+          <a:p>
+            <a:pPr marL="430212" indent="-342900">
+              <a:buFont typeface="Wingdings" panose="05000000000000000000" pitchFamily="2" charset="2"/>
+              <a:buChar char="ü"/>
+            </a:pPr>
+            <a:r>
+              <a:rPr lang="de-DE" sz="2000" b="1" dirty="0">
+                <a:solidFill>
+                  <a:schemeClr val="tx1"/>
+                </a:solidFill>
+              </a:rPr>
+              <a:t>Textformat </a:t>
+            </a:r>
+            <a:r>
+              <a:rPr lang="de-DE" sz="2000" b="1" dirty="0" err="1">
+                <a:solidFill>
+                  <a:schemeClr val="tx1"/>
+                </a:solidFill>
+              </a:rPr>
+              <a:t>for</a:t>
+            </a:r>
+            <a:r>
+              <a:rPr lang="de-DE" sz="2000" b="1" dirty="0">
+                <a:solidFill>
+                  <a:schemeClr val="tx1"/>
+                </a:solidFill>
+              </a:rPr>
+              <a:t> Graphs</a:t>
+            </a:r>
+          </a:p>
+          <a:p>
+            <a:pPr marL="342900" indent="-255588">
+              <a:buFont typeface="Arial" panose="020B0604020202020204" pitchFamily="34" charset="0"/>
+              <a:buChar char="•"/>
+            </a:pPr>
+            <a:endParaRPr lang="de-DE" sz="2000" b="1" dirty="0">
+              <a:solidFill>
+                <a:schemeClr val="tx1"/>
+              </a:solidFill>
+            </a:endParaRPr>
+          </a:p>
+          <a:p>
+            <a:pPr marL="430212" indent="-342900">
+              <a:buFont typeface="Wingdings" panose="05000000000000000000" pitchFamily="2" charset="2"/>
+              <a:buChar char="ü"/>
+            </a:pPr>
+            <a:r>
+              <a:rPr lang="de-DE" sz="2000" b="1" dirty="0" err="1">
+                <a:solidFill>
+                  <a:schemeClr val="tx1"/>
+                </a:solidFill>
+              </a:rPr>
+              <a:t>Translate</a:t>
+            </a:r>
+            <a:r>
+              <a:rPr lang="de-DE" sz="2000" b="1" dirty="0">
+                <a:solidFill>
+                  <a:schemeClr val="tx1"/>
+                </a:solidFill>
+              </a:rPr>
+              <a:t> Textformat </a:t>
+            </a:r>
+            <a:r>
+              <a:rPr lang="de-DE" sz="2000" b="1" dirty="0" err="1">
+                <a:solidFill>
+                  <a:schemeClr val="tx1"/>
+                </a:solidFill>
+              </a:rPr>
+              <a:t>to</a:t>
+            </a:r>
+            <a:r>
+              <a:rPr lang="de-DE" sz="2000" b="1" dirty="0">
+                <a:solidFill>
+                  <a:schemeClr val="tx1"/>
+                </a:solidFill>
+              </a:rPr>
+              <a:t> </a:t>
+            </a:r>
+            <a:r>
+              <a:rPr lang="de-DE" sz="2000" b="1" dirty="0" err="1">
+                <a:solidFill>
+                  <a:schemeClr val="tx1"/>
+                </a:solidFill>
+              </a:rPr>
+              <a:t>ElkGraph</a:t>
+            </a:r>
+            <a:endParaRPr lang="de-DE" sz="2000" b="1" dirty="0">
+              <a:solidFill>
+                <a:schemeClr val="tx1"/>
+              </a:solidFill>
+            </a:endParaRPr>
+          </a:p>
+          <a:p>
+            <a:pPr marL="342900" indent="-255588">
+              <a:buFont typeface="Arial" panose="020B0604020202020204" pitchFamily="34" charset="0"/>
+              <a:buChar char="•"/>
+            </a:pPr>
+            <a:endParaRPr lang="de-DE" sz="2000" b="1" dirty="0">
+              <a:solidFill>
+                <a:schemeClr val="tx1"/>
+              </a:solidFill>
+            </a:endParaRPr>
+          </a:p>
+          <a:p>
+            <a:pPr marL="342900" indent="-255588">
+              <a:buFont typeface="Arial" panose="020B0604020202020204" pitchFamily="34" charset="0"/>
+              <a:buChar char="•"/>
+            </a:pPr>
+            <a:r>
+              <a:rPr lang="de-DE" sz="2000" b="1" dirty="0">
+                <a:solidFill>
+                  <a:schemeClr val="tx1"/>
+                </a:solidFill>
+              </a:rPr>
+              <a:t>Error Handling</a:t>
+            </a:r>
+          </a:p>
+          <a:p>
+            <a:pPr marL="342900" indent="-255588">
+              <a:buFont typeface="Arial" panose="020B0604020202020204" pitchFamily="34" charset="0"/>
+              <a:buChar char="•"/>
+            </a:pPr>
+            <a:endParaRPr lang="de-DE" sz="2000" b="1" dirty="0">
+              <a:solidFill>
+                <a:schemeClr val="tx1"/>
+              </a:solidFill>
+            </a:endParaRPr>
+          </a:p>
+          <a:p>
+            <a:pPr marL="342900" indent="-255588">
+              <a:buFont typeface="Arial" panose="020B0604020202020204" pitchFamily="34" charset="0"/>
+              <a:buChar char="•"/>
+            </a:pPr>
+            <a:r>
+              <a:rPr lang="de-DE" sz="2000" b="1" dirty="0">
+                <a:solidFill>
+                  <a:schemeClr val="tx1"/>
+                </a:solidFill>
+              </a:rPr>
+              <a:t>Cycle </a:t>
+            </a:r>
+            <a:r>
+              <a:rPr lang="de-DE" sz="2000" b="1" dirty="0" err="1">
+                <a:solidFill>
+                  <a:schemeClr val="tx1"/>
+                </a:solidFill>
+              </a:rPr>
+              <a:t>breaking</a:t>
+            </a:r>
+            <a:endParaRPr lang="de-DE" sz="2000" b="1" dirty="0">
+              <a:solidFill>
+                <a:schemeClr val="tx1"/>
+              </a:solidFill>
+            </a:endParaRPr>
+          </a:p>
+          <a:p>
+            <a:pPr marL="342900" indent="-342900">
+              <a:buFont typeface="Arial" panose="020B0604020202020204" pitchFamily="34" charset="0"/>
+              <a:buChar char="•"/>
+            </a:pPr>
+            <a:endParaRPr lang="de-DE" sz="2400" dirty="0">
+              <a:solidFill>
+                <a:schemeClr val="tx1"/>
+              </a:solidFill>
+            </a:endParaRPr>
+          </a:p>
+        </p:txBody>
+      </p:sp>
+      <p:grpSp>
+        <p:nvGrpSpPr>
+          <p:cNvPr id="27" name="Gruppieren 26">
+            <a:extLst>
+              <a:ext uri="{FF2B5EF4-FFF2-40B4-BE49-F238E27FC236}">
+                <a16:creationId xmlns:a16="http://schemas.microsoft.com/office/drawing/2014/main" id="{1DE99BC9-FF11-4060-B6BC-F50F56AA8800}"/>
+              </a:ext>
+            </a:extLst>
+          </p:cNvPr>
+          <p:cNvGrpSpPr/>
+          <p:nvPr/>
+        </p:nvGrpSpPr>
+        <p:grpSpPr>
+          <a:xfrm>
+            <a:off x="619412" y="1564976"/>
+            <a:ext cx="2906794" cy="1092972"/>
+            <a:chOff x="1065285" y="3182901"/>
+            <a:chExt cx="3442749" cy="1219236"/>
+          </a:xfrm>
+          <a:solidFill>
+            <a:srgbClr val="251658"/>
+          </a:solidFill>
+        </p:grpSpPr>
+        <p:sp>
+          <p:nvSpPr>
+            <p:cNvPr id="28" name="Rechteck: eine Ecke abgeschnitten 27">
+              <a:extLst>
+                <a:ext uri="{FF2B5EF4-FFF2-40B4-BE49-F238E27FC236}">
+                  <a16:creationId xmlns:a16="http://schemas.microsoft.com/office/drawing/2014/main" id="{A49A41E8-F3A7-405E-925F-88EF3FD3B028}"/>
+                </a:ext>
+              </a:extLst>
+            </p:cNvPr>
+            <p:cNvSpPr/>
+            <p:nvPr/>
+          </p:nvSpPr>
+          <p:spPr>
+            <a:xfrm flipV="1">
+              <a:off x="1065285" y="3182901"/>
+              <a:ext cx="3442749" cy="1219236"/>
+            </a:xfrm>
+            <a:prstGeom prst="snip1Rect">
+              <a:avLst>
+                <a:gd name="adj" fmla="val 50000"/>
+              </a:avLst>
+            </a:prstGeom>
+            <a:grpFill/>
+            <a:ln w="28575">
+              <a:solidFill>
+                <a:srgbClr val="8C81AF"/>
+              </a:solidFill>
+            </a:ln>
+            <a:effectLst>
+              <a:glow>
+                <a:schemeClr val="accent4">
+                  <a:lumMod val="20000"/>
+                  <a:lumOff val="80000"/>
+                </a:schemeClr>
+              </a:glow>
+            </a:effectLst>
+          </p:spPr>
+          <p:style>
+            <a:lnRef idx="2">
+              <a:schemeClr val="accent1">
+                <a:shade val="50000"/>
+              </a:schemeClr>
+            </a:lnRef>
+            <a:fillRef idx="1">
+              <a:schemeClr val="accent1"/>
+            </a:fillRef>
+            <a:effectRef idx="0">
+              <a:schemeClr val="accent1"/>
+            </a:effectRef>
+            <a:fontRef idx="minor">
+              <a:schemeClr val="lt1"/>
+            </a:fontRef>
+          </p:style>
+          <p:txBody>
+            <a:bodyPr rtlCol="0" anchor="ctr"/>
+            <a:lstStyle/>
+            <a:p>
+              <a:pPr algn="ctr"/>
+              <a:endParaRPr lang="de-DE" dirty="0"/>
+            </a:p>
+          </p:txBody>
+        </p:sp>
+        <p:sp>
+          <p:nvSpPr>
+            <p:cNvPr id="29" name="Rechteck 28">
+              <a:extLst>
+                <a:ext uri="{FF2B5EF4-FFF2-40B4-BE49-F238E27FC236}">
+                  <a16:creationId xmlns:a16="http://schemas.microsoft.com/office/drawing/2014/main" id="{9D86BB24-97BB-49F1-B0E8-6DF9EEF1E343}"/>
+                </a:ext>
+              </a:extLst>
+            </p:cNvPr>
+            <p:cNvSpPr/>
+            <p:nvPr/>
+          </p:nvSpPr>
+          <p:spPr>
+            <a:xfrm>
+              <a:off x="1602562" y="3457072"/>
+              <a:ext cx="2368195" cy="648861"/>
+            </a:xfrm>
+            <a:prstGeom prst="rect">
+              <a:avLst/>
+            </a:prstGeom>
+            <a:grpFill/>
+            <a:ln>
+              <a:noFill/>
+            </a:ln>
+          </p:spPr>
+          <p:style>
+            <a:lnRef idx="2">
+              <a:schemeClr val="accent1">
+                <a:shade val="50000"/>
+              </a:schemeClr>
+            </a:lnRef>
+            <a:fillRef idx="1">
+              <a:schemeClr val="accent1"/>
+            </a:fillRef>
+            <a:effectRef idx="0">
+              <a:schemeClr val="accent1"/>
+            </a:effectRef>
+            <a:fontRef idx="minor">
+              <a:schemeClr val="lt1"/>
+            </a:fontRef>
+          </p:style>
+          <p:txBody>
+            <a:bodyPr rtlCol="0" anchor="ctr"/>
+            <a:lstStyle/>
+            <a:p>
+              <a:pPr algn="ctr"/>
+              <a:r>
+                <a:rPr lang="de-DE" sz="2800" dirty="0" err="1">
+                  <a:solidFill>
+                    <a:srgbClr val="8C81AF"/>
+                  </a:solidFill>
+                </a:rPr>
+                <a:t>Parsing</a:t>
+              </a:r>
+              <a:endParaRPr lang="de-DE" dirty="0">
+                <a:solidFill>
+                  <a:srgbClr val="8C81AF"/>
+                </a:solidFill>
+              </a:endParaRPr>
+            </a:p>
+          </p:txBody>
+        </p:sp>
+      </p:grpSp>
+      <p:sp>
+        <p:nvSpPr>
+          <p:cNvPr id="30" name="Textfeld 29">
+            <a:extLst>
+              <a:ext uri="{FF2B5EF4-FFF2-40B4-BE49-F238E27FC236}">
+                <a16:creationId xmlns:a16="http://schemas.microsoft.com/office/drawing/2014/main" id="{9106BA93-B7BB-4FB0-A3B1-A5F1F322E565}"/>
+              </a:ext>
+            </a:extLst>
+          </p:cNvPr>
+          <p:cNvSpPr txBox="1"/>
+          <p:nvPr/>
+        </p:nvSpPr>
+        <p:spPr>
+          <a:xfrm>
+            <a:off x="5004820" y="2138257"/>
+            <a:ext cx="2977097" cy="3539430"/>
+          </a:xfrm>
+          <a:prstGeom prst="rect">
+            <a:avLst/>
+          </a:prstGeom>
+          <a:noFill/>
+        </p:spPr>
+        <p:txBody>
+          <a:bodyPr wrap="none" rtlCol="0">
+            <a:spAutoFit/>
+          </a:bodyPr>
+          <a:lstStyle/>
+          <a:p>
+            <a:r>
+              <a:rPr lang="pt-BR" sz="2800" dirty="0">
+                <a:solidFill>
+                  <a:schemeClr val="bg1">
+                    <a:lumMod val="65000"/>
+                  </a:schemeClr>
+                </a:solidFill>
+                <a:latin typeface="Courier New" panose="02070309020205020404" pitchFamily="49" charset="0"/>
+                <a:cs typeface="Courier New" panose="02070309020205020404" pitchFamily="49" charset="0"/>
+              </a:rPr>
+              <a:t>1</a:t>
+            </a:r>
+            <a:r>
+              <a:rPr lang="pt-BR" sz="2800" dirty="0">
+                <a:latin typeface="Courier New" panose="02070309020205020404" pitchFamily="49" charset="0"/>
+                <a:cs typeface="Courier New" panose="02070309020205020404" pitchFamily="49" charset="0"/>
+              </a:rPr>
+              <a:t>  node n1</a:t>
+            </a:r>
+          </a:p>
+          <a:p>
+            <a:r>
+              <a:rPr lang="pt-BR" sz="2800" dirty="0">
+                <a:solidFill>
+                  <a:schemeClr val="bg1">
+                    <a:lumMod val="65000"/>
+                  </a:schemeClr>
+                </a:solidFill>
+                <a:latin typeface="Courier New" panose="02070309020205020404" pitchFamily="49" charset="0"/>
+                <a:cs typeface="Courier New" panose="02070309020205020404" pitchFamily="49" charset="0"/>
+              </a:rPr>
+              <a:t>2</a:t>
+            </a:r>
+            <a:r>
+              <a:rPr lang="pt-BR" sz="2800" dirty="0">
+                <a:latin typeface="Courier New" panose="02070309020205020404" pitchFamily="49" charset="0"/>
+                <a:cs typeface="Courier New" panose="02070309020205020404" pitchFamily="49" charset="0"/>
+              </a:rPr>
+              <a:t>  node n2</a:t>
+            </a:r>
+          </a:p>
+          <a:p>
+            <a:r>
+              <a:rPr lang="pt-BR" sz="2800" dirty="0">
+                <a:solidFill>
+                  <a:schemeClr val="bg1">
+                    <a:lumMod val="65000"/>
+                  </a:schemeClr>
+                </a:solidFill>
+                <a:latin typeface="Courier New" panose="02070309020205020404" pitchFamily="49" charset="0"/>
+                <a:cs typeface="Courier New" panose="02070309020205020404" pitchFamily="49" charset="0"/>
+              </a:rPr>
+              <a:t>3</a:t>
+            </a:r>
+            <a:r>
+              <a:rPr lang="pt-BR" sz="2800" dirty="0">
+                <a:latin typeface="Courier New" panose="02070309020205020404" pitchFamily="49" charset="0"/>
+                <a:cs typeface="Courier New" panose="02070309020205020404" pitchFamily="49" charset="0"/>
+              </a:rPr>
+              <a:t>  node n3</a:t>
+            </a:r>
+          </a:p>
+          <a:p>
+            <a:r>
+              <a:rPr lang="pt-BR" sz="2800" dirty="0">
+                <a:solidFill>
+                  <a:schemeClr val="bg1">
+                    <a:lumMod val="65000"/>
+                  </a:schemeClr>
+                </a:solidFill>
+                <a:latin typeface="Courier New" panose="02070309020205020404" pitchFamily="49" charset="0"/>
+                <a:cs typeface="Courier New" panose="02070309020205020404" pitchFamily="49" charset="0"/>
+              </a:rPr>
+              <a:t>4</a:t>
+            </a:r>
+            <a:r>
+              <a:rPr lang="pt-BR" sz="2800" dirty="0">
+                <a:latin typeface="Courier New" panose="02070309020205020404" pitchFamily="49" charset="0"/>
+                <a:cs typeface="Courier New" panose="02070309020205020404" pitchFamily="49" charset="0"/>
+              </a:rPr>
+              <a:t>  node n4</a:t>
+            </a:r>
+          </a:p>
+          <a:p>
+            <a:r>
+              <a:rPr lang="pt-BR" sz="2800" dirty="0">
+                <a:solidFill>
+                  <a:schemeClr val="bg1">
+                    <a:lumMod val="65000"/>
+                  </a:schemeClr>
+                </a:solidFill>
+                <a:latin typeface="Courier New" panose="02070309020205020404" pitchFamily="49" charset="0"/>
+                <a:cs typeface="Courier New" panose="02070309020205020404" pitchFamily="49" charset="0"/>
+              </a:rPr>
+              <a:t>5  </a:t>
+            </a:r>
+            <a:r>
+              <a:rPr lang="pt-BR" sz="2800" dirty="0">
+                <a:latin typeface="Courier New" panose="02070309020205020404" pitchFamily="49" charset="0"/>
+                <a:cs typeface="Courier New" panose="02070309020205020404" pitchFamily="49" charset="0"/>
+              </a:rPr>
+              <a:t>edge n1 n3</a:t>
+            </a:r>
+          </a:p>
+          <a:p>
+            <a:r>
+              <a:rPr lang="pt-BR" sz="2800" dirty="0">
+                <a:solidFill>
+                  <a:schemeClr val="bg1">
+                    <a:lumMod val="65000"/>
+                  </a:schemeClr>
+                </a:solidFill>
+                <a:latin typeface="Courier New" panose="02070309020205020404" pitchFamily="49" charset="0"/>
+                <a:cs typeface="Courier New" panose="02070309020205020404" pitchFamily="49" charset="0"/>
+              </a:rPr>
+              <a:t>6 </a:t>
+            </a:r>
+            <a:r>
+              <a:rPr lang="pt-BR" sz="2800" dirty="0">
+                <a:latin typeface="Courier New" panose="02070309020205020404" pitchFamily="49" charset="0"/>
+                <a:cs typeface="Courier New" panose="02070309020205020404" pitchFamily="49" charset="0"/>
+              </a:rPr>
+              <a:t> edge n2 n3</a:t>
+            </a:r>
+          </a:p>
+          <a:p>
+            <a:r>
+              <a:rPr lang="pt-BR" sz="2800" dirty="0">
+                <a:solidFill>
+                  <a:schemeClr val="bg1">
+                    <a:lumMod val="65000"/>
+                  </a:schemeClr>
+                </a:solidFill>
+                <a:latin typeface="Courier New" panose="02070309020205020404" pitchFamily="49" charset="0"/>
+                <a:cs typeface="Courier New" panose="02070309020205020404" pitchFamily="49" charset="0"/>
+              </a:rPr>
+              <a:t>7</a:t>
+            </a:r>
+            <a:r>
+              <a:rPr lang="pt-BR" sz="2800" dirty="0">
+                <a:latin typeface="Courier New" panose="02070309020205020404" pitchFamily="49" charset="0"/>
+                <a:cs typeface="Courier New" panose="02070309020205020404" pitchFamily="49" charset="0"/>
+              </a:rPr>
+              <a:t>  edge n3 n4</a:t>
+            </a:r>
+          </a:p>
+          <a:p>
+            <a:r>
+              <a:rPr lang="pt-BR" sz="2800" dirty="0">
+                <a:solidFill>
+                  <a:schemeClr val="bg1">
+                    <a:lumMod val="65000"/>
+                  </a:schemeClr>
+                </a:solidFill>
+                <a:latin typeface="Courier New" panose="02070309020205020404" pitchFamily="49" charset="0"/>
+                <a:cs typeface="Courier New" panose="02070309020205020404" pitchFamily="49" charset="0"/>
+              </a:rPr>
+              <a:t>8</a:t>
+            </a:r>
+            <a:r>
+              <a:rPr lang="pt-BR" sz="2800" dirty="0">
+                <a:solidFill>
+                  <a:schemeClr val="bg1">
+                    <a:lumMod val="85000"/>
+                  </a:schemeClr>
+                </a:solidFill>
+                <a:latin typeface="Courier New" panose="02070309020205020404" pitchFamily="49" charset="0"/>
+                <a:cs typeface="Courier New" panose="02070309020205020404" pitchFamily="49" charset="0"/>
+              </a:rPr>
+              <a:t> </a:t>
+            </a:r>
+            <a:r>
+              <a:rPr lang="pt-BR" sz="2800" dirty="0">
+                <a:latin typeface="Courier New" panose="02070309020205020404" pitchFamily="49" charset="0"/>
+                <a:cs typeface="Courier New" panose="02070309020205020404" pitchFamily="49" charset="0"/>
+              </a:rPr>
+              <a:t> edge n2 n4</a:t>
+            </a:r>
+            <a:endParaRPr lang="de-DE" sz="2800" dirty="0">
+              <a:latin typeface="Courier New" panose="02070309020205020404" pitchFamily="49" charset="0"/>
+              <a:cs typeface="Courier New" panose="02070309020205020404" pitchFamily="49" charset="0"/>
+            </a:endParaRPr>
+          </a:p>
+        </p:txBody>
+      </p:sp>
+    </p:spTree>
+    <p:extLst>
+      <p:ext uri="{BB962C8B-B14F-4D97-AF65-F5344CB8AC3E}">
         <p14:creationId xmlns:p14="http://schemas.microsoft.com/office/powerpoint/2010/main" val="275270233"/>
       </p:ext>
     </p:extLst>
@@ -7418,7 +8793,7 @@
 </p:sld>
 </file>
 
-<file path=ppt/slides/slide11.xml><?xml version="1.0" encoding="utf-8"?>
+<file path=ppt/slides/slide12.xml><?xml version="1.0" encoding="utf-8"?>
 <p:sld xmlns:a="http://schemas.openxmlformats.org/drawingml/2006/main" xmlns:r="http://schemas.openxmlformats.org/officeDocument/2006/relationships" xmlns:p="http://schemas.openxmlformats.org/presentationml/2006/main">
   <p:cSld>
     <p:spTree>
@@ -8013,713 +9388,6 @@
           </a:p>
         </p:txBody>
       </p:sp>
-      <p:sp>
-        <p:nvSpPr>
-          <p:cNvPr id="8" name="Pfeil: nach rechts 7">
-            <a:extLst>
-              <a:ext uri="{FF2B5EF4-FFF2-40B4-BE49-F238E27FC236}">
-                <a16:creationId xmlns:a16="http://schemas.microsoft.com/office/drawing/2014/main" id="{882CBB86-0F40-4D22-8CB9-3ED81AB8740C}"/>
-              </a:ext>
-            </a:extLst>
-          </p:cNvPr>
-          <p:cNvSpPr/>
-          <p:nvPr/>
-        </p:nvSpPr>
-        <p:spPr>
-          <a:xfrm>
-            <a:off x="1168259" y="3237099"/>
-            <a:ext cx="2653273" cy="1219236"/>
-          </a:xfrm>
-          <a:prstGeom prst="rightArrow">
-            <a:avLst/>
-          </a:prstGeom>
-          <a:solidFill>
-            <a:srgbClr val="251658">
-              <a:alpha val="20000"/>
-            </a:srgbClr>
-          </a:solidFill>
-          <a:ln w="28575">
-            <a:solidFill>
-              <a:srgbClr val="8C81AF"/>
-            </a:solidFill>
-          </a:ln>
-          <a:effectLst>
-            <a:glow>
-              <a:schemeClr val="accent4">
-                <a:lumMod val="20000"/>
-                <a:lumOff val="80000"/>
-              </a:schemeClr>
-            </a:glow>
-          </a:effectLst>
-        </p:spPr>
-        <p:style>
-          <a:lnRef idx="2">
-            <a:schemeClr val="accent1">
-              <a:shade val="50000"/>
-            </a:schemeClr>
-          </a:lnRef>
-          <a:fillRef idx="1">
-            <a:schemeClr val="accent1"/>
-          </a:fillRef>
-          <a:effectRef idx="0">
-            <a:schemeClr val="accent1"/>
-          </a:effectRef>
-          <a:fontRef idx="minor">
-            <a:schemeClr val="lt1"/>
-          </a:fontRef>
-        </p:style>
-        <p:txBody>
-          <a:bodyPr rot="0" spcFirstLastPara="0" vertOverflow="overflow" horzOverflow="overflow" vert="horz" wrap="square" lIns="91440" tIns="45720" rIns="91440" bIns="45720" numCol="1" spcCol="0" rtlCol="0" fromWordArt="0" anchor="ctr" anchorCtr="0" forceAA="0" compatLnSpc="1">
-            <a:prstTxWarp prst="textNoShape">
-              <a:avLst/>
-            </a:prstTxWarp>
-            <a:noAutofit/>
-          </a:bodyPr>
-          <a:lstStyle/>
-          <a:p>
-            <a:pPr algn="ctr"/>
-            <a:r>
-              <a:rPr lang="de-DE" sz="2000" dirty="0" err="1">
-                <a:solidFill>
-                  <a:schemeClr val="tx1"/>
-                </a:solidFill>
-              </a:rPr>
-              <a:t>Zykelfreier</a:t>
-            </a:r>
-            <a:r>
-              <a:rPr lang="de-DE" sz="2000" dirty="0">
-                <a:solidFill>
-                  <a:schemeClr val="tx1"/>
-                </a:solidFill>
-              </a:rPr>
-              <a:t> </a:t>
-            </a:r>
-            <a:r>
-              <a:rPr lang="de-DE" sz="2000" dirty="0" err="1">
-                <a:solidFill>
-                  <a:schemeClr val="tx1"/>
-                </a:solidFill>
-              </a:rPr>
-              <a:t>ElkGraph</a:t>
-            </a:r>
-            <a:endParaRPr lang="de-DE" sz="2000" dirty="0">
-              <a:solidFill>
-                <a:schemeClr val="tx1"/>
-              </a:solidFill>
-            </a:endParaRPr>
-          </a:p>
-        </p:txBody>
-      </p:sp>
-      <p:sp>
-        <p:nvSpPr>
-          <p:cNvPr id="47" name="Pfeil: nach rechts 46">
-            <a:extLst>
-              <a:ext uri="{FF2B5EF4-FFF2-40B4-BE49-F238E27FC236}">
-                <a16:creationId xmlns:a16="http://schemas.microsoft.com/office/drawing/2014/main" id="{613E715B-2B5A-4937-8971-F143C8BB781F}"/>
-              </a:ext>
-            </a:extLst>
-          </p:cNvPr>
-          <p:cNvSpPr/>
-          <p:nvPr/>
-        </p:nvSpPr>
-        <p:spPr>
-          <a:xfrm>
-            <a:off x="8370467" y="3237099"/>
-            <a:ext cx="2653273" cy="1219236"/>
-          </a:xfrm>
-          <a:prstGeom prst="rightArrow">
-            <a:avLst/>
-          </a:prstGeom>
-          <a:solidFill>
-            <a:srgbClr val="0E5E26">
-              <a:alpha val="20000"/>
-            </a:srgbClr>
-          </a:solidFill>
-          <a:ln w="28575">
-            <a:solidFill>
-              <a:srgbClr val="84BC95"/>
-            </a:solidFill>
-          </a:ln>
-        </p:spPr>
-        <p:style>
-          <a:lnRef idx="2">
-            <a:schemeClr val="accent1">
-              <a:shade val="50000"/>
-            </a:schemeClr>
-          </a:lnRef>
-          <a:fillRef idx="1">
-            <a:schemeClr val="accent1"/>
-          </a:fillRef>
-          <a:effectRef idx="0">
-            <a:schemeClr val="accent1"/>
-          </a:effectRef>
-          <a:fontRef idx="minor">
-            <a:schemeClr val="lt1"/>
-          </a:fontRef>
-        </p:style>
-        <p:txBody>
-          <a:bodyPr rot="0" spcFirstLastPara="0" vertOverflow="overflow" horzOverflow="overflow" vert="horz" wrap="square" lIns="91440" tIns="45720" rIns="91440" bIns="45720" numCol="1" spcCol="0" rtlCol="0" fromWordArt="0" anchor="ctr" anchorCtr="0" forceAA="0" compatLnSpc="1">
-            <a:prstTxWarp prst="textNoShape">
-              <a:avLst/>
-            </a:prstTxWarp>
-            <a:noAutofit/>
-          </a:bodyPr>
-          <a:lstStyle/>
-          <a:p>
-            <a:pPr algn="ctr"/>
-            <a:r>
-              <a:rPr lang="de-DE" sz="2000" dirty="0">
-                <a:solidFill>
-                  <a:schemeClr val="tx1"/>
-                </a:solidFill>
-              </a:rPr>
-              <a:t>Array </a:t>
-            </a:r>
-            <a:r>
-              <a:rPr lang="de-DE" sz="2000" dirty="0" err="1">
-                <a:solidFill>
-                  <a:schemeClr val="tx1"/>
-                </a:solidFill>
-              </a:rPr>
-              <a:t>of</a:t>
-            </a:r>
-            <a:r>
-              <a:rPr lang="de-DE" sz="2000" dirty="0">
-                <a:solidFill>
-                  <a:schemeClr val="tx1"/>
-                </a:solidFill>
-              </a:rPr>
-              <a:t> </a:t>
-            </a:r>
-            <a:r>
-              <a:rPr lang="de-DE" sz="2000" dirty="0" err="1">
-                <a:solidFill>
-                  <a:schemeClr val="tx1"/>
-                </a:solidFill>
-              </a:rPr>
-              <a:t>MyGraph</a:t>
-            </a:r>
-            <a:endParaRPr lang="de-DE" sz="2000" dirty="0">
-              <a:solidFill>
-                <a:schemeClr val="tx1"/>
-              </a:solidFill>
-            </a:endParaRPr>
-          </a:p>
-        </p:txBody>
-      </p:sp>
-      <p:sp>
-        <p:nvSpPr>
-          <p:cNvPr id="83" name="Rechteck 82">
-            <a:extLst>
-              <a:ext uri="{FF2B5EF4-FFF2-40B4-BE49-F238E27FC236}">
-                <a16:creationId xmlns:a16="http://schemas.microsoft.com/office/drawing/2014/main" id="{54850671-A68F-430D-9013-5B4915E20BDC}"/>
-              </a:ext>
-            </a:extLst>
-          </p:cNvPr>
-          <p:cNvSpPr/>
-          <p:nvPr/>
-        </p:nvSpPr>
-        <p:spPr>
-          <a:xfrm>
-            <a:off x="4509009" y="1462024"/>
-            <a:ext cx="3173981" cy="5113397"/>
-          </a:xfrm>
-          <a:prstGeom prst="rect">
-            <a:avLst/>
-          </a:prstGeom>
-          <a:solidFill>
-            <a:srgbClr val="781224">
-              <a:alpha val="34000"/>
-            </a:srgbClr>
-          </a:solidFill>
-          <a:ln>
-            <a:noFill/>
-          </a:ln>
-        </p:spPr>
-        <p:style>
-          <a:lnRef idx="2">
-            <a:schemeClr val="accent1">
-              <a:shade val="50000"/>
-            </a:schemeClr>
-          </a:lnRef>
-          <a:fillRef idx="1">
-            <a:schemeClr val="accent1"/>
-          </a:fillRef>
-          <a:effectRef idx="0">
-            <a:schemeClr val="accent1"/>
-          </a:effectRef>
-          <a:fontRef idx="minor">
-            <a:schemeClr val="lt1"/>
-          </a:fontRef>
-        </p:style>
-        <p:txBody>
-          <a:bodyPr rtlCol="0" anchor="t"/>
-          <a:lstStyle/>
-          <a:p>
-            <a:endParaRPr lang="de-DE" sz="2000" dirty="0">
-              <a:solidFill>
-                <a:schemeClr val="tx1"/>
-              </a:solidFill>
-            </a:endParaRPr>
-          </a:p>
-          <a:p>
-            <a:pPr marL="342900" indent="-255588">
-              <a:buFont typeface="Arial" panose="020B0604020202020204" pitchFamily="34" charset="0"/>
-              <a:buChar char="•"/>
-            </a:pPr>
-            <a:endParaRPr lang="de-DE" sz="2000" b="1" dirty="0">
-              <a:solidFill>
-                <a:schemeClr val="tx1"/>
-              </a:solidFill>
-            </a:endParaRPr>
-          </a:p>
-          <a:p>
-            <a:pPr marL="342900" indent="-255588">
-              <a:buFont typeface="Arial" panose="020B0604020202020204" pitchFamily="34" charset="0"/>
-              <a:buChar char="•"/>
-            </a:pPr>
-            <a:endParaRPr lang="de-DE" sz="2000" b="1" dirty="0">
-              <a:solidFill>
-                <a:schemeClr val="tx1"/>
-              </a:solidFill>
-            </a:endParaRPr>
-          </a:p>
-          <a:p>
-            <a:pPr marL="342900" indent="-255588">
-              <a:buFont typeface="Arial" panose="020B0604020202020204" pitchFamily="34" charset="0"/>
-              <a:buChar char="•"/>
-            </a:pPr>
-            <a:endParaRPr lang="de-DE" sz="2000" b="1" dirty="0">
-              <a:solidFill>
-                <a:schemeClr val="tx1"/>
-              </a:solidFill>
-            </a:endParaRPr>
-          </a:p>
-          <a:p>
-            <a:pPr marL="342900" indent="-255588">
-              <a:buFont typeface="Arial" panose="020B0604020202020204" pitchFamily="34" charset="0"/>
-              <a:buChar char="•"/>
-            </a:pPr>
-            <a:endParaRPr lang="de-DE" sz="2000" b="1" dirty="0">
-              <a:solidFill>
-                <a:schemeClr val="tx1"/>
-              </a:solidFill>
-            </a:endParaRPr>
-          </a:p>
-          <a:p>
-            <a:pPr marL="342900" indent="-255588">
-              <a:buFont typeface="Arial" panose="020B0604020202020204" pitchFamily="34" charset="0"/>
-              <a:buChar char="•"/>
-            </a:pPr>
-            <a:r>
-              <a:rPr lang="de-DE" sz="2000" b="1" dirty="0" err="1">
-                <a:solidFill>
-                  <a:schemeClr val="tx1"/>
-                </a:solidFill>
-              </a:rPr>
-              <a:t>Implementing</a:t>
-            </a:r>
-            <a:r>
-              <a:rPr lang="de-DE" sz="2000" b="1" dirty="0">
-                <a:solidFill>
-                  <a:schemeClr val="tx1"/>
-                </a:solidFill>
-              </a:rPr>
-              <a:t> </a:t>
-            </a:r>
-            <a:r>
-              <a:rPr lang="de-DE" sz="2000" b="1" dirty="0" err="1">
-                <a:solidFill>
-                  <a:schemeClr val="tx1"/>
-                </a:solidFill>
-              </a:rPr>
-              <a:t>the</a:t>
-            </a:r>
-            <a:r>
-              <a:rPr lang="de-DE" sz="2000" b="1" dirty="0">
-                <a:solidFill>
-                  <a:schemeClr val="tx1"/>
-                </a:solidFill>
-              </a:rPr>
-              <a:t> Layer </a:t>
-            </a:r>
-            <a:r>
-              <a:rPr lang="de-DE" sz="2000" b="1" dirty="0" err="1">
-                <a:solidFill>
-                  <a:schemeClr val="tx1"/>
-                </a:solidFill>
-              </a:rPr>
-              <a:t>Assignment</a:t>
-            </a:r>
-            <a:r>
-              <a:rPr lang="de-DE" sz="2000" b="1" dirty="0">
-                <a:solidFill>
-                  <a:schemeClr val="tx1"/>
-                </a:solidFill>
-              </a:rPr>
-              <a:t> </a:t>
-            </a:r>
-            <a:r>
-              <a:rPr lang="de-DE" sz="2000" b="1" dirty="0" err="1">
-                <a:solidFill>
-                  <a:schemeClr val="tx1"/>
-                </a:solidFill>
-              </a:rPr>
-              <a:t>Algorithm</a:t>
-            </a:r>
-            <a:endParaRPr lang="de-DE" sz="2000" b="1" dirty="0">
-              <a:solidFill>
-                <a:schemeClr val="tx1"/>
-              </a:solidFill>
-            </a:endParaRPr>
-          </a:p>
-          <a:p>
-            <a:pPr marL="342900" indent="-255588">
-              <a:buFont typeface="Arial" panose="020B0604020202020204" pitchFamily="34" charset="0"/>
-              <a:buChar char="•"/>
-            </a:pPr>
-            <a:endParaRPr lang="de-DE" sz="2000" b="1" dirty="0">
-              <a:solidFill>
-                <a:schemeClr val="tx1"/>
-              </a:solidFill>
-            </a:endParaRPr>
-          </a:p>
-          <a:p>
-            <a:pPr marL="342900" indent="-255588">
-              <a:buFont typeface="Arial" panose="020B0604020202020204" pitchFamily="34" charset="0"/>
-              <a:buChar char="•"/>
-            </a:pPr>
-            <a:r>
-              <a:rPr lang="de-DE" sz="2000" b="1" dirty="0" err="1">
-                <a:solidFill>
-                  <a:schemeClr val="tx1"/>
-                </a:solidFill>
-              </a:rPr>
-              <a:t>Translate</a:t>
-            </a:r>
-            <a:r>
-              <a:rPr lang="de-DE" sz="2000" b="1" dirty="0">
-                <a:solidFill>
-                  <a:schemeClr val="tx1"/>
-                </a:solidFill>
-              </a:rPr>
-              <a:t> </a:t>
-            </a:r>
-            <a:r>
-              <a:rPr lang="de-DE" sz="2000" b="1" dirty="0" err="1">
-                <a:solidFill>
-                  <a:schemeClr val="tx1"/>
-                </a:solidFill>
-              </a:rPr>
-              <a:t>ElkGraph</a:t>
-            </a:r>
-            <a:r>
-              <a:rPr lang="de-DE" sz="2000" b="1" dirty="0">
-                <a:solidFill>
-                  <a:schemeClr val="tx1"/>
-                </a:solidFill>
-              </a:rPr>
-              <a:t> </a:t>
-            </a:r>
-            <a:r>
-              <a:rPr lang="de-DE" sz="2000" b="1" dirty="0" err="1">
-                <a:solidFill>
-                  <a:schemeClr val="tx1"/>
-                </a:solidFill>
-              </a:rPr>
-              <a:t>to</a:t>
-            </a:r>
-            <a:r>
-              <a:rPr lang="de-DE" sz="2000" b="1" dirty="0">
-                <a:solidFill>
-                  <a:schemeClr val="tx1"/>
-                </a:solidFill>
-              </a:rPr>
-              <a:t> </a:t>
-            </a:r>
-            <a:r>
-              <a:rPr lang="de-DE" sz="2000" b="1" dirty="0" err="1">
-                <a:solidFill>
-                  <a:schemeClr val="tx1"/>
-                </a:solidFill>
-              </a:rPr>
-              <a:t>MyGraph</a:t>
-            </a:r>
-            <a:endParaRPr lang="de-DE" sz="2000" b="1" dirty="0">
-              <a:solidFill>
-                <a:schemeClr val="tx1"/>
-              </a:solidFill>
-            </a:endParaRPr>
-          </a:p>
-          <a:p>
-            <a:pPr marL="342900" indent="-255588">
-              <a:buFont typeface="Arial" panose="020B0604020202020204" pitchFamily="34" charset="0"/>
-              <a:buChar char="•"/>
-            </a:pPr>
-            <a:endParaRPr lang="de-DE" sz="2000" b="1" dirty="0">
-              <a:solidFill>
-                <a:schemeClr val="tx1"/>
-              </a:solidFill>
-            </a:endParaRPr>
-          </a:p>
-          <a:p>
-            <a:pPr marL="342900" indent="-255588">
-              <a:buFont typeface="Arial" panose="020B0604020202020204" pitchFamily="34" charset="0"/>
-              <a:buChar char="•"/>
-            </a:pPr>
-            <a:r>
-              <a:rPr lang="de-DE" sz="2000" b="1" dirty="0">
-                <a:solidFill>
-                  <a:schemeClr val="tx1"/>
-                </a:solidFill>
-              </a:rPr>
-              <a:t>Output: Array </a:t>
-            </a:r>
-            <a:r>
-              <a:rPr lang="de-DE" sz="2000" b="1" dirty="0" err="1">
-                <a:solidFill>
-                  <a:schemeClr val="tx1"/>
-                </a:solidFill>
-              </a:rPr>
-              <a:t>of</a:t>
-            </a:r>
-            <a:r>
-              <a:rPr lang="de-DE" sz="2000" b="1" dirty="0">
-                <a:solidFill>
-                  <a:schemeClr val="tx1"/>
-                </a:solidFill>
-              </a:rPr>
-              <a:t> </a:t>
-            </a:r>
-            <a:r>
-              <a:rPr lang="de-DE" sz="2000" b="1" dirty="0" err="1">
-                <a:solidFill>
-                  <a:schemeClr val="tx1"/>
-                </a:solidFill>
-              </a:rPr>
-              <a:t>MyGraph</a:t>
-            </a:r>
-            <a:endParaRPr lang="de-DE" sz="2000" b="1" dirty="0">
-              <a:solidFill>
-                <a:schemeClr val="tx1"/>
-              </a:solidFill>
-            </a:endParaRPr>
-          </a:p>
-          <a:p>
-            <a:pPr marL="342900" indent="-255588">
-              <a:buFont typeface="Arial" panose="020B0604020202020204" pitchFamily="34" charset="0"/>
-              <a:buChar char="•"/>
-            </a:pPr>
-            <a:endParaRPr lang="de-DE" sz="2000" b="1" dirty="0">
-              <a:solidFill>
-                <a:schemeClr val="tx1"/>
-              </a:solidFill>
-            </a:endParaRPr>
-          </a:p>
-          <a:p>
-            <a:pPr marL="342900" indent="-255588">
-              <a:buFont typeface="Arial" panose="020B0604020202020204" pitchFamily="34" charset="0"/>
-              <a:buChar char="•"/>
-            </a:pPr>
-            <a:r>
-              <a:rPr lang="de-DE" sz="2000" b="1" dirty="0" err="1">
-                <a:solidFill>
-                  <a:schemeClr val="tx1"/>
-                </a:solidFill>
-              </a:rPr>
-              <a:t>Testing</a:t>
-            </a:r>
-            <a:endParaRPr lang="de-DE" sz="2000" b="1" dirty="0">
-              <a:solidFill>
-                <a:schemeClr val="tx1"/>
-              </a:solidFill>
-            </a:endParaRPr>
-          </a:p>
-          <a:p>
-            <a:pPr marL="342900" indent="-342900">
-              <a:buFont typeface="Arial" panose="020B0604020202020204" pitchFamily="34" charset="0"/>
-              <a:buChar char="•"/>
-            </a:pPr>
-            <a:endParaRPr lang="de-DE" sz="2400" dirty="0">
-              <a:solidFill>
-                <a:schemeClr val="tx1"/>
-              </a:solidFill>
-            </a:endParaRPr>
-          </a:p>
-        </p:txBody>
-      </p:sp>
-      <p:grpSp>
-        <p:nvGrpSpPr>
-          <p:cNvPr id="84" name="Gruppieren 83">
-            <a:extLst>
-              <a:ext uri="{FF2B5EF4-FFF2-40B4-BE49-F238E27FC236}">
-                <a16:creationId xmlns:a16="http://schemas.microsoft.com/office/drawing/2014/main" id="{1AC3D877-3129-46B9-800E-31419CE2F787}"/>
-              </a:ext>
-            </a:extLst>
-          </p:cNvPr>
-          <p:cNvGrpSpPr/>
-          <p:nvPr/>
-        </p:nvGrpSpPr>
-        <p:grpSpPr>
-          <a:xfrm>
-            <a:off x="4642603" y="1564976"/>
-            <a:ext cx="2906795" cy="1092972"/>
-            <a:chOff x="3991005" y="4281517"/>
-            <a:chExt cx="3442747" cy="1219237"/>
-          </a:xfrm>
-        </p:grpSpPr>
-        <p:sp>
-          <p:nvSpPr>
-            <p:cNvPr id="85" name="Rechteck: obere Ecken abgeschnitten 84">
-              <a:extLst>
-                <a:ext uri="{FF2B5EF4-FFF2-40B4-BE49-F238E27FC236}">
-                  <a16:creationId xmlns:a16="http://schemas.microsoft.com/office/drawing/2014/main" id="{58056677-0ABC-4C5A-871F-4F130AF0E486}"/>
-                </a:ext>
-              </a:extLst>
-            </p:cNvPr>
-            <p:cNvSpPr/>
-            <p:nvPr/>
-          </p:nvSpPr>
-          <p:spPr>
-            <a:xfrm>
-              <a:off x="3991005" y="4281517"/>
-              <a:ext cx="3442747" cy="1219237"/>
-            </a:xfrm>
-            <a:prstGeom prst="snip2SameRect">
-              <a:avLst>
-                <a:gd name="adj1" fmla="val 50000"/>
-                <a:gd name="adj2" fmla="val 0"/>
-              </a:avLst>
-            </a:prstGeom>
-            <a:solidFill>
-              <a:srgbClr val="781224"/>
-            </a:solidFill>
-            <a:ln w="28575">
-              <a:solidFill>
-                <a:srgbClr val="EFA8B4"/>
-              </a:solidFill>
-            </a:ln>
-          </p:spPr>
-          <p:style>
-            <a:lnRef idx="2">
-              <a:schemeClr val="accent1">
-                <a:shade val="50000"/>
-              </a:schemeClr>
-            </a:lnRef>
-            <a:fillRef idx="1">
-              <a:schemeClr val="accent1"/>
-            </a:fillRef>
-            <a:effectRef idx="0">
-              <a:schemeClr val="accent1"/>
-            </a:effectRef>
-            <a:fontRef idx="minor">
-              <a:schemeClr val="lt1"/>
-            </a:fontRef>
-          </p:style>
-          <p:txBody>
-            <a:bodyPr rtlCol="0" anchor="ctr"/>
-            <a:lstStyle/>
-            <a:p>
-              <a:pPr algn="ctr"/>
-              <a:endParaRPr lang="de-DE"/>
-            </a:p>
-          </p:txBody>
-        </p:sp>
-        <p:sp>
-          <p:nvSpPr>
-            <p:cNvPr id="86" name="Rechteck 85">
-              <a:extLst>
-                <a:ext uri="{FF2B5EF4-FFF2-40B4-BE49-F238E27FC236}">
-                  <a16:creationId xmlns:a16="http://schemas.microsoft.com/office/drawing/2014/main" id="{D23E1B73-42BC-49F5-A803-822E3114E1C4}"/>
-                </a:ext>
-              </a:extLst>
-            </p:cNvPr>
-            <p:cNvSpPr/>
-            <p:nvPr/>
-          </p:nvSpPr>
-          <p:spPr>
-            <a:xfrm>
-              <a:off x="4528281" y="4566705"/>
-              <a:ext cx="2368195" cy="648861"/>
-            </a:xfrm>
-            <a:prstGeom prst="rect">
-              <a:avLst/>
-            </a:prstGeom>
-            <a:noFill/>
-            <a:ln>
-              <a:noFill/>
-            </a:ln>
-          </p:spPr>
-          <p:style>
-            <a:lnRef idx="2">
-              <a:schemeClr val="accent1">
-                <a:shade val="50000"/>
-              </a:schemeClr>
-            </a:lnRef>
-            <a:fillRef idx="1">
-              <a:schemeClr val="accent1"/>
-            </a:fillRef>
-            <a:effectRef idx="0">
-              <a:schemeClr val="accent1"/>
-            </a:effectRef>
-            <a:fontRef idx="minor">
-              <a:schemeClr val="lt1"/>
-            </a:fontRef>
-          </p:style>
-          <p:txBody>
-            <a:bodyPr rtlCol="0" anchor="ctr"/>
-            <a:lstStyle/>
-            <a:p>
-              <a:pPr algn="ctr"/>
-              <a:r>
-                <a:rPr lang="de-DE" sz="2400" dirty="0" err="1">
-                  <a:solidFill>
-                    <a:srgbClr val="EFA8B4"/>
-                  </a:solidFill>
-                </a:rPr>
-                <a:t>Applying</a:t>
-              </a:r>
-              <a:r>
-                <a:rPr lang="de-DE" sz="2400" dirty="0">
-                  <a:solidFill>
-                    <a:srgbClr val="EFA8B4"/>
-                  </a:solidFill>
-                </a:rPr>
-                <a:t> </a:t>
-              </a:r>
-              <a:r>
-                <a:rPr lang="de-DE" sz="2400" dirty="0" err="1">
-                  <a:solidFill>
-                    <a:srgbClr val="EFA8B4"/>
-                  </a:solidFill>
-                </a:rPr>
-                <a:t>the</a:t>
-              </a:r>
-              <a:r>
-                <a:rPr lang="de-DE" sz="2400" dirty="0">
-                  <a:solidFill>
-                    <a:srgbClr val="EFA8B4"/>
-                  </a:solidFill>
-                </a:rPr>
-                <a:t> </a:t>
-              </a:r>
-              <a:r>
-                <a:rPr lang="de-DE" sz="2400" dirty="0" err="1">
-                  <a:solidFill>
-                    <a:srgbClr val="EFA8B4"/>
-                  </a:solidFill>
-                </a:rPr>
-                <a:t>Algorithm</a:t>
-              </a:r>
-              <a:endParaRPr lang="de-DE" sz="2400" dirty="0">
-                <a:solidFill>
-                  <a:srgbClr val="EFA8B4"/>
-                </a:solidFill>
-              </a:endParaRPr>
-            </a:p>
-          </p:txBody>
-        </p:sp>
-      </p:grpSp>
     </p:spTree>
     <p:extLst>
       <p:ext uri="{BB962C8B-B14F-4D97-AF65-F5344CB8AC3E}">
@@ -8733,7 +9401,7 @@
 </p:sld>
 </file>
 
-<file path=ppt/slides/slide12.xml><?xml version="1.0" encoding="utf-8"?>
+<file path=ppt/slides/slide13.xml><?xml version="1.0" encoding="utf-8"?>
 <p:sld xmlns:a="http://schemas.openxmlformats.org/drawingml/2006/main" xmlns:r="http://schemas.openxmlformats.org/officeDocument/2006/relationships" xmlns:p="http://schemas.openxmlformats.org/presentationml/2006/main">
   <p:cSld>
     <p:spTree>
@@ -9394,12 +10062,20 @@
           <a:p>
             <a:pPr algn="ctr"/>
             <a:r>
+              <a:rPr lang="de-DE" sz="2000" dirty="0">
+                <a:solidFill>
+                  <a:schemeClr val="tx1"/>
+                </a:solidFill>
+              </a:rPr>
+              <a:t>Cycle-</a:t>
+            </a:r>
+            <a:r>
               <a:rPr lang="de-DE" sz="2000" dirty="0" err="1">
                 <a:solidFill>
                   <a:schemeClr val="tx1"/>
                 </a:solidFill>
               </a:rPr>
-              <a:t>Zykelfreier</a:t>
+              <a:t>free</a:t>
             </a:r>
             <a:r>
               <a:rPr lang="de-DE" sz="2000" dirty="0">
@@ -9622,9 +10298,9 @@
             </a:endParaRPr>
           </a:p>
           <a:p>
-            <a:pPr marL="430212" indent="-342900">
-              <a:buFont typeface="Wingdings" panose="05000000000000000000" pitchFamily="2" charset="2"/>
-              <a:buChar char="ü"/>
+            <a:pPr marL="342900" indent="-255588">
+              <a:buFont typeface="Arial" panose="020B0604020202020204" pitchFamily="34" charset="0"/>
+              <a:buChar char="•"/>
             </a:pPr>
             <a:r>
               <a:rPr lang="de-DE" sz="2000" b="1" dirty="0" err="1">
@@ -9700,9 +10376,9 @@
             </a:endParaRPr>
           </a:p>
           <a:p>
-            <a:pPr marL="430212" indent="-342900">
-              <a:buFont typeface="Wingdings" panose="05000000000000000000" pitchFamily="2" charset="2"/>
-              <a:buChar char="ü"/>
+            <a:pPr marL="342900" indent="-255588">
+              <a:buFont typeface="Arial" panose="020B0604020202020204" pitchFamily="34" charset="0"/>
+              <a:buChar char="•"/>
             </a:pPr>
             <a:r>
               <a:rPr lang="de-DE" sz="2000" b="1" dirty="0" err="1">
@@ -9778,9 +10454,9 @@
             </a:endParaRPr>
           </a:p>
           <a:p>
-            <a:pPr marL="430212" indent="-342900">
-              <a:buFont typeface="Wingdings" panose="05000000000000000000" pitchFamily="2" charset="2"/>
-              <a:buChar char="ü"/>
+            <a:pPr marL="342900" indent="-255588">
+              <a:buFont typeface="Arial" panose="020B0604020202020204" pitchFamily="34" charset="0"/>
+              <a:buChar char="•"/>
             </a:pPr>
             <a:r>
               <a:rPr lang="de-DE" sz="2000" b="1" dirty="0">
@@ -10038,6 +10714,1329 @@
     </p:spTree>
     <p:extLst>
       <p:ext uri="{BB962C8B-B14F-4D97-AF65-F5344CB8AC3E}">
+        <p14:creationId xmlns:p14="http://schemas.microsoft.com/office/powerpoint/2010/main" val="2304796054"/>
+      </p:ext>
+    </p:extLst>
+  </p:cSld>
+  <p:clrMapOvr>
+    <a:masterClrMapping/>
+  </p:clrMapOvr>
+</p:sld>
+</file>
+
+<file path=ppt/slides/slide14.xml><?xml version="1.0" encoding="utf-8"?>
+<p:sld xmlns:a="http://schemas.openxmlformats.org/drawingml/2006/main" xmlns:r="http://schemas.openxmlformats.org/officeDocument/2006/relationships" xmlns:p="http://schemas.openxmlformats.org/presentationml/2006/main">
+  <p:cSld>
+    <p:spTree>
+      <p:nvGrpSpPr>
+        <p:cNvPr id="1" name=""/>
+        <p:cNvGrpSpPr/>
+        <p:nvPr/>
+      </p:nvGrpSpPr>
+      <p:grpSpPr>
+        <a:xfrm>
+          <a:off x="0" y="0"/>
+          <a:ext cx="0" cy="0"/>
+          <a:chOff x="0" y="0"/>
+          <a:chExt cx="0" cy="0"/>
+        </a:xfrm>
+      </p:grpSpPr>
+      <p:grpSp>
+        <p:nvGrpSpPr>
+          <p:cNvPr id="12" name="Gruppieren 11">
+            <a:extLst>
+              <a:ext uri="{FF2B5EF4-FFF2-40B4-BE49-F238E27FC236}">
+                <a16:creationId xmlns:a16="http://schemas.microsoft.com/office/drawing/2014/main" id="{1150C0B7-662C-455F-AE20-80D96C5D73DF}"/>
+              </a:ext>
+            </a:extLst>
+          </p:cNvPr>
+          <p:cNvGrpSpPr>
+            <a:grpSpLocks noChangeAspect="1"/>
+          </p:cNvGrpSpPr>
+          <p:nvPr/>
+        </p:nvGrpSpPr>
+        <p:grpSpPr>
+          <a:xfrm>
+            <a:off x="217785" y="197006"/>
+            <a:ext cx="1898691" cy="489676"/>
+            <a:chOff x="972000" y="3600000"/>
+            <a:chExt cx="9264707" cy="1904917"/>
+          </a:xfrm>
+        </p:grpSpPr>
+        <p:grpSp>
+          <p:nvGrpSpPr>
+            <p:cNvPr id="13" name="Gruppieren 12">
+              <a:extLst>
+                <a:ext uri="{FF2B5EF4-FFF2-40B4-BE49-F238E27FC236}">
+                  <a16:creationId xmlns:a16="http://schemas.microsoft.com/office/drawing/2014/main" id="{FBE30E77-90A2-4AE6-B1D4-601DE9836D1A}"/>
+                </a:ext>
+              </a:extLst>
+            </p:cNvPr>
+            <p:cNvGrpSpPr/>
+            <p:nvPr/>
+          </p:nvGrpSpPr>
+          <p:grpSpPr>
+            <a:xfrm>
+              <a:off x="972000" y="3600000"/>
+              <a:ext cx="3442749" cy="1219236"/>
+              <a:chOff x="1065285" y="3182901"/>
+              <a:chExt cx="3442749" cy="1219236"/>
+            </a:xfrm>
+          </p:grpSpPr>
+          <p:sp>
+            <p:nvSpPr>
+              <p:cNvPr id="20" name="Rechteck: eine Ecke abgeschnitten 19">
+                <a:extLst>
+                  <a:ext uri="{FF2B5EF4-FFF2-40B4-BE49-F238E27FC236}">
+                    <a16:creationId xmlns:a16="http://schemas.microsoft.com/office/drawing/2014/main" id="{F85BE369-A563-40ED-95A6-5BC47B28AD55}"/>
+                  </a:ext>
+                </a:extLst>
+              </p:cNvPr>
+              <p:cNvSpPr/>
+              <p:nvPr/>
+            </p:nvSpPr>
+            <p:spPr>
+              <a:xfrm flipV="1">
+                <a:off x="1065285" y="3182901"/>
+                <a:ext cx="3442749" cy="1219236"/>
+              </a:xfrm>
+              <a:prstGeom prst="snip1Rect">
+                <a:avLst>
+                  <a:gd name="adj" fmla="val 50000"/>
+                </a:avLst>
+              </a:prstGeom>
+              <a:solidFill>
+                <a:schemeClr val="bg1">
+                  <a:lumMod val="85000"/>
+                </a:schemeClr>
+              </a:solidFill>
+              <a:ln w="28575">
+                <a:solidFill>
+                  <a:schemeClr val="bg1">
+                    <a:lumMod val="75000"/>
+                  </a:schemeClr>
+                </a:solidFill>
+              </a:ln>
+              <a:effectLst>
+                <a:glow>
+                  <a:schemeClr val="accent4">
+                    <a:lumMod val="20000"/>
+                    <a:lumOff val="80000"/>
+                  </a:schemeClr>
+                </a:glow>
+              </a:effectLst>
+            </p:spPr>
+            <p:style>
+              <a:lnRef idx="2">
+                <a:schemeClr val="accent1">
+                  <a:shade val="50000"/>
+                </a:schemeClr>
+              </a:lnRef>
+              <a:fillRef idx="1">
+                <a:schemeClr val="accent1"/>
+              </a:fillRef>
+              <a:effectRef idx="0">
+                <a:schemeClr val="accent1"/>
+              </a:effectRef>
+              <a:fontRef idx="minor">
+                <a:schemeClr val="lt1"/>
+              </a:fontRef>
+            </p:style>
+            <p:txBody>
+              <a:bodyPr rtlCol="0" anchor="ctr"/>
+              <a:lstStyle/>
+              <a:p>
+                <a:pPr algn="ctr"/>
+                <a:endParaRPr lang="de-DE" dirty="0"/>
+              </a:p>
+            </p:txBody>
+          </p:sp>
+          <p:sp>
+            <p:nvSpPr>
+              <p:cNvPr id="21" name="Rechteck 20">
+                <a:extLst>
+                  <a:ext uri="{FF2B5EF4-FFF2-40B4-BE49-F238E27FC236}">
+                    <a16:creationId xmlns:a16="http://schemas.microsoft.com/office/drawing/2014/main" id="{408D295B-E6B4-4483-8D32-AD81D08807A3}"/>
+                  </a:ext>
+                </a:extLst>
+              </p:cNvPr>
+              <p:cNvSpPr/>
+              <p:nvPr/>
+            </p:nvSpPr>
+            <p:spPr>
+              <a:xfrm>
+                <a:off x="1602562" y="3457072"/>
+                <a:ext cx="2368195" cy="648861"/>
+              </a:xfrm>
+              <a:prstGeom prst="rect">
+                <a:avLst/>
+              </a:prstGeom>
+              <a:noFill/>
+              <a:ln>
+                <a:noFill/>
+              </a:ln>
+            </p:spPr>
+            <p:style>
+              <a:lnRef idx="2">
+                <a:schemeClr val="accent1">
+                  <a:shade val="50000"/>
+                </a:schemeClr>
+              </a:lnRef>
+              <a:fillRef idx="1">
+                <a:schemeClr val="accent1"/>
+              </a:fillRef>
+              <a:effectRef idx="0">
+                <a:schemeClr val="accent1"/>
+              </a:effectRef>
+              <a:fontRef idx="minor">
+                <a:schemeClr val="lt1"/>
+              </a:fontRef>
+            </p:style>
+            <p:txBody>
+              <a:bodyPr rtlCol="0" anchor="ctr"/>
+              <a:lstStyle/>
+              <a:p>
+                <a:pPr algn="ctr"/>
+                <a:endParaRPr lang="de-DE" dirty="0">
+                  <a:solidFill>
+                    <a:srgbClr val="8C81AF"/>
+                  </a:solidFill>
+                </a:endParaRPr>
+              </a:p>
+            </p:txBody>
+          </p:sp>
+        </p:grpSp>
+        <p:grpSp>
+          <p:nvGrpSpPr>
+            <p:cNvPr id="14" name="Gruppieren 13">
+              <a:extLst>
+                <a:ext uri="{FF2B5EF4-FFF2-40B4-BE49-F238E27FC236}">
+                  <a16:creationId xmlns:a16="http://schemas.microsoft.com/office/drawing/2014/main" id="{AE0F1AE7-AC60-4E86-BC9F-3161E50A6077}"/>
+                </a:ext>
+              </a:extLst>
+            </p:cNvPr>
+            <p:cNvGrpSpPr/>
+            <p:nvPr/>
+          </p:nvGrpSpPr>
+          <p:grpSpPr>
+            <a:xfrm>
+              <a:off x="6793960" y="3600000"/>
+              <a:ext cx="3442747" cy="1219236"/>
+              <a:chOff x="6899605" y="3171884"/>
+              <a:chExt cx="3442747" cy="1219236"/>
+            </a:xfrm>
+          </p:grpSpPr>
+          <p:sp>
+            <p:nvSpPr>
+              <p:cNvPr id="18" name="Rechteck: eine Ecke abgeschnitten 17">
+                <a:extLst>
+                  <a:ext uri="{FF2B5EF4-FFF2-40B4-BE49-F238E27FC236}">
+                    <a16:creationId xmlns:a16="http://schemas.microsoft.com/office/drawing/2014/main" id="{4942FE80-3399-4373-8D04-8AEB4994C87B}"/>
+                  </a:ext>
+                </a:extLst>
+              </p:cNvPr>
+              <p:cNvSpPr/>
+              <p:nvPr/>
+            </p:nvSpPr>
+            <p:spPr>
+              <a:xfrm flipH="1" flipV="1">
+                <a:off x="6899605" y="3171884"/>
+                <a:ext cx="3442747" cy="1219236"/>
+              </a:xfrm>
+              <a:prstGeom prst="snip1Rect">
+                <a:avLst>
+                  <a:gd name="adj" fmla="val 50000"/>
+                </a:avLst>
+              </a:prstGeom>
+              <a:solidFill>
+                <a:schemeClr val="bg1">
+                  <a:lumMod val="85000"/>
+                </a:schemeClr>
+              </a:solidFill>
+              <a:ln w="28575">
+                <a:solidFill>
+                  <a:schemeClr val="bg1">
+                    <a:lumMod val="75000"/>
+                  </a:schemeClr>
+                </a:solidFill>
+              </a:ln>
+            </p:spPr>
+            <p:style>
+              <a:lnRef idx="2">
+                <a:schemeClr val="accent1">
+                  <a:shade val="50000"/>
+                </a:schemeClr>
+              </a:lnRef>
+              <a:fillRef idx="1">
+                <a:schemeClr val="accent1"/>
+              </a:fillRef>
+              <a:effectRef idx="0">
+                <a:schemeClr val="accent1"/>
+              </a:effectRef>
+              <a:fontRef idx="minor">
+                <a:schemeClr val="lt1"/>
+              </a:fontRef>
+            </p:style>
+            <p:txBody>
+              <a:bodyPr rtlCol="0" anchor="ctr"/>
+              <a:lstStyle/>
+              <a:p>
+                <a:pPr algn="ctr"/>
+                <a:endParaRPr lang="de-DE" dirty="0"/>
+              </a:p>
+            </p:txBody>
+          </p:sp>
+          <p:sp>
+            <p:nvSpPr>
+              <p:cNvPr id="19" name="Rechteck 18">
+                <a:extLst>
+                  <a:ext uri="{FF2B5EF4-FFF2-40B4-BE49-F238E27FC236}">
+                    <a16:creationId xmlns:a16="http://schemas.microsoft.com/office/drawing/2014/main" id="{30F33098-98CC-46DC-85A4-BA0206A07DC5}"/>
+                  </a:ext>
+                </a:extLst>
+              </p:cNvPr>
+              <p:cNvSpPr/>
+              <p:nvPr/>
+            </p:nvSpPr>
+            <p:spPr>
+              <a:xfrm>
+                <a:off x="7363294" y="3457072"/>
+                <a:ext cx="2549606" cy="648861"/>
+              </a:xfrm>
+              <a:prstGeom prst="rect">
+                <a:avLst/>
+              </a:prstGeom>
+              <a:noFill/>
+              <a:ln>
+                <a:noFill/>
+              </a:ln>
+            </p:spPr>
+            <p:style>
+              <a:lnRef idx="2">
+                <a:schemeClr val="accent1">
+                  <a:shade val="50000"/>
+                </a:schemeClr>
+              </a:lnRef>
+              <a:fillRef idx="1">
+                <a:schemeClr val="accent1"/>
+              </a:fillRef>
+              <a:effectRef idx="0">
+                <a:schemeClr val="accent1"/>
+              </a:effectRef>
+              <a:fontRef idx="minor">
+                <a:schemeClr val="lt1"/>
+              </a:fontRef>
+            </p:style>
+            <p:txBody>
+              <a:bodyPr rtlCol="0" anchor="ctr"/>
+              <a:lstStyle/>
+              <a:p>
+                <a:pPr algn="ctr"/>
+                <a:endParaRPr lang="de-DE" dirty="0">
+                  <a:solidFill>
+                    <a:srgbClr val="84BC95"/>
+                  </a:solidFill>
+                </a:endParaRPr>
+              </a:p>
+            </p:txBody>
+          </p:sp>
+        </p:grpSp>
+        <p:grpSp>
+          <p:nvGrpSpPr>
+            <p:cNvPr id="15" name="Gruppieren 14">
+              <a:extLst>
+                <a:ext uri="{FF2B5EF4-FFF2-40B4-BE49-F238E27FC236}">
+                  <a16:creationId xmlns:a16="http://schemas.microsoft.com/office/drawing/2014/main" id="{FF07A25D-890E-43F0-8BCD-653F2E06FB65}"/>
+                </a:ext>
+              </a:extLst>
+            </p:cNvPr>
+            <p:cNvGrpSpPr/>
+            <p:nvPr/>
+          </p:nvGrpSpPr>
+          <p:grpSpPr>
+            <a:xfrm>
+              <a:off x="3888489" y="4285680"/>
+              <a:ext cx="3442747" cy="1219237"/>
+              <a:chOff x="3991005" y="4281517"/>
+              <a:chExt cx="3442747" cy="1219237"/>
+            </a:xfrm>
+          </p:grpSpPr>
+          <p:sp>
+            <p:nvSpPr>
+              <p:cNvPr id="16" name="Rechteck: obere Ecken abgeschnitten 15">
+                <a:extLst>
+                  <a:ext uri="{FF2B5EF4-FFF2-40B4-BE49-F238E27FC236}">
+                    <a16:creationId xmlns:a16="http://schemas.microsoft.com/office/drawing/2014/main" id="{6F8F6B13-06CE-4686-A0D7-601A4CBF589F}"/>
+                  </a:ext>
+                </a:extLst>
+              </p:cNvPr>
+              <p:cNvSpPr/>
+              <p:nvPr/>
+            </p:nvSpPr>
+            <p:spPr>
+              <a:xfrm>
+                <a:off x="3991005" y="4281517"/>
+                <a:ext cx="3442747" cy="1219237"/>
+              </a:xfrm>
+              <a:prstGeom prst="snip2SameRect">
+                <a:avLst>
+                  <a:gd name="adj1" fmla="val 50000"/>
+                  <a:gd name="adj2" fmla="val 0"/>
+                </a:avLst>
+              </a:prstGeom>
+              <a:solidFill>
+                <a:srgbClr val="781224"/>
+              </a:solidFill>
+              <a:ln w="28575">
+                <a:solidFill>
+                  <a:srgbClr val="EFA8B4"/>
+                </a:solidFill>
+              </a:ln>
+            </p:spPr>
+            <p:style>
+              <a:lnRef idx="2">
+                <a:schemeClr val="accent1">
+                  <a:shade val="50000"/>
+                </a:schemeClr>
+              </a:lnRef>
+              <a:fillRef idx="1">
+                <a:schemeClr val="accent1"/>
+              </a:fillRef>
+              <a:effectRef idx="0">
+                <a:schemeClr val="accent1"/>
+              </a:effectRef>
+              <a:fontRef idx="minor">
+                <a:schemeClr val="lt1"/>
+              </a:fontRef>
+            </p:style>
+            <p:txBody>
+              <a:bodyPr rtlCol="0" anchor="ctr"/>
+              <a:lstStyle/>
+              <a:p>
+                <a:pPr algn="ctr"/>
+                <a:endParaRPr lang="de-DE"/>
+              </a:p>
+            </p:txBody>
+          </p:sp>
+          <p:sp>
+            <p:nvSpPr>
+              <p:cNvPr id="17" name="Rechteck 16">
+                <a:extLst>
+                  <a:ext uri="{FF2B5EF4-FFF2-40B4-BE49-F238E27FC236}">
+                    <a16:creationId xmlns:a16="http://schemas.microsoft.com/office/drawing/2014/main" id="{9F0A0C77-D2AE-4BEE-AE97-C8BB3998D823}"/>
+                  </a:ext>
+                </a:extLst>
+              </p:cNvPr>
+              <p:cNvSpPr/>
+              <p:nvPr/>
+            </p:nvSpPr>
+            <p:spPr>
+              <a:xfrm>
+                <a:off x="4528281" y="4566705"/>
+                <a:ext cx="2368195" cy="648861"/>
+              </a:xfrm>
+              <a:prstGeom prst="rect">
+                <a:avLst/>
+              </a:prstGeom>
+              <a:noFill/>
+              <a:ln>
+                <a:noFill/>
+              </a:ln>
+            </p:spPr>
+            <p:style>
+              <a:lnRef idx="2">
+                <a:schemeClr val="accent1">
+                  <a:shade val="50000"/>
+                </a:schemeClr>
+              </a:lnRef>
+              <a:fillRef idx="1">
+                <a:schemeClr val="accent1"/>
+              </a:fillRef>
+              <a:effectRef idx="0">
+                <a:schemeClr val="accent1"/>
+              </a:effectRef>
+              <a:fontRef idx="minor">
+                <a:schemeClr val="lt1"/>
+              </a:fontRef>
+            </p:style>
+            <p:txBody>
+              <a:bodyPr rtlCol="0" anchor="ctr"/>
+              <a:lstStyle/>
+              <a:p>
+                <a:pPr algn="ctr"/>
+                <a:endParaRPr lang="de-DE" sz="2800" dirty="0">
+                  <a:solidFill>
+                    <a:srgbClr val="EFA8B4"/>
+                  </a:solidFill>
+                </a:endParaRPr>
+              </a:p>
+            </p:txBody>
+          </p:sp>
+        </p:grpSp>
+      </p:grpSp>
+      <p:cxnSp>
+        <p:nvCxnSpPr>
+          <p:cNvPr id="22" name="Gerader Verbinder 21">
+            <a:extLst>
+              <a:ext uri="{FF2B5EF4-FFF2-40B4-BE49-F238E27FC236}">
+                <a16:creationId xmlns:a16="http://schemas.microsoft.com/office/drawing/2014/main" id="{6C3B4B7D-8E2A-44D7-93C4-1241AB679B47}"/>
+              </a:ext>
+            </a:extLst>
+          </p:cNvPr>
+          <p:cNvCxnSpPr>
+            <a:cxnSpLocks/>
+            <a:stCxn id="16" idx="2"/>
+          </p:cNvCxnSpPr>
+          <p:nvPr/>
+        </p:nvCxnSpPr>
+        <p:spPr>
+          <a:xfrm flipH="1">
+            <a:off x="626725" y="529974"/>
+            <a:ext cx="188760" cy="446071"/>
+          </a:xfrm>
+          <a:prstGeom prst="line">
+            <a:avLst/>
+          </a:prstGeom>
+          <a:ln w="28575">
+            <a:solidFill>
+              <a:srgbClr val="EFA8B4"/>
+            </a:solidFill>
+          </a:ln>
+        </p:spPr>
+        <p:style>
+          <a:lnRef idx="1">
+            <a:schemeClr val="accent1"/>
+          </a:lnRef>
+          <a:fillRef idx="0">
+            <a:schemeClr val="accent1"/>
+          </a:fillRef>
+          <a:effectRef idx="0">
+            <a:schemeClr val="accent1"/>
+          </a:effectRef>
+          <a:fontRef idx="minor">
+            <a:schemeClr val="tx1"/>
+          </a:fontRef>
+        </p:style>
+      </p:cxnSp>
+      <p:cxnSp>
+        <p:nvCxnSpPr>
+          <p:cNvPr id="23" name="Gerader Verbinder 22">
+            <a:extLst>
+              <a:ext uri="{FF2B5EF4-FFF2-40B4-BE49-F238E27FC236}">
+                <a16:creationId xmlns:a16="http://schemas.microsoft.com/office/drawing/2014/main" id="{676E21BB-72D2-4BDB-B5B1-43D6EE503AF3}"/>
+              </a:ext>
+            </a:extLst>
+          </p:cNvPr>
+          <p:cNvCxnSpPr/>
+          <p:nvPr/>
+        </p:nvCxnSpPr>
+        <p:spPr>
+          <a:xfrm>
+            <a:off x="616449" y="976045"/>
+            <a:ext cx="1828800" cy="0"/>
+          </a:xfrm>
+          <a:prstGeom prst="line">
+            <a:avLst/>
+          </a:prstGeom>
+          <a:ln w="28575">
+            <a:solidFill>
+              <a:srgbClr val="EFA8B4"/>
+            </a:solidFill>
+          </a:ln>
+        </p:spPr>
+        <p:style>
+          <a:lnRef idx="1">
+            <a:schemeClr val="accent1"/>
+          </a:lnRef>
+          <a:fillRef idx="0">
+            <a:schemeClr val="accent1"/>
+          </a:fillRef>
+          <a:effectRef idx="0">
+            <a:schemeClr val="accent1"/>
+          </a:effectRef>
+          <a:fontRef idx="minor">
+            <a:schemeClr val="tx1"/>
+          </a:fontRef>
+        </p:style>
+      </p:cxnSp>
+      <p:sp>
+        <p:nvSpPr>
+          <p:cNvPr id="26" name="Textfeld 25">
+            <a:extLst>
+              <a:ext uri="{FF2B5EF4-FFF2-40B4-BE49-F238E27FC236}">
+                <a16:creationId xmlns:a16="http://schemas.microsoft.com/office/drawing/2014/main" id="{4D067D55-D48F-4817-B87E-75B98E8085DE}"/>
+              </a:ext>
+            </a:extLst>
+          </p:cNvPr>
+          <p:cNvSpPr txBox="1"/>
+          <p:nvPr/>
+        </p:nvSpPr>
+        <p:spPr>
+          <a:xfrm>
+            <a:off x="752552" y="646623"/>
+            <a:ext cx="1704441" cy="369332"/>
+          </a:xfrm>
+          <a:prstGeom prst="rect">
+            <a:avLst/>
+          </a:prstGeom>
+          <a:noFill/>
+        </p:spPr>
+        <p:txBody>
+          <a:bodyPr wrap="none" rtlCol="0">
+            <a:spAutoFit/>
+          </a:bodyPr>
+          <a:lstStyle/>
+          <a:p>
+            <a:r>
+              <a:rPr lang="de-DE" dirty="0" err="1">
+                <a:solidFill>
+                  <a:srgbClr val="781224"/>
+                </a:solidFill>
+              </a:rPr>
+              <a:t>Assigning</a:t>
+            </a:r>
+            <a:r>
+              <a:rPr lang="de-DE" dirty="0">
+                <a:solidFill>
+                  <a:srgbClr val="781224"/>
+                </a:solidFill>
+              </a:rPr>
+              <a:t> </a:t>
+            </a:r>
+            <a:r>
+              <a:rPr lang="de-DE" dirty="0" err="1">
+                <a:solidFill>
+                  <a:srgbClr val="781224"/>
+                </a:solidFill>
+              </a:rPr>
+              <a:t>Layers</a:t>
+            </a:r>
+            <a:endParaRPr lang="de-DE" dirty="0">
+              <a:solidFill>
+                <a:srgbClr val="781224"/>
+              </a:solidFill>
+            </a:endParaRPr>
+          </a:p>
+        </p:txBody>
+      </p:sp>
+      <p:sp>
+        <p:nvSpPr>
+          <p:cNvPr id="47" name="Pfeil: nach rechts 46">
+            <a:extLst>
+              <a:ext uri="{FF2B5EF4-FFF2-40B4-BE49-F238E27FC236}">
+                <a16:creationId xmlns:a16="http://schemas.microsoft.com/office/drawing/2014/main" id="{613E715B-2B5A-4937-8971-F143C8BB781F}"/>
+              </a:ext>
+            </a:extLst>
+          </p:cNvPr>
+          <p:cNvSpPr/>
+          <p:nvPr/>
+        </p:nvSpPr>
+        <p:spPr>
+          <a:xfrm>
+            <a:off x="8370467" y="3237099"/>
+            <a:ext cx="2653273" cy="1219236"/>
+          </a:xfrm>
+          <a:prstGeom prst="rightArrow">
+            <a:avLst/>
+          </a:prstGeom>
+          <a:solidFill>
+            <a:srgbClr val="0E5E26">
+              <a:alpha val="20000"/>
+            </a:srgbClr>
+          </a:solidFill>
+          <a:ln w="28575">
+            <a:solidFill>
+              <a:srgbClr val="84BC95"/>
+            </a:solidFill>
+          </a:ln>
+        </p:spPr>
+        <p:style>
+          <a:lnRef idx="2">
+            <a:schemeClr val="accent1">
+              <a:shade val="50000"/>
+            </a:schemeClr>
+          </a:lnRef>
+          <a:fillRef idx="1">
+            <a:schemeClr val="accent1"/>
+          </a:fillRef>
+          <a:effectRef idx="0">
+            <a:schemeClr val="accent1"/>
+          </a:effectRef>
+          <a:fontRef idx="minor">
+            <a:schemeClr val="lt1"/>
+          </a:fontRef>
+        </p:style>
+        <p:txBody>
+          <a:bodyPr rot="0" spcFirstLastPara="0" vertOverflow="overflow" horzOverflow="overflow" vert="horz" wrap="square" lIns="91440" tIns="45720" rIns="91440" bIns="45720" numCol="1" spcCol="0" rtlCol="0" fromWordArt="0" anchor="ctr" anchorCtr="0" forceAA="0" compatLnSpc="1">
+            <a:prstTxWarp prst="textNoShape">
+              <a:avLst/>
+            </a:prstTxWarp>
+            <a:noAutofit/>
+          </a:bodyPr>
+          <a:lstStyle/>
+          <a:p>
+            <a:pPr algn="ctr"/>
+            <a:r>
+              <a:rPr lang="de-DE" sz="2000" dirty="0">
+                <a:solidFill>
+                  <a:schemeClr val="tx1"/>
+                </a:solidFill>
+              </a:rPr>
+              <a:t>Array </a:t>
+            </a:r>
+            <a:r>
+              <a:rPr lang="de-DE" sz="2000" dirty="0" err="1">
+                <a:solidFill>
+                  <a:schemeClr val="tx1"/>
+                </a:solidFill>
+              </a:rPr>
+              <a:t>of</a:t>
+            </a:r>
+            <a:r>
+              <a:rPr lang="de-DE" sz="2000" dirty="0">
+                <a:solidFill>
+                  <a:schemeClr val="tx1"/>
+                </a:solidFill>
+              </a:rPr>
+              <a:t> </a:t>
+            </a:r>
+            <a:r>
+              <a:rPr lang="de-DE" sz="2000" dirty="0" err="1">
+                <a:solidFill>
+                  <a:schemeClr val="tx1"/>
+                </a:solidFill>
+              </a:rPr>
+              <a:t>MyGraph</a:t>
+            </a:r>
+            <a:endParaRPr lang="de-DE" sz="2000" dirty="0">
+              <a:solidFill>
+                <a:schemeClr val="tx1"/>
+              </a:solidFill>
+            </a:endParaRPr>
+          </a:p>
+        </p:txBody>
+      </p:sp>
+      <p:sp>
+        <p:nvSpPr>
+          <p:cNvPr id="83" name="Rechteck 82">
+            <a:extLst>
+              <a:ext uri="{FF2B5EF4-FFF2-40B4-BE49-F238E27FC236}">
+                <a16:creationId xmlns:a16="http://schemas.microsoft.com/office/drawing/2014/main" id="{54850671-A68F-430D-9013-5B4915E20BDC}"/>
+              </a:ext>
+            </a:extLst>
+          </p:cNvPr>
+          <p:cNvSpPr/>
+          <p:nvPr/>
+        </p:nvSpPr>
+        <p:spPr>
+          <a:xfrm>
+            <a:off x="4509009" y="1462024"/>
+            <a:ext cx="3173981" cy="5113397"/>
+          </a:xfrm>
+          <a:prstGeom prst="rect">
+            <a:avLst/>
+          </a:prstGeom>
+          <a:solidFill>
+            <a:srgbClr val="781224">
+              <a:alpha val="34000"/>
+            </a:srgbClr>
+          </a:solidFill>
+          <a:ln>
+            <a:noFill/>
+          </a:ln>
+        </p:spPr>
+        <p:style>
+          <a:lnRef idx="2">
+            <a:schemeClr val="accent1">
+              <a:shade val="50000"/>
+            </a:schemeClr>
+          </a:lnRef>
+          <a:fillRef idx="1">
+            <a:schemeClr val="accent1"/>
+          </a:fillRef>
+          <a:effectRef idx="0">
+            <a:schemeClr val="accent1"/>
+          </a:effectRef>
+          <a:fontRef idx="minor">
+            <a:schemeClr val="lt1"/>
+          </a:fontRef>
+        </p:style>
+        <p:txBody>
+          <a:bodyPr rtlCol="0" anchor="t"/>
+          <a:lstStyle/>
+          <a:p>
+            <a:endParaRPr lang="de-DE" sz="2000" dirty="0">
+              <a:solidFill>
+                <a:schemeClr val="tx1"/>
+              </a:solidFill>
+            </a:endParaRPr>
+          </a:p>
+          <a:p>
+            <a:pPr marL="342900" indent="-255588">
+              <a:buFont typeface="Arial" panose="020B0604020202020204" pitchFamily="34" charset="0"/>
+              <a:buChar char="•"/>
+            </a:pPr>
+            <a:endParaRPr lang="de-DE" sz="2000" b="1" dirty="0">
+              <a:solidFill>
+                <a:schemeClr val="tx1"/>
+              </a:solidFill>
+            </a:endParaRPr>
+          </a:p>
+          <a:p>
+            <a:pPr marL="342900" indent="-255588">
+              <a:buFont typeface="Arial" panose="020B0604020202020204" pitchFamily="34" charset="0"/>
+              <a:buChar char="•"/>
+            </a:pPr>
+            <a:endParaRPr lang="de-DE" sz="2000" b="1" dirty="0">
+              <a:solidFill>
+                <a:schemeClr val="tx1"/>
+              </a:solidFill>
+            </a:endParaRPr>
+          </a:p>
+          <a:p>
+            <a:pPr marL="342900" indent="-255588">
+              <a:buFont typeface="Arial" panose="020B0604020202020204" pitchFamily="34" charset="0"/>
+              <a:buChar char="•"/>
+            </a:pPr>
+            <a:endParaRPr lang="de-DE" sz="2000" b="1" dirty="0">
+              <a:solidFill>
+                <a:schemeClr val="tx1"/>
+              </a:solidFill>
+            </a:endParaRPr>
+          </a:p>
+          <a:p>
+            <a:pPr marL="342900" indent="-255588">
+              <a:buFont typeface="Arial" panose="020B0604020202020204" pitchFamily="34" charset="0"/>
+              <a:buChar char="•"/>
+            </a:pPr>
+            <a:endParaRPr lang="de-DE" sz="2000" b="1" dirty="0">
+              <a:solidFill>
+                <a:schemeClr val="tx1"/>
+              </a:solidFill>
+            </a:endParaRPr>
+          </a:p>
+          <a:p>
+            <a:pPr marL="430212" indent="-342900">
+              <a:buFont typeface="Wingdings" panose="05000000000000000000" pitchFamily="2" charset="2"/>
+              <a:buChar char="ü"/>
+            </a:pPr>
+            <a:r>
+              <a:rPr lang="de-DE" sz="2000" b="1" dirty="0" err="1">
+                <a:solidFill>
+                  <a:schemeClr val="tx1"/>
+                </a:solidFill>
+              </a:rPr>
+              <a:t>Implementing</a:t>
+            </a:r>
+            <a:r>
+              <a:rPr lang="de-DE" sz="2000" b="1" dirty="0">
+                <a:solidFill>
+                  <a:schemeClr val="tx1"/>
+                </a:solidFill>
+              </a:rPr>
+              <a:t> </a:t>
+            </a:r>
+            <a:r>
+              <a:rPr lang="de-DE" sz="2000" b="1" dirty="0" err="1">
+                <a:solidFill>
+                  <a:schemeClr val="tx1"/>
+                </a:solidFill>
+              </a:rPr>
+              <a:t>the</a:t>
+            </a:r>
+            <a:r>
+              <a:rPr lang="de-DE" sz="2000" b="1" dirty="0">
+                <a:solidFill>
+                  <a:schemeClr val="tx1"/>
+                </a:solidFill>
+              </a:rPr>
+              <a:t> Layer </a:t>
+            </a:r>
+            <a:r>
+              <a:rPr lang="de-DE" sz="2000" b="1" dirty="0" err="1">
+                <a:solidFill>
+                  <a:schemeClr val="tx1"/>
+                </a:solidFill>
+              </a:rPr>
+              <a:t>Assignment</a:t>
+            </a:r>
+            <a:r>
+              <a:rPr lang="de-DE" sz="2000" b="1" dirty="0">
+                <a:solidFill>
+                  <a:schemeClr val="tx1"/>
+                </a:solidFill>
+              </a:rPr>
+              <a:t> </a:t>
+            </a:r>
+            <a:r>
+              <a:rPr lang="de-DE" sz="2000" b="1" dirty="0" err="1">
+                <a:solidFill>
+                  <a:schemeClr val="tx1"/>
+                </a:solidFill>
+              </a:rPr>
+              <a:t>Algorithm</a:t>
+            </a:r>
+            <a:endParaRPr lang="de-DE" sz="2000" b="1" dirty="0">
+              <a:solidFill>
+                <a:schemeClr val="tx1"/>
+              </a:solidFill>
+            </a:endParaRPr>
+          </a:p>
+          <a:p>
+            <a:pPr marL="342900" indent="-255588">
+              <a:buFont typeface="Arial" panose="020B0604020202020204" pitchFamily="34" charset="0"/>
+              <a:buChar char="•"/>
+            </a:pPr>
+            <a:endParaRPr lang="de-DE" sz="2000" b="1" dirty="0">
+              <a:solidFill>
+                <a:schemeClr val="tx1"/>
+              </a:solidFill>
+            </a:endParaRPr>
+          </a:p>
+          <a:p>
+            <a:pPr marL="430212" indent="-342900">
+              <a:buFont typeface="Wingdings" panose="05000000000000000000" pitchFamily="2" charset="2"/>
+              <a:buChar char="ü"/>
+            </a:pPr>
+            <a:r>
+              <a:rPr lang="de-DE" sz="2000" b="1" dirty="0" err="1">
+                <a:solidFill>
+                  <a:schemeClr val="tx1"/>
+                </a:solidFill>
+              </a:rPr>
+              <a:t>Translate</a:t>
+            </a:r>
+            <a:r>
+              <a:rPr lang="de-DE" sz="2000" b="1" dirty="0">
+                <a:solidFill>
+                  <a:schemeClr val="tx1"/>
+                </a:solidFill>
+              </a:rPr>
+              <a:t> </a:t>
+            </a:r>
+            <a:r>
+              <a:rPr lang="de-DE" sz="2000" b="1" dirty="0" err="1">
+                <a:solidFill>
+                  <a:schemeClr val="tx1"/>
+                </a:solidFill>
+              </a:rPr>
+              <a:t>ElkGraph</a:t>
+            </a:r>
+            <a:r>
+              <a:rPr lang="de-DE" sz="2000" b="1" dirty="0">
+                <a:solidFill>
+                  <a:schemeClr val="tx1"/>
+                </a:solidFill>
+              </a:rPr>
+              <a:t> </a:t>
+            </a:r>
+            <a:r>
+              <a:rPr lang="de-DE" sz="2000" b="1" dirty="0" err="1">
+                <a:solidFill>
+                  <a:schemeClr val="tx1"/>
+                </a:solidFill>
+              </a:rPr>
+              <a:t>to</a:t>
+            </a:r>
+            <a:r>
+              <a:rPr lang="de-DE" sz="2000" b="1" dirty="0">
+                <a:solidFill>
+                  <a:schemeClr val="tx1"/>
+                </a:solidFill>
+              </a:rPr>
+              <a:t> </a:t>
+            </a:r>
+            <a:r>
+              <a:rPr lang="de-DE" sz="2000" b="1" dirty="0" err="1">
+                <a:solidFill>
+                  <a:schemeClr val="tx1"/>
+                </a:solidFill>
+              </a:rPr>
+              <a:t>MyGraph</a:t>
+            </a:r>
+            <a:endParaRPr lang="de-DE" sz="2000" b="1" dirty="0">
+              <a:solidFill>
+                <a:schemeClr val="tx1"/>
+              </a:solidFill>
+            </a:endParaRPr>
+          </a:p>
+          <a:p>
+            <a:pPr marL="342900" indent="-255588">
+              <a:buFont typeface="Arial" panose="020B0604020202020204" pitchFamily="34" charset="0"/>
+              <a:buChar char="•"/>
+            </a:pPr>
+            <a:endParaRPr lang="de-DE" sz="2000" b="1" dirty="0">
+              <a:solidFill>
+                <a:schemeClr val="tx1"/>
+              </a:solidFill>
+            </a:endParaRPr>
+          </a:p>
+          <a:p>
+            <a:pPr marL="430212" indent="-342900">
+              <a:buFont typeface="Wingdings" panose="05000000000000000000" pitchFamily="2" charset="2"/>
+              <a:buChar char="ü"/>
+            </a:pPr>
+            <a:r>
+              <a:rPr lang="de-DE" sz="2000" b="1" dirty="0">
+                <a:solidFill>
+                  <a:schemeClr val="tx1"/>
+                </a:solidFill>
+              </a:rPr>
+              <a:t>Output: Array </a:t>
+            </a:r>
+            <a:r>
+              <a:rPr lang="de-DE" sz="2000" b="1" dirty="0" err="1">
+                <a:solidFill>
+                  <a:schemeClr val="tx1"/>
+                </a:solidFill>
+              </a:rPr>
+              <a:t>of</a:t>
+            </a:r>
+            <a:r>
+              <a:rPr lang="de-DE" sz="2000" b="1" dirty="0">
+                <a:solidFill>
+                  <a:schemeClr val="tx1"/>
+                </a:solidFill>
+              </a:rPr>
+              <a:t> </a:t>
+            </a:r>
+            <a:r>
+              <a:rPr lang="de-DE" sz="2000" b="1" dirty="0" err="1">
+                <a:solidFill>
+                  <a:schemeClr val="tx1"/>
+                </a:solidFill>
+              </a:rPr>
+              <a:t>MyGraph</a:t>
+            </a:r>
+            <a:endParaRPr lang="de-DE" sz="2000" b="1" dirty="0">
+              <a:solidFill>
+                <a:schemeClr val="tx1"/>
+              </a:solidFill>
+            </a:endParaRPr>
+          </a:p>
+          <a:p>
+            <a:pPr marL="342900" indent="-255588">
+              <a:buFont typeface="Arial" panose="020B0604020202020204" pitchFamily="34" charset="0"/>
+              <a:buChar char="•"/>
+            </a:pPr>
+            <a:endParaRPr lang="de-DE" sz="2000" b="1" dirty="0">
+              <a:solidFill>
+                <a:schemeClr val="tx1"/>
+              </a:solidFill>
+            </a:endParaRPr>
+          </a:p>
+          <a:p>
+            <a:pPr marL="342900" indent="-255588">
+              <a:buFont typeface="Arial" panose="020B0604020202020204" pitchFamily="34" charset="0"/>
+              <a:buChar char="•"/>
+            </a:pPr>
+            <a:r>
+              <a:rPr lang="de-DE" sz="2000" b="1" dirty="0" err="1">
+                <a:solidFill>
+                  <a:schemeClr val="tx1"/>
+                </a:solidFill>
+              </a:rPr>
+              <a:t>Testing</a:t>
+            </a:r>
+            <a:endParaRPr lang="de-DE" sz="2000" b="1" dirty="0">
+              <a:solidFill>
+                <a:schemeClr val="tx1"/>
+              </a:solidFill>
+            </a:endParaRPr>
+          </a:p>
+          <a:p>
+            <a:pPr marL="342900" indent="-342900">
+              <a:buFont typeface="Arial" panose="020B0604020202020204" pitchFamily="34" charset="0"/>
+              <a:buChar char="•"/>
+            </a:pPr>
+            <a:endParaRPr lang="de-DE" sz="2400" dirty="0">
+              <a:solidFill>
+                <a:schemeClr val="tx1"/>
+              </a:solidFill>
+            </a:endParaRPr>
+          </a:p>
+        </p:txBody>
+      </p:sp>
+      <p:grpSp>
+        <p:nvGrpSpPr>
+          <p:cNvPr id="84" name="Gruppieren 83">
+            <a:extLst>
+              <a:ext uri="{FF2B5EF4-FFF2-40B4-BE49-F238E27FC236}">
+                <a16:creationId xmlns:a16="http://schemas.microsoft.com/office/drawing/2014/main" id="{1AC3D877-3129-46B9-800E-31419CE2F787}"/>
+              </a:ext>
+            </a:extLst>
+          </p:cNvPr>
+          <p:cNvGrpSpPr/>
+          <p:nvPr/>
+        </p:nvGrpSpPr>
+        <p:grpSpPr>
+          <a:xfrm>
+            <a:off x="4642603" y="1564976"/>
+            <a:ext cx="2906795" cy="1092972"/>
+            <a:chOff x="3991005" y="4281517"/>
+            <a:chExt cx="3442747" cy="1219237"/>
+          </a:xfrm>
+        </p:grpSpPr>
+        <p:sp>
+          <p:nvSpPr>
+            <p:cNvPr id="85" name="Rechteck: obere Ecken abgeschnitten 84">
+              <a:extLst>
+                <a:ext uri="{FF2B5EF4-FFF2-40B4-BE49-F238E27FC236}">
+                  <a16:creationId xmlns:a16="http://schemas.microsoft.com/office/drawing/2014/main" id="{58056677-0ABC-4C5A-871F-4F130AF0E486}"/>
+                </a:ext>
+              </a:extLst>
+            </p:cNvPr>
+            <p:cNvSpPr/>
+            <p:nvPr/>
+          </p:nvSpPr>
+          <p:spPr>
+            <a:xfrm>
+              <a:off x="3991005" y="4281517"/>
+              <a:ext cx="3442747" cy="1219237"/>
+            </a:xfrm>
+            <a:prstGeom prst="snip2SameRect">
+              <a:avLst>
+                <a:gd name="adj1" fmla="val 50000"/>
+                <a:gd name="adj2" fmla="val 0"/>
+              </a:avLst>
+            </a:prstGeom>
+            <a:solidFill>
+              <a:srgbClr val="781224"/>
+            </a:solidFill>
+            <a:ln w="28575">
+              <a:solidFill>
+                <a:srgbClr val="EFA8B4"/>
+              </a:solidFill>
+            </a:ln>
+          </p:spPr>
+          <p:style>
+            <a:lnRef idx="2">
+              <a:schemeClr val="accent1">
+                <a:shade val="50000"/>
+              </a:schemeClr>
+            </a:lnRef>
+            <a:fillRef idx="1">
+              <a:schemeClr val="accent1"/>
+            </a:fillRef>
+            <a:effectRef idx="0">
+              <a:schemeClr val="accent1"/>
+            </a:effectRef>
+            <a:fontRef idx="minor">
+              <a:schemeClr val="lt1"/>
+            </a:fontRef>
+          </p:style>
+          <p:txBody>
+            <a:bodyPr rtlCol="0" anchor="ctr"/>
+            <a:lstStyle/>
+            <a:p>
+              <a:pPr algn="ctr"/>
+              <a:endParaRPr lang="de-DE"/>
+            </a:p>
+          </p:txBody>
+        </p:sp>
+        <p:sp>
+          <p:nvSpPr>
+            <p:cNvPr id="86" name="Rechteck 85">
+              <a:extLst>
+                <a:ext uri="{FF2B5EF4-FFF2-40B4-BE49-F238E27FC236}">
+                  <a16:creationId xmlns:a16="http://schemas.microsoft.com/office/drawing/2014/main" id="{D23E1B73-42BC-49F5-A803-822E3114E1C4}"/>
+                </a:ext>
+              </a:extLst>
+            </p:cNvPr>
+            <p:cNvSpPr/>
+            <p:nvPr/>
+          </p:nvSpPr>
+          <p:spPr>
+            <a:xfrm>
+              <a:off x="4528281" y="4566705"/>
+              <a:ext cx="2368195" cy="648861"/>
+            </a:xfrm>
+            <a:prstGeom prst="rect">
+              <a:avLst/>
+            </a:prstGeom>
+            <a:noFill/>
+            <a:ln>
+              <a:noFill/>
+            </a:ln>
+          </p:spPr>
+          <p:style>
+            <a:lnRef idx="2">
+              <a:schemeClr val="accent1">
+                <a:shade val="50000"/>
+              </a:schemeClr>
+            </a:lnRef>
+            <a:fillRef idx="1">
+              <a:schemeClr val="accent1"/>
+            </a:fillRef>
+            <a:effectRef idx="0">
+              <a:schemeClr val="accent1"/>
+            </a:effectRef>
+            <a:fontRef idx="minor">
+              <a:schemeClr val="lt1"/>
+            </a:fontRef>
+          </p:style>
+          <p:txBody>
+            <a:bodyPr rtlCol="0" anchor="ctr"/>
+            <a:lstStyle/>
+            <a:p>
+              <a:pPr algn="ctr"/>
+              <a:r>
+                <a:rPr lang="de-DE" sz="2400" dirty="0" err="1">
+                  <a:solidFill>
+                    <a:srgbClr val="EFA8B4"/>
+                  </a:solidFill>
+                </a:rPr>
+                <a:t>Applying</a:t>
+              </a:r>
+              <a:r>
+                <a:rPr lang="de-DE" sz="2400" dirty="0">
+                  <a:solidFill>
+                    <a:srgbClr val="EFA8B4"/>
+                  </a:solidFill>
+                </a:rPr>
+                <a:t> </a:t>
+              </a:r>
+              <a:r>
+                <a:rPr lang="de-DE" sz="2400" dirty="0" err="1">
+                  <a:solidFill>
+                    <a:srgbClr val="EFA8B4"/>
+                  </a:solidFill>
+                </a:rPr>
+                <a:t>the</a:t>
+              </a:r>
+              <a:r>
+                <a:rPr lang="de-DE" sz="2400" dirty="0">
+                  <a:solidFill>
+                    <a:srgbClr val="EFA8B4"/>
+                  </a:solidFill>
+                </a:rPr>
+                <a:t> </a:t>
+              </a:r>
+              <a:r>
+                <a:rPr lang="de-DE" sz="2400" dirty="0" err="1">
+                  <a:solidFill>
+                    <a:srgbClr val="EFA8B4"/>
+                  </a:solidFill>
+                </a:rPr>
+                <a:t>Algorithm</a:t>
+              </a:r>
+              <a:endParaRPr lang="de-DE" sz="2400" dirty="0">
+                <a:solidFill>
+                  <a:srgbClr val="EFA8B4"/>
+                </a:solidFill>
+              </a:endParaRPr>
+            </a:p>
+          </p:txBody>
+        </p:sp>
+      </p:grpSp>
+      <p:sp>
+        <p:nvSpPr>
+          <p:cNvPr id="24" name="Pfeil: nach rechts 23">
+            <a:extLst>
+              <a:ext uri="{FF2B5EF4-FFF2-40B4-BE49-F238E27FC236}">
+                <a16:creationId xmlns:a16="http://schemas.microsoft.com/office/drawing/2014/main" id="{D758EBBD-53DA-4EE9-B1EC-48D3871FD9C8}"/>
+              </a:ext>
+            </a:extLst>
+          </p:cNvPr>
+          <p:cNvSpPr/>
+          <p:nvPr/>
+        </p:nvSpPr>
+        <p:spPr>
+          <a:xfrm>
+            <a:off x="1168259" y="3237099"/>
+            <a:ext cx="2653273" cy="1219236"/>
+          </a:xfrm>
+          <a:prstGeom prst="rightArrow">
+            <a:avLst/>
+          </a:prstGeom>
+          <a:solidFill>
+            <a:srgbClr val="251658">
+              <a:alpha val="20000"/>
+            </a:srgbClr>
+          </a:solidFill>
+          <a:ln w="28575">
+            <a:solidFill>
+              <a:srgbClr val="8C81AF"/>
+            </a:solidFill>
+          </a:ln>
+          <a:effectLst>
+            <a:glow>
+              <a:schemeClr val="accent4">
+                <a:lumMod val="20000"/>
+                <a:lumOff val="80000"/>
+              </a:schemeClr>
+            </a:glow>
+          </a:effectLst>
+        </p:spPr>
+        <p:style>
+          <a:lnRef idx="2">
+            <a:schemeClr val="accent1">
+              <a:shade val="50000"/>
+            </a:schemeClr>
+          </a:lnRef>
+          <a:fillRef idx="1">
+            <a:schemeClr val="accent1"/>
+          </a:fillRef>
+          <a:effectRef idx="0">
+            <a:schemeClr val="accent1"/>
+          </a:effectRef>
+          <a:fontRef idx="minor">
+            <a:schemeClr val="lt1"/>
+          </a:fontRef>
+        </p:style>
+        <p:txBody>
+          <a:bodyPr rot="0" spcFirstLastPara="0" vertOverflow="overflow" horzOverflow="overflow" vert="horz" wrap="square" lIns="91440" tIns="45720" rIns="91440" bIns="45720" numCol="1" spcCol="0" rtlCol="0" fromWordArt="0" anchor="ctr" anchorCtr="0" forceAA="0" compatLnSpc="1">
+            <a:prstTxWarp prst="textNoShape">
+              <a:avLst/>
+            </a:prstTxWarp>
+            <a:noAutofit/>
+          </a:bodyPr>
+          <a:lstStyle/>
+          <a:p>
+            <a:pPr algn="ctr"/>
+            <a:r>
+              <a:rPr lang="de-DE" sz="2000" dirty="0">
+                <a:solidFill>
+                  <a:schemeClr val="tx1"/>
+                </a:solidFill>
+              </a:rPr>
+              <a:t>Cycle-</a:t>
+            </a:r>
+            <a:r>
+              <a:rPr lang="de-DE" sz="2000" dirty="0" err="1">
+                <a:solidFill>
+                  <a:schemeClr val="tx1"/>
+                </a:solidFill>
+              </a:rPr>
+              <a:t>free</a:t>
+            </a:r>
+            <a:r>
+              <a:rPr lang="de-DE" sz="2000" dirty="0">
+                <a:solidFill>
+                  <a:schemeClr val="tx1"/>
+                </a:solidFill>
+              </a:rPr>
+              <a:t> </a:t>
+            </a:r>
+            <a:r>
+              <a:rPr lang="de-DE" sz="2000" dirty="0" err="1">
+                <a:solidFill>
+                  <a:schemeClr val="tx1"/>
+                </a:solidFill>
+              </a:rPr>
+              <a:t>ElkGraph</a:t>
+            </a:r>
+            <a:endParaRPr lang="de-DE" sz="2000" dirty="0">
+              <a:solidFill>
+                <a:schemeClr val="tx1"/>
+              </a:solidFill>
+            </a:endParaRPr>
+          </a:p>
+        </p:txBody>
+      </p:sp>
+    </p:spTree>
+    <p:extLst>
+      <p:ext uri="{BB962C8B-B14F-4D97-AF65-F5344CB8AC3E}">
         <p14:creationId xmlns:p14="http://schemas.microsoft.com/office/powerpoint/2010/main" val="965151679"/>
       </p:ext>
     </p:extLst>
@@ -10048,7 +12047,7 @@
 </p:sld>
 </file>
 
-<file path=ppt/slides/slide13.xml><?xml version="1.0" encoding="utf-8"?>
+<file path=ppt/slides/slide15.xml><?xml version="1.0" encoding="utf-8"?>
 <p:sld xmlns:a="http://schemas.openxmlformats.org/drawingml/2006/main" xmlns:r="http://schemas.openxmlformats.org/officeDocument/2006/relationships" xmlns:p="http://schemas.openxmlformats.org/presentationml/2006/main">
   <p:cSld>
     <p:spTree>
@@ -10626,6 +12625,597 @@
           </a:p>
         </p:txBody>
       </p:sp>
+    </p:spTree>
+    <p:extLst>
+      <p:ext uri="{BB962C8B-B14F-4D97-AF65-F5344CB8AC3E}">
+        <p14:creationId xmlns:p14="http://schemas.microsoft.com/office/powerpoint/2010/main" val="998430481"/>
+      </p:ext>
+    </p:extLst>
+  </p:cSld>
+  <p:clrMapOvr>
+    <a:masterClrMapping/>
+  </p:clrMapOvr>
+</p:sld>
+</file>
+
+<file path=ppt/slides/slide16.xml><?xml version="1.0" encoding="utf-8"?>
+<p:sld xmlns:a="http://schemas.openxmlformats.org/drawingml/2006/main" xmlns:r="http://schemas.openxmlformats.org/officeDocument/2006/relationships" xmlns:p="http://schemas.openxmlformats.org/presentationml/2006/main">
+  <p:cSld>
+    <p:spTree>
+      <p:nvGrpSpPr>
+        <p:cNvPr id="1" name=""/>
+        <p:cNvGrpSpPr/>
+        <p:nvPr/>
+      </p:nvGrpSpPr>
+      <p:grpSpPr>
+        <a:xfrm>
+          <a:off x="0" y="0"/>
+          <a:ext cx="0" cy="0"/>
+          <a:chOff x="0" y="0"/>
+          <a:chExt cx="0" cy="0"/>
+        </a:xfrm>
+      </p:grpSpPr>
+      <p:grpSp>
+        <p:nvGrpSpPr>
+          <p:cNvPr id="22" name="Gruppieren 21">
+            <a:extLst>
+              <a:ext uri="{FF2B5EF4-FFF2-40B4-BE49-F238E27FC236}">
+                <a16:creationId xmlns:a16="http://schemas.microsoft.com/office/drawing/2014/main" id="{40CE0BBD-44C5-47C4-A744-EFE3C600CD6E}"/>
+              </a:ext>
+            </a:extLst>
+          </p:cNvPr>
+          <p:cNvGrpSpPr>
+            <a:grpSpLocks noChangeAspect="1"/>
+          </p:cNvGrpSpPr>
+          <p:nvPr/>
+        </p:nvGrpSpPr>
+        <p:grpSpPr>
+          <a:xfrm>
+            <a:off x="217785" y="197006"/>
+            <a:ext cx="1898691" cy="489676"/>
+            <a:chOff x="972000" y="3600000"/>
+            <a:chExt cx="9264707" cy="1904917"/>
+          </a:xfrm>
+        </p:grpSpPr>
+        <p:grpSp>
+          <p:nvGrpSpPr>
+            <p:cNvPr id="23" name="Gruppieren 22">
+              <a:extLst>
+                <a:ext uri="{FF2B5EF4-FFF2-40B4-BE49-F238E27FC236}">
+                  <a16:creationId xmlns:a16="http://schemas.microsoft.com/office/drawing/2014/main" id="{D04F0537-5D4E-4C7B-942A-CEBDC65AAC3B}"/>
+                </a:ext>
+              </a:extLst>
+            </p:cNvPr>
+            <p:cNvGrpSpPr/>
+            <p:nvPr/>
+          </p:nvGrpSpPr>
+          <p:grpSpPr>
+            <a:xfrm>
+              <a:off x="972000" y="3600000"/>
+              <a:ext cx="3442749" cy="1219236"/>
+              <a:chOff x="1065285" y="3182901"/>
+              <a:chExt cx="3442749" cy="1219236"/>
+            </a:xfrm>
+          </p:grpSpPr>
+          <p:sp>
+            <p:nvSpPr>
+              <p:cNvPr id="30" name="Rechteck: eine Ecke abgeschnitten 29">
+                <a:extLst>
+                  <a:ext uri="{FF2B5EF4-FFF2-40B4-BE49-F238E27FC236}">
+                    <a16:creationId xmlns:a16="http://schemas.microsoft.com/office/drawing/2014/main" id="{3B8E4723-7F96-446D-95C1-1A617709DF03}"/>
+                  </a:ext>
+                </a:extLst>
+              </p:cNvPr>
+              <p:cNvSpPr/>
+              <p:nvPr/>
+            </p:nvSpPr>
+            <p:spPr>
+              <a:xfrm flipV="1">
+                <a:off x="1065285" y="3182901"/>
+                <a:ext cx="3442749" cy="1219236"/>
+              </a:xfrm>
+              <a:prstGeom prst="snip1Rect">
+                <a:avLst>
+                  <a:gd name="adj" fmla="val 50000"/>
+                </a:avLst>
+              </a:prstGeom>
+              <a:solidFill>
+                <a:schemeClr val="bg1">
+                  <a:lumMod val="85000"/>
+                </a:schemeClr>
+              </a:solidFill>
+              <a:ln w="28575">
+                <a:solidFill>
+                  <a:schemeClr val="bg1">
+                    <a:lumMod val="75000"/>
+                  </a:schemeClr>
+                </a:solidFill>
+              </a:ln>
+              <a:effectLst>
+                <a:glow>
+                  <a:schemeClr val="accent4">
+                    <a:lumMod val="20000"/>
+                    <a:lumOff val="80000"/>
+                  </a:schemeClr>
+                </a:glow>
+              </a:effectLst>
+            </p:spPr>
+            <p:style>
+              <a:lnRef idx="2">
+                <a:schemeClr val="accent1">
+                  <a:shade val="50000"/>
+                </a:schemeClr>
+              </a:lnRef>
+              <a:fillRef idx="1">
+                <a:schemeClr val="accent1"/>
+              </a:fillRef>
+              <a:effectRef idx="0">
+                <a:schemeClr val="accent1"/>
+              </a:effectRef>
+              <a:fontRef idx="minor">
+                <a:schemeClr val="lt1"/>
+              </a:fontRef>
+            </p:style>
+            <p:txBody>
+              <a:bodyPr rtlCol="0" anchor="ctr"/>
+              <a:lstStyle/>
+              <a:p>
+                <a:pPr algn="ctr"/>
+                <a:endParaRPr lang="de-DE" dirty="0"/>
+              </a:p>
+            </p:txBody>
+          </p:sp>
+          <p:sp>
+            <p:nvSpPr>
+              <p:cNvPr id="31" name="Rechteck 30">
+                <a:extLst>
+                  <a:ext uri="{FF2B5EF4-FFF2-40B4-BE49-F238E27FC236}">
+                    <a16:creationId xmlns:a16="http://schemas.microsoft.com/office/drawing/2014/main" id="{98EB074F-2E8B-41B7-8A6A-1A97866AB12A}"/>
+                  </a:ext>
+                </a:extLst>
+              </p:cNvPr>
+              <p:cNvSpPr/>
+              <p:nvPr/>
+            </p:nvSpPr>
+            <p:spPr>
+              <a:xfrm>
+                <a:off x="1602562" y="3457072"/>
+                <a:ext cx="2368195" cy="648861"/>
+              </a:xfrm>
+              <a:prstGeom prst="rect">
+                <a:avLst/>
+              </a:prstGeom>
+              <a:noFill/>
+              <a:ln>
+                <a:noFill/>
+              </a:ln>
+            </p:spPr>
+            <p:style>
+              <a:lnRef idx="2">
+                <a:schemeClr val="accent1">
+                  <a:shade val="50000"/>
+                </a:schemeClr>
+              </a:lnRef>
+              <a:fillRef idx="1">
+                <a:schemeClr val="accent1"/>
+              </a:fillRef>
+              <a:effectRef idx="0">
+                <a:schemeClr val="accent1"/>
+              </a:effectRef>
+              <a:fontRef idx="minor">
+                <a:schemeClr val="lt1"/>
+              </a:fontRef>
+            </p:style>
+            <p:txBody>
+              <a:bodyPr rtlCol="0" anchor="ctr"/>
+              <a:lstStyle/>
+              <a:p>
+                <a:pPr algn="ctr"/>
+                <a:endParaRPr lang="de-DE" dirty="0">
+                  <a:solidFill>
+                    <a:srgbClr val="8C81AF"/>
+                  </a:solidFill>
+                </a:endParaRPr>
+              </a:p>
+            </p:txBody>
+          </p:sp>
+        </p:grpSp>
+        <p:grpSp>
+          <p:nvGrpSpPr>
+            <p:cNvPr id="24" name="Gruppieren 23">
+              <a:extLst>
+                <a:ext uri="{FF2B5EF4-FFF2-40B4-BE49-F238E27FC236}">
+                  <a16:creationId xmlns:a16="http://schemas.microsoft.com/office/drawing/2014/main" id="{B8E6D886-A02B-4159-BE79-C9773FAD6C3A}"/>
+                </a:ext>
+              </a:extLst>
+            </p:cNvPr>
+            <p:cNvGrpSpPr/>
+            <p:nvPr/>
+          </p:nvGrpSpPr>
+          <p:grpSpPr>
+            <a:xfrm>
+              <a:off x="6793960" y="3600000"/>
+              <a:ext cx="3442747" cy="1219236"/>
+              <a:chOff x="6899605" y="3171884"/>
+              <a:chExt cx="3442747" cy="1219236"/>
+            </a:xfrm>
+          </p:grpSpPr>
+          <p:sp>
+            <p:nvSpPr>
+              <p:cNvPr id="28" name="Rechteck: eine Ecke abgeschnitten 27">
+                <a:extLst>
+                  <a:ext uri="{FF2B5EF4-FFF2-40B4-BE49-F238E27FC236}">
+                    <a16:creationId xmlns:a16="http://schemas.microsoft.com/office/drawing/2014/main" id="{17C74BBF-BDE6-45CF-9F75-8997B793E3F8}"/>
+                  </a:ext>
+                </a:extLst>
+              </p:cNvPr>
+              <p:cNvSpPr/>
+              <p:nvPr/>
+            </p:nvSpPr>
+            <p:spPr>
+              <a:xfrm flipH="1" flipV="1">
+                <a:off x="6899605" y="3171884"/>
+                <a:ext cx="3442747" cy="1219236"/>
+              </a:xfrm>
+              <a:prstGeom prst="snip1Rect">
+                <a:avLst>
+                  <a:gd name="adj" fmla="val 50000"/>
+                </a:avLst>
+              </a:prstGeom>
+              <a:solidFill>
+                <a:srgbClr val="0E5E26"/>
+              </a:solidFill>
+              <a:ln w="28575">
+                <a:solidFill>
+                  <a:srgbClr val="84BC95"/>
+                </a:solidFill>
+              </a:ln>
+            </p:spPr>
+            <p:style>
+              <a:lnRef idx="2">
+                <a:schemeClr val="accent1">
+                  <a:shade val="50000"/>
+                </a:schemeClr>
+              </a:lnRef>
+              <a:fillRef idx="1">
+                <a:schemeClr val="accent1"/>
+              </a:fillRef>
+              <a:effectRef idx="0">
+                <a:schemeClr val="accent1"/>
+              </a:effectRef>
+              <a:fontRef idx="minor">
+                <a:schemeClr val="lt1"/>
+              </a:fontRef>
+            </p:style>
+            <p:txBody>
+              <a:bodyPr rtlCol="0" anchor="ctr"/>
+              <a:lstStyle/>
+              <a:p>
+                <a:pPr algn="ctr"/>
+                <a:endParaRPr lang="de-DE" dirty="0"/>
+              </a:p>
+            </p:txBody>
+          </p:sp>
+          <p:sp>
+            <p:nvSpPr>
+              <p:cNvPr id="29" name="Rechteck 28">
+                <a:extLst>
+                  <a:ext uri="{FF2B5EF4-FFF2-40B4-BE49-F238E27FC236}">
+                    <a16:creationId xmlns:a16="http://schemas.microsoft.com/office/drawing/2014/main" id="{0E1C997B-7D31-4845-977D-EC930CB89CF1}"/>
+                  </a:ext>
+                </a:extLst>
+              </p:cNvPr>
+              <p:cNvSpPr/>
+              <p:nvPr/>
+            </p:nvSpPr>
+            <p:spPr>
+              <a:xfrm>
+                <a:off x="7363294" y="3457072"/>
+                <a:ext cx="2549606" cy="648861"/>
+              </a:xfrm>
+              <a:prstGeom prst="rect">
+                <a:avLst/>
+              </a:prstGeom>
+              <a:noFill/>
+              <a:ln>
+                <a:noFill/>
+              </a:ln>
+            </p:spPr>
+            <p:style>
+              <a:lnRef idx="2">
+                <a:schemeClr val="accent1">
+                  <a:shade val="50000"/>
+                </a:schemeClr>
+              </a:lnRef>
+              <a:fillRef idx="1">
+                <a:schemeClr val="accent1"/>
+              </a:fillRef>
+              <a:effectRef idx="0">
+                <a:schemeClr val="accent1"/>
+              </a:effectRef>
+              <a:fontRef idx="minor">
+                <a:schemeClr val="lt1"/>
+              </a:fontRef>
+            </p:style>
+            <p:txBody>
+              <a:bodyPr rtlCol="0" anchor="ctr"/>
+              <a:lstStyle/>
+              <a:p>
+                <a:pPr algn="ctr"/>
+                <a:endParaRPr lang="de-DE" dirty="0">
+                  <a:solidFill>
+                    <a:srgbClr val="84BC95"/>
+                  </a:solidFill>
+                </a:endParaRPr>
+              </a:p>
+            </p:txBody>
+          </p:sp>
+        </p:grpSp>
+        <p:grpSp>
+          <p:nvGrpSpPr>
+            <p:cNvPr id="25" name="Gruppieren 24">
+              <a:extLst>
+                <a:ext uri="{FF2B5EF4-FFF2-40B4-BE49-F238E27FC236}">
+                  <a16:creationId xmlns:a16="http://schemas.microsoft.com/office/drawing/2014/main" id="{0822AD09-129A-4E73-AA14-D70281F9AAB1}"/>
+                </a:ext>
+              </a:extLst>
+            </p:cNvPr>
+            <p:cNvGrpSpPr/>
+            <p:nvPr/>
+          </p:nvGrpSpPr>
+          <p:grpSpPr>
+            <a:xfrm>
+              <a:off x="3888489" y="4285680"/>
+              <a:ext cx="3442747" cy="1219237"/>
+              <a:chOff x="3991005" y="4281517"/>
+              <a:chExt cx="3442747" cy="1219237"/>
+            </a:xfrm>
+          </p:grpSpPr>
+          <p:sp>
+            <p:nvSpPr>
+              <p:cNvPr id="26" name="Rechteck: obere Ecken abgeschnitten 25">
+                <a:extLst>
+                  <a:ext uri="{FF2B5EF4-FFF2-40B4-BE49-F238E27FC236}">
+                    <a16:creationId xmlns:a16="http://schemas.microsoft.com/office/drawing/2014/main" id="{EC7E390C-1595-4F99-B7A9-4E1F7AD5B07D}"/>
+                  </a:ext>
+                </a:extLst>
+              </p:cNvPr>
+              <p:cNvSpPr/>
+              <p:nvPr/>
+            </p:nvSpPr>
+            <p:spPr>
+              <a:xfrm>
+                <a:off x="3991005" y="4281517"/>
+                <a:ext cx="3442747" cy="1219237"/>
+              </a:xfrm>
+              <a:prstGeom prst="snip2SameRect">
+                <a:avLst>
+                  <a:gd name="adj1" fmla="val 50000"/>
+                  <a:gd name="adj2" fmla="val 0"/>
+                </a:avLst>
+              </a:prstGeom>
+              <a:solidFill>
+                <a:schemeClr val="bg1">
+                  <a:lumMod val="85000"/>
+                </a:schemeClr>
+              </a:solidFill>
+              <a:ln w="28575">
+                <a:solidFill>
+                  <a:schemeClr val="bg1">
+                    <a:lumMod val="75000"/>
+                  </a:schemeClr>
+                </a:solidFill>
+              </a:ln>
+            </p:spPr>
+            <p:style>
+              <a:lnRef idx="2">
+                <a:schemeClr val="accent1">
+                  <a:shade val="50000"/>
+                </a:schemeClr>
+              </a:lnRef>
+              <a:fillRef idx="1">
+                <a:schemeClr val="accent1"/>
+              </a:fillRef>
+              <a:effectRef idx="0">
+                <a:schemeClr val="accent1"/>
+              </a:effectRef>
+              <a:fontRef idx="minor">
+                <a:schemeClr val="lt1"/>
+              </a:fontRef>
+            </p:style>
+            <p:txBody>
+              <a:bodyPr rtlCol="0" anchor="ctr"/>
+              <a:lstStyle/>
+              <a:p>
+                <a:pPr algn="ctr"/>
+                <a:endParaRPr lang="de-DE"/>
+              </a:p>
+            </p:txBody>
+          </p:sp>
+          <p:sp>
+            <p:nvSpPr>
+              <p:cNvPr id="27" name="Rechteck 26">
+                <a:extLst>
+                  <a:ext uri="{FF2B5EF4-FFF2-40B4-BE49-F238E27FC236}">
+                    <a16:creationId xmlns:a16="http://schemas.microsoft.com/office/drawing/2014/main" id="{229E413F-198B-41A6-9523-1FDC3438D3E0}"/>
+                  </a:ext>
+                </a:extLst>
+              </p:cNvPr>
+              <p:cNvSpPr/>
+              <p:nvPr/>
+            </p:nvSpPr>
+            <p:spPr>
+              <a:xfrm>
+                <a:off x="4528281" y="4566705"/>
+                <a:ext cx="2368195" cy="648861"/>
+              </a:xfrm>
+              <a:prstGeom prst="rect">
+                <a:avLst/>
+              </a:prstGeom>
+              <a:noFill/>
+              <a:ln>
+                <a:noFill/>
+              </a:ln>
+            </p:spPr>
+            <p:style>
+              <a:lnRef idx="2">
+                <a:schemeClr val="accent1">
+                  <a:shade val="50000"/>
+                </a:schemeClr>
+              </a:lnRef>
+              <a:fillRef idx="1">
+                <a:schemeClr val="accent1"/>
+              </a:fillRef>
+              <a:effectRef idx="0">
+                <a:schemeClr val="accent1"/>
+              </a:effectRef>
+              <a:fontRef idx="minor">
+                <a:schemeClr val="lt1"/>
+              </a:fontRef>
+            </p:style>
+            <p:txBody>
+              <a:bodyPr rtlCol="0" anchor="ctr"/>
+              <a:lstStyle/>
+              <a:p>
+                <a:pPr algn="ctr"/>
+                <a:endParaRPr lang="de-DE" sz="2800" dirty="0">
+                  <a:solidFill>
+                    <a:srgbClr val="EFA8B4"/>
+                  </a:solidFill>
+                </a:endParaRPr>
+              </a:p>
+            </p:txBody>
+          </p:sp>
+        </p:grpSp>
+      </p:grpSp>
+      <p:cxnSp>
+        <p:nvCxnSpPr>
+          <p:cNvPr id="32" name="Gerader Verbinder 31">
+            <a:extLst>
+              <a:ext uri="{FF2B5EF4-FFF2-40B4-BE49-F238E27FC236}">
+                <a16:creationId xmlns:a16="http://schemas.microsoft.com/office/drawing/2014/main" id="{9068FB1B-E590-45CD-B9CC-830475B860AD}"/>
+              </a:ext>
+            </a:extLst>
+          </p:cNvPr>
+          <p:cNvCxnSpPr>
+            <a:cxnSpLocks/>
+          </p:cNvCxnSpPr>
+          <p:nvPr/>
+        </p:nvCxnSpPr>
+        <p:spPr>
+          <a:xfrm>
+            <a:off x="2112142" y="514756"/>
+            <a:ext cx="328773" cy="465623"/>
+          </a:xfrm>
+          <a:prstGeom prst="line">
+            <a:avLst/>
+          </a:prstGeom>
+          <a:ln w="28575">
+            <a:solidFill>
+              <a:srgbClr val="84BC95"/>
+            </a:solidFill>
+          </a:ln>
+        </p:spPr>
+        <p:style>
+          <a:lnRef idx="1">
+            <a:schemeClr val="accent1"/>
+          </a:lnRef>
+          <a:fillRef idx="0">
+            <a:schemeClr val="accent1"/>
+          </a:fillRef>
+          <a:effectRef idx="0">
+            <a:schemeClr val="accent1"/>
+          </a:effectRef>
+          <a:fontRef idx="minor">
+            <a:schemeClr val="tx1"/>
+          </a:fontRef>
+        </p:style>
+      </p:cxnSp>
+      <p:cxnSp>
+        <p:nvCxnSpPr>
+          <p:cNvPr id="33" name="Gerader Verbinder 32">
+            <a:extLst>
+              <a:ext uri="{FF2B5EF4-FFF2-40B4-BE49-F238E27FC236}">
+                <a16:creationId xmlns:a16="http://schemas.microsoft.com/office/drawing/2014/main" id="{7CBAD0E0-4DBC-4044-AADD-3D01CCA5A512}"/>
+              </a:ext>
+            </a:extLst>
+          </p:cNvPr>
+          <p:cNvCxnSpPr/>
+          <p:nvPr/>
+        </p:nvCxnSpPr>
+        <p:spPr>
+          <a:xfrm>
+            <a:off x="616449" y="976045"/>
+            <a:ext cx="1828800" cy="0"/>
+          </a:xfrm>
+          <a:prstGeom prst="line">
+            <a:avLst/>
+          </a:prstGeom>
+          <a:ln w="28575">
+            <a:solidFill>
+              <a:srgbClr val="84BC95"/>
+            </a:solidFill>
+          </a:ln>
+        </p:spPr>
+        <p:style>
+          <a:lnRef idx="1">
+            <a:schemeClr val="accent1"/>
+          </a:lnRef>
+          <a:fillRef idx="0">
+            <a:schemeClr val="accent1"/>
+          </a:fillRef>
+          <a:effectRef idx="0">
+            <a:schemeClr val="accent1"/>
+          </a:effectRef>
+          <a:fontRef idx="minor">
+            <a:schemeClr val="tx1"/>
+          </a:fontRef>
+        </p:style>
+      </p:cxnSp>
+      <p:sp>
+        <p:nvSpPr>
+          <p:cNvPr id="42" name="Textfeld 41">
+            <a:extLst>
+              <a:ext uri="{FF2B5EF4-FFF2-40B4-BE49-F238E27FC236}">
+                <a16:creationId xmlns:a16="http://schemas.microsoft.com/office/drawing/2014/main" id="{F8CC02C5-88CF-4847-8AA6-68A4CE0A46EA}"/>
+              </a:ext>
+            </a:extLst>
+          </p:cNvPr>
+          <p:cNvSpPr txBox="1"/>
+          <p:nvPr/>
+        </p:nvSpPr>
+        <p:spPr>
+          <a:xfrm>
+            <a:off x="769888" y="646623"/>
+            <a:ext cx="1172116" cy="369332"/>
+          </a:xfrm>
+          <a:prstGeom prst="rect">
+            <a:avLst/>
+          </a:prstGeom>
+          <a:noFill/>
+        </p:spPr>
+        <p:txBody>
+          <a:bodyPr wrap="none" rtlCol="0">
+            <a:spAutoFit/>
+          </a:bodyPr>
+          <a:lstStyle/>
+          <a:p>
+            <a:r>
+              <a:rPr lang="de-DE" dirty="0" err="1">
+                <a:solidFill>
+                  <a:srgbClr val="0E5E26"/>
+                </a:solidFill>
+              </a:rPr>
+              <a:t>Visualizing</a:t>
+            </a:r>
+            <a:endParaRPr lang="de-DE" dirty="0">
+              <a:solidFill>
+                <a:srgbClr val="0E5E26"/>
+              </a:solidFill>
+            </a:endParaRPr>
+          </a:p>
+        </p:txBody>
+      </p:sp>
       <p:sp>
         <p:nvSpPr>
           <p:cNvPr id="60" name="Rechteck 59">
@@ -10740,7 +13330,23 @@
                   <a:schemeClr val="tx1"/>
                 </a:solidFill>
               </a:rPr>
-              <a:t>Textformat für Graphen</a:t>
+              <a:t>Toolbox (not </a:t>
+            </a:r>
+            <a:r>
+              <a:rPr lang="de-DE" sz="2000" b="1" dirty="0" err="1">
+                <a:solidFill>
+                  <a:schemeClr val="tx1"/>
+                </a:solidFill>
+              </a:rPr>
+              <a:t>fancy</a:t>
+            </a:r>
+            <a:r>
+              <a:rPr lang="de-DE" sz="2000" b="1" dirty="0">
+                <a:solidFill>
+                  <a:schemeClr val="tx1"/>
+                </a:solidFill>
+              </a:rPr>
+              <a:t>)</a:t>
             </a:r>
           </a:p>
           <a:p>
@@ -10765,7 +13371,7 @@
                   <a:schemeClr val="tx1"/>
                 </a:solidFill>
               </a:rPr>
-              <a:t>Textformat in </a:t>
+              <a:t>Toolbox (</a:t>
             </a:r>
             <a:r>
               <a:rPr lang="de-DE" sz="2000" b="1" dirty="0" err="1">
@@ -10773,7 +13379,7 @@
                   <a:schemeClr val="tx1"/>
                 </a:solidFill>
               </a:rPr>
-              <a:t>ElkGraph</a:t>
+              <a:t>fancy</a:t>
             </a:r>
             <a:r>
               <a:rPr lang="de-DE" sz="2000" b="1" dirty="0">
@@ -10781,7 +13387,7 @@
                   <a:schemeClr val="tx1"/>
                 </a:solidFill>
               </a:rPr>
-              <a:t> übersetzen</a:t>
+              <a:t>)</a:t>
             </a:r>
           </a:p>
           <a:p>
@@ -10801,12 +13407,20 @@
               <a:buChar char="•"/>
             </a:pPr>
             <a:r>
+              <a:rPr lang="de-DE" sz="2000" b="1" dirty="0" err="1">
+                <a:solidFill>
+                  <a:schemeClr val="tx1"/>
+                </a:solidFill>
+              </a:rPr>
+              <a:t>MiniGraph</a:t>
+            </a:r>
+            <a:r>
               <a:rPr lang="de-DE" sz="2000" b="1" dirty="0">
                 <a:solidFill>
                   <a:schemeClr val="tx1"/>
                 </a:solidFill>
               </a:rPr>
-              <a:t>Error Handling</a:t>
+              <a:t> and Layer</a:t>
             </a:r>
           </a:p>
           <a:p>
@@ -10826,12 +13440,20 @@
               <a:buChar char="•"/>
             </a:pPr>
             <a:r>
+              <a:rPr lang="de-DE" sz="2000" b="1" dirty="0" err="1">
+                <a:solidFill>
+                  <a:schemeClr val="tx1"/>
+                </a:solidFill>
+              </a:rPr>
+              <a:t>Animating</a:t>
+            </a:r>
+            <a:r>
               <a:rPr lang="de-DE" sz="2000" b="1" dirty="0">
                 <a:solidFill>
                   <a:schemeClr val="tx1"/>
                 </a:solidFill>
               </a:rPr>
-              <a:t>Cycle </a:t>
+              <a:t> </a:t>
             </a:r>
             <a:r>
               <a:rPr lang="de-DE" sz="2000" b="1" dirty="0" err="1">
@@ -10839,13 +13461,87 @@
                   <a:schemeClr val="tx1"/>
                 </a:solidFill>
               </a:rPr>
-              <a:t>breaking</a:t>
+              <a:t>Assignment</a:t>
             </a:r>
             <a:endParaRPr lang="de-DE" sz="2000" b="1" dirty="0">
               <a:solidFill>
                 <a:schemeClr val="tx1"/>
               </a:solidFill>
             </a:endParaRPr>
+          </a:p>
+          <a:p>
+            <a:pPr marL="342900" indent="-255588">
+              <a:buFont typeface="Arial" panose="020B0604020202020204" pitchFamily="34" charset="0"/>
+              <a:buChar char="•"/>
+            </a:pPr>
+            <a:endParaRPr lang="de-DE" sz="2000" b="1" dirty="0">
+              <a:solidFill>
+                <a:schemeClr val="tx1"/>
+              </a:solidFill>
+            </a:endParaRPr>
+          </a:p>
+          <a:p>
+            <a:pPr marL="342900" indent="-255588">
+              <a:buFont typeface="Arial" panose="020B0604020202020204" pitchFamily="34" charset="0"/>
+              <a:buChar char="•"/>
+            </a:pPr>
+            <a:r>
+              <a:rPr lang="de-DE" sz="2000" b="1" dirty="0" err="1">
+                <a:solidFill>
+                  <a:schemeClr val="tx1"/>
+                </a:solidFill>
+              </a:rPr>
+              <a:t>Toggle</a:t>
+            </a:r>
+            <a:r>
+              <a:rPr lang="de-DE" sz="2000" b="1" dirty="0">
+                <a:solidFill>
+                  <a:schemeClr val="tx1"/>
+                </a:solidFill>
+              </a:rPr>
+              <a:t> </a:t>
+            </a:r>
+            <a:r>
+              <a:rPr lang="de-DE" sz="2000" b="1" dirty="0" err="1">
+                <a:solidFill>
+                  <a:schemeClr val="tx1"/>
+                </a:solidFill>
+              </a:rPr>
+              <a:t>Textual</a:t>
+            </a:r>
+            <a:r>
+              <a:rPr lang="de-DE" sz="2000" b="1" dirty="0">
+                <a:solidFill>
+                  <a:schemeClr val="tx1"/>
+                </a:solidFill>
+              </a:rPr>
+              <a:t> View</a:t>
+            </a:r>
+          </a:p>
+          <a:p>
+            <a:pPr marL="342900" indent="-255588">
+              <a:buFont typeface="Arial" panose="020B0604020202020204" pitchFamily="34" charset="0"/>
+              <a:buChar char="•"/>
+            </a:pPr>
+            <a:endParaRPr lang="de-DE" sz="2000" b="1" dirty="0">
+              <a:solidFill>
+                <a:schemeClr val="tx1"/>
+              </a:solidFill>
+            </a:endParaRPr>
+          </a:p>
+          <a:p>
+            <a:pPr marL="342900" indent="-255588">
+              <a:buFont typeface="Arial" panose="020B0604020202020204" pitchFamily="34" charset="0"/>
+              <a:buChar char="•"/>
+            </a:pPr>
+            <a:r>
+              <a:rPr lang="de-DE" sz="2000" b="1" dirty="0">
+                <a:solidFill>
+                  <a:schemeClr val="tx1"/>
+                </a:solidFill>
+              </a:rPr>
+              <a:t>Multiple Tabs</a:t>
+            </a:r>
           </a:p>
           <a:p>
             <a:pPr marL="342900" indent="-342900">
@@ -10999,10 +13695,100 @@
           </p:txBody>
         </p:sp>
       </p:grpSp>
+      <p:pic>
+        <p:nvPicPr>
+          <p:cNvPr id="9" name="Grafik 8">
+            <a:extLst>
+              <a:ext uri="{FF2B5EF4-FFF2-40B4-BE49-F238E27FC236}">
+                <a16:creationId xmlns:a16="http://schemas.microsoft.com/office/drawing/2014/main" id="{78AD2DEA-F890-4ED8-9AB8-2C2D46F66DB5}"/>
+              </a:ext>
+            </a:extLst>
+          </p:cNvPr>
+          <p:cNvPicPr>
+            <a:picLocks noChangeAspect="1"/>
+          </p:cNvPicPr>
+          <p:nvPr/>
+        </p:nvPicPr>
+        <p:blipFill>
+          <a:blip r:embed="rId2"/>
+          <a:stretch>
+            <a:fillRect/>
+          </a:stretch>
+        </p:blipFill>
+        <p:spPr>
+          <a:xfrm>
+            <a:off x="1230301" y="2415723"/>
+            <a:ext cx="1556442" cy="1514752"/>
+          </a:xfrm>
+          <a:prstGeom prst="rect">
+            <a:avLst/>
+          </a:prstGeom>
+        </p:spPr>
+      </p:pic>
+      <p:pic>
+        <p:nvPicPr>
+          <p:cNvPr id="10" name="Grafik 9">
+            <a:extLst>
+              <a:ext uri="{FF2B5EF4-FFF2-40B4-BE49-F238E27FC236}">
+                <a16:creationId xmlns:a16="http://schemas.microsoft.com/office/drawing/2014/main" id="{689BEEB2-9A08-4151-982C-350DE86809EB}"/>
+              </a:ext>
+            </a:extLst>
+          </p:cNvPr>
+          <p:cNvPicPr>
+            <a:picLocks noChangeAspect="1"/>
+          </p:cNvPicPr>
+          <p:nvPr/>
+        </p:nvPicPr>
+        <p:blipFill>
+          <a:blip r:embed="rId3"/>
+          <a:stretch>
+            <a:fillRect/>
+          </a:stretch>
+        </p:blipFill>
+        <p:spPr>
+          <a:xfrm>
+            <a:off x="1230301" y="4818485"/>
+            <a:ext cx="6594305" cy="708479"/>
+          </a:xfrm>
+          <a:prstGeom prst="rect">
+            <a:avLst/>
+          </a:prstGeom>
+        </p:spPr>
+      </p:pic>
+      <p:pic>
+        <p:nvPicPr>
+          <p:cNvPr id="11" name="Grafik 10">
+            <a:extLst>
+              <a:ext uri="{FF2B5EF4-FFF2-40B4-BE49-F238E27FC236}">
+                <a16:creationId xmlns:a16="http://schemas.microsoft.com/office/drawing/2014/main" id="{814BC475-DA8B-497C-8A7B-50AB95A30969}"/>
+              </a:ext>
+            </a:extLst>
+          </p:cNvPr>
+          <p:cNvPicPr>
+            <a:picLocks noChangeAspect="1"/>
+          </p:cNvPicPr>
+          <p:nvPr/>
+        </p:nvPicPr>
+        <p:blipFill>
+          <a:blip r:embed="rId4"/>
+          <a:stretch>
+            <a:fillRect/>
+          </a:stretch>
+        </p:blipFill>
+        <p:spPr>
+          <a:xfrm>
+            <a:off x="3700281" y="1387300"/>
+            <a:ext cx="4124325" cy="2543175"/>
+          </a:xfrm>
+          <a:prstGeom prst="rect">
+            <a:avLst/>
+          </a:prstGeom>
+        </p:spPr>
+      </p:pic>
     </p:spTree>
     <p:extLst>
       <p:ext uri="{BB962C8B-B14F-4D97-AF65-F5344CB8AC3E}">
-        <p14:creationId xmlns:p14="http://schemas.microsoft.com/office/powerpoint/2010/main" val="998430481"/>
+        <p14:creationId xmlns:p14="http://schemas.microsoft.com/office/powerpoint/2010/main" val="1466227571"/>
       </p:ext>
     </p:extLst>
   </p:cSld>
@@ -11012,7 +13798,7 @@
 </p:sld>
 </file>
 
-<file path=ppt/slides/slide14.xml><?xml version="1.0" encoding="utf-8"?>
+<file path=ppt/slides/slide17.xml><?xml version="1.0" encoding="utf-8"?>
 <p:sld xmlns:a="http://schemas.openxmlformats.org/drawingml/2006/main" xmlns:r="http://schemas.openxmlformats.org/officeDocument/2006/relationships" xmlns:p="http://schemas.openxmlformats.org/presentationml/2006/main">
   <p:cSld>
     <p:spTree>
@@ -11029,12 +13815,573 @@
           <a:chExt cx="0" cy="0"/>
         </a:xfrm>
       </p:grpSpPr>
+      <p:grpSp>
+        <p:nvGrpSpPr>
+          <p:cNvPr id="22" name="Gruppieren 21">
+            <a:extLst>
+              <a:ext uri="{FF2B5EF4-FFF2-40B4-BE49-F238E27FC236}">
+                <a16:creationId xmlns:a16="http://schemas.microsoft.com/office/drawing/2014/main" id="{40CE0BBD-44C5-47C4-A744-EFE3C600CD6E}"/>
+              </a:ext>
+            </a:extLst>
+          </p:cNvPr>
+          <p:cNvGrpSpPr>
+            <a:grpSpLocks noChangeAspect="1"/>
+          </p:cNvGrpSpPr>
+          <p:nvPr/>
+        </p:nvGrpSpPr>
+        <p:grpSpPr>
+          <a:xfrm>
+            <a:off x="217785" y="197006"/>
+            <a:ext cx="1898691" cy="489676"/>
+            <a:chOff x="972000" y="3600000"/>
+            <a:chExt cx="9264707" cy="1904917"/>
+          </a:xfrm>
+        </p:grpSpPr>
+        <p:grpSp>
+          <p:nvGrpSpPr>
+            <p:cNvPr id="23" name="Gruppieren 22">
+              <a:extLst>
+                <a:ext uri="{FF2B5EF4-FFF2-40B4-BE49-F238E27FC236}">
+                  <a16:creationId xmlns:a16="http://schemas.microsoft.com/office/drawing/2014/main" id="{D04F0537-5D4E-4C7B-942A-CEBDC65AAC3B}"/>
+                </a:ext>
+              </a:extLst>
+            </p:cNvPr>
+            <p:cNvGrpSpPr/>
+            <p:nvPr/>
+          </p:nvGrpSpPr>
+          <p:grpSpPr>
+            <a:xfrm>
+              <a:off x="972000" y="3600000"/>
+              <a:ext cx="3442749" cy="1219236"/>
+              <a:chOff x="1065285" y="3182901"/>
+              <a:chExt cx="3442749" cy="1219236"/>
+            </a:xfrm>
+          </p:grpSpPr>
+          <p:sp>
+            <p:nvSpPr>
+              <p:cNvPr id="30" name="Rechteck: eine Ecke abgeschnitten 29">
+                <a:extLst>
+                  <a:ext uri="{FF2B5EF4-FFF2-40B4-BE49-F238E27FC236}">
+                    <a16:creationId xmlns:a16="http://schemas.microsoft.com/office/drawing/2014/main" id="{3B8E4723-7F96-446D-95C1-1A617709DF03}"/>
+                  </a:ext>
+                </a:extLst>
+              </p:cNvPr>
+              <p:cNvSpPr/>
+              <p:nvPr/>
+            </p:nvSpPr>
+            <p:spPr>
+              <a:xfrm flipV="1">
+                <a:off x="1065285" y="3182901"/>
+                <a:ext cx="3442749" cy="1219236"/>
+              </a:xfrm>
+              <a:prstGeom prst="snip1Rect">
+                <a:avLst>
+                  <a:gd name="adj" fmla="val 50000"/>
+                </a:avLst>
+              </a:prstGeom>
+              <a:solidFill>
+                <a:schemeClr val="bg1">
+                  <a:lumMod val="85000"/>
+                </a:schemeClr>
+              </a:solidFill>
+              <a:ln w="28575">
+                <a:solidFill>
+                  <a:schemeClr val="bg1">
+                    <a:lumMod val="75000"/>
+                  </a:schemeClr>
+                </a:solidFill>
+              </a:ln>
+              <a:effectLst>
+                <a:glow>
+                  <a:schemeClr val="accent4">
+                    <a:lumMod val="20000"/>
+                    <a:lumOff val="80000"/>
+                  </a:schemeClr>
+                </a:glow>
+              </a:effectLst>
+            </p:spPr>
+            <p:style>
+              <a:lnRef idx="2">
+                <a:schemeClr val="accent1">
+                  <a:shade val="50000"/>
+                </a:schemeClr>
+              </a:lnRef>
+              <a:fillRef idx="1">
+                <a:schemeClr val="accent1"/>
+              </a:fillRef>
+              <a:effectRef idx="0">
+                <a:schemeClr val="accent1"/>
+              </a:effectRef>
+              <a:fontRef idx="minor">
+                <a:schemeClr val="lt1"/>
+              </a:fontRef>
+            </p:style>
+            <p:txBody>
+              <a:bodyPr rtlCol="0" anchor="ctr"/>
+              <a:lstStyle/>
+              <a:p>
+                <a:pPr algn="ctr"/>
+                <a:endParaRPr lang="de-DE" dirty="0"/>
+              </a:p>
+            </p:txBody>
+          </p:sp>
+          <p:sp>
+            <p:nvSpPr>
+              <p:cNvPr id="31" name="Rechteck 30">
+                <a:extLst>
+                  <a:ext uri="{FF2B5EF4-FFF2-40B4-BE49-F238E27FC236}">
+                    <a16:creationId xmlns:a16="http://schemas.microsoft.com/office/drawing/2014/main" id="{98EB074F-2E8B-41B7-8A6A-1A97866AB12A}"/>
+                  </a:ext>
+                </a:extLst>
+              </p:cNvPr>
+              <p:cNvSpPr/>
+              <p:nvPr/>
+            </p:nvSpPr>
+            <p:spPr>
+              <a:xfrm>
+                <a:off x="1602562" y="3457072"/>
+                <a:ext cx="2368195" cy="648861"/>
+              </a:xfrm>
+              <a:prstGeom prst="rect">
+                <a:avLst/>
+              </a:prstGeom>
+              <a:noFill/>
+              <a:ln>
+                <a:noFill/>
+              </a:ln>
+            </p:spPr>
+            <p:style>
+              <a:lnRef idx="2">
+                <a:schemeClr val="accent1">
+                  <a:shade val="50000"/>
+                </a:schemeClr>
+              </a:lnRef>
+              <a:fillRef idx="1">
+                <a:schemeClr val="accent1"/>
+              </a:fillRef>
+              <a:effectRef idx="0">
+                <a:schemeClr val="accent1"/>
+              </a:effectRef>
+              <a:fontRef idx="minor">
+                <a:schemeClr val="lt1"/>
+              </a:fontRef>
+            </p:style>
+            <p:txBody>
+              <a:bodyPr rtlCol="0" anchor="ctr"/>
+              <a:lstStyle/>
+              <a:p>
+                <a:pPr algn="ctr"/>
+                <a:endParaRPr lang="de-DE" dirty="0">
+                  <a:solidFill>
+                    <a:srgbClr val="8C81AF"/>
+                  </a:solidFill>
+                </a:endParaRPr>
+              </a:p>
+            </p:txBody>
+          </p:sp>
+        </p:grpSp>
+        <p:grpSp>
+          <p:nvGrpSpPr>
+            <p:cNvPr id="24" name="Gruppieren 23">
+              <a:extLst>
+                <a:ext uri="{FF2B5EF4-FFF2-40B4-BE49-F238E27FC236}">
+                  <a16:creationId xmlns:a16="http://schemas.microsoft.com/office/drawing/2014/main" id="{B8E6D886-A02B-4159-BE79-C9773FAD6C3A}"/>
+                </a:ext>
+              </a:extLst>
+            </p:cNvPr>
+            <p:cNvGrpSpPr/>
+            <p:nvPr/>
+          </p:nvGrpSpPr>
+          <p:grpSpPr>
+            <a:xfrm>
+              <a:off x="6793960" y="3600000"/>
+              <a:ext cx="3442747" cy="1219236"/>
+              <a:chOff x="6899605" y="3171884"/>
+              <a:chExt cx="3442747" cy="1219236"/>
+            </a:xfrm>
+          </p:grpSpPr>
+          <p:sp>
+            <p:nvSpPr>
+              <p:cNvPr id="28" name="Rechteck: eine Ecke abgeschnitten 27">
+                <a:extLst>
+                  <a:ext uri="{FF2B5EF4-FFF2-40B4-BE49-F238E27FC236}">
+                    <a16:creationId xmlns:a16="http://schemas.microsoft.com/office/drawing/2014/main" id="{17C74BBF-BDE6-45CF-9F75-8997B793E3F8}"/>
+                  </a:ext>
+                </a:extLst>
+              </p:cNvPr>
+              <p:cNvSpPr/>
+              <p:nvPr/>
+            </p:nvSpPr>
+            <p:spPr>
+              <a:xfrm flipH="1" flipV="1">
+                <a:off x="6899605" y="3171884"/>
+                <a:ext cx="3442747" cy="1219236"/>
+              </a:xfrm>
+              <a:prstGeom prst="snip1Rect">
+                <a:avLst>
+                  <a:gd name="adj" fmla="val 50000"/>
+                </a:avLst>
+              </a:prstGeom>
+              <a:solidFill>
+                <a:srgbClr val="0E5E26"/>
+              </a:solidFill>
+              <a:ln w="28575">
+                <a:solidFill>
+                  <a:srgbClr val="84BC95"/>
+                </a:solidFill>
+              </a:ln>
+            </p:spPr>
+            <p:style>
+              <a:lnRef idx="2">
+                <a:schemeClr val="accent1">
+                  <a:shade val="50000"/>
+                </a:schemeClr>
+              </a:lnRef>
+              <a:fillRef idx="1">
+                <a:schemeClr val="accent1"/>
+              </a:fillRef>
+              <a:effectRef idx="0">
+                <a:schemeClr val="accent1"/>
+              </a:effectRef>
+              <a:fontRef idx="minor">
+                <a:schemeClr val="lt1"/>
+              </a:fontRef>
+            </p:style>
+            <p:txBody>
+              <a:bodyPr rtlCol="0" anchor="ctr"/>
+              <a:lstStyle/>
+              <a:p>
+                <a:pPr algn="ctr"/>
+                <a:endParaRPr lang="de-DE" dirty="0"/>
+              </a:p>
+            </p:txBody>
+          </p:sp>
+          <p:sp>
+            <p:nvSpPr>
+              <p:cNvPr id="29" name="Rechteck 28">
+                <a:extLst>
+                  <a:ext uri="{FF2B5EF4-FFF2-40B4-BE49-F238E27FC236}">
+                    <a16:creationId xmlns:a16="http://schemas.microsoft.com/office/drawing/2014/main" id="{0E1C997B-7D31-4845-977D-EC930CB89CF1}"/>
+                  </a:ext>
+                </a:extLst>
+              </p:cNvPr>
+              <p:cNvSpPr/>
+              <p:nvPr/>
+            </p:nvSpPr>
+            <p:spPr>
+              <a:xfrm>
+                <a:off x="7363294" y="3457072"/>
+                <a:ext cx="2549606" cy="648861"/>
+              </a:xfrm>
+              <a:prstGeom prst="rect">
+                <a:avLst/>
+              </a:prstGeom>
+              <a:noFill/>
+              <a:ln>
+                <a:noFill/>
+              </a:ln>
+            </p:spPr>
+            <p:style>
+              <a:lnRef idx="2">
+                <a:schemeClr val="accent1">
+                  <a:shade val="50000"/>
+                </a:schemeClr>
+              </a:lnRef>
+              <a:fillRef idx="1">
+                <a:schemeClr val="accent1"/>
+              </a:fillRef>
+              <a:effectRef idx="0">
+                <a:schemeClr val="accent1"/>
+              </a:effectRef>
+              <a:fontRef idx="minor">
+                <a:schemeClr val="lt1"/>
+              </a:fontRef>
+            </p:style>
+            <p:txBody>
+              <a:bodyPr rtlCol="0" anchor="ctr"/>
+              <a:lstStyle/>
+              <a:p>
+                <a:pPr algn="ctr"/>
+                <a:endParaRPr lang="de-DE" dirty="0">
+                  <a:solidFill>
+                    <a:srgbClr val="84BC95"/>
+                  </a:solidFill>
+                </a:endParaRPr>
+              </a:p>
+            </p:txBody>
+          </p:sp>
+        </p:grpSp>
+        <p:grpSp>
+          <p:nvGrpSpPr>
+            <p:cNvPr id="25" name="Gruppieren 24">
+              <a:extLst>
+                <a:ext uri="{FF2B5EF4-FFF2-40B4-BE49-F238E27FC236}">
+                  <a16:creationId xmlns:a16="http://schemas.microsoft.com/office/drawing/2014/main" id="{0822AD09-129A-4E73-AA14-D70281F9AAB1}"/>
+                </a:ext>
+              </a:extLst>
+            </p:cNvPr>
+            <p:cNvGrpSpPr/>
+            <p:nvPr/>
+          </p:nvGrpSpPr>
+          <p:grpSpPr>
+            <a:xfrm>
+              <a:off x="3888489" y="4285680"/>
+              <a:ext cx="3442747" cy="1219237"/>
+              <a:chOff x="3991005" y="4281517"/>
+              <a:chExt cx="3442747" cy="1219237"/>
+            </a:xfrm>
+          </p:grpSpPr>
+          <p:sp>
+            <p:nvSpPr>
+              <p:cNvPr id="26" name="Rechteck: obere Ecken abgeschnitten 25">
+                <a:extLst>
+                  <a:ext uri="{FF2B5EF4-FFF2-40B4-BE49-F238E27FC236}">
+                    <a16:creationId xmlns:a16="http://schemas.microsoft.com/office/drawing/2014/main" id="{EC7E390C-1595-4F99-B7A9-4E1F7AD5B07D}"/>
+                  </a:ext>
+                </a:extLst>
+              </p:cNvPr>
+              <p:cNvSpPr/>
+              <p:nvPr/>
+            </p:nvSpPr>
+            <p:spPr>
+              <a:xfrm>
+                <a:off x="3991005" y="4281517"/>
+                <a:ext cx="3442747" cy="1219237"/>
+              </a:xfrm>
+              <a:prstGeom prst="snip2SameRect">
+                <a:avLst>
+                  <a:gd name="adj1" fmla="val 50000"/>
+                  <a:gd name="adj2" fmla="val 0"/>
+                </a:avLst>
+              </a:prstGeom>
+              <a:solidFill>
+                <a:schemeClr val="bg1">
+                  <a:lumMod val="85000"/>
+                </a:schemeClr>
+              </a:solidFill>
+              <a:ln w="28575">
+                <a:solidFill>
+                  <a:schemeClr val="bg1">
+                    <a:lumMod val="75000"/>
+                  </a:schemeClr>
+                </a:solidFill>
+              </a:ln>
+            </p:spPr>
+            <p:style>
+              <a:lnRef idx="2">
+                <a:schemeClr val="accent1">
+                  <a:shade val="50000"/>
+                </a:schemeClr>
+              </a:lnRef>
+              <a:fillRef idx="1">
+                <a:schemeClr val="accent1"/>
+              </a:fillRef>
+              <a:effectRef idx="0">
+                <a:schemeClr val="accent1"/>
+              </a:effectRef>
+              <a:fontRef idx="minor">
+                <a:schemeClr val="lt1"/>
+              </a:fontRef>
+            </p:style>
+            <p:txBody>
+              <a:bodyPr rtlCol="0" anchor="ctr"/>
+              <a:lstStyle/>
+              <a:p>
+                <a:pPr algn="ctr"/>
+                <a:endParaRPr lang="de-DE"/>
+              </a:p>
+            </p:txBody>
+          </p:sp>
+          <p:sp>
+            <p:nvSpPr>
+              <p:cNvPr id="27" name="Rechteck 26">
+                <a:extLst>
+                  <a:ext uri="{FF2B5EF4-FFF2-40B4-BE49-F238E27FC236}">
+                    <a16:creationId xmlns:a16="http://schemas.microsoft.com/office/drawing/2014/main" id="{229E413F-198B-41A6-9523-1FDC3438D3E0}"/>
+                  </a:ext>
+                </a:extLst>
+              </p:cNvPr>
+              <p:cNvSpPr/>
+              <p:nvPr/>
+            </p:nvSpPr>
+            <p:spPr>
+              <a:xfrm>
+                <a:off x="4528281" y="4566705"/>
+                <a:ext cx="2368195" cy="648861"/>
+              </a:xfrm>
+              <a:prstGeom prst="rect">
+                <a:avLst/>
+              </a:prstGeom>
+              <a:noFill/>
+              <a:ln>
+                <a:noFill/>
+              </a:ln>
+            </p:spPr>
+            <p:style>
+              <a:lnRef idx="2">
+                <a:schemeClr val="accent1">
+                  <a:shade val="50000"/>
+                </a:schemeClr>
+              </a:lnRef>
+              <a:fillRef idx="1">
+                <a:schemeClr val="accent1"/>
+              </a:fillRef>
+              <a:effectRef idx="0">
+                <a:schemeClr val="accent1"/>
+              </a:effectRef>
+              <a:fontRef idx="minor">
+                <a:schemeClr val="lt1"/>
+              </a:fontRef>
+            </p:style>
+            <p:txBody>
+              <a:bodyPr rtlCol="0" anchor="ctr"/>
+              <a:lstStyle/>
+              <a:p>
+                <a:pPr algn="ctr"/>
+                <a:endParaRPr lang="de-DE" sz="2800" dirty="0">
+                  <a:solidFill>
+                    <a:srgbClr val="EFA8B4"/>
+                  </a:solidFill>
+                </a:endParaRPr>
+              </a:p>
+            </p:txBody>
+          </p:sp>
+        </p:grpSp>
+      </p:grpSp>
+      <p:cxnSp>
+        <p:nvCxnSpPr>
+          <p:cNvPr id="32" name="Gerader Verbinder 31">
+            <a:extLst>
+              <a:ext uri="{FF2B5EF4-FFF2-40B4-BE49-F238E27FC236}">
+                <a16:creationId xmlns:a16="http://schemas.microsoft.com/office/drawing/2014/main" id="{9068FB1B-E590-45CD-B9CC-830475B860AD}"/>
+              </a:ext>
+            </a:extLst>
+          </p:cNvPr>
+          <p:cNvCxnSpPr>
+            <a:cxnSpLocks/>
+          </p:cNvCxnSpPr>
+          <p:nvPr/>
+        </p:nvCxnSpPr>
+        <p:spPr>
+          <a:xfrm>
+            <a:off x="2112142" y="514756"/>
+            <a:ext cx="328773" cy="465623"/>
+          </a:xfrm>
+          <a:prstGeom prst="line">
+            <a:avLst/>
+          </a:prstGeom>
+          <a:ln w="28575">
+            <a:solidFill>
+              <a:srgbClr val="84BC95"/>
+            </a:solidFill>
+          </a:ln>
+        </p:spPr>
+        <p:style>
+          <a:lnRef idx="1">
+            <a:schemeClr val="accent1"/>
+          </a:lnRef>
+          <a:fillRef idx="0">
+            <a:schemeClr val="accent1"/>
+          </a:fillRef>
+          <a:effectRef idx="0">
+            <a:schemeClr val="accent1"/>
+          </a:effectRef>
+          <a:fontRef idx="minor">
+            <a:schemeClr val="tx1"/>
+          </a:fontRef>
+        </p:style>
+      </p:cxnSp>
+      <p:cxnSp>
+        <p:nvCxnSpPr>
+          <p:cNvPr id="33" name="Gerader Verbinder 32">
+            <a:extLst>
+              <a:ext uri="{FF2B5EF4-FFF2-40B4-BE49-F238E27FC236}">
+                <a16:creationId xmlns:a16="http://schemas.microsoft.com/office/drawing/2014/main" id="{7CBAD0E0-4DBC-4044-AADD-3D01CCA5A512}"/>
+              </a:ext>
+            </a:extLst>
+          </p:cNvPr>
+          <p:cNvCxnSpPr/>
+          <p:nvPr/>
+        </p:nvCxnSpPr>
+        <p:spPr>
+          <a:xfrm>
+            <a:off x="616449" y="976045"/>
+            <a:ext cx="1828800" cy="0"/>
+          </a:xfrm>
+          <a:prstGeom prst="line">
+            <a:avLst/>
+          </a:prstGeom>
+          <a:ln w="28575">
+            <a:solidFill>
+              <a:srgbClr val="84BC95"/>
+            </a:solidFill>
+          </a:ln>
+        </p:spPr>
+        <p:style>
+          <a:lnRef idx="1">
+            <a:schemeClr val="accent1"/>
+          </a:lnRef>
+          <a:fillRef idx="0">
+            <a:schemeClr val="accent1"/>
+          </a:fillRef>
+          <a:effectRef idx="0">
+            <a:schemeClr val="accent1"/>
+          </a:effectRef>
+          <a:fontRef idx="minor">
+            <a:schemeClr val="tx1"/>
+          </a:fontRef>
+        </p:style>
+      </p:cxnSp>
       <p:sp>
         <p:nvSpPr>
-          <p:cNvPr id="28" name="Rechteck 27">
+          <p:cNvPr id="42" name="Textfeld 41">
             <a:extLst>
               <a:ext uri="{FF2B5EF4-FFF2-40B4-BE49-F238E27FC236}">
-                <a16:creationId xmlns:a16="http://schemas.microsoft.com/office/drawing/2014/main" id="{EAA7929A-46AC-4116-A1DD-C4B52BB86258}"/>
+                <a16:creationId xmlns:a16="http://schemas.microsoft.com/office/drawing/2014/main" id="{F8CC02C5-88CF-4847-8AA6-68A4CE0A46EA}"/>
+              </a:ext>
+            </a:extLst>
+          </p:cNvPr>
+          <p:cNvSpPr txBox="1"/>
+          <p:nvPr/>
+        </p:nvSpPr>
+        <p:spPr>
+          <a:xfrm>
+            <a:off x="769888" y="646623"/>
+            <a:ext cx="1172116" cy="369332"/>
+          </a:xfrm>
+          <a:prstGeom prst="rect">
+            <a:avLst/>
+          </a:prstGeom>
+          <a:noFill/>
+        </p:spPr>
+        <p:txBody>
+          <a:bodyPr wrap="none" rtlCol="0">
+            <a:spAutoFit/>
+          </a:bodyPr>
+          <a:lstStyle/>
+          <a:p>
+            <a:r>
+              <a:rPr lang="de-DE" dirty="0" err="1">
+                <a:solidFill>
+                  <a:srgbClr val="0E5E26"/>
+                </a:solidFill>
+              </a:rPr>
+              <a:t>Visualizing</a:t>
+            </a:r>
+            <a:endParaRPr lang="de-DE" dirty="0">
+              <a:solidFill>
+                <a:srgbClr val="0E5E26"/>
+              </a:solidFill>
+            </a:endParaRPr>
+          </a:p>
+        </p:txBody>
+      </p:sp>
+      <p:sp>
+        <p:nvSpPr>
+          <p:cNvPr id="60" name="Rechteck 59">
+            <a:extLst>
+              <a:ext uri="{FF2B5EF4-FFF2-40B4-BE49-F238E27FC236}">
+                <a16:creationId xmlns:a16="http://schemas.microsoft.com/office/drawing/2014/main" id="{115F7BF7-5BF8-423B-A880-EECAE93006F1}"/>
               </a:ext>
             </a:extLst>
           </p:cNvPr>
@@ -11133,9 +14480,9 @@
             </a:endParaRPr>
           </a:p>
           <a:p>
-            <a:pPr marL="342900" indent="-255588">
-              <a:buFont typeface="Arial" panose="020B0604020202020204" pitchFamily="34" charset="0"/>
-              <a:buChar char="•"/>
+            <a:pPr marL="430212" indent="-342900">
+              <a:buFont typeface="Wingdings" panose="05000000000000000000" pitchFamily="2" charset="2"/>
+              <a:buChar char="ü"/>
             </a:pPr>
             <a:r>
               <a:rPr lang="de-DE" sz="2000" b="1" dirty="0">
@@ -11143,7 +14490,23 @@
                   <a:schemeClr val="tx1"/>
                 </a:solidFill>
               </a:rPr>
-              <a:t>Textformat für Graphen</a:t>
+              <a:t>Toolbox (not </a:t>
+            </a:r>
+            <a:r>
+              <a:rPr lang="de-DE" sz="2000" b="1" dirty="0" err="1">
+                <a:solidFill>
+                  <a:schemeClr val="tx1"/>
+                </a:solidFill>
+              </a:rPr>
+              <a:t>fancy</a:t>
+            </a:r>
+            <a:r>
+              <a:rPr lang="de-DE" sz="2000" b="1" dirty="0">
+                <a:solidFill>
+                  <a:schemeClr val="tx1"/>
+                </a:solidFill>
+              </a:rPr>
+              <a:t>)</a:t>
             </a:r>
           </a:p>
           <a:p>
@@ -11168,7 +14531,7 @@
                   <a:schemeClr val="tx1"/>
                 </a:solidFill>
               </a:rPr>
-              <a:t>Textformat in </a:t>
+              <a:t>Toolbox (</a:t>
             </a:r>
             <a:r>
               <a:rPr lang="de-DE" sz="2000" b="1" dirty="0" err="1">
@@ -11176,7 +14539,7 @@
                   <a:schemeClr val="tx1"/>
                 </a:solidFill>
               </a:rPr>
-              <a:t>ElkGraph</a:t>
+              <a:t>fancy</a:t>
             </a:r>
             <a:r>
               <a:rPr lang="de-DE" sz="2000" b="1" dirty="0">
@@ -11184,7 +14547,7 @@
                   <a:schemeClr val="tx1"/>
                 </a:solidFill>
               </a:rPr>
-              <a:t> übersetzen</a:t>
+              <a:t>)</a:t>
             </a:r>
           </a:p>
           <a:p>
@@ -11199,17 +14562,25 @@
             </a:endParaRPr>
           </a:p>
           <a:p>
-            <a:pPr marL="342900" indent="-255588">
-              <a:buFont typeface="Arial" panose="020B0604020202020204" pitchFamily="34" charset="0"/>
-              <a:buChar char="•"/>
+            <a:pPr marL="430212" indent="-342900">
+              <a:buFont typeface="Wingdings" panose="05000000000000000000" pitchFamily="2" charset="2"/>
+              <a:buChar char="ü"/>
             </a:pPr>
             <a:r>
+              <a:rPr lang="de-DE" sz="2000" b="1" dirty="0" err="1">
+                <a:solidFill>
+                  <a:schemeClr val="tx1"/>
+                </a:solidFill>
+              </a:rPr>
+              <a:t>MiniGraph</a:t>
+            </a:r>
+            <a:r>
               <a:rPr lang="de-DE" sz="2000" b="1" dirty="0">
                 <a:solidFill>
                   <a:schemeClr val="tx1"/>
                 </a:solidFill>
               </a:rPr>
-              <a:t>Error Handling</a:t>
+              <a:t> and Layer</a:t>
             </a:r>
           </a:p>
           <a:p>
@@ -11229,12 +14600,20 @@
               <a:buChar char="•"/>
             </a:pPr>
             <a:r>
+              <a:rPr lang="de-DE" sz="2000" b="1" dirty="0" err="1">
+                <a:solidFill>
+                  <a:schemeClr val="tx1"/>
+                </a:solidFill>
+              </a:rPr>
+              <a:t>Animating</a:t>
+            </a:r>
+            <a:r>
               <a:rPr lang="de-DE" sz="2000" b="1" dirty="0">
                 <a:solidFill>
                   <a:schemeClr val="tx1"/>
                 </a:solidFill>
               </a:rPr>
-              <a:t>Cycle </a:t>
+              <a:t> </a:t>
             </a:r>
             <a:r>
               <a:rPr lang="de-DE" sz="2000" b="1" dirty="0" err="1">
@@ -11242,13 +14621,87 @@
                   <a:schemeClr val="tx1"/>
                 </a:solidFill>
               </a:rPr>
-              <a:t>breaking</a:t>
+              <a:t>Assignment</a:t>
             </a:r>
             <a:endParaRPr lang="de-DE" sz="2000" b="1" dirty="0">
               <a:solidFill>
                 <a:schemeClr val="tx1"/>
               </a:solidFill>
             </a:endParaRPr>
+          </a:p>
+          <a:p>
+            <a:pPr marL="342900" indent="-255588">
+              <a:buFont typeface="Arial" panose="020B0604020202020204" pitchFamily="34" charset="0"/>
+              <a:buChar char="•"/>
+            </a:pPr>
+            <a:endParaRPr lang="de-DE" sz="2000" b="1" dirty="0">
+              <a:solidFill>
+                <a:schemeClr val="tx1"/>
+              </a:solidFill>
+            </a:endParaRPr>
+          </a:p>
+          <a:p>
+            <a:pPr marL="342900" indent="-255588">
+              <a:buFont typeface="Arial" panose="020B0604020202020204" pitchFamily="34" charset="0"/>
+              <a:buChar char="•"/>
+            </a:pPr>
+            <a:r>
+              <a:rPr lang="de-DE" sz="2000" b="1" dirty="0" err="1">
+                <a:solidFill>
+                  <a:schemeClr val="tx1"/>
+                </a:solidFill>
+              </a:rPr>
+              <a:t>Toggle</a:t>
+            </a:r>
+            <a:r>
+              <a:rPr lang="de-DE" sz="2000" b="1" dirty="0">
+                <a:solidFill>
+                  <a:schemeClr val="tx1"/>
+                </a:solidFill>
+              </a:rPr>
+              <a:t> </a:t>
+            </a:r>
+            <a:r>
+              <a:rPr lang="de-DE" sz="2000" b="1" dirty="0" err="1">
+                <a:solidFill>
+                  <a:schemeClr val="tx1"/>
+                </a:solidFill>
+              </a:rPr>
+              <a:t>Textual</a:t>
+            </a:r>
+            <a:r>
+              <a:rPr lang="de-DE" sz="2000" b="1" dirty="0">
+                <a:solidFill>
+                  <a:schemeClr val="tx1"/>
+                </a:solidFill>
+              </a:rPr>
+              <a:t> View</a:t>
+            </a:r>
+          </a:p>
+          <a:p>
+            <a:pPr marL="342900" indent="-255588">
+              <a:buFont typeface="Arial" panose="020B0604020202020204" pitchFamily="34" charset="0"/>
+              <a:buChar char="•"/>
+            </a:pPr>
+            <a:endParaRPr lang="de-DE" sz="2000" b="1" dirty="0">
+              <a:solidFill>
+                <a:schemeClr val="tx1"/>
+              </a:solidFill>
+            </a:endParaRPr>
+          </a:p>
+          <a:p>
+            <a:pPr marL="342900" indent="-255588">
+              <a:buFont typeface="Arial" panose="020B0604020202020204" pitchFamily="34" charset="0"/>
+              <a:buChar char="•"/>
+            </a:pPr>
+            <a:r>
+              <a:rPr lang="de-DE" sz="2000" b="1" dirty="0">
+                <a:solidFill>
+                  <a:schemeClr val="tx1"/>
+                </a:solidFill>
+              </a:rPr>
+              <a:t>Multiple Tabs</a:t>
+            </a:r>
           </a:p>
           <a:p>
             <a:pPr marL="342900" indent="-342900">
@@ -11265,10 +14718,10 @@
       </p:sp>
       <p:grpSp>
         <p:nvGrpSpPr>
-          <p:cNvPr id="29" name="Gruppieren 28">
+          <p:cNvPr id="61" name="Gruppieren 60">
             <a:extLst>
               <a:ext uri="{FF2B5EF4-FFF2-40B4-BE49-F238E27FC236}">
-                <a16:creationId xmlns:a16="http://schemas.microsoft.com/office/drawing/2014/main" id="{11F0EB92-4843-416B-9E12-27A3BFEFAFD9}"/>
+                <a16:creationId xmlns:a16="http://schemas.microsoft.com/office/drawing/2014/main" id="{65BF5004-7CCF-4413-9B49-C12570AE1C67}"/>
               </a:ext>
             </a:extLst>
           </p:cNvPr>
@@ -11285,10 +14738,10 @@
         </p:grpSpPr>
         <p:sp>
           <p:nvSpPr>
-            <p:cNvPr id="30" name="Rechteck: eine Ecke abgeschnitten 29">
+            <p:cNvPr id="62" name="Rechteck: eine Ecke abgeschnitten 61">
               <a:extLst>
                 <a:ext uri="{FF2B5EF4-FFF2-40B4-BE49-F238E27FC236}">
-                  <a16:creationId xmlns:a16="http://schemas.microsoft.com/office/drawing/2014/main" id="{1C3F0926-B0B4-4065-A505-03862C3C1D70}"/>
+                  <a16:creationId xmlns:a16="http://schemas.microsoft.com/office/drawing/2014/main" id="{06778747-D2C2-4397-971A-7ACF80D97123}"/>
                 </a:ext>
               </a:extLst>
             </p:cNvPr>
@@ -11341,10 +14794,10 @@
         </p:sp>
         <p:sp>
           <p:nvSpPr>
-            <p:cNvPr id="31" name="Rechteck 30">
+            <p:cNvPr id="63" name="Rechteck 62">
               <a:extLst>
                 <a:ext uri="{FF2B5EF4-FFF2-40B4-BE49-F238E27FC236}">
-                  <a16:creationId xmlns:a16="http://schemas.microsoft.com/office/drawing/2014/main" id="{0D9D2DE3-24DF-4C56-A208-255CC7875A1F}"/>
+                  <a16:creationId xmlns:a16="http://schemas.microsoft.com/office/drawing/2014/main" id="{A3A095B4-1133-4E27-8A86-73398330AEB5}"/>
                 </a:ext>
               </a:extLst>
             </p:cNvPr>
@@ -11402,6 +14855,126 @@
           </p:txBody>
         </p:sp>
       </p:grpSp>
+      <p:pic>
+        <p:nvPicPr>
+          <p:cNvPr id="9" name="Grafik 8">
+            <a:extLst>
+              <a:ext uri="{FF2B5EF4-FFF2-40B4-BE49-F238E27FC236}">
+                <a16:creationId xmlns:a16="http://schemas.microsoft.com/office/drawing/2014/main" id="{78AD2DEA-F890-4ED8-9AB8-2C2D46F66DB5}"/>
+              </a:ext>
+            </a:extLst>
+          </p:cNvPr>
+          <p:cNvPicPr>
+            <a:picLocks noChangeAspect="1"/>
+          </p:cNvPicPr>
+          <p:nvPr/>
+        </p:nvPicPr>
+        <p:blipFill>
+          <a:blip r:embed="rId2"/>
+          <a:stretch>
+            <a:fillRect/>
+          </a:stretch>
+        </p:blipFill>
+        <p:spPr>
+          <a:xfrm>
+            <a:off x="1230301" y="2415723"/>
+            <a:ext cx="1556442" cy="1514752"/>
+          </a:xfrm>
+          <a:prstGeom prst="rect">
+            <a:avLst/>
+          </a:prstGeom>
+        </p:spPr>
+      </p:pic>
+      <p:pic>
+        <p:nvPicPr>
+          <p:cNvPr id="10" name="Grafik 9">
+            <a:extLst>
+              <a:ext uri="{FF2B5EF4-FFF2-40B4-BE49-F238E27FC236}">
+                <a16:creationId xmlns:a16="http://schemas.microsoft.com/office/drawing/2014/main" id="{689BEEB2-9A08-4151-982C-350DE86809EB}"/>
+              </a:ext>
+            </a:extLst>
+          </p:cNvPr>
+          <p:cNvPicPr>
+            <a:picLocks noChangeAspect="1"/>
+          </p:cNvPicPr>
+          <p:nvPr/>
+        </p:nvPicPr>
+        <p:blipFill>
+          <a:blip r:embed="rId3"/>
+          <a:stretch>
+            <a:fillRect/>
+          </a:stretch>
+        </p:blipFill>
+        <p:spPr>
+          <a:xfrm>
+            <a:off x="1230301" y="4818485"/>
+            <a:ext cx="6594305" cy="708479"/>
+          </a:xfrm>
+          <a:prstGeom prst="rect">
+            <a:avLst/>
+          </a:prstGeom>
+        </p:spPr>
+      </p:pic>
+      <p:pic>
+        <p:nvPicPr>
+          <p:cNvPr id="11" name="Grafik 10">
+            <a:extLst>
+              <a:ext uri="{FF2B5EF4-FFF2-40B4-BE49-F238E27FC236}">
+                <a16:creationId xmlns:a16="http://schemas.microsoft.com/office/drawing/2014/main" id="{814BC475-DA8B-497C-8A7B-50AB95A30969}"/>
+              </a:ext>
+            </a:extLst>
+          </p:cNvPr>
+          <p:cNvPicPr>
+            <a:picLocks noChangeAspect="1"/>
+          </p:cNvPicPr>
+          <p:nvPr/>
+        </p:nvPicPr>
+        <p:blipFill>
+          <a:blip r:embed="rId4"/>
+          <a:stretch>
+            <a:fillRect/>
+          </a:stretch>
+        </p:blipFill>
+        <p:spPr>
+          <a:xfrm>
+            <a:off x="3700281" y="1387300"/>
+            <a:ext cx="4124325" cy="2543175"/>
+          </a:xfrm>
+          <a:prstGeom prst="rect">
+            <a:avLst/>
+          </a:prstGeom>
+        </p:spPr>
+      </p:pic>
+    </p:spTree>
+    <p:extLst>
+      <p:ext uri="{BB962C8B-B14F-4D97-AF65-F5344CB8AC3E}">
+        <p14:creationId xmlns:p14="http://schemas.microsoft.com/office/powerpoint/2010/main" val="2489429219"/>
+      </p:ext>
+    </p:extLst>
+  </p:cSld>
+  <p:clrMapOvr>
+    <a:masterClrMapping/>
+  </p:clrMapOvr>
+</p:sld>
+</file>
+
+<file path=ppt/slides/slide18.xml><?xml version="1.0" encoding="utf-8"?>
+<p:sld xmlns:a="http://schemas.openxmlformats.org/drawingml/2006/main" xmlns:r="http://schemas.openxmlformats.org/officeDocument/2006/relationships" xmlns:p="http://schemas.openxmlformats.org/presentationml/2006/main">
+  <p:cSld>
+    <p:spTree>
+      <p:nvGrpSpPr>
+        <p:cNvPr id="1" name=""/>
+        <p:cNvGrpSpPr/>
+        <p:nvPr/>
+      </p:nvGrpSpPr>
+      <p:grpSpPr>
+        <a:xfrm>
+          <a:off x="0" y="0"/>
+          <a:ext cx="0" cy="0"/>
+          <a:chOff x="0" y="0"/>
+          <a:chExt cx="0" cy="0"/>
+        </a:xfrm>
+      </p:grpSpPr>
       <p:grpSp>
         <p:nvGrpSpPr>
           <p:cNvPr id="32" name="Gruppieren 31">
@@ -11829,10 +15402,50 @@
       </p:grpSp>
       <p:sp>
         <p:nvSpPr>
-          <p:cNvPr id="54" name="Rechteck 53">
+          <p:cNvPr id="62" name="Textfeld 61">
             <a:extLst>
               <a:ext uri="{FF2B5EF4-FFF2-40B4-BE49-F238E27FC236}">
-                <a16:creationId xmlns:a16="http://schemas.microsoft.com/office/drawing/2014/main" id="{0F6498BA-9453-4AD6-9247-C3CFCA56FB59}"/>
+                <a16:creationId xmlns:a16="http://schemas.microsoft.com/office/drawing/2014/main" id="{6556E4B8-83A5-4E50-AFED-D209436C4CD9}"/>
+              </a:ext>
+            </a:extLst>
+          </p:cNvPr>
+          <p:cNvSpPr txBox="1"/>
+          <p:nvPr/>
+        </p:nvSpPr>
+        <p:spPr>
+          <a:xfrm>
+            <a:off x="3352800" y="350768"/>
+            <a:ext cx="5706358" cy="769441"/>
+          </a:xfrm>
+          <a:prstGeom prst="rect">
+            <a:avLst/>
+          </a:prstGeom>
+          <a:noFill/>
+        </p:spPr>
+        <p:txBody>
+          <a:bodyPr wrap="square" rtlCol="0">
+            <a:spAutoFit/>
+          </a:bodyPr>
+          <a:lstStyle/>
+          <a:p>
+            <a:pPr algn="ctr"/>
+            <a:r>
+              <a:rPr lang="de-DE" sz="4400" dirty="0" err="1"/>
+              <a:t>To</a:t>
+            </a:r>
+            <a:r>
+              <a:rPr lang="de-DE" sz="4400" dirty="0"/>
+              <a:t> Dos:</a:t>
+            </a:r>
+          </a:p>
+        </p:txBody>
+      </p:sp>
+      <p:sp>
+        <p:nvSpPr>
+          <p:cNvPr id="63" name="Rechteck 62">
+            <a:extLst>
+              <a:ext uri="{FF2B5EF4-FFF2-40B4-BE49-F238E27FC236}">
+                <a16:creationId xmlns:a16="http://schemas.microsoft.com/office/drawing/2014/main" id="{AEA8C879-E388-4372-BEE9-C000F712BB53}"/>
               </a:ext>
             </a:extLst>
           </p:cNvPr>
@@ -11927,9 +15540,9 @@
             </a:endParaRPr>
           </a:p>
           <a:p>
-            <a:pPr marL="342900" indent="-255588">
-              <a:buFont typeface="Arial" panose="020B0604020202020204" pitchFamily="34" charset="0"/>
-              <a:buChar char="•"/>
+            <a:pPr marL="430212" indent="-342900">
+              <a:buFont typeface="Wingdings" panose="05000000000000000000" pitchFamily="2" charset="2"/>
+              <a:buChar char="ü"/>
             </a:pPr>
             <a:r>
               <a:rPr lang="de-DE" sz="2000" b="1" dirty="0">
@@ -11937,7 +15550,23 @@
                   <a:schemeClr val="tx1"/>
                 </a:solidFill>
               </a:rPr>
-              <a:t>Textformat für Graphen</a:t>
+              <a:t>Textformat </a:t>
+            </a:r>
+            <a:r>
+              <a:rPr lang="de-DE" sz="2000" b="1" dirty="0" err="1">
+                <a:solidFill>
+                  <a:schemeClr val="tx1"/>
+                </a:solidFill>
+              </a:rPr>
+              <a:t>for</a:t>
+            </a:r>
+            <a:r>
+              <a:rPr lang="de-DE" sz="2000" b="1" dirty="0">
+                <a:solidFill>
+                  <a:schemeClr val="tx1"/>
+                </a:solidFill>
+              </a:rPr>
+              <a:t> Graphs</a:t>
             </a:r>
           </a:p>
           <a:p>
@@ -11952,17 +15581,41 @@
             </a:endParaRPr>
           </a:p>
           <a:p>
-            <a:pPr marL="342900" indent="-255588">
-              <a:buFont typeface="Arial" panose="020B0604020202020204" pitchFamily="34" charset="0"/>
-              <a:buChar char="•"/>
+            <a:pPr marL="430212" indent="-342900">
+              <a:buFont typeface="Wingdings" panose="05000000000000000000" pitchFamily="2" charset="2"/>
+              <a:buChar char="ü"/>
             </a:pPr>
             <a:r>
+              <a:rPr lang="de-DE" sz="2000" b="1" dirty="0" err="1">
+                <a:solidFill>
+                  <a:schemeClr val="tx1"/>
+                </a:solidFill>
+              </a:rPr>
+              <a:t>Translate</a:t>
+            </a:r>
+            <a:r>
               <a:rPr lang="de-DE" sz="2000" b="1" dirty="0">
                 <a:solidFill>
                   <a:schemeClr val="tx1"/>
                 </a:solidFill>
               </a:rPr>
-              <a:t>Textformat in </a:t>
+              <a:t> Textformat </a:t>
+            </a:r>
+            <a:r>
+              <a:rPr lang="de-DE" sz="2000" b="1" dirty="0" err="1">
+                <a:solidFill>
+                  <a:schemeClr val="tx1"/>
+                </a:solidFill>
+              </a:rPr>
+              <a:t>to</a:t>
+            </a:r>
+            <a:r>
+              <a:rPr lang="de-DE" sz="2000" b="1" dirty="0">
+                <a:solidFill>
+                  <a:schemeClr val="tx1"/>
+                </a:solidFill>
+              </a:rPr>
+              <a:t> </a:t>
             </a:r>
             <a:r>
               <a:rPr lang="de-DE" sz="2000" b="1" dirty="0" err="1">
@@ -11972,14 +15625,11 @@
               </a:rPr>
               <a:t>ElkGraph</a:t>
             </a:r>
-            <a:r>
-              <a:rPr lang="de-DE" sz="2000" b="1" dirty="0">
-                <a:solidFill>
-                  <a:schemeClr val="tx1"/>
-                </a:solidFill>
-              </a:rPr>
-              <a:t> übersetzen</a:t>
-            </a:r>
+            <a:endParaRPr lang="de-DE" sz="2000" b="1" dirty="0">
+              <a:solidFill>
+                <a:schemeClr val="tx1"/>
+              </a:solidFill>
+            </a:endParaRPr>
           </a:p>
           <a:p>
             <a:pPr marL="342900" indent="-255588">
@@ -12059,10 +15709,10 @@
       </p:sp>
       <p:grpSp>
         <p:nvGrpSpPr>
-          <p:cNvPr id="55" name="Gruppieren 54">
+          <p:cNvPr id="64" name="Gruppieren 63">
             <a:extLst>
               <a:ext uri="{FF2B5EF4-FFF2-40B4-BE49-F238E27FC236}">
-                <a16:creationId xmlns:a16="http://schemas.microsoft.com/office/drawing/2014/main" id="{1F5558E5-99D9-4BA3-8958-F1B940AA7DC9}"/>
+                <a16:creationId xmlns:a16="http://schemas.microsoft.com/office/drawing/2014/main" id="{0078E115-4CCB-4B1D-A86E-925798B4DC03}"/>
               </a:ext>
             </a:extLst>
           </p:cNvPr>
@@ -12082,10 +15732,10 @@
         </p:grpSpPr>
         <p:sp>
           <p:nvSpPr>
-            <p:cNvPr id="56" name="Rechteck: eine Ecke abgeschnitten 55">
+            <p:cNvPr id="65" name="Rechteck: eine Ecke abgeschnitten 64">
               <a:extLst>
                 <a:ext uri="{FF2B5EF4-FFF2-40B4-BE49-F238E27FC236}">
-                  <a16:creationId xmlns:a16="http://schemas.microsoft.com/office/drawing/2014/main" id="{78E09DB5-62E7-4620-A343-D56B7252F8D7}"/>
+                  <a16:creationId xmlns:a16="http://schemas.microsoft.com/office/drawing/2014/main" id="{EF789DCD-2233-4418-BBFE-0EFADE02FB4C}"/>
                 </a:ext>
               </a:extLst>
             </p:cNvPr>
@@ -12144,10 +15794,10 @@
         </p:sp>
         <p:sp>
           <p:nvSpPr>
-            <p:cNvPr id="57" name="Rechteck 56">
+            <p:cNvPr id="66" name="Rechteck 65">
               <a:extLst>
                 <a:ext uri="{FF2B5EF4-FFF2-40B4-BE49-F238E27FC236}">
-                  <a16:creationId xmlns:a16="http://schemas.microsoft.com/office/drawing/2014/main" id="{9A4492BF-BB72-43A5-B7B8-A1FFCEF6AE5E}"/>
+                  <a16:creationId xmlns:a16="http://schemas.microsoft.com/office/drawing/2014/main" id="{1FEF3A25-74CA-442E-9076-19F31FF38898}"/>
                 </a:ext>
               </a:extLst>
             </p:cNvPr>
@@ -12207,10 +15857,10 @@
       </p:grpSp>
       <p:sp>
         <p:nvSpPr>
-          <p:cNvPr id="58" name="Rechteck 57">
+          <p:cNvPr id="67" name="Rechteck 66">
             <a:extLst>
               <a:ext uri="{FF2B5EF4-FFF2-40B4-BE49-F238E27FC236}">
-                <a16:creationId xmlns:a16="http://schemas.microsoft.com/office/drawing/2014/main" id="{BDE48D73-84B0-4B39-AF11-A17359F30399}"/>
+                <a16:creationId xmlns:a16="http://schemas.microsoft.com/office/drawing/2014/main" id="{69D13BCF-B9CF-488B-A577-1D4C8066705F}"/>
               </a:ext>
             </a:extLst>
           </p:cNvPr>
@@ -12305,9 +15955,9 @@
             </a:endParaRPr>
           </a:p>
           <a:p>
-            <a:pPr marL="342900" indent="-255588">
-              <a:buFont typeface="Arial" panose="020B0604020202020204" pitchFamily="34" charset="0"/>
-              <a:buChar char="•"/>
+            <a:pPr marL="430212" indent="-342900">
+              <a:buFont typeface="Wingdings" panose="05000000000000000000" pitchFamily="2" charset="2"/>
+              <a:buChar char="ü"/>
             </a:pPr>
             <a:r>
               <a:rPr lang="de-DE" sz="2000" b="1" dirty="0" err="1">
@@ -12383,9 +16033,9 @@
             </a:endParaRPr>
           </a:p>
           <a:p>
-            <a:pPr marL="342900" indent="-255588">
-              <a:buFont typeface="Arial" panose="020B0604020202020204" pitchFamily="34" charset="0"/>
-              <a:buChar char="•"/>
+            <a:pPr marL="430212" indent="-342900">
+              <a:buFont typeface="Wingdings" panose="05000000000000000000" pitchFamily="2" charset="2"/>
+              <a:buChar char="ü"/>
             </a:pPr>
             <a:r>
               <a:rPr lang="de-DE" sz="2000" b="1" dirty="0" err="1">
@@ -12461,9 +16111,9 @@
             </a:endParaRPr>
           </a:p>
           <a:p>
-            <a:pPr marL="342900" indent="-255588">
-              <a:buFont typeface="Arial" panose="020B0604020202020204" pitchFamily="34" charset="0"/>
-              <a:buChar char="•"/>
+            <a:pPr marL="430212" indent="-342900">
+              <a:buFont typeface="Wingdings" panose="05000000000000000000" pitchFamily="2" charset="2"/>
+              <a:buChar char="ü"/>
             </a:pPr>
             <a:r>
               <a:rPr lang="de-DE" sz="2000" b="1" dirty="0">
@@ -12548,10 +16198,10 @@
       </p:sp>
       <p:grpSp>
         <p:nvGrpSpPr>
-          <p:cNvPr id="59" name="Gruppieren 58">
+          <p:cNvPr id="68" name="Gruppieren 67">
             <a:extLst>
               <a:ext uri="{FF2B5EF4-FFF2-40B4-BE49-F238E27FC236}">
-                <a16:creationId xmlns:a16="http://schemas.microsoft.com/office/drawing/2014/main" id="{82007B7C-C611-4EFA-8585-C652F61555A4}"/>
+                <a16:creationId xmlns:a16="http://schemas.microsoft.com/office/drawing/2014/main" id="{6199FE9F-E849-46CE-9CC2-063A10488E6D}"/>
               </a:ext>
             </a:extLst>
           </p:cNvPr>
@@ -12568,10 +16218,10 @@
         </p:grpSpPr>
         <p:sp>
           <p:nvSpPr>
-            <p:cNvPr id="60" name="Rechteck: obere Ecken abgeschnitten 59">
+            <p:cNvPr id="69" name="Rechteck: obere Ecken abgeschnitten 68">
               <a:extLst>
                 <a:ext uri="{FF2B5EF4-FFF2-40B4-BE49-F238E27FC236}">
-                  <a16:creationId xmlns:a16="http://schemas.microsoft.com/office/drawing/2014/main" id="{2B8A5267-DE07-47D7-BD8F-340EA9FC9E6C}"/>
+                  <a16:creationId xmlns:a16="http://schemas.microsoft.com/office/drawing/2014/main" id="{630A7F35-90A2-4BD8-9C48-0980AA4C1BBF}"/>
                 </a:ext>
               </a:extLst>
             </p:cNvPr>
@@ -12625,10 +16275,10 @@
         </p:sp>
         <p:sp>
           <p:nvSpPr>
-            <p:cNvPr id="61" name="Rechteck 60">
+            <p:cNvPr id="70" name="Rechteck 69">
               <a:extLst>
                 <a:ext uri="{FF2B5EF4-FFF2-40B4-BE49-F238E27FC236}">
-                  <a16:creationId xmlns:a16="http://schemas.microsoft.com/office/drawing/2014/main" id="{34F91791-4BC9-4D39-BC1C-846B4436E876}"/>
+                  <a16:creationId xmlns:a16="http://schemas.microsoft.com/office/drawing/2014/main" id="{AD155001-9A85-455D-840A-702AF3E440A1}"/>
                 </a:ext>
               </a:extLst>
             </p:cNvPr>
@@ -12720,44 +16370,483 @@
       </p:grpSp>
       <p:sp>
         <p:nvSpPr>
-          <p:cNvPr id="62" name="Textfeld 61">
+          <p:cNvPr id="71" name="Rechteck 70">
             <a:extLst>
               <a:ext uri="{FF2B5EF4-FFF2-40B4-BE49-F238E27FC236}">
-                <a16:creationId xmlns:a16="http://schemas.microsoft.com/office/drawing/2014/main" id="{6556E4B8-83A5-4E50-AFED-D209436C4CD9}"/>
+                <a16:creationId xmlns:a16="http://schemas.microsoft.com/office/drawing/2014/main" id="{82DFB997-A4D7-4C07-83C2-61099A270926}"/>
               </a:ext>
             </a:extLst>
           </p:cNvPr>
-          <p:cNvSpPr txBox="1"/>
+          <p:cNvSpPr/>
           <p:nvPr/>
         </p:nvSpPr>
         <p:spPr>
           <a:xfrm>
-            <a:off x="3352800" y="350768"/>
-            <a:ext cx="5706358" cy="769441"/>
+            <a:off x="8532201" y="1462025"/>
+            <a:ext cx="3173981" cy="5113397"/>
           </a:xfrm>
           <a:prstGeom prst="rect">
             <a:avLst/>
           </a:prstGeom>
-          <a:noFill/>
+          <a:solidFill>
+            <a:srgbClr val="0E5E26">
+              <a:alpha val="34000"/>
+            </a:srgbClr>
+          </a:solidFill>
+          <a:ln>
+            <a:noFill/>
+          </a:ln>
         </p:spPr>
+        <p:style>
+          <a:lnRef idx="2">
+            <a:schemeClr val="accent1">
+              <a:shade val="50000"/>
+            </a:schemeClr>
+          </a:lnRef>
+          <a:fillRef idx="1">
+            <a:schemeClr val="accent1"/>
+          </a:fillRef>
+          <a:effectRef idx="0">
+            <a:schemeClr val="accent1"/>
+          </a:effectRef>
+          <a:fontRef idx="minor">
+            <a:schemeClr val="lt1"/>
+          </a:fontRef>
+        </p:style>
         <p:txBody>
-          <a:bodyPr wrap="square" rtlCol="0">
-            <a:spAutoFit/>
-          </a:bodyPr>
+          <a:bodyPr rtlCol="0" anchor="t"/>
           <a:lstStyle/>
           <a:p>
-            <a:pPr algn="ctr"/>
-            <a:r>
-              <a:rPr lang="de-DE" sz="4400" dirty="0" err="1"/>
-              <a:t>To</a:t>
-            </a:r>
-            <a:r>
-              <a:rPr lang="de-DE" sz="4400" dirty="0"/>
-              <a:t> Dos:</a:t>
-            </a:r>
+            <a:pPr marL="342900" indent="-342900">
+              <a:buFont typeface="Arial" panose="020B0604020202020204" pitchFamily="34" charset="0"/>
+              <a:buChar char="•"/>
+            </a:pPr>
+            <a:endParaRPr lang="de-DE" sz="2000" b="1" dirty="0">
+              <a:solidFill>
+                <a:schemeClr val="tx1"/>
+              </a:solidFill>
+            </a:endParaRPr>
+          </a:p>
+          <a:p>
+            <a:pPr marL="342900" indent="-342900">
+              <a:buFont typeface="Arial" panose="020B0604020202020204" pitchFamily="34" charset="0"/>
+              <a:buChar char="•"/>
+            </a:pPr>
+            <a:endParaRPr lang="de-DE" sz="2000" b="1" dirty="0">
+              <a:solidFill>
+                <a:schemeClr val="tx1"/>
+              </a:solidFill>
+            </a:endParaRPr>
+          </a:p>
+          <a:p>
+            <a:pPr marL="342900" indent="-342900">
+              <a:buFont typeface="Arial" panose="020B0604020202020204" pitchFamily="34" charset="0"/>
+              <a:buChar char="•"/>
+            </a:pPr>
+            <a:endParaRPr lang="de-DE" sz="2000" b="1" dirty="0">
+              <a:solidFill>
+                <a:schemeClr val="tx1"/>
+              </a:solidFill>
+            </a:endParaRPr>
+          </a:p>
+          <a:p>
+            <a:pPr marL="342900" indent="-255588">
+              <a:buFont typeface="Arial" panose="020B0604020202020204" pitchFamily="34" charset="0"/>
+              <a:buChar char="•"/>
+            </a:pPr>
+            <a:endParaRPr lang="de-DE" sz="2000" b="1" dirty="0">
+              <a:solidFill>
+                <a:schemeClr val="tx1"/>
+              </a:solidFill>
+            </a:endParaRPr>
+          </a:p>
+          <a:p>
+            <a:pPr marL="342900" indent="-255588">
+              <a:buFont typeface="Arial" panose="020B0604020202020204" pitchFamily="34" charset="0"/>
+              <a:buChar char="•"/>
+            </a:pPr>
+            <a:endParaRPr lang="de-DE" sz="2000" b="1" dirty="0">
+              <a:solidFill>
+                <a:schemeClr val="tx1"/>
+              </a:solidFill>
+            </a:endParaRPr>
+          </a:p>
+          <a:p>
+            <a:pPr marL="430212" indent="-342900">
+              <a:buFont typeface="Wingdings" panose="05000000000000000000" pitchFamily="2" charset="2"/>
+              <a:buChar char="ü"/>
+            </a:pPr>
+            <a:r>
+              <a:rPr lang="de-DE" sz="2000" b="1" dirty="0">
+                <a:solidFill>
+                  <a:schemeClr val="tx1"/>
+                </a:solidFill>
+              </a:rPr>
+              <a:t>Toolbox (not </a:t>
+            </a:r>
+            <a:r>
+              <a:rPr lang="de-DE" sz="2000" b="1" dirty="0" err="1">
+                <a:solidFill>
+                  <a:schemeClr val="tx1"/>
+                </a:solidFill>
+              </a:rPr>
+              <a:t>fancy</a:t>
+            </a:r>
+            <a:r>
+              <a:rPr lang="de-DE" sz="2000" b="1" dirty="0">
+                <a:solidFill>
+                  <a:schemeClr val="tx1"/>
+                </a:solidFill>
+              </a:rPr>
+              <a:t>)</a:t>
+            </a:r>
+          </a:p>
+          <a:p>
+            <a:pPr marL="342900" indent="-255588">
+              <a:buFont typeface="Arial" panose="020B0604020202020204" pitchFamily="34" charset="0"/>
+              <a:buChar char="•"/>
+            </a:pPr>
+            <a:endParaRPr lang="de-DE" sz="2000" b="1" dirty="0">
+              <a:solidFill>
+                <a:schemeClr val="tx1"/>
+              </a:solidFill>
+            </a:endParaRPr>
+          </a:p>
+          <a:p>
+            <a:pPr marL="342900" indent="-255588">
+              <a:buFont typeface="Arial" panose="020B0604020202020204" pitchFamily="34" charset="0"/>
+              <a:buChar char="•"/>
+            </a:pPr>
+            <a:r>
+              <a:rPr lang="de-DE" sz="2000" b="1" dirty="0">
+                <a:solidFill>
+                  <a:schemeClr val="tx1"/>
+                </a:solidFill>
+              </a:rPr>
+              <a:t>Toolbox (</a:t>
+            </a:r>
+            <a:r>
+              <a:rPr lang="de-DE" sz="2000" b="1" dirty="0" err="1">
+                <a:solidFill>
+                  <a:schemeClr val="tx1"/>
+                </a:solidFill>
+              </a:rPr>
+              <a:t>fancy</a:t>
+            </a:r>
+            <a:r>
+              <a:rPr lang="de-DE" sz="2000" b="1" dirty="0">
+                <a:solidFill>
+                  <a:schemeClr val="tx1"/>
+                </a:solidFill>
+              </a:rPr>
+              <a:t>)</a:t>
+            </a:r>
+          </a:p>
+          <a:p>
+            <a:pPr marL="342900" indent="-255588">
+              <a:buFont typeface="Arial" panose="020B0604020202020204" pitchFamily="34" charset="0"/>
+              <a:buChar char="•"/>
+            </a:pPr>
+            <a:endParaRPr lang="de-DE" sz="2000" b="1" dirty="0">
+              <a:solidFill>
+                <a:schemeClr val="tx1"/>
+              </a:solidFill>
+            </a:endParaRPr>
+          </a:p>
+          <a:p>
+            <a:pPr marL="430212" indent="-342900">
+              <a:buFont typeface="Wingdings" panose="05000000000000000000" pitchFamily="2" charset="2"/>
+              <a:buChar char="ü"/>
+            </a:pPr>
+            <a:r>
+              <a:rPr lang="de-DE" sz="2000" b="1" dirty="0" err="1">
+                <a:solidFill>
+                  <a:schemeClr val="tx1"/>
+                </a:solidFill>
+              </a:rPr>
+              <a:t>MiniGraph</a:t>
+            </a:r>
+            <a:r>
+              <a:rPr lang="de-DE" sz="2000" b="1" dirty="0">
+                <a:solidFill>
+                  <a:schemeClr val="tx1"/>
+                </a:solidFill>
+              </a:rPr>
+              <a:t> and Layer</a:t>
+            </a:r>
+          </a:p>
+          <a:p>
+            <a:pPr marL="342900" indent="-255588">
+              <a:buFont typeface="Arial" panose="020B0604020202020204" pitchFamily="34" charset="0"/>
+              <a:buChar char="•"/>
+            </a:pPr>
+            <a:endParaRPr lang="de-DE" sz="2000" b="1" dirty="0">
+              <a:solidFill>
+                <a:schemeClr val="tx1"/>
+              </a:solidFill>
+            </a:endParaRPr>
+          </a:p>
+          <a:p>
+            <a:pPr marL="342900" indent="-255588">
+              <a:buFont typeface="Arial" panose="020B0604020202020204" pitchFamily="34" charset="0"/>
+              <a:buChar char="•"/>
+            </a:pPr>
+            <a:r>
+              <a:rPr lang="de-DE" sz="2000" b="1" dirty="0" err="1">
+                <a:solidFill>
+                  <a:schemeClr val="tx1"/>
+                </a:solidFill>
+              </a:rPr>
+              <a:t>Animating</a:t>
+            </a:r>
+            <a:r>
+              <a:rPr lang="de-DE" sz="2000" b="1" dirty="0">
+                <a:solidFill>
+                  <a:schemeClr val="tx1"/>
+                </a:solidFill>
+              </a:rPr>
+              <a:t> </a:t>
+            </a:r>
+            <a:r>
+              <a:rPr lang="de-DE" sz="2000" b="1" dirty="0" err="1">
+                <a:solidFill>
+                  <a:schemeClr val="tx1"/>
+                </a:solidFill>
+              </a:rPr>
+              <a:t>Assignment</a:t>
+            </a:r>
+            <a:endParaRPr lang="de-DE" sz="2000" b="1" dirty="0">
+              <a:solidFill>
+                <a:schemeClr val="tx1"/>
+              </a:solidFill>
+            </a:endParaRPr>
+          </a:p>
+          <a:p>
+            <a:pPr marL="342900" indent="-255588">
+              <a:buFont typeface="Arial" panose="020B0604020202020204" pitchFamily="34" charset="0"/>
+              <a:buChar char="•"/>
+            </a:pPr>
+            <a:endParaRPr lang="de-DE" sz="2000" b="1" dirty="0">
+              <a:solidFill>
+                <a:schemeClr val="tx1"/>
+              </a:solidFill>
+            </a:endParaRPr>
+          </a:p>
+          <a:p>
+            <a:pPr marL="342900" indent="-255588">
+              <a:buFont typeface="Arial" panose="020B0604020202020204" pitchFamily="34" charset="0"/>
+              <a:buChar char="•"/>
+            </a:pPr>
+            <a:r>
+              <a:rPr lang="de-DE" sz="2000" b="1" dirty="0" err="1">
+                <a:solidFill>
+                  <a:schemeClr val="tx1"/>
+                </a:solidFill>
+              </a:rPr>
+              <a:t>Toggle</a:t>
+            </a:r>
+            <a:r>
+              <a:rPr lang="de-DE" sz="2000" b="1" dirty="0">
+                <a:solidFill>
+                  <a:schemeClr val="tx1"/>
+                </a:solidFill>
+              </a:rPr>
+              <a:t> </a:t>
+            </a:r>
+            <a:r>
+              <a:rPr lang="de-DE" sz="2000" b="1" dirty="0" err="1">
+                <a:solidFill>
+                  <a:schemeClr val="tx1"/>
+                </a:solidFill>
+              </a:rPr>
+              <a:t>Textual</a:t>
+            </a:r>
+            <a:r>
+              <a:rPr lang="de-DE" sz="2000" b="1" dirty="0">
+                <a:solidFill>
+                  <a:schemeClr val="tx1"/>
+                </a:solidFill>
+              </a:rPr>
+              <a:t> View</a:t>
+            </a:r>
+          </a:p>
+          <a:p>
+            <a:pPr marL="342900" indent="-255588">
+              <a:buFont typeface="Arial" panose="020B0604020202020204" pitchFamily="34" charset="0"/>
+              <a:buChar char="•"/>
+            </a:pPr>
+            <a:endParaRPr lang="de-DE" sz="2000" b="1" dirty="0">
+              <a:solidFill>
+                <a:schemeClr val="tx1"/>
+              </a:solidFill>
+            </a:endParaRPr>
+          </a:p>
+          <a:p>
+            <a:pPr marL="342900" indent="-255588">
+              <a:buFont typeface="Arial" panose="020B0604020202020204" pitchFamily="34" charset="0"/>
+              <a:buChar char="•"/>
+            </a:pPr>
+            <a:r>
+              <a:rPr lang="de-DE" sz="2000" b="1" dirty="0">
+                <a:solidFill>
+                  <a:schemeClr val="tx1"/>
+                </a:solidFill>
+              </a:rPr>
+              <a:t>Multiple Tabs</a:t>
+            </a:r>
+          </a:p>
+          <a:p>
+            <a:pPr marL="342900" indent="-342900">
+              <a:buFont typeface="Arial" panose="020B0604020202020204" pitchFamily="34" charset="0"/>
+              <a:buChar char="•"/>
+            </a:pPr>
+            <a:endParaRPr lang="de-DE" sz="2400" dirty="0">
+              <a:solidFill>
+                <a:schemeClr val="tx1"/>
+              </a:solidFill>
+            </a:endParaRPr>
           </a:p>
         </p:txBody>
       </p:sp>
+      <p:grpSp>
+        <p:nvGrpSpPr>
+          <p:cNvPr id="72" name="Gruppieren 71">
+            <a:extLst>
+              <a:ext uri="{FF2B5EF4-FFF2-40B4-BE49-F238E27FC236}">
+                <a16:creationId xmlns:a16="http://schemas.microsoft.com/office/drawing/2014/main" id="{0F893E79-EF08-4A94-A947-EEB618B54090}"/>
+              </a:ext>
+            </a:extLst>
+          </p:cNvPr>
+          <p:cNvGrpSpPr/>
+          <p:nvPr/>
+        </p:nvGrpSpPr>
+        <p:grpSpPr>
+          <a:xfrm>
+            <a:off x="8668340" y="1565917"/>
+            <a:ext cx="2901702" cy="1092971"/>
+            <a:chOff x="6899605" y="3171884"/>
+            <a:chExt cx="3442747" cy="1219236"/>
+          </a:xfrm>
+        </p:grpSpPr>
+        <p:sp>
+          <p:nvSpPr>
+            <p:cNvPr id="73" name="Rechteck: eine Ecke abgeschnitten 72">
+              <a:extLst>
+                <a:ext uri="{FF2B5EF4-FFF2-40B4-BE49-F238E27FC236}">
+                  <a16:creationId xmlns:a16="http://schemas.microsoft.com/office/drawing/2014/main" id="{0A90CD8E-EF0C-4E9A-86D0-340149E46FFA}"/>
+                </a:ext>
+              </a:extLst>
+            </p:cNvPr>
+            <p:cNvSpPr/>
+            <p:nvPr/>
+          </p:nvSpPr>
+          <p:spPr>
+            <a:xfrm flipH="1" flipV="1">
+              <a:off x="6899605" y="3171884"/>
+              <a:ext cx="3442747" cy="1219236"/>
+            </a:xfrm>
+            <a:prstGeom prst="snip1Rect">
+              <a:avLst>
+                <a:gd name="adj" fmla="val 50000"/>
+              </a:avLst>
+            </a:prstGeom>
+            <a:solidFill>
+              <a:srgbClr val="0E5E26"/>
+            </a:solidFill>
+            <a:ln w="28575">
+              <a:solidFill>
+                <a:srgbClr val="84BC95"/>
+              </a:solidFill>
+            </a:ln>
+          </p:spPr>
+          <p:style>
+            <a:lnRef idx="2">
+              <a:schemeClr val="accent1">
+                <a:shade val="50000"/>
+              </a:schemeClr>
+            </a:lnRef>
+            <a:fillRef idx="1">
+              <a:schemeClr val="accent1"/>
+            </a:fillRef>
+            <a:effectRef idx="0">
+              <a:schemeClr val="accent1"/>
+            </a:effectRef>
+            <a:fontRef idx="minor">
+              <a:schemeClr val="lt1"/>
+            </a:fontRef>
+          </p:style>
+          <p:txBody>
+            <a:bodyPr rtlCol="0" anchor="ctr"/>
+            <a:lstStyle/>
+            <a:p>
+              <a:pPr algn="ctr"/>
+              <a:endParaRPr lang="de-DE" dirty="0"/>
+            </a:p>
+          </p:txBody>
+        </p:sp>
+        <p:sp>
+          <p:nvSpPr>
+            <p:cNvPr id="74" name="Rechteck 73">
+              <a:extLst>
+                <a:ext uri="{FF2B5EF4-FFF2-40B4-BE49-F238E27FC236}">
+                  <a16:creationId xmlns:a16="http://schemas.microsoft.com/office/drawing/2014/main" id="{675A2F7A-5561-43A1-80CC-7E7634F010ED}"/>
+                </a:ext>
+              </a:extLst>
+            </p:cNvPr>
+            <p:cNvSpPr/>
+            <p:nvPr/>
+          </p:nvSpPr>
+          <p:spPr>
+            <a:xfrm>
+              <a:off x="7363294" y="3457072"/>
+              <a:ext cx="2549606" cy="648861"/>
+            </a:xfrm>
+            <a:prstGeom prst="rect">
+              <a:avLst/>
+            </a:prstGeom>
+            <a:noFill/>
+            <a:ln>
+              <a:noFill/>
+            </a:ln>
+          </p:spPr>
+          <p:style>
+            <a:lnRef idx="2">
+              <a:schemeClr val="accent1">
+                <a:shade val="50000"/>
+              </a:schemeClr>
+            </a:lnRef>
+            <a:fillRef idx="1">
+              <a:schemeClr val="accent1"/>
+            </a:fillRef>
+            <a:effectRef idx="0">
+              <a:schemeClr val="accent1"/>
+            </a:effectRef>
+            <a:fontRef idx="minor">
+              <a:schemeClr val="lt1"/>
+            </a:fontRef>
+          </p:style>
+          <p:txBody>
+            <a:bodyPr rtlCol="0" anchor="ctr"/>
+            <a:lstStyle/>
+            <a:p>
+              <a:pPr algn="ctr"/>
+              <a:r>
+                <a:rPr lang="de-DE" sz="2800" dirty="0" err="1">
+                  <a:solidFill>
+                    <a:srgbClr val="84BC95"/>
+                  </a:solidFill>
+                </a:rPr>
+                <a:t>Visualization</a:t>
+              </a:r>
+              <a:endParaRPr lang="de-DE" dirty="0">
+                <a:solidFill>
+                  <a:srgbClr val="84BC95"/>
+                </a:solidFill>
+              </a:endParaRPr>
+            </a:p>
+          </p:txBody>
+        </p:sp>
+      </p:grpSp>
     </p:spTree>
     <p:extLst>
       <p:ext uri="{BB962C8B-B14F-4D97-AF65-F5344CB8AC3E}">
@@ -18169,692 +22258,10 @@
           </a:p>
         </p:txBody>
       </p:sp>
-      <p:sp>
-        <p:nvSpPr>
-          <p:cNvPr id="15" name="Textfeld 14">
-            <a:extLst>
-              <a:ext uri="{FF2B5EF4-FFF2-40B4-BE49-F238E27FC236}">
-                <a16:creationId xmlns:a16="http://schemas.microsoft.com/office/drawing/2014/main" id="{1531AECE-E06B-41D4-B44F-C50F5CBFBAE9}"/>
-              </a:ext>
-            </a:extLst>
-          </p:cNvPr>
-          <p:cNvSpPr txBox="1"/>
-          <p:nvPr/>
-        </p:nvSpPr>
-        <p:spPr>
-          <a:xfrm>
-            <a:off x="5004820" y="2138257"/>
-            <a:ext cx="2977097" cy="3539430"/>
-          </a:xfrm>
-          <a:prstGeom prst="rect">
-            <a:avLst/>
-          </a:prstGeom>
-          <a:noFill/>
-        </p:spPr>
-        <p:txBody>
-          <a:bodyPr wrap="none" rtlCol="0">
-            <a:spAutoFit/>
-          </a:bodyPr>
-          <a:lstStyle/>
-          <a:p>
-            <a:r>
-              <a:rPr lang="pt-BR" sz="2800" dirty="0">
-                <a:solidFill>
-                  <a:schemeClr val="bg1">
-                    <a:lumMod val="85000"/>
-                  </a:schemeClr>
-                </a:solidFill>
-                <a:latin typeface="Courier New" panose="02070309020205020404" pitchFamily="49" charset="0"/>
-                <a:cs typeface="Courier New" panose="02070309020205020404" pitchFamily="49" charset="0"/>
-              </a:rPr>
-              <a:t>1</a:t>
-            </a:r>
-            <a:r>
-              <a:rPr lang="pt-BR" sz="2800" dirty="0">
-                <a:latin typeface="Courier New" panose="02070309020205020404" pitchFamily="49" charset="0"/>
-                <a:cs typeface="Courier New" panose="02070309020205020404" pitchFamily="49" charset="0"/>
-              </a:rPr>
-              <a:t>  node n1</a:t>
-            </a:r>
-          </a:p>
-          <a:p>
-            <a:r>
-              <a:rPr lang="pt-BR" sz="2800" dirty="0">
-                <a:solidFill>
-                  <a:schemeClr val="bg1">
-                    <a:lumMod val="85000"/>
-                  </a:schemeClr>
-                </a:solidFill>
-                <a:latin typeface="Courier New" panose="02070309020205020404" pitchFamily="49" charset="0"/>
-                <a:cs typeface="Courier New" panose="02070309020205020404" pitchFamily="49" charset="0"/>
-              </a:rPr>
-              <a:t>2</a:t>
-            </a:r>
-            <a:r>
-              <a:rPr lang="pt-BR" sz="2800" dirty="0">
-                <a:latin typeface="Courier New" panose="02070309020205020404" pitchFamily="49" charset="0"/>
-                <a:cs typeface="Courier New" panose="02070309020205020404" pitchFamily="49" charset="0"/>
-              </a:rPr>
-              <a:t>  node n2</a:t>
-            </a:r>
-          </a:p>
-          <a:p>
-            <a:r>
-              <a:rPr lang="pt-BR" sz="2800" dirty="0">
-                <a:solidFill>
-                  <a:schemeClr val="bg1">
-                    <a:lumMod val="85000"/>
-                  </a:schemeClr>
-                </a:solidFill>
-                <a:latin typeface="Courier New" panose="02070309020205020404" pitchFamily="49" charset="0"/>
-                <a:cs typeface="Courier New" panose="02070309020205020404" pitchFamily="49" charset="0"/>
-              </a:rPr>
-              <a:t>3</a:t>
-            </a:r>
-            <a:r>
-              <a:rPr lang="pt-BR" sz="2800" dirty="0">
-                <a:latin typeface="Courier New" panose="02070309020205020404" pitchFamily="49" charset="0"/>
-                <a:cs typeface="Courier New" panose="02070309020205020404" pitchFamily="49" charset="0"/>
-              </a:rPr>
-              <a:t>  node n3</a:t>
-            </a:r>
-          </a:p>
-          <a:p>
-            <a:r>
-              <a:rPr lang="pt-BR" sz="2800" dirty="0">
-                <a:solidFill>
-                  <a:schemeClr val="bg1">
-                    <a:lumMod val="85000"/>
-                  </a:schemeClr>
-                </a:solidFill>
-                <a:latin typeface="Courier New" panose="02070309020205020404" pitchFamily="49" charset="0"/>
-                <a:cs typeface="Courier New" panose="02070309020205020404" pitchFamily="49" charset="0"/>
-              </a:rPr>
-              <a:t>4</a:t>
-            </a:r>
-            <a:r>
-              <a:rPr lang="pt-BR" sz="2800" dirty="0">
-                <a:latin typeface="Courier New" panose="02070309020205020404" pitchFamily="49" charset="0"/>
-                <a:cs typeface="Courier New" panose="02070309020205020404" pitchFamily="49" charset="0"/>
-              </a:rPr>
-              <a:t>  node n4</a:t>
-            </a:r>
-          </a:p>
-          <a:p>
-            <a:r>
-              <a:rPr lang="pt-BR" sz="2800" dirty="0">
-                <a:solidFill>
-                  <a:schemeClr val="bg1">
-                    <a:lumMod val="85000"/>
-                  </a:schemeClr>
-                </a:solidFill>
-                <a:latin typeface="Courier New" panose="02070309020205020404" pitchFamily="49" charset="0"/>
-                <a:cs typeface="Courier New" panose="02070309020205020404" pitchFamily="49" charset="0"/>
-              </a:rPr>
-              <a:t>5</a:t>
-            </a:r>
-            <a:r>
-              <a:rPr lang="pt-BR" sz="2800" dirty="0">
-                <a:latin typeface="Courier New" panose="02070309020205020404" pitchFamily="49" charset="0"/>
-                <a:cs typeface="Courier New" panose="02070309020205020404" pitchFamily="49" charset="0"/>
-              </a:rPr>
-              <a:t>  edge n1 n3</a:t>
-            </a:r>
-          </a:p>
-          <a:p>
-            <a:r>
-              <a:rPr lang="pt-BR" sz="2800" dirty="0">
-                <a:solidFill>
-                  <a:schemeClr val="bg1">
-                    <a:lumMod val="85000"/>
-                  </a:schemeClr>
-                </a:solidFill>
-                <a:latin typeface="Courier New" panose="02070309020205020404" pitchFamily="49" charset="0"/>
-                <a:cs typeface="Courier New" panose="02070309020205020404" pitchFamily="49" charset="0"/>
-              </a:rPr>
-              <a:t>6</a:t>
-            </a:r>
-            <a:r>
-              <a:rPr lang="pt-BR" sz="2800" dirty="0">
-                <a:latin typeface="Courier New" panose="02070309020205020404" pitchFamily="49" charset="0"/>
-                <a:cs typeface="Courier New" panose="02070309020205020404" pitchFamily="49" charset="0"/>
-              </a:rPr>
-              <a:t>  edge n2 n3</a:t>
-            </a:r>
-          </a:p>
-          <a:p>
-            <a:r>
-              <a:rPr lang="pt-BR" sz="2800" dirty="0">
-                <a:solidFill>
-                  <a:schemeClr val="bg1">
-                    <a:lumMod val="85000"/>
-                  </a:schemeClr>
-                </a:solidFill>
-                <a:latin typeface="Courier New" panose="02070309020205020404" pitchFamily="49" charset="0"/>
-                <a:cs typeface="Courier New" panose="02070309020205020404" pitchFamily="49" charset="0"/>
-              </a:rPr>
-              <a:t>7</a:t>
-            </a:r>
-            <a:r>
-              <a:rPr lang="pt-BR" sz="2800" dirty="0">
-                <a:latin typeface="Courier New" panose="02070309020205020404" pitchFamily="49" charset="0"/>
-                <a:cs typeface="Courier New" panose="02070309020205020404" pitchFamily="49" charset="0"/>
-              </a:rPr>
-              <a:t>  edge n3 n4</a:t>
-            </a:r>
-          </a:p>
-          <a:p>
-            <a:r>
-              <a:rPr lang="pt-BR" sz="2800" dirty="0">
-                <a:solidFill>
-                  <a:schemeClr val="bg1">
-                    <a:lumMod val="85000"/>
-                  </a:schemeClr>
-                </a:solidFill>
-                <a:latin typeface="Courier New" panose="02070309020205020404" pitchFamily="49" charset="0"/>
-                <a:cs typeface="Courier New" panose="02070309020205020404" pitchFamily="49" charset="0"/>
-              </a:rPr>
-              <a:t>8 </a:t>
-            </a:r>
-            <a:r>
-              <a:rPr lang="pt-BR" sz="2800" dirty="0">
-                <a:latin typeface="Courier New" panose="02070309020205020404" pitchFamily="49" charset="0"/>
-                <a:cs typeface="Courier New" panose="02070309020205020404" pitchFamily="49" charset="0"/>
-              </a:rPr>
-              <a:t> edge n2 n4</a:t>
-            </a:r>
-            <a:endParaRPr lang="de-DE" sz="2800" dirty="0">
-              <a:latin typeface="Courier New" panose="02070309020205020404" pitchFamily="49" charset="0"/>
-              <a:cs typeface="Courier New" panose="02070309020205020404" pitchFamily="49" charset="0"/>
-            </a:endParaRPr>
-          </a:p>
-        </p:txBody>
-      </p:sp>
-      <p:sp>
-        <p:nvSpPr>
-          <p:cNvPr id="16" name="Pfeil: nach rechts 15">
-            <a:extLst>
-              <a:ext uri="{FF2B5EF4-FFF2-40B4-BE49-F238E27FC236}">
-                <a16:creationId xmlns:a16="http://schemas.microsoft.com/office/drawing/2014/main" id="{F101D861-8B61-4F93-AEA4-40D7158A01F4}"/>
-              </a:ext>
-            </a:extLst>
-          </p:cNvPr>
-          <p:cNvSpPr/>
-          <p:nvPr/>
-        </p:nvSpPr>
-        <p:spPr>
-          <a:xfrm>
-            <a:off x="8370333" y="3652785"/>
-            <a:ext cx="776521" cy="567244"/>
-          </a:xfrm>
-          <a:prstGeom prst="rightArrow">
-            <a:avLst/>
-          </a:prstGeom>
-          <a:solidFill>
-            <a:srgbClr val="251658"/>
-          </a:solidFill>
-          <a:ln w="28575">
-            <a:solidFill>
-              <a:srgbClr val="8C81AF"/>
-            </a:solidFill>
-          </a:ln>
-          <a:effectLst>
-            <a:glow>
-              <a:schemeClr val="accent4">
-                <a:lumMod val="20000"/>
-                <a:lumOff val="80000"/>
-              </a:schemeClr>
-            </a:glow>
-          </a:effectLst>
-        </p:spPr>
-        <p:style>
-          <a:lnRef idx="2">
-            <a:schemeClr val="accent1">
-              <a:shade val="50000"/>
-            </a:schemeClr>
-          </a:lnRef>
-          <a:fillRef idx="1">
-            <a:schemeClr val="accent1"/>
-          </a:fillRef>
-          <a:effectRef idx="0">
-            <a:schemeClr val="accent1"/>
-          </a:effectRef>
-          <a:fontRef idx="minor">
-            <a:schemeClr val="lt1"/>
-          </a:fontRef>
-        </p:style>
-        <p:txBody>
-          <a:bodyPr rot="0" spcFirstLastPara="0" vertOverflow="overflow" horzOverflow="overflow" vert="horz" wrap="square" lIns="91440" tIns="45720" rIns="91440" bIns="45720" numCol="1" spcCol="0" rtlCol="0" fromWordArt="0" anchor="ctr" anchorCtr="0" forceAA="0" compatLnSpc="1">
-            <a:prstTxWarp prst="textNoShape">
-              <a:avLst/>
-            </a:prstTxWarp>
-            <a:noAutofit/>
-          </a:bodyPr>
-          <a:lstStyle/>
-          <a:p>
-            <a:pPr algn="ctr"/>
-            <a:endParaRPr lang="de-DE"/>
-          </a:p>
-        </p:txBody>
-      </p:sp>
-      <p:sp>
-        <p:nvSpPr>
-          <p:cNvPr id="59" name="Textfeld 58">
-            <a:extLst>
-              <a:ext uri="{FF2B5EF4-FFF2-40B4-BE49-F238E27FC236}">
-                <a16:creationId xmlns:a16="http://schemas.microsoft.com/office/drawing/2014/main" id="{E46AE3FE-CAD7-4B09-9771-4DC91C597F78}"/>
-              </a:ext>
-            </a:extLst>
-          </p:cNvPr>
-          <p:cNvSpPr txBox="1"/>
-          <p:nvPr/>
-        </p:nvSpPr>
-        <p:spPr>
-          <a:xfrm>
-            <a:off x="9535270" y="3646362"/>
-            <a:ext cx="1828800" cy="523220"/>
-          </a:xfrm>
-          <a:prstGeom prst="rect">
-            <a:avLst/>
-          </a:prstGeom>
-          <a:noFill/>
-        </p:spPr>
-        <p:txBody>
-          <a:bodyPr wrap="square" rtlCol="0">
-            <a:spAutoFit/>
-          </a:bodyPr>
-          <a:lstStyle/>
-          <a:p>
-            <a:r>
-              <a:rPr lang="de-DE" sz="2800" dirty="0" err="1"/>
-              <a:t>ElkGraph</a:t>
-            </a:r>
-            <a:endParaRPr lang="de-DE" sz="2800" dirty="0"/>
-          </a:p>
-        </p:txBody>
-      </p:sp>
-      <p:sp>
-        <p:nvSpPr>
-          <p:cNvPr id="79" name="Rechteck 78">
-            <a:extLst>
-              <a:ext uri="{FF2B5EF4-FFF2-40B4-BE49-F238E27FC236}">
-                <a16:creationId xmlns:a16="http://schemas.microsoft.com/office/drawing/2014/main" id="{26ADADB3-7F06-4EEF-9EDE-1B2443713C11}"/>
-              </a:ext>
-            </a:extLst>
-          </p:cNvPr>
-          <p:cNvSpPr/>
-          <p:nvPr/>
-        </p:nvSpPr>
-        <p:spPr>
-          <a:xfrm>
-            <a:off x="485820" y="1462026"/>
-            <a:ext cx="3173981" cy="5113397"/>
-          </a:xfrm>
-          <a:prstGeom prst="rect">
-            <a:avLst/>
-          </a:prstGeom>
-          <a:solidFill>
-            <a:srgbClr val="251658">
-              <a:alpha val="34000"/>
-            </a:srgbClr>
-          </a:solidFill>
-          <a:ln>
-            <a:noFill/>
-          </a:ln>
-        </p:spPr>
-        <p:style>
-          <a:lnRef idx="2">
-            <a:schemeClr val="accent1">
-              <a:shade val="50000"/>
-            </a:schemeClr>
-          </a:lnRef>
-          <a:fillRef idx="1">
-            <a:schemeClr val="accent1"/>
-          </a:fillRef>
-          <a:effectRef idx="0">
-            <a:schemeClr val="accent1"/>
-          </a:effectRef>
-          <a:fontRef idx="minor">
-            <a:schemeClr val="lt1"/>
-          </a:fontRef>
-        </p:style>
-        <p:txBody>
-          <a:bodyPr rtlCol="0" anchor="t"/>
-          <a:lstStyle/>
-          <a:p>
-            <a:endParaRPr lang="de-DE" sz="2000" b="1" dirty="0">
-              <a:solidFill>
-                <a:schemeClr val="tx1"/>
-              </a:solidFill>
-            </a:endParaRPr>
-          </a:p>
-          <a:p>
-            <a:pPr marL="342900" indent="-255588">
-              <a:buFont typeface="Arial" panose="020B0604020202020204" pitchFamily="34" charset="0"/>
-              <a:buChar char="•"/>
-            </a:pPr>
-            <a:endParaRPr lang="de-DE" sz="2000" b="1" dirty="0">
-              <a:solidFill>
-                <a:schemeClr val="tx1"/>
-              </a:solidFill>
-            </a:endParaRPr>
-          </a:p>
-          <a:p>
-            <a:pPr marL="342900" indent="-255588">
-              <a:buFont typeface="Arial" panose="020B0604020202020204" pitchFamily="34" charset="0"/>
-              <a:buChar char="•"/>
-            </a:pPr>
-            <a:endParaRPr lang="de-DE" sz="2000" b="1" dirty="0">
-              <a:solidFill>
-                <a:schemeClr val="tx1"/>
-              </a:solidFill>
-            </a:endParaRPr>
-          </a:p>
-          <a:p>
-            <a:pPr marL="342900" indent="-255588">
-              <a:buFont typeface="Arial" panose="020B0604020202020204" pitchFamily="34" charset="0"/>
-              <a:buChar char="•"/>
-            </a:pPr>
-            <a:endParaRPr lang="de-DE" sz="2000" b="1" dirty="0">
-              <a:solidFill>
-                <a:schemeClr val="tx1"/>
-              </a:solidFill>
-            </a:endParaRPr>
-          </a:p>
-          <a:p>
-            <a:pPr marL="342900" indent="-255588">
-              <a:buFont typeface="Arial" panose="020B0604020202020204" pitchFamily="34" charset="0"/>
-              <a:buChar char="•"/>
-            </a:pPr>
-            <a:endParaRPr lang="de-DE" sz="2000" b="1" dirty="0">
-              <a:solidFill>
-                <a:schemeClr val="tx1"/>
-              </a:solidFill>
-            </a:endParaRPr>
-          </a:p>
-          <a:p>
-            <a:pPr marL="342900" indent="-255588">
-              <a:buFont typeface="Arial" panose="020B0604020202020204" pitchFamily="34" charset="0"/>
-              <a:buChar char="•"/>
-            </a:pPr>
-            <a:r>
-              <a:rPr lang="de-DE" sz="2000" b="1" dirty="0">
-                <a:solidFill>
-                  <a:schemeClr val="tx1"/>
-                </a:solidFill>
-              </a:rPr>
-              <a:t>Textformat für Graphen</a:t>
-            </a:r>
-          </a:p>
-          <a:p>
-            <a:pPr marL="342900" indent="-255588">
-              <a:buFont typeface="Arial" panose="020B0604020202020204" pitchFamily="34" charset="0"/>
-              <a:buChar char="•"/>
-            </a:pPr>
-            <a:endParaRPr lang="de-DE" sz="2000" b="1" dirty="0">
-              <a:solidFill>
-                <a:schemeClr val="tx1"/>
-              </a:solidFill>
-            </a:endParaRPr>
-          </a:p>
-          <a:p>
-            <a:pPr marL="342900" indent="-255588">
-              <a:buFont typeface="Arial" panose="020B0604020202020204" pitchFamily="34" charset="0"/>
-              <a:buChar char="•"/>
-            </a:pPr>
-            <a:r>
-              <a:rPr lang="de-DE" sz="2000" b="1" dirty="0">
-                <a:solidFill>
-                  <a:schemeClr val="tx1"/>
-                </a:solidFill>
-              </a:rPr>
-              <a:t>Textformat in </a:t>
-            </a:r>
-            <a:r>
-              <a:rPr lang="de-DE" sz="2000" b="1" dirty="0" err="1">
-                <a:solidFill>
-                  <a:schemeClr val="tx1"/>
-                </a:solidFill>
-              </a:rPr>
-              <a:t>ElkGraph</a:t>
-            </a:r>
-            <a:r>
-              <a:rPr lang="de-DE" sz="2000" b="1" dirty="0">
-                <a:solidFill>
-                  <a:schemeClr val="tx1"/>
-                </a:solidFill>
-              </a:rPr>
-              <a:t> übersetzen</a:t>
-            </a:r>
-          </a:p>
-          <a:p>
-            <a:pPr marL="342900" indent="-255588">
-              <a:buFont typeface="Arial" panose="020B0604020202020204" pitchFamily="34" charset="0"/>
-              <a:buChar char="•"/>
-            </a:pPr>
-            <a:endParaRPr lang="de-DE" sz="2000" b="1" dirty="0">
-              <a:solidFill>
-                <a:schemeClr val="tx1"/>
-              </a:solidFill>
-            </a:endParaRPr>
-          </a:p>
-          <a:p>
-            <a:pPr marL="342900" indent="-255588">
-              <a:buFont typeface="Arial" panose="020B0604020202020204" pitchFamily="34" charset="0"/>
-              <a:buChar char="•"/>
-            </a:pPr>
-            <a:r>
-              <a:rPr lang="de-DE" sz="2000" b="1" dirty="0">
-                <a:solidFill>
-                  <a:schemeClr val="tx1"/>
-                </a:solidFill>
-              </a:rPr>
-              <a:t>Error Handling</a:t>
-            </a:r>
-          </a:p>
-          <a:p>
-            <a:pPr marL="342900" indent="-255588">
-              <a:buFont typeface="Arial" panose="020B0604020202020204" pitchFamily="34" charset="0"/>
-              <a:buChar char="•"/>
-            </a:pPr>
-            <a:endParaRPr lang="de-DE" sz="2000" b="1" dirty="0">
-              <a:solidFill>
-                <a:schemeClr val="tx1"/>
-              </a:solidFill>
-            </a:endParaRPr>
-          </a:p>
-          <a:p>
-            <a:pPr marL="342900" indent="-255588">
-              <a:buFont typeface="Arial" panose="020B0604020202020204" pitchFamily="34" charset="0"/>
-              <a:buChar char="•"/>
-            </a:pPr>
-            <a:r>
-              <a:rPr lang="de-DE" sz="2000" b="1" dirty="0">
-                <a:solidFill>
-                  <a:schemeClr val="tx1"/>
-                </a:solidFill>
-              </a:rPr>
-              <a:t>Cycle </a:t>
-            </a:r>
-            <a:r>
-              <a:rPr lang="de-DE" sz="2000" b="1" dirty="0" err="1">
-                <a:solidFill>
-                  <a:schemeClr val="tx1"/>
-                </a:solidFill>
-              </a:rPr>
-              <a:t>breaking</a:t>
-            </a:r>
-            <a:endParaRPr lang="de-DE" sz="2000" b="1" dirty="0">
-              <a:solidFill>
-                <a:schemeClr val="tx1"/>
-              </a:solidFill>
-            </a:endParaRPr>
-          </a:p>
-          <a:p>
-            <a:pPr marL="342900" indent="-342900">
-              <a:buFont typeface="Arial" panose="020B0604020202020204" pitchFamily="34" charset="0"/>
-              <a:buChar char="•"/>
-            </a:pPr>
-            <a:endParaRPr lang="de-DE" sz="2400" dirty="0">
-              <a:solidFill>
-                <a:schemeClr val="tx1"/>
-              </a:solidFill>
-            </a:endParaRPr>
-          </a:p>
-        </p:txBody>
-      </p:sp>
-      <p:grpSp>
-        <p:nvGrpSpPr>
-          <p:cNvPr id="80" name="Gruppieren 79">
-            <a:extLst>
-              <a:ext uri="{FF2B5EF4-FFF2-40B4-BE49-F238E27FC236}">
-                <a16:creationId xmlns:a16="http://schemas.microsoft.com/office/drawing/2014/main" id="{58F6F527-C7B7-404C-BFF7-A55E589FC62F}"/>
-              </a:ext>
-            </a:extLst>
-          </p:cNvPr>
-          <p:cNvGrpSpPr/>
-          <p:nvPr/>
-        </p:nvGrpSpPr>
-        <p:grpSpPr>
-          <a:xfrm>
-            <a:off x="619412" y="1564976"/>
-            <a:ext cx="2906794" cy="1092972"/>
-            <a:chOff x="1065285" y="3182901"/>
-            <a:chExt cx="3442749" cy="1219236"/>
-          </a:xfrm>
-          <a:solidFill>
-            <a:srgbClr val="251658"/>
-          </a:solidFill>
-        </p:grpSpPr>
-        <p:sp>
-          <p:nvSpPr>
-            <p:cNvPr id="81" name="Rechteck: eine Ecke abgeschnitten 80">
-              <a:extLst>
-                <a:ext uri="{FF2B5EF4-FFF2-40B4-BE49-F238E27FC236}">
-                  <a16:creationId xmlns:a16="http://schemas.microsoft.com/office/drawing/2014/main" id="{E5DB021B-0E7E-4EA1-B0F1-4C50F96B17F9}"/>
-                </a:ext>
-              </a:extLst>
-            </p:cNvPr>
-            <p:cNvSpPr/>
-            <p:nvPr/>
-          </p:nvSpPr>
-          <p:spPr>
-            <a:xfrm flipV="1">
-              <a:off x="1065285" y="3182901"/>
-              <a:ext cx="3442749" cy="1219236"/>
-            </a:xfrm>
-            <a:prstGeom prst="snip1Rect">
-              <a:avLst>
-                <a:gd name="adj" fmla="val 50000"/>
-              </a:avLst>
-            </a:prstGeom>
-            <a:grpFill/>
-            <a:ln w="28575">
-              <a:solidFill>
-                <a:srgbClr val="8C81AF"/>
-              </a:solidFill>
-            </a:ln>
-            <a:effectLst>
-              <a:glow>
-                <a:schemeClr val="accent4">
-                  <a:lumMod val="20000"/>
-                  <a:lumOff val="80000"/>
-                </a:schemeClr>
-              </a:glow>
-            </a:effectLst>
-          </p:spPr>
-          <p:style>
-            <a:lnRef idx="2">
-              <a:schemeClr val="accent1">
-                <a:shade val="50000"/>
-              </a:schemeClr>
-            </a:lnRef>
-            <a:fillRef idx="1">
-              <a:schemeClr val="accent1"/>
-            </a:fillRef>
-            <a:effectRef idx="0">
-              <a:schemeClr val="accent1"/>
-            </a:effectRef>
-            <a:fontRef idx="minor">
-              <a:schemeClr val="lt1"/>
-            </a:fontRef>
-          </p:style>
-          <p:txBody>
-            <a:bodyPr rtlCol="0" anchor="ctr"/>
-            <a:lstStyle/>
-            <a:p>
-              <a:pPr algn="ctr"/>
-              <a:endParaRPr lang="de-DE" dirty="0"/>
-            </a:p>
-          </p:txBody>
-        </p:sp>
-        <p:sp>
-          <p:nvSpPr>
-            <p:cNvPr id="82" name="Rechteck 81">
-              <a:extLst>
-                <a:ext uri="{FF2B5EF4-FFF2-40B4-BE49-F238E27FC236}">
-                  <a16:creationId xmlns:a16="http://schemas.microsoft.com/office/drawing/2014/main" id="{569AAE2E-13C7-4DFE-A5E9-CE8D158B58A3}"/>
-                </a:ext>
-              </a:extLst>
-            </p:cNvPr>
-            <p:cNvSpPr/>
-            <p:nvPr/>
-          </p:nvSpPr>
-          <p:spPr>
-            <a:xfrm>
-              <a:off x="1602562" y="3457072"/>
-              <a:ext cx="2368195" cy="648861"/>
-            </a:xfrm>
-            <a:prstGeom prst="rect">
-              <a:avLst/>
-            </a:prstGeom>
-            <a:grpFill/>
-            <a:ln>
-              <a:noFill/>
-            </a:ln>
-          </p:spPr>
-          <p:style>
-            <a:lnRef idx="2">
-              <a:schemeClr val="accent1">
-                <a:shade val="50000"/>
-              </a:schemeClr>
-            </a:lnRef>
-            <a:fillRef idx="1">
-              <a:schemeClr val="accent1"/>
-            </a:fillRef>
-            <a:effectRef idx="0">
-              <a:schemeClr val="accent1"/>
-            </a:effectRef>
-            <a:fontRef idx="minor">
-              <a:schemeClr val="lt1"/>
-            </a:fontRef>
-          </p:style>
-          <p:txBody>
-            <a:bodyPr rtlCol="0" anchor="ctr"/>
-            <a:lstStyle/>
-            <a:p>
-              <a:pPr algn="ctr"/>
-              <a:r>
-                <a:rPr lang="de-DE" sz="2800" dirty="0" err="1">
-                  <a:solidFill>
-                    <a:srgbClr val="8C81AF"/>
-                  </a:solidFill>
-                </a:rPr>
-                <a:t>Parsing</a:t>
-              </a:r>
-              <a:endParaRPr lang="de-DE" dirty="0">
-                <a:solidFill>
-                  <a:srgbClr val="8C81AF"/>
-                </a:solidFill>
-              </a:endParaRPr>
-            </a:p>
-          </p:txBody>
-        </p:sp>
-      </p:grpSp>
     </p:spTree>
     <p:extLst>
       <p:ext uri="{BB962C8B-B14F-4D97-AF65-F5344CB8AC3E}">
-        <p14:creationId xmlns:p14="http://schemas.microsoft.com/office/powerpoint/2010/main" val="3988390877"/>
+        <p14:creationId xmlns:p14="http://schemas.microsoft.com/office/powerpoint/2010/main" val="3081804930"/>
       </p:ext>
     </p:extLst>
   </p:cSld>
